--- a/lectures/7-WebGL.pptx
+++ b/lectures/7-WebGL.pptx
@@ -605,7 +605,7 @@
           </a:ln>
           <a:extLst>
             <a:ext uri="{909E8E84-426E-40dd-AFC4-6F175D3DCCD1}">
-              <a14:hiddenFill xmlns="" xmlns:a14="http://schemas.microsoft.com/office/drawing/2010/main">
+              <a14:hiddenFill xmlns:a14="http://schemas.microsoft.com/office/drawing/2010/main" xmlns="">
                 <a:solidFill>
                   <a:srgbClr val="FFFFFF"/>
                 </a:solidFill>
@@ -1110,14 +1110,14 @@
           <a:ln/>
           <a:extLst>
             <a:ext uri="{909E8E84-426E-40dd-AFC4-6F175D3DCCD1}">
-              <a14:hiddenFill xmlns="" xmlns:a14="http://schemas.microsoft.com/office/drawing/2010/main">
+              <a14:hiddenFill xmlns:a14="http://schemas.microsoft.com/office/drawing/2010/main" xmlns="">
                 <a:solidFill>
                   <a:srgbClr val="FFFFFF"/>
                 </a:solidFill>
               </a14:hiddenFill>
             </a:ext>
             <a:ext uri="{91240B29-F687-4f45-9708-019B960494DF}">
-              <a14:hiddenLine xmlns="" xmlns:a14="http://schemas.microsoft.com/office/drawing/2010/main" w="9525">
+              <a14:hiddenLine xmlns:a14="http://schemas.microsoft.com/office/drawing/2010/main" xmlns="" w="9525">
                 <a:solidFill>
                   <a:srgbClr val="000000"/>
                 </a:solidFill>
@@ -1297,14 +1297,14 @@
           <a:ln/>
           <a:extLst>
             <a:ext uri="{909E8E84-426E-40dd-AFC4-6F175D3DCCD1}">
-              <a14:hiddenFill xmlns="" xmlns:a14="http://schemas.microsoft.com/office/drawing/2010/main">
+              <a14:hiddenFill xmlns:a14="http://schemas.microsoft.com/office/drawing/2010/main" xmlns="">
                 <a:solidFill>
                   <a:srgbClr val="FFFFFF"/>
                 </a:solidFill>
               </a14:hiddenFill>
             </a:ext>
             <a:ext uri="{91240B29-F687-4f45-9708-019B960494DF}">
-              <a14:hiddenLine xmlns="" xmlns:a14="http://schemas.microsoft.com/office/drawing/2010/main" w="9525">
+              <a14:hiddenLine xmlns:a14="http://schemas.microsoft.com/office/drawing/2010/main" xmlns="" w="9525">
                 <a:solidFill>
                   <a:srgbClr val="000000"/>
                 </a:solidFill>
@@ -1341,14 +1341,14 @@
           <a:ln/>
           <a:extLst>
             <a:ext uri="{909E8E84-426E-40dd-AFC4-6F175D3DCCD1}">
-              <a14:hiddenFill xmlns="" xmlns:a14="http://schemas.microsoft.com/office/drawing/2010/main">
+              <a14:hiddenFill xmlns:a14="http://schemas.microsoft.com/office/drawing/2010/main" xmlns="">
                 <a:solidFill>
                   <a:srgbClr val="FFFFFF"/>
                 </a:solidFill>
               </a14:hiddenFill>
             </a:ext>
             <a:ext uri="{91240B29-F687-4f45-9708-019B960494DF}">
-              <a14:hiddenLine xmlns="" xmlns:a14="http://schemas.microsoft.com/office/drawing/2010/main" w="9525">
+              <a14:hiddenLine xmlns:a14="http://schemas.microsoft.com/office/drawing/2010/main" xmlns="" w="9525">
                 <a:solidFill>
                   <a:srgbClr val="000000"/>
                 </a:solidFill>
@@ -1528,14 +1528,14 @@
           <a:ln/>
           <a:extLst>
             <a:ext uri="{909E8E84-426E-40dd-AFC4-6F175D3DCCD1}">
-              <a14:hiddenFill xmlns="" xmlns:a14="http://schemas.microsoft.com/office/drawing/2010/main">
+              <a14:hiddenFill xmlns:a14="http://schemas.microsoft.com/office/drawing/2010/main" xmlns="">
                 <a:solidFill>
                   <a:srgbClr val="FFFFFF"/>
                 </a:solidFill>
               </a14:hiddenFill>
             </a:ext>
             <a:ext uri="{91240B29-F687-4f45-9708-019B960494DF}">
-              <a14:hiddenLine xmlns="" xmlns:a14="http://schemas.microsoft.com/office/drawing/2010/main" w="9525">
+              <a14:hiddenLine xmlns:a14="http://schemas.microsoft.com/office/drawing/2010/main" xmlns="" w="9525">
                 <a:solidFill>
                   <a:srgbClr val="000000"/>
                 </a:solidFill>
@@ -1569,14 +1569,14 @@
           <a:ln/>
           <a:extLst>
             <a:ext uri="{909E8E84-426E-40dd-AFC4-6F175D3DCCD1}">
-              <a14:hiddenFill xmlns="" xmlns:a14="http://schemas.microsoft.com/office/drawing/2010/main">
+              <a14:hiddenFill xmlns:a14="http://schemas.microsoft.com/office/drawing/2010/main" xmlns="">
                 <a:solidFill>
                   <a:srgbClr val="FFFFFF"/>
                 </a:solidFill>
               </a14:hiddenFill>
             </a:ext>
             <a:ext uri="{91240B29-F687-4f45-9708-019B960494DF}">
-              <a14:hiddenLine xmlns="" xmlns:a14="http://schemas.microsoft.com/office/drawing/2010/main" w="9525">
+              <a14:hiddenLine xmlns:a14="http://schemas.microsoft.com/office/drawing/2010/main" xmlns="" w="9525">
                 <a:solidFill>
                   <a:srgbClr val="000000"/>
                 </a:solidFill>
@@ -1756,14 +1756,14 @@
           <a:ln/>
           <a:extLst>
             <a:ext uri="{909E8E84-426E-40dd-AFC4-6F175D3DCCD1}">
-              <a14:hiddenFill xmlns="" xmlns:a14="http://schemas.microsoft.com/office/drawing/2010/main">
+              <a14:hiddenFill xmlns:a14="http://schemas.microsoft.com/office/drawing/2010/main" xmlns="">
                 <a:solidFill>
                   <a:srgbClr val="FFFFFF"/>
                 </a:solidFill>
               </a14:hiddenFill>
             </a:ext>
             <a:ext uri="{91240B29-F687-4f45-9708-019B960494DF}">
-              <a14:hiddenLine xmlns="" xmlns:a14="http://schemas.microsoft.com/office/drawing/2010/main" w="9525">
+              <a14:hiddenLine xmlns:a14="http://schemas.microsoft.com/office/drawing/2010/main" xmlns="" w="9525">
                 <a:solidFill>
                   <a:srgbClr val="000000"/>
                 </a:solidFill>
@@ -1841,14 +1841,14 @@
           <a:ln/>
           <a:extLst>
             <a:ext uri="{909E8E84-426E-40dd-AFC4-6F175D3DCCD1}">
-              <a14:hiddenFill xmlns="" xmlns:a14="http://schemas.microsoft.com/office/drawing/2010/main">
+              <a14:hiddenFill xmlns:a14="http://schemas.microsoft.com/office/drawing/2010/main" xmlns="">
                 <a:solidFill>
                   <a:srgbClr val="FFFFFF"/>
                 </a:solidFill>
               </a14:hiddenFill>
             </a:ext>
             <a:ext uri="{91240B29-F687-4f45-9708-019B960494DF}">
-              <a14:hiddenLine xmlns="" xmlns:a14="http://schemas.microsoft.com/office/drawing/2010/main" w="9525">
+              <a14:hiddenLine xmlns:a14="http://schemas.microsoft.com/office/drawing/2010/main" xmlns="" w="9525">
                 <a:solidFill>
                   <a:srgbClr val="000000"/>
                 </a:solidFill>
@@ -1926,14 +1926,14 @@
           <a:ln/>
           <a:extLst>
             <a:ext uri="{909E8E84-426E-40dd-AFC4-6F175D3DCCD1}">
-              <a14:hiddenFill xmlns="" xmlns:a14="http://schemas.microsoft.com/office/drawing/2010/main">
+              <a14:hiddenFill xmlns:a14="http://schemas.microsoft.com/office/drawing/2010/main" xmlns="">
                 <a:solidFill>
                   <a:srgbClr val="FFFFFF"/>
                 </a:solidFill>
               </a14:hiddenFill>
             </a:ext>
             <a:ext uri="{91240B29-F687-4f45-9708-019B960494DF}">
-              <a14:hiddenLine xmlns="" xmlns:a14="http://schemas.microsoft.com/office/drawing/2010/main" w="9525">
+              <a14:hiddenLine xmlns:a14="http://schemas.microsoft.com/office/drawing/2010/main" xmlns="" w="9525">
                 <a:solidFill>
                   <a:srgbClr val="000000"/>
                 </a:solidFill>
@@ -2011,14 +2011,14 @@
           <a:ln/>
           <a:extLst>
             <a:ext uri="{909E8E84-426E-40dd-AFC4-6F175D3DCCD1}">
-              <a14:hiddenFill xmlns="" xmlns:a14="http://schemas.microsoft.com/office/drawing/2010/main">
+              <a14:hiddenFill xmlns:a14="http://schemas.microsoft.com/office/drawing/2010/main" xmlns="">
                 <a:solidFill>
                   <a:srgbClr val="FFFFFF"/>
                 </a:solidFill>
               </a14:hiddenFill>
             </a:ext>
             <a:ext uri="{91240B29-F687-4f45-9708-019B960494DF}">
-              <a14:hiddenLine xmlns="" xmlns:a14="http://schemas.microsoft.com/office/drawing/2010/main" w="9525">
+              <a14:hiddenLine xmlns:a14="http://schemas.microsoft.com/office/drawing/2010/main" xmlns="" w="9525">
                 <a:solidFill>
                   <a:srgbClr val="000000"/>
                 </a:solidFill>
@@ -2096,14 +2096,14 @@
           <a:ln/>
           <a:extLst>
             <a:ext uri="{909E8E84-426E-40dd-AFC4-6F175D3DCCD1}">
-              <a14:hiddenFill xmlns="" xmlns:a14="http://schemas.microsoft.com/office/drawing/2010/main">
+              <a14:hiddenFill xmlns:a14="http://schemas.microsoft.com/office/drawing/2010/main" xmlns="">
                 <a:solidFill>
                   <a:srgbClr val="FFFFFF"/>
                 </a:solidFill>
               </a14:hiddenFill>
             </a:ext>
             <a:ext uri="{91240B29-F687-4f45-9708-019B960494DF}">
-              <a14:hiddenLine xmlns="" xmlns:a14="http://schemas.microsoft.com/office/drawing/2010/main" w="9525">
+              <a14:hiddenLine xmlns:a14="http://schemas.microsoft.com/office/drawing/2010/main" xmlns="" w="9525">
                 <a:solidFill>
                   <a:srgbClr val="000000"/>
                 </a:solidFill>
@@ -2140,14 +2140,14 @@
           <a:ln/>
           <a:extLst>
             <a:ext uri="{909E8E84-426E-40dd-AFC4-6F175D3DCCD1}">
-              <a14:hiddenFill xmlns="" xmlns:a14="http://schemas.microsoft.com/office/drawing/2010/main">
+              <a14:hiddenFill xmlns:a14="http://schemas.microsoft.com/office/drawing/2010/main" xmlns="">
                 <a:solidFill>
                   <a:srgbClr val="FFFFFF"/>
                 </a:solidFill>
               </a14:hiddenFill>
             </a:ext>
             <a:ext uri="{91240B29-F687-4f45-9708-019B960494DF}">
-              <a14:hiddenLine xmlns="" xmlns:a14="http://schemas.microsoft.com/office/drawing/2010/main" w="9525">
+              <a14:hiddenLine xmlns:a14="http://schemas.microsoft.com/office/drawing/2010/main" xmlns="" w="9525">
                 <a:solidFill>
                   <a:srgbClr val="000000"/>
                 </a:solidFill>
@@ -2327,14 +2327,14 @@
           <a:ln/>
           <a:extLst>
             <a:ext uri="{909E8E84-426E-40dd-AFC4-6F175D3DCCD1}">
-              <a14:hiddenFill xmlns="" xmlns:a14="http://schemas.microsoft.com/office/drawing/2010/main">
+              <a14:hiddenFill xmlns:a14="http://schemas.microsoft.com/office/drawing/2010/main" xmlns="">
                 <a:solidFill>
                   <a:srgbClr val="FFFFFF"/>
                 </a:solidFill>
               </a14:hiddenFill>
             </a:ext>
             <a:ext uri="{91240B29-F687-4f45-9708-019B960494DF}">
-              <a14:hiddenLine xmlns="" xmlns:a14="http://schemas.microsoft.com/office/drawing/2010/main" w="9525">
+              <a14:hiddenLine xmlns:a14="http://schemas.microsoft.com/office/drawing/2010/main" xmlns="" w="9525">
                 <a:solidFill>
                   <a:srgbClr val="000000"/>
                 </a:solidFill>
@@ -2412,14 +2412,14 @@
           <a:ln/>
           <a:extLst>
             <a:ext uri="{909E8E84-426E-40dd-AFC4-6F175D3DCCD1}">
-              <a14:hiddenFill xmlns="" xmlns:a14="http://schemas.microsoft.com/office/drawing/2010/main">
+              <a14:hiddenFill xmlns:a14="http://schemas.microsoft.com/office/drawing/2010/main" xmlns="">
                 <a:solidFill>
                   <a:srgbClr val="FFFFFF"/>
                 </a:solidFill>
               </a14:hiddenFill>
             </a:ext>
             <a:ext uri="{91240B29-F687-4f45-9708-019B960494DF}">
-              <a14:hiddenLine xmlns="" xmlns:a14="http://schemas.microsoft.com/office/drawing/2010/main" w="9525">
+              <a14:hiddenLine xmlns:a14="http://schemas.microsoft.com/office/drawing/2010/main" xmlns="" w="9525">
                 <a:solidFill>
                   <a:srgbClr val="000000"/>
                 </a:solidFill>
@@ -2590,14 +2590,14 @@
           <a:ln/>
           <a:extLst>
             <a:ext uri="{909E8E84-426E-40dd-AFC4-6F175D3DCCD1}">
-              <a14:hiddenFill xmlns="" xmlns:a14="http://schemas.microsoft.com/office/drawing/2010/main">
+              <a14:hiddenFill xmlns:a14="http://schemas.microsoft.com/office/drawing/2010/main" xmlns="">
                 <a:solidFill>
                   <a:srgbClr val="FFFFFF"/>
                 </a:solidFill>
               </a14:hiddenFill>
             </a:ext>
             <a:ext uri="{91240B29-F687-4f45-9708-019B960494DF}">
-              <a14:hiddenLine xmlns="" xmlns:a14="http://schemas.microsoft.com/office/drawing/2010/main" w="9525">
+              <a14:hiddenLine xmlns:a14="http://schemas.microsoft.com/office/drawing/2010/main" xmlns="" w="9525">
                 <a:solidFill>
                   <a:srgbClr val="000000"/>
                 </a:solidFill>
@@ -2634,14 +2634,14 @@
           <a:ln/>
           <a:extLst>
             <a:ext uri="{909E8E84-426E-40dd-AFC4-6F175D3DCCD1}">
-              <a14:hiddenFill xmlns="" xmlns:a14="http://schemas.microsoft.com/office/drawing/2010/main">
+              <a14:hiddenFill xmlns:a14="http://schemas.microsoft.com/office/drawing/2010/main" xmlns="">
                 <a:solidFill>
                   <a:srgbClr val="FFFFFF"/>
                 </a:solidFill>
               </a14:hiddenFill>
             </a:ext>
             <a:ext uri="{91240B29-F687-4f45-9708-019B960494DF}">
-              <a14:hiddenLine xmlns="" xmlns:a14="http://schemas.microsoft.com/office/drawing/2010/main" w="9525">
+              <a14:hiddenLine xmlns:a14="http://schemas.microsoft.com/office/drawing/2010/main" xmlns="" w="9525">
                 <a:solidFill>
                   <a:srgbClr val="000000"/>
                 </a:solidFill>
@@ -2821,14 +2821,14 @@
           <a:ln/>
           <a:extLst>
             <a:ext uri="{909E8E84-426E-40dd-AFC4-6F175D3DCCD1}">
-              <a14:hiddenFill xmlns="" xmlns:a14="http://schemas.microsoft.com/office/drawing/2010/main">
+              <a14:hiddenFill xmlns:a14="http://schemas.microsoft.com/office/drawing/2010/main" xmlns="">
                 <a:solidFill>
                   <a:srgbClr val="FFFFFF"/>
                 </a:solidFill>
               </a14:hiddenFill>
             </a:ext>
             <a:ext uri="{91240B29-F687-4f45-9708-019B960494DF}">
-              <a14:hiddenLine xmlns="" xmlns:a14="http://schemas.microsoft.com/office/drawing/2010/main" w="9525">
+              <a14:hiddenLine xmlns:a14="http://schemas.microsoft.com/office/drawing/2010/main" xmlns="" w="9525">
                 <a:solidFill>
                   <a:srgbClr val="000000"/>
                 </a:solidFill>
@@ -2865,14 +2865,14 @@
           <a:ln/>
           <a:extLst>
             <a:ext uri="{909E8E84-426E-40dd-AFC4-6F175D3DCCD1}">
-              <a14:hiddenFill xmlns="" xmlns:a14="http://schemas.microsoft.com/office/drawing/2010/main">
+              <a14:hiddenFill xmlns:a14="http://schemas.microsoft.com/office/drawing/2010/main" xmlns="">
                 <a:solidFill>
                   <a:srgbClr val="FFFFFF"/>
                 </a:solidFill>
               </a14:hiddenFill>
             </a:ext>
             <a:ext uri="{91240B29-F687-4f45-9708-019B960494DF}">
-              <a14:hiddenLine xmlns="" xmlns:a14="http://schemas.microsoft.com/office/drawing/2010/main" w="9525">
+              <a14:hiddenLine xmlns:a14="http://schemas.microsoft.com/office/drawing/2010/main" xmlns="" w="9525">
                 <a:solidFill>
                   <a:srgbClr val="000000"/>
                 </a:solidFill>
@@ -3052,14 +3052,14 @@
           <a:ln/>
           <a:extLst>
             <a:ext uri="{909E8E84-426E-40dd-AFC4-6F175D3DCCD1}">
-              <a14:hiddenFill xmlns="" xmlns:a14="http://schemas.microsoft.com/office/drawing/2010/main">
+              <a14:hiddenFill xmlns:a14="http://schemas.microsoft.com/office/drawing/2010/main" xmlns="">
                 <a:solidFill>
                   <a:srgbClr val="FFFFFF"/>
                 </a:solidFill>
               </a14:hiddenFill>
             </a:ext>
             <a:ext uri="{91240B29-F687-4f45-9708-019B960494DF}">
-              <a14:hiddenLine xmlns="" xmlns:a14="http://schemas.microsoft.com/office/drawing/2010/main" w="9525">
+              <a14:hiddenLine xmlns:a14="http://schemas.microsoft.com/office/drawing/2010/main" xmlns="" w="9525">
                 <a:solidFill>
                   <a:srgbClr val="000000"/>
                 </a:solidFill>
@@ -3096,14 +3096,14 @@
           <a:ln/>
           <a:extLst>
             <a:ext uri="{909E8E84-426E-40dd-AFC4-6F175D3DCCD1}">
-              <a14:hiddenFill xmlns="" xmlns:a14="http://schemas.microsoft.com/office/drawing/2010/main">
+              <a14:hiddenFill xmlns:a14="http://schemas.microsoft.com/office/drawing/2010/main" xmlns="">
                 <a:solidFill>
                   <a:srgbClr val="FFFFFF"/>
                 </a:solidFill>
               </a14:hiddenFill>
             </a:ext>
             <a:ext uri="{91240B29-F687-4f45-9708-019B960494DF}">
-              <a14:hiddenLine xmlns="" xmlns:a14="http://schemas.microsoft.com/office/drawing/2010/main" w="9525">
+              <a14:hiddenLine xmlns:a14="http://schemas.microsoft.com/office/drawing/2010/main" xmlns="" w="9525">
                 <a:solidFill>
                   <a:srgbClr val="000000"/>
                 </a:solidFill>
@@ -3283,14 +3283,14 @@
           <a:ln/>
           <a:extLst>
             <a:ext uri="{909E8E84-426E-40dd-AFC4-6F175D3DCCD1}">
-              <a14:hiddenFill xmlns="" xmlns:a14="http://schemas.microsoft.com/office/drawing/2010/main">
+              <a14:hiddenFill xmlns:a14="http://schemas.microsoft.com/office/drawing/2010/main" xmlns="">
                 <a:solidFill>
                   <a:srgbClr val="FFFFFF"/>
                 </a:solidFill>
               </a14:hiddenFill>
             </a:ext>
             <a:ext uri="{91240B29-F687-4f45-9708-019B960494DF}">
-              <a14:hiddenLine xmlns="" xmlns:a14="http://schemas.microsoft.com/office/drawing/2010/main" w="9525">
+              <a14:hiddenLine xmlns:a14="http://schemas.microsoft.com/office/drawing/2010/main" xmlns="" w="9525">
                 <a:solidFill>
                   <a:srgbClr val="000000"/>
                 </a:solidFill>
@@ -3368,14 +3368,14 @@
           <a:ln/>
           <a:extLst>
             <a:ext uri="{909E8E84-426E-40dd-AFC4-6F175D3DCCD1}">
-              <a14:hiddenFill xmlns="" xmlns:a14="http://schemas.microsoft.com/office/drawing/2010/main">
+              <a14:hiddenFill xmlns:a14="http://schemas.microsoft.com/office/drawing/2010/main" xmlns="">
                 <a:solidFill>
                   <a:srgbClr val="FFFFFF"/>
                 </a:solidFill>
               </a14:hiddenFill>
             </a:ext>
             <a:ext uri="{91240B29-F687-4f45-9708-019B960494DF}">
-              <a14:hiddenLine xmlns="" xmlns:a14="http://schemas.microsoft.com/office/drawing/2010/main" w="9525">
+              <a14:hiddenLine xmlns:a14="http://schemas.microsoft.com/office/drawing/2010/main" xmlns="" w="9525">
                 <a:solidFill>
                   <a:srgbClr val="000000"/>
                 </a:solidFill>
@@ -3453,14 +3453,14 @@
           <a:ln/>
           <a:extLst>
             <a:ext uri="{909E8E84-426E-40dd-AFC4-6F175D3DCCD1}">
-              <a14:hiddenFill xmlns="" xmlns:a14="http://schemas.microsoft.com/office/drawing/2010/main">
+              <a14:hiddenFill xmlns:a14="http://schemas.microsoft.com/office/drawing/2010/main" xmlns="">
                 <a:solidFill>
                   <a:srgbClr val="FFFFFF"/>
                 </a:solidFill>
               </a14:hiddenFill>
             </a:ext>
             <a:ext uri="{91240B29-F687-4f45-9708-019B960494DF}">
-              <a14:hiddenLine xmlns="" xmlns:a14="http://schemas.microsoft.com/office/drawing/2010/main" w="9525">
+              <a14:hiddenLine xmlns:a14="http://schemas.microsoft.com/office/drawing/2010/main" xmlns="" w="9525">
                 <a:solidFill>
                   <a:srgbClr val="000000"/>
                 </a:solidFill>
@@ -3538,14 +3538,14 @@
           <a:ln/>
           <a:extLst>
             <a:ext uri="{909E8E84-426E-40dd-AFC4-6F175D3DCCD1}">
-              <a14:hiddenFill xmlns="" xmlns:a14="http://schemas.microsoft.com/office/drawing/2010/main">
+              <a14:hiddenFill xmlns:a14="http://schemas.microsoft.com/office/drawing/2010/main" xmlns="">
                 <a:solidFill>
                   <a:srgbClr val="FFFFFF"/>
                 </a:solidFill>
               </a14:hiddenFill>
             </a:ext>
             <a:ext uri="{91240B29-F687-4f45-9708-019B960494DF}">
-              <a14:hiddenLine xmlns="" xmlns:a14="http://schemas.microsoft.com/office/drawing/2010/main" w="9525">
+              <a14:hiddenLine xmlns:a14="http://schemas.microsoft.com/office/drawing/2010/main" xmlns="" w="9525">
                 <a:solidFill>
                   <a:srgbClr val="000000"/>
                 </a:solidFill>
@@ -3579,14 +3579,14 @@
           <a:ln/>
           <a:extLst>
             <a:ext uri="{909E8E84-426E-40dd-AFC4-6F175D3DCCD1}">
-              <a14:hiddenFill xmlns="" xmlns:a14="http://schemas.microsoft.com/office/drawing/2010/main">
+              <a14:hiddenFill xmlns:a14="http://schemas.microsoft.com/office/drawing/2010/main" xmlns="">
                 <a:solidFill>
                   <a:srgbClr val="FFFFFF"/>
                 </a:solidFill>
               </a14:hiddenFill>
             </a:ext>
             <a:ext uri="{91240B29-F687-4f45-9708-019B960494DF}">
-              <a14:hiddenLine xmlns="" xmlns:a14="http://schemas.microsoft.com/office/drawing/2010/main" w="9525">
+              <a14:hiddenLine xmlns:a14="http://schemas.microsoft.com/office/drawing/2010/main" xmlns="" w="9525">
                 <a:solidFill>
                   <a:srgbClr val="000000"/>
                 </a:solidFill>
@@ -3766,14 +3766,14 @@
           <a:ln/>
           <a:extLst>
             <a:ext uri="{909E8E84-426E-40dd-AFC4-6F175D3DCCD1}">
-              <a14:hiddenFill xmlns="" xmlns:a14="http://schemas.microsoft.com/office/drawing/2010/main">
+              <a14:hiddenFill xmlns:a14="http://schemas.microsoft.com/office/drawing/2010/main" xmlns="">
                 <a:solidFill>
                   <a:srgbClr val="FFFFFF"/>
                 </a:solidFill>
               </a14:hiddenFill>
             </a:ext>
             <a:ext uri="{91240B29-F687-4f45-9708-019B960494DF}">
-              <a14:hiddenLine xmlns="" xmlns:a14="http://schemas.microsoft.com/office/drawing/2010/main" w="9525">
+              <a14:hiddenLine xmlns:a14="http://schemas.microsoft.com/office/drawing/2010/main" xmlns="" w="9525">
                 <a:solidFill>
                   <a:srgbClr val="000000"/>
                 </a:solidFill>
@@ -3810,14 +3810,14 @@
           <a:ln/>
           <a:extLst>
             <a:ext uri="{909E8E84-426E-40dd-AFC4-6F175D3DCCD1}">
-              <a14:hiddenFill xmlns="" xmlns:a14="http://schemas.microsoft.com/office/drawing/2010/main">
+              <a14:hiddenFill xmlns:a14="http://schemas.microsoft.com/office/drawing/2010/main" xmlns="">
                 <a:solidFill>
                   <a:srgbClr val="FFFFFF"/>
                 </a:solidFill>
               </a14:hiddenFill>
             </a:ext>
             <a:ext uri="{91240B29-F687-4f45-9708-019B960494DF}">
-              <a14:hiddenLine xmlns="" xmlns:a14="http://schemas.microsoft.com/office/drawing/2010/main" w="9525">
+              <a14:hiddenLine xmlns:a14="http://schemas.microsoft.com/office/drawing/2010/main" xmlns="" w="9525">
                 <a:solidFill>
                   <a:srgbClr val="000000"/>
                 </a:solidFill>
@@ -3997,14 +3997,14 @@
           <a:ln/>
           <a:extLst>
             <a:ext uri="{909E8E84-426E-40dd-AFC4-6F175D3DCCD1}">
-              <a14:hiddenFill xmlns="" xmlns:a14="http://schemas.microsoft.com/office/drawing/2010/main">
+              <a14:hiddenFill xmlns:a14="http://schemas.microsoft.com/office/drawing/2010/main" xmlns="">
                 <a:solidFill>
                   <a:srgbClr val="FFFFFF"/>
                 </a:solidFill>
               </a14:hiddenFill>
             </a:ext>
             <a:ext uri="{91240B29-F687-4f45-9708-019B960494DF}">
-              <a14:hiddenLine xmlns="" xmlns:a14="http://schemas.microsoft.com/office/drawing/2010/main" w="9525">
+              <a14:hiddenLine xmlns:a14="http://schemas.microsoft.com/office/drawing/2010/main" xmlns="" w="9525">
                 <a:solidFill>
                   <a:srgbClr val="000000"/>
                 </a:solidFill>
@@ -4041,14 +4041,14 @@
           <a:ln/>
           <a:extLst>
             <a:ext uri="{909E8E84-426E-40dd-AFC4-6F175D3DCCD1}">
-              <a14:hiddenFill xmlns="" xmlns:a14="http://schemas.microsoft.com/office/drawing/2010/main">
+              <a14:hiddenFill xmlns:a14="http://schemas.microsoft.com/office/drawing/2010/main" xmlns="">
                 <a:solidFill>
                   <a:srgbClr val="FFFFFF"/>
                 </a:solidFill>
               </a14:hiddenFill>
             </a:ext>
             <a:ext uri="{91240B29-F687-4f45-9708-019B960494DF}">
-              <a14:hiddenLine xmlns="" xmlns:a14="http://schemas.microsoft.com/office/drawing/2010/main" w="9525">
+              <a14:hiddenLine xmlns:a14="http://schemas.microsoft.com/office/drawing/2010/main" xmlns="" w="9525">
                 <a:solidFill>
                   <a:srgbClr val="000000"/>
                 </a:solidFill>
@@ -4228,14 +4228,14 @@
           <a:ln/>
           <a:extLst>
             <a:ext uri="{909E8E84-426E-40dd-AFC4-6F175D3DCCD1}">
-              <a14:hiddenFill xmlns="" xmlns:a14="http://schemas.microsoft.com/office/drawing/2010/main">
+              <a14:hiddenFill xmlns:a14="http://schemas.microsoft.com/office/drawing/2010/main" xmlns="">
                 <a:solidFill>
                   <a:srgbClr val="FFFFFF"/>
                 </a:solidFill>
               </a14:hiddenFill>
             </a:ext>
             <a:ext uri="{91240B29-F687-4f45-9708-019B960494DF}">
-              <a14:hiddenLine xmlns="" xmlns:a14="http://schemas.microsoft.com/office/drawing/2010/main" w="9525">
+              <a14:hiddenLine xmlns:a14="http://schemas.microsoft.com/office/drawing/2010/main" xmlns="" w="9525">
                 <a:solidFill>
                   <a:srgbClr val="000000"/>
                 </a:solidFill>
@@ -4405,14 +4405,14 @@
           <a:ln/>
           <a:extLst>
             <a:ext uri="{909E8E84-426E-40dd-AFC4-6F175D3DCCD1}">
-              <a14:hiddenFill xmlns="" xmlns:a14="http://schemas.microsoft.com/office/drawing/2010/main">
+              <a14:hiddenFill xmlns:a14="http://schemas.microsoft.com/office/drawing/2010/main" xmlns="">
                 <a:solidFill>
                   <a:srgbClr val="FFFFFF"/>
                 </a:solidFill>
               </a14:hiddenFill>
             </a:ext>
             <a:ext uri="{91240B29-F687-4f45-9708-019B960494DF}">
-              <a14:hiddenLine xmlns="" xmlns:a14="http://schemas.microsoft.com/office/drawing/2010/main" w="9525">
+              <a14:hiddenLine xmlns:a14="http://schemas.microsoft.com/office/drawing/2010/main" xmlns="" w="9525">
                 <a:solidFill>
                   <a:srgbClr val="000000"/>
                 </a:solidFill>
@@ -4490,14 +4490,14 @@
           <a:ln/>
           <a:extLst>
             <a:ext uri="{909E8E84-426E-40dd-AFC4-6F175D3DCCD1}">
-              <a14:hiddenFill xmlns="" xmlns:a14="http://schemas.microsoft.com/office/drawing/2010/main">
+              <a14:hiddenFill xmlns:a14="http://schemas.microsoft.com/office/drawing/2010/main" xmlns="">
                 <a:solidFill>
                   <a:srgbClr val="FFFFFF"/>
                 </a:solidFill>
               </a14:hiddenFill>
             </a:ext>
             <a:ext uri="{91240B29-F687-4f45-9708-019B960494DF}">
-              <a14:hiddenLine xmlns="" xmlns:a14="http://schemas.microsoft.com/office/drawing/2010/main" w="9525">
+              <a14:hiddenLine xmlns:a14="http://schemas.microsoft.com/office/drawing/2010/main" xmlns="" w="9525">
                 <a:solidFill>
                   <a:srgbClr val="000000"/>
                 </a:solidFill>
@@ -4575,14 +4575,14 @@
           <a:ln/>
           <a:extLst>
             <a:ext uri="{909E8E84-426E-40dd-AFC4-6F175D3DCCD1}">
-              <a14:hiddenFill xmlns="" xmlns:a14="http://schemas.microsoft.com/office/drawing/2010/main">
+              <a14:hiddenFill xmlns:a14="http://schemas.microsoft.com/office/drawing/2010/main" xmlns="">
                 <a:solidFill>
                   <a:srgbClr val="FFFFFF"/>
                 </a:solidFill>
               </a14:hiddenFill>
             </a:ext>
             <a:ext uri="{91240B29-F687-4f45-9708-019B960494DF}">
-              <a14:hiddenLine xmlns="" xmlns:a14="http://schemas.microsoft.com/office/drawing/2010/main" w="9525">
+              <a14:hiddenLine xmlns:a14="http://schemas.microsoft.com/office/drawing/2010/main" xmlns="" w="9525">
                 <a:solidFill>
                   <a:srgbClr val="000000"/>
                 </a:solidFill>
@@ -4660,14 +4660,14 @@
           <a:ln/>
           <a:extLst>
             <a:ext uri="{909E8E84-426E-40dd-AFC4-6F175D3DCCD1}">
-              <a14:hiddenFill xmlns="" xmlns:a14="http://schemas.microsoft.com/office/drawing/2010/main">
+              <a14:hiddenFill xmlns:a14="http://schemas.microsoft.com/office/drawing/2010/main" xmlns="">
                 <a:solidFill>
                   <a:srgbClr val="FFFFFF"/>
                 </a:solidFill>
               </a14:hiddenFill>
             </a:ext>
             <a:ext uri="{91240B29-F687-4f45-9708-019B960494DF}">
-              <a14:hiddenLine xmlns="" xmlns:a14="http://schemas.microsoft.com/office/drawing/2010/main" w="9525">
+              <a14:hiddenLine xmlns:a14="http://schemas.microsoft.com/office/drawing/2010/main" xmlns="" w="9525">
                 <a:solidFill>
                   <a:srgbClr val="000000"/>
                 </a:solidFill>
@@ -4745,14 +4745,14 @@
           <a:ln/>
           <a:extLst>
             <a:ext uri="{909E8E84-426E-40dd-AFC4-6F175D3DCCD1}">
-              <a14:hiddenFill xmlns="" xmlns:a14="http://schemas.microsoft.com/office/drawing/2010/main">
+              <a14:hiddenFill xmlns:a14="http://schemas.microsoft.com/office/drawing/2010/main" xmlns="">
                 <a:solidFill>
                   <a:srgbClr val="FFFFFF"/>
                 </a:solidFill>
               </a14:hiddenFill>
             </a:ext>
             <a:ext uri="{91240B29-F687-4f45-9708-019B960494DF}">
-              <a14:hiddenLine xmlns="" xmlns:a14="http://schemas.microsoft.com/office/drawing/2010/main" w="9525">
+              <a14:hiddenLine xmlns:a14="http://schemas.microsoft.com/office/drawing/2010/main" xmlns="" w="9525">
                 <a:solidFill>
                   <a:srgbClr val="000000"/>
                 </a:solidFill>
@@ -4830,14 +4830,14 @@
           <a:ln/>
           <a:extLst>
             <a:ext uri="{909E8E84-426E-40dd-AFC4-6F175D3DCCD1}">
-              <a14:hiddenFill xmlns="" xmlns:a14="http://schemas.microsoft.com/office/drawing/2010/main">
+              <a14:hiddenFill xmlns:a14="http://schemas.microsoft.com/office/drawing/2010/main" xmlns="">
                 <a:solidFill>
                   <a:srgbClr val="FFFFFF"/>
                 </a:solidFill>
               </a14:hiddenFill>
             </a:ext>
             <a:ext uri="{91240B29-F687-4f45-9708-019B960494DF}">
-              <a14:hiddenLine xmlns="" xmlns:a14="http://schemas.microsoft.com/office/drawing/2010/main" w="9525">
+              <a14:hiddenLine xmlns:a14="http://schemas.microsoft.com/office/drawing/2010/main" xmlns="" w="9525">
                 <a:solidFill>
                   <a:srgbClr val="000000"/>
                 </a:solidFill>
@@ -4871,14 +4871,14 @@
           <a:ln/>
           <a:extLst>
             <a:ext uri="{909E8E84-426E-40dd-AFC4-6F175D3DCCD1}">
-              <a14:hiddenFill xmlns="" xmlns:a14="http://schemas.microsoft.com/office/drawing/2010/main">
+              <a14:hiddenFill xmlns:a14="http://schemas.microsoft.com/office/drawing/2010/main" xmlns="">
                 <a:solidFill>
                   <a:srgbClr val="FFFFFF"/>
                 </a:solidFill>
               </a14:hiddenFill>
             </a:ext>
             <a:ext uri="{91240B29-F687-4f45-9708-019B960494DF}">
-              <a14:hiddenLine xmlns="" xmlns:a14="http://schemas.microsoft.com/office/drawing/2010/main" w="9525">
+              <a14:hiddenLine xmlns:a14="http://schemas.microsoft.com/office/drawing/2010/main" xmlns="" w="9525">
                 <a:solidFill>
                   <a:srgbClr val="000000"/>
                 </a:solidFill>
@@ -5058,14 +5058,14 @@
           <a:ln/>
           <a:extLst>
             <a:ext uri="{909E8E84-426E-40dd-AFC4-6F175D3DCCD1}">
-              <a14:hiddenFill xmlns="" xmlns:a14="http://schemas.microsoft.com/office/drawing/2010/main">
+              <a14:hiddenFill xmlns:a14="http://schemas.microsoft.com/office/drawing/2010/main" xmlns="">
                 <a:solidFill>
                   <a:srgbClr val="FFFFFF"/>
                 </a:solidFill>
               </a14:hiddenFill>
             </a:ext>
             <a:ext uri="{91240B29-F687-4f45-9708-019B960494DF}">
-              <a14:hiddenLine xmlns="" xmlns:a14="http://schemas.microsoft.com/office/drawing/2010/main" w="9525">
+              <a14:hiddenLine xmlns:a14="http://schemas.microsoft.com/office/drawing/2010/main" xmlns="" w="9525">
                 <a:solidFill>
                   <a:srgbClr val="000000"/>
                 </a:solidFill>
@@ -5099,14 +5099,14 @@
           <a:ln/>
           <a:extLst>
             <a:ext uri="{909E8E84-426E-40dd-AFC4-6F175D3DCCD1}">
-              <a14:hiddenFill xmlns="" xmlns:a14="http://schemas.microsoft.com/office/drawing/2010/main">
+              <a14:hiddenFill xmlns:a14="http://schemas.microsoft.com/office/drawing/2010/main" xmlns="">
                 <a:solidFill>
                   <a:srgbClr val="FFFFFF"/>
                 </a:solidFill>
               </a14:hiddenFill>
             </a:ext>
             <a:ext uri="{91240B29-F687-4f45-9708-019B960494DF}">
-              <a14:hiddenLine xmlns="" xmlns:a14="http://schemas.microsoft.com/office/drawing/2010/main" w="9525">
+              <a14:hiddenLine xmlns:a14="http://schemas.microsoft.com/office/drawing/2010/main" xmlns="" w="9525">
                 <a:solidFill>
                   <a:srgbClr val="000000"/>
                 </a:solidFill>
@@ -5286,14 +5286,14 @@
           <a:ln/>
           <a:extLst>
             <a:ext uri="{909E8E84-426E-40dd-AFC4-6F175D3DCCD1}">
-              <a14:hiddenFill xmlns="" xmlns:a14="http://schemas.microsoft.com/office/drawing/2010/main">
+              <a14:hiddenFill xmlns:a14="http://schemas.microsoft.com/office/drawing/2010/main" xmlns="">
                 <a:solidFill>
                   <a:srgbClr val="FFFFFF"/>
                 </a:solidFill>
               </a14:hiddenFill>
             </a:ext>
             <a:ext uri="{91240B29-F687-4f45-9708-019B960494DF}">
-              <a14:hiddenLine xmlns="" xmlns:a14="http://schemas.microsoft.com/office/drawing/2010/main" w="9525">
+              <a14:hiddenLine xmlns:a14="http://schemas.microsoft.com/office/drawing/2010/main" xmlns="" w="9525">
                 <a:solidFill>
                   <a:srgbClr val="000000"/>
                 </a:solidFill>
@@ -5344,14 +5344,14 @@
           <a:ln/>
           <a:extLst>
             <a:ext uri="{909E8E84-426E-40dd-AFC4-6F175D3DCCD1}">
-              <a14:hiddenFill xmlns="" xmlns:a14="http://schemas.microsoft.com/office/drawing/2010/main">
+              <a14:hiddenFill xmlns:a14="http://schemas.microsoft.com/office/drawing/2010/main" xmlns="">
                 <a:solidFill>
                   <a:srgbClr val="FFFFFF"/>
                 </a:solidFill>
               </a14:hiddenFill>
             </a:ext>
             <a:ext uri="{91240B29-F687-4f45-9708-019B960494DF}">
-              <a14:hiddenLine xmlns="" xmlns:a14="http://schemas.microsoft.com/office/drawing/2010/main" w="9525">
+              <a14:hiddenLine xmlns:a14="http://schemas.microsoft.com/office/drawing/2010/main" xmlns="" w="9525">
                 <a:solidFill>
                   <a:srgbClr val="000000"/>
                 </a:solidFill>
@@ -5531,14 +5531,14 @@
           <a:ln/>
           <a:extLst>
             <a:ext uri="{909E8E84-426E-40dd-AFC4-6F175D3DCCD1}">
-              <a14:hiddenFill xmlns="" xmlns:a14="http://schemas.microsoft.com/office/drawing/2010/main">
+              <a14:hiddenFill xmlns:a14="http://schemas.microsoft.com/office/drawing/2010/main" xmlns="">
                 <a:solidFill>
                   <a:srgbClr val="FFFFFF"/>
                 </a:solidFill>
               </a14:hiddenFill>
             </a:ext>
             <a:ext uri="{91240B29-F687-4f45-9708-019B960494DF}">
-              <a14:hiddenLine xmlns="" xmlns:a14="http://schemas.microsoft.com/office/drawing/2010/main" w="9525">
+              <a14:hiddenLine xmlns:a14="http://schemas.microsoft.com/office/drawing/2010/main" xmlns="" w="9525">
                 <a:solidFill>
                   <a:srgbClr val="000000"/>
                 </a:solidFill>
@@ -5575,14 +5575,14 @@
           <a:ln/>
           <a:extLst>
             <a:ext uri="{909E8E84-426E-40dd-AFC4-6F175D3DCCD1}">
-              <a14:hiddenFill xmlns="" xmlns:a14="http://schemas.microsoft.com/office/drawing/2010/main">
+              <a14:hiddenFill xmlns:a14="http://schemas.microsoft.com/office/drawing/2010/main" xmlns="">
                 <a:solidFill>
                   <a:srgbClr val="FFFFFF"/>
                 </a:solidFill>
               </a14:hiddenFill>
             </a:ext>
             <a:ext uri="{91240B29-F687-4f45-9708-019B960494DF}">
-              <a14:hiddenLine xmlns="" xmlns:a14="http://schemas.microsoft.com/office/drawing/2010/main" w="9525">
+              <a14:hiddenLine xmlns:a14="http://schemas.microsoft.com/office/drawing/2010/main" xmlns="" w="9525">
                 <a:solidFill>
                   <a:srgbClr val="000000"/>
                 </a:solidFill>
@@ -5762,14 +5762,14 @@
           <a:ln/>
           <a:extLst>
             <a:ext uri="{909E8E84-426E-40dd-AFC4-6F175D3DCCD1}">
-              <a14:hiddenFill xmlns="" xmlns:a14="http://schemas.microsoft.com/office/drawing/2010/main">
+              <a14:hiddenFill xmlns:a14="http://schemas.microsoft.com/office/drawing/2010/main" xmlns="">
                 <a:solidFill>
                   <a:srgbClr val="FFFFFF"/>
                 </a:solidFill>
               </a14:hiddenFill>
             </a:ext>
             <a:ext uri="{91240B29-F687-4f45-9708-019B960494DF}">
-              <a14:hiddenLine xmlns="" xmlns:a14="http://schemas.microsoft.com/office/drawing/2010/main" w="9525">
+              <a14:hiddenLine xmlns:a14="http://schemas.microsoft.com/office/drawing/2010/main" xmlns="" w="9525">
                 <a:solidFill>
                   <a:srgbClr val="000000"/>
                 </a:solidFill>
@@ -5806,14 +5806,14 @@
           <a:ln/>
           <a:extLst>
             <a:ext uri="{909E8E84-426E-40dd-AFC4-6F175D3DCCD1}">
-              <a14:hiddenFill xmlns="" xmlns:a14="http://schemas.microsoft.com/office/drawing/2010/main">
+              <a14:hiddenFill xmlns:a14="http://schemas.microsoft.com/office/drawing/2010/main" xmlns="">
                 <a:solidFill>
                   <a:srgbClr val="FFFFFF"/>
                 </a:solidFill>
               </a14:hiddenFill>
             </a:ext>
             <a:ext uri="{91240B29-F687-4f45-9708-019B960494DF}">
-              <a14:hiddenLine xmlns="" xmlns:a14="http://schemas.microsoft.com/office/drawing/2010/main" w="9525">
+              <a14:hiddenLine xmlns:a14="http://schemas.microsoft.com/office/drawing/2010/main" xmlns="" w="9525">
                 <a:solidFill>
                   <a:srgbClr val="000000"/>
                 </a:solidFill>
@@ -6096,14 +6096,14 @@
           <a:ln/>
           <a:extLst>
             <a:ext uri="{909E8E84-426E-40dd-AFC4-6F175D3DCCD1}">
-              <a14:hiddenFill xmlns="" xmlns:a14="http://schemas.microsoft.com/office/drawing/2010/main">
+              <a14:hiddenFill xmlns:a14="http://schemas.microsoft.com/office/drawing/2010/main" xmlns="">
                 <a:solidFill>
                   <a:srgbClr val="FFFFFF"/>
                 </a:solidFill>
               </a14:hiddenFill>
             </a:ext>
             <a:ext uri="{91240B29-F687-4f45-9708-019B960494DF}">
-              <a14:hiddenLine xmlns="" xmlns:a14="http://schemas.microsoft.com/office/drawing/2010/main" w="9525">
+              <a14:hiddenLine xmlns:a14="http://schemas.microsoft.com/office/drawing/2010/main" xmlns="" w="9525">
                 <a:solidFill>
                   <a:srgbClr val="000000"/>
                 </a:solidFill>
@@ -6140,14 +6140,14 @@
           <a:ln/>
           <a:extLst>
             <a:ext uri="{909E8E84-426E-40dd-AFC4-6F175D3DCCD1}">
-              <a14:hiddenFill xmlns="" xmlns:a14="http://schemas.microsoft.com/office/drawing/2010/main">
+              <a14:hiddenFill xmlns:a14="http://schemas.microsoft.com/office/drawing/2010/main" xmlns="">
                 <a:solidFill>
                   <a:srgbClr val="FFFFFF"/>
                 </a:solidFill>
               </a14:hiddenFill>
             </a:ext>
             <a:ext uri="{91240B29-F687-4f45-9708-019B960494DF}">
-              <a14:hiddenLine xmlns="" xmlns:a14="http://schemas.microsoft.com/office/drawing/2010/main" w="9525">
+              <a14:hiddenLine xmlns:a14="http://schemas.microsoft.com/office/drawing/2010/main" xmlns="" w="9525">
                 <a:solidFill>
                   <a:srgbClr val="000000"/>
                 </a:solidFill>
@@ -6327,14 +6327,14 @@
           <a:ln/>
           <a:extLst>
             <a:ext uri="{909E8E84-426E-40dd-AFC4-6F175D3DCCD1}">
-              <a14:hiddenFill xmlns="" xmlns:a14="http://schemas.microsoft.com/office/drawing/2010/main">
+              <a14:hiddenFill xmlns:a14="http://schemas.microsoft.com/office/drawing/2010/main" xmlns="">
                 <a:solidFill>
                   <a:srgbClr val="FFFFFF"/>
                 </a:solidFill>
               </a14:hiddenFill>
             </a:ext>
             <a:ext uri="{91240B29-F687-4f45-9708-019B960494DF}">
-              <a14:hiddenLine xmlns="" xmlns:a14="http://schemas.microsoft.com/office/drawing/2010/main" w="9525">
+              <a14:hiddenLine xmlns:a14="http://schemas.microsoft.com/office/drawing/2010/main" xmlns="" w="9525">
                 <a:solidFill>
                   <a:srgbClr val="000000"/>
                 </a:solidFill>
@@ -6371,14 +6371,14 @@
           <a:ln/>
           <a:extLst>
             <a:ext uri="{909E8E84-426E-40dd-AFC4-6F175D3DCCD1}">
-              <a14:hiddenFill xmlns="" xmlns:a14="http://schemas.microsoft.com/office/drawing/2010/main">
+              <a14:hiddenFill xmlns:a14="http://schemas.microsoft.com/office/drawing/2010/main" xmlns="">
                 <a:solidFill>
                   <a:srgbClr val="FFFFFF"/>
                 </a:solidFill>
               </a14:hiddenFill>
             </a:ext>
             <a:ext uri="{91240B29-F687-4f45-9708-019B960494DF}">
-              <a14:hiddenLine xmlns="" xmlns:a14="http://schemas.microsoft.com/office/drawing/2010/main" w="9525">
+              <a14:hiddenLine xmlns:a14="http://schemas.microsoft.com/office/drawing/2010/main" xmlns="" w="9525">
                 <a:solidFill>
                   <a:srgbClr val="000000"/>
                 </a:solidFill>
@@ -6558,14 +6558,14 @@
           <a:ln/>
           <a:extLst>
             <a:ext uri="{909E8E84-426E-40dd-AFC4-6F175D3DCCD1}">
-              <a14:hiddenFill xmlns="" xmlns:a14="http://schemas.microsoft.com/office/drawing/2010/main">
+              <a14:hiddenFill xmlns:a14="http://schemas.microsoft.com/office/drawing/2010/main" xmlns="">
                 <a:solidFill>
                   <a:srgbClr val="FFFFFF"/>
                 </a:solidFill>
               </a14:hiddenFill>
             </a:ext>
             <a:ext uri="{91240B29-F687-4f45-9708-019B960494DF}">
-              <a14:hiddenLine xmlns="" xmlns:a14="http://schemas.microsoft.com/office/drawing/2010/main" w="9525">
+              <a14:hiddenLine xmlns:a14="http://schemas.microsoft.com/office/drawing/2010/main" xmlns="" w="9525">
                 <a:solidFill>
                   <a:srgbClr val="000000"/>
                 </a:solidFill>
@@ -6616,14 +6616,14 @@
           <a:ln/>
           <a:extLst>
             <a:ext uri="{909E8E84-426E-40dd-AFC4-6F175D3DCCD1}">
-              <a14:hiddenFill xmlns="" xmlns:a14="http://schemas.microsoft.com/office/drawing/2010/main">
+              <a14:hiddenFill xmlns:a14="http://schemas.microsoft.com/office/drawing/2010/main" xmlns="">
                 <a:solidFill>
                   <a:srgbClr val="FFFFFF"/>
                 </a:solidFill>
               </a14:hiddenFill>
             </a:ext>
             <a:ext uri="{91240B29-F687-4f45-9708-019B960494DF}">
-              <a14:hiddenLine xmlns="" xmlns:a14="http://schemas.microsoft.com/office/drawing/2010/main" w="9525">
+              <a14:hiddenLine xmlns:a14="http://schemas.microsoft.com/office/drawing/2010/main" xmlns="" w="9525">
                 <a:solidFill>
                   <a:srgbClr val="000000"/>
                 </a:solidFill>
@@ -6803,14 +6803,14 @@
           <a:ln/>
           <a:extLst>
             <a:ext uri="{909E8E84-426E-40dd-AFC4-6F175D3DCCD1}">
-              <a14:hiddenFill xmlns="" xmlns:a14="http://schemas.microsoft.com/office/drawing/2010/main">
+              <a14:hiddenFill xmlns:a14="http://schemas.microsoft.com/office/drawing/2010/main" xmlns="">
                 <a:solidFill>
                   <a:srgbClr val="FFFFFF"/>
                 </a:solidFill>
               </a14:hiddenFill>
             </a:ext>
             <a:ext uri="{91240B29-F687-4f45-9708-019B960494DF}">
-              <a14:hiddenLine xmlns="" xmlns:a14="http://schemas.microsoft.com/office/drawing/2010/main" w="9525">
+              <a14:hiddenLine xmlns:a14="http://schemas.microsoft.com/office/drawing/2010/main" xmlns="" w="9525">
                 <a:solidFill>
                   <a:srgbClr val="000000"/>
                 </a:solidFill>
@@ -6861,14 +6861,14 @@
           <a:ln/>
           <a:extLst>
             <a:ext uri="{909E8E84-426E-40dd-AFC4-6F175D3DCCD1}">
-              <a14:hiddenFill xmlns="" xmlns:a14="http://schemas.microsoft.com/office/drawing/2010/main">
+              <a14:hiddenFill xmlns:a14="http://schemas.microsoft.com/office/drawing/2010/main" xmlns="">
                 <a:solidFill>
                   <a:srgbClr val="FFFFFF"/>
                 </a:solidFill>
               </a14:hiddenFill>
             </a:ext>
             <a:ext uri="{91240B29-F687-4f45-9708-019B960494DF}">
-              <a14:hiddenLine xmlns="" xmlns:a14="http://schemas.microsoft.com/office/drawing/2010/main" w="9525">
+              <a14:hiddenLine xmlns:a14="http://schemas.microsoft.com/office/drawing/2010/main" xmlns="" w="9525">
                 <a:solidFill>
                   <a:srgbClr val="000000"/>
                 </a:solidFill>
@@ -7048,14 +7048,14 @@
           <a:ln/>
           <a:extLst>
             <a:ext uri="{909E8E84-426E-40dd-AFC4-6F175D3DCCD1}">
-              <a14:hiddenFill xmlns="" xmlns:a14="http://schemas.microsoft.com/office/drawing/2010/main">
+              <a14:hiddenFill xmlns:a14="http://schemas.microsoft.com/office/drawing/2010/main" xmlns="">
                 <a:solidFill>
                   <a:srgbClr val="FFFFFF"/>
                 </a:solidFill>
               </a14:hiddenFill>
             </a:ext>
             <a:ext uri="{91240B29-F687-4f45-9708-019B960494DF}">
-              <a14:hiddenLine xmlns="" xmlns:a14="http://schemas.microsoft.com/office/drawing/2010/main" w="9525">
+              <a14:hiddenLine xmlns:a14="http://schemas.microsoft.com/office/drawing/2010/main" xmlns="" w="9525">
                 <a:solidFill>
                   <a:srgbClr val="000000"/>
                 </a:solidFill>
@@ -7137,14 +7137,14 @@
           <a:ln/>
           <a:extLst>
             <a:ext uri="{909E8E84-426E-40dd-AFC4-6F175D3DCCD1}">
-              <a14:hiddenFill xmlns="" xmlns:a14="http://schemas.microsoft.com/office/drawing/2010/main">
+              <a14:hiddenFill xmlns:a14="http://schemas.microsoft.com/office/drawing/2010/main" xmlns="">
                 <a:solidFill>
                   <a:srgbClr val="FFFFFF"/>
                 </a:solidFill>
               </a14:hiddenFill>
             </a:ext>
             <a:ext uri="{91240B29-F687-4f45-9708-019B960494DF}">
-              <a14:hiddenLine xmlns="" xmlns:a14="http://schemas.microsoft.com/office/drawing/2010/main" w="9525">
+              <a14:hiddenLine xmlns:a14="http://schemas.microsoft.com/office/drawing/2010/main" xmlns="" w="9525">
                 <a:solidFill>
                   <a:srgbClr val="000000"/>
                 </a:solidFill>
@@ -7310,14 +7310,14 @@
           <a:ln/>
           <a:extLst>
             <a:ext uri="{909E8E84-426E-40dd-AFC4-6F175D3DCCD1}">
-              <a14:hiddenFill xmlns="" xmlns:a14="http://schemas.microsoft.com/office/drawing/2010/main">
+              <a14:hiddenFill xmlns:a14="http://schemas.microsoft.com/office/drawing/2010/main" xmlns="">
                 <a:solidFill>
                   <a:srgbClr val="FFFFFF"/>
                 </a:solidFill>
               </a14:hiddenFill>
             </a:ext>
             <a:ext uri="{91240B29-F687-4f45-9708-019B960494DF}">
-              <a14:hiddenLine xmlns="" xmlns:a14="http://schemas.microsoft.com/office/drawing/2010/main" w="9525">
+              <a14:hiddenLine xmlns:a14="http://schemas.microsoft.com/office/drawing/2010/main" xmlns="" w="9525">
                 <a:solidFill>
                   <a:srgbClr val="000000"/>
                 </a:solidFill>
@@ -7471,14 +7471,14 @@
           <a:ln/>
           <a:extLst>
             <a:ext uri="{909E8E84-426E-40dd-AFC4-6F175D3DCCD1}">
-              <a14:hiddenFill xmlns="" xmlns:a14="http://schemas.microsoft.com/office/drawing/2010/main">
+              <a14:hiddenFill xmlns:a14="http://schemas.microsoft.com/office/drawing/2010/main" xmlns="">
                 <a:solidFill>
                   <a:srgbClr val="FFFFFF"/>
                 </a:solidFill>
               </a14:hiddenFill>
             </a:ext>
             <a:ext uri="{91240B29-F687-4f45-9708-019B960494DF}">
-              <a14:hiddenLine xmlns="" xmlns:a14="http://schemas.microsoft.com/office/drawing/2010/main" w="9525">
+              <a14:hiddenLine xmlns:a14="http://schemas.microsoft.com/office/drawing/2010/main" xmlns="" w="9525">
                 <a:solidFill>
                   <a:srgbClr val="000000"/>
                 </a:solidFill>
@@ -7543,14 +7543,14 @@
           <a:ln/>
           <a:extLst>
             <a:ext uri="{909E8E84-426E-40dd-AFC4-6F175D3DCCD1}">
-              <a14:hiddenFill xmlns="" xmlns:a14="http://schemas.microsoft.com/office/drawing/2010/main">
+              <a14:hiddenFill xmlns:a14="http://schemas.microsoft.com/office/drawing/2010/main" xmlns="">
                 <a:solidFill>
                   <a:srgbClr val="FFFFFF"/>
                 </a:solidFill>
               </a14:hiddenFill>
             </a:ext>
             <a:ext uri="{91240B29-F687-4f45-9708-019B960494DF}">
-              <a14:hiddenLine xmlns="" xmlns:a14="http://schemas.microsoft.com/office/drawing/2010/main" w="9525">
+              <a14:hiddenLine xmlns:a14="http://schemas.microsoft.com/office/drawing/2010/main" xmlns="" w="9525">
                 <a:solidFill>
                   <a:srgbClr val="000000"/>
                 </a:solidFill>
@@ -7704,14 +7704,14 @@
           <a:ln/>
           <a:extLst>
             <a:ext uri="{909E8E84-426E-40dd-AFC4-6F175D3DCCD1}">
-              <a14:hiddenFill xmlns="" xmlns:a14="http://schemas.microsoft.com/office/drawing/2010/main">
+              <a14:hiddenFill xmlns:a14="http://schemas.microsoft.com/office/drawing/2010/main" xmlns="">
                 <a:solidFill>
                   <a:srgbClr val="FFFFFF"/>
                 </a:solidFill>
               </a14:hiddenFill>
             </a:ext>
             <a:ext uri="{91240B29-F687-4f45-9708-019B960494DF}">
-              <a14:hiddenLine xmlns="" xmlns:a14="http://schemas.microsoft.com/office/drawing/2010/main" w="9525">
+              <a14:hiddenLine xmlns:a14="http://schemas.microsoft.com/office/drawing/2010/main" xmlns="" w="9525">
                 <a:solidFill>
                   <a:srgbClr val="000000"/>
                 </a:solidFill>
@@ -7790,14 +7790,14 @@
           <a:ln/>
           <a:extLst>
             <a:ext uri="{909E8E84-426E-40dd-AFC4-6F175D3DCCD1}">
-              <a14:hiddenFill xmlns="" xmlns:a14="http://schemas.microsoft.com/office/drawing/2010/main">
+              <a14:hiddenFill xmlns:a14="http://schemas.microsoft.com/office/drawing/2010/main" xmlns="">
                 <a:solidFill>
                   <a:srgbClr val="FFFFFF"/>
                 </a:solidFill>
               </a14:hiddenFill>
             </a:ext>
             <a:ext uri="{91240B29-F687-4f45-9708-019B960494DF}">
-              <a14:hiddenLine xmlns="" xmlns:a14="http://schemas.microsoft.com/office/drawing/2010/main" w="9525">
+              <a14:hiddenLine xmlns:a14="http://schemas.microsoft.com/office/drawing/2010/main" xmlns="" w="9525">
                 <a:solidFill>
                   <a:srgbClr val="000000"/>
                 </a:solidFill>
@@ -7831,14 +7831,14 @@
           <a:ln/>
           <a:extLst>
             <a:ext uri="{909E8E84-426E-40dd-AFC4-6F175D3DCCD1}">
-              <a14:hiddenFill xmlns="" xmlns:a14="http://schemas.microsoft.com/office/drawing/2010/main">
+              <a14:hiddenFill xmlns:a14="http://schemas.microsoft.com/office/drawing/2010/main" xmlns="">
                 <a:solidFill>
                   <a:srgbClr val="FFFFFF"/>
                 </a:solidFill>
               </a14:hiddenFill>
             </a:ext>
             <a:ext uri="{91240B29-F687-4f45-9708-019B960494DF}">
-              <a14:hiddenLine xmlns="" xmlns:a14="http://schemas.microsoft.com/office/drawing/2010/main" w="9525">
+              <a14:hiddenLine xmlns:a14="http://schemas.microsoft.com/office/drawing/2010/main" xmlns="" w="9525">
                 <a:solidFill>
                   <a:srgbClr val="000000"/>
                 </a:solidFill>
@@ -8018,14 +8018,14 @@
           <a:ln/>
           <a:extLst>
             <a:ext uri="{909E8E84-426E-40dd-AFC4-6F175D3DCCD1}">
-              <a14:hiddenFill xmlns="" xmlns:a14="http://schemas.microsoft.com/office/drawing/2010/main">
+              <a14:hiddenFill xmlns:a14="http://schemas.microsoft.com/office/drawing/2010/main" xmlns="">
                 <a:solidFill>
                   <a:srgbClr val="FFFFFF"/>
                 </a:solidFill>
               </a14:hiddenFill>
             </a:ext>
             <a:ext uri="{91240B29-F687-4f45-9708-019B960494DF}">
-              <a14:hiddenLine xmlns="" xmlns:a14="http://schemas.microsoft.com/office/drawing/2010/main" w="9525">
+              <a14:hiddenLine xmlns:a14="http://schemas.microsoft.com/office/drawing/2010/main" xmlns="" w="9525">
                 <a:solidFill>
                   <a:srgbClr val="000000"/>
                 </a:solidFill>
@@ -8066,14 +8066,14 @@
           <a:ln/>
           <a:extLst>
             <a:ext uri="{909E8E84-426E-40dd-AFC4-6F175D3DCCD1}">
-              <a14:hiddenFill xmlns="" xmlns:a14="http://schemas.microsoft.com/office/drawing/2010/main">
+              <a14:hiddenFill xmlns:a14="http://schemas.microsoft.com/office/drawing/2010/main" xmlns="">
                 <a:solidFill>
                   <a:srgbClr val="FFFFFF"/>
                 </a:solidFill>
               </a14:hiddenFill>
             </a:ext>
             <a:ext uri="{91240B29-F687-4f45-9708-019B960494DF}">
-              <a14:hiddenLine xmlns="" xmlns:a14="http://schemas.microsoft.com/office/drawing/2010/main" w="9525">
+              <a14:hiddenLine xmlns:a14="http://schemas.microsoft.com/office/drawing/2010/main" xmlns="" w="9525">
                 <a:solidFill>
                   <a:srgbClr val="000000"/>
                 </a:solidFill>
@@ -8373,14 +8373,14 @@
           <a:ln/>
           <a:extLst>
             <a:ext uri="{909E8E84-426E-40dd-AFC4-6F175D3DCCD1}">
-              <a14:hiddenFill xmlns="" xmlns:a14="http://schemas.microsoft.com/office/drawing/2010/main">
+              <a14:hiddenFill xmlns:a14="http://schemas.microsoft.com/office/drawing/2010/main" xmlns="">
                 <a:solidFill>
                   <a:srgbClr val="FFFFFF"/>
                 </a:solidFill>
               </a14:hiddenFill>
             </a:ext>
             <a:ext uri="{91240B29-F687-4f45-9708-019B960494DF}">
-              <a14:hiddenLine xmlns="" xmlns:a14="http://schemas.microsoft.com/office/drawing/2010/main" w="9525">
+              <a14:hiddenLine xmlns:a14="http://schemas.microsoft.com/office/drawing/2010/main" xmlns="" w="9525">
                 <a:solidFill>
                   <a:srgbClr val="000000"/>
                 </a:solidFill>
@@ -8450,14 +8450,14 @@
           <a:ln/>
           <a:extLst>
             <a:ext uri="{909E8E84-426E-40dd-AFC4-6F175D3DCCD1}">
-              <a14:hiddenFill xmlns="" xmlns:a14="http://schemas.microsoft.com/office/drawing/2010/main">
+              <a14:hiddenFill xmlns:a14="http://schemas.microsoft.com/office/drawing/2010/main" xmlns="">
                 <a:solidFill>
                   <a:srgbClr val="FFFFFF"/>
                 </a:solidFill>
               </a14:hiddenFill>
             </a:ext>
             <a:ext uri="{91240B29-F687-4f45-9708-019B960494DF}">
-              <a14:hiddenLine xmlns="" xmlns:a14="http://schemas.microsoft.com/office/drawing/2010/main" w="9525">
+              <a14:hiddenLine xmlns:a14="http://schemas.microsoft.com/office/drawing/2010/main" xmlns="" w="9525">
                 <a:solidFill>
                   <a:srgbClr val="000000"/>
                 </a:solidFill>
@@ -8656,7 +8656,7 @@
             </a:ln>
             <a:extLst>
               <a:ext uri="{91240B29-F687-4f45-9708-019B960494DF}">
-                <a14:hiddenLine xmlns="" xmlns:a14="http://schemas.microsoft.com/office/drawing/2010/main" w="9525">
+                <a14:hiddenLine xmlns:a14="http://schemas.microsoft.com/office/drawing/2010/main" xmlns="" w="9525">
                   <a:solidFill>
                     <a:srgbClr val="000000"/>
                   </a:solidFill>
@@ -8702,7 +8702,7 @@
             </a:ln>
             <a:extLst>
               <a:ext uri="{91240B29-F687-4f45-9708-019B960494DF}">
-                <a14:hiddenLine xmlns="" xmlns:a14="http://schemas.microsoft.com/office/drawing/2010/main" w="9525">
+                <a14:hiddenLine xmlns:a14="http://schemas.microsoft.com/office/drawing/2010/main" xmlns="" w="9525">
                   <a:solidFill>
                     <a:srgbClr val="000000"/>
                   </a:solidFill>
@@ -8764,7 +8764,7 @@
               </a:ln>
               <a:extLst>
                 <a:ext uri="{91240B29-F687-4f45-9708-019B960494DF}">
-                  <a14:hiddenLine xmlns="" xmlns:a14="http://schemas.microsoft.com/office/drawing/2010/main" w="9525">
+                  <a14:hiddenLine xmlns:a14="http://schemas.microsoft.com/office/drawing/2010/main" xmlns="" w="9525">
                     <a:solidFill>
                       <a:srgbClr val="000000"/>
                     </a:solidFill>
@@ -8810,7 +8810,7 @@
               </a:ln>
               <a:extLst>
                 <a:ext uri="{91240B29-F687-4f45-9708-019B960494DF}">
-                  <a14:hiddenLine xmlns="" xmlns:a14="http://schemas.microsoft.com/office/drawing/2010/main" w="9525">
+                  <a14:hiddenLine xmlns:a14="http://schemas.microsoft.com/office/drawing/2010/main" xmlns="" w="9525">
                     <a:solidFill>
                       <a:srgbClr val="000000"/>
                     </a:solidFill>
@@ -8856,7 +8856,7 @@
               </a:ln>
               <a:extLst>
                 <a:ext uri="{91240B29-F687-4f45-9708-019B960494DF}">
-                  <a14:hiddenLine xmlns="" xmlns:a14="http://schemas.microsoft.com/office/drawing/2010/main" w="9525">
+                  <a14:hiddenLine xmlns:a14="http://schemas.microsoft.com/office/drawing/2010/main" xmlns="" w="9525">
                     <a:solidFill>
                       <a:srgbClr val="000000"/>
                     </a:solidFill>
@@ -8902,7 +8902,7 @@
               </a:ln>
               <a:extLst>
                 <a:ext uri="{91240B29-F687-4f45-9708-019B960494DF}">
-                  <a14:hiddenLine xmlns="" xmlns:a14="http://schemas.microsoft.com/office/drawing/2010/main" w="9525">
+                  <a14:hiddenLine xmlns:a14="http://schemas.microsoft.com/office/drawing/2010/main" xmlns="" w="9525">
                     <a:solidFill>
                       <a:srgbClr val="000000"/>
                     </a:solidFill>
@@ -8948,7 +8948,7 @@
               </a:ln>
               <a:extLst>
                 <a:ext uri="{91240B29-F687-4f45-9708-019B960494DF}">
-                  <a14:hiddenLine xmlns="" xmlns:a14="http://schemas.microsoft.com/office/drawing/2010/main" w="9525">
+                  <a14:hiddenLine xmlns:a14="http://schemas.microsoft.com/office/drawing/2010/main" xmlns="" w="9525">
                     <a:solidFill>
                       <a:srgbClr val="000000"/>
                     </a:solidFill>
@@ -8994,7 +8994,7 @@
               </a:ln>
               <a:extLst>
                 <a:ext uri="{91240B29-F687-4f45-9708-019B960494DF}">
-                  <a14:hiddenLine xmlns="" xmlns:a14="http://schemas.microsoft.com/office/drawing/2010/main" w="9525">
+                  <a14:hiddenLine xmlns:a14="http://schemas.microsoft.com/office/drawing/2010/main" xmlns="" w="9525">
                     <a:solidFill>
                       <a:srgbClr val="000000"/>
                     </a:solidFill>
@@ -9040,7 +9040,7 @@
               </a:ln>
               <a:extLst>
                 <a:ext uri="{91240B29-F687-4f45-9708-019B960494DF}">
-                  <a14:hiddenLine xmlns="" xmlns:a14="http://schemas.microsoft.com/office/drawing/2010/main" w="9525">
+                  <a14:hiddenLine xmlns:a14="http://schemas.microsoft.com/office/drawing/2010/main" xmlns="" w="9525">
                     <a:solidFill>
                       <a:srgbClr val="000000"/>
                     </a:solidFill>
@@ -9086,7 +9086,7 @@
               </a:ln>
               <a:extLst>
                 <a:ext uri="{91240B29-F687-4f45-9708-019B960494DF}">
-                  <a14:hiddenLine xmlns="" xmlns:a14="http://schemas.microsoft.com/office/drawing/2010/main" w="9525">
+                  <a14:hiddenLine xmlns:a14="http://schemas.microsoft.com/office/drawing/2010/main" xmlns="" w="9525">
                     <a:solidFill>
                       <a:srgbClr val="000000"/>
                     </a:solidFill>
@@ -9132,7 +9132,7 @@
               </a:ln>
               <a:extLst>
                 <a:ext uri="{91240B29-F687-4f45-9708-019B960494DF}">
-                  <a14:hiddenLine xmlns="" xmlns:a14="http://schemas.microsoft.com/office/drawing/2010/main" w="9525">
+                  <a14:hiddenLine xmlns:a14="http://schemas.microsoft.com/office/drawing/2010/main" xmlns="" w="9525">
                     <a:solidFill>
                       <a:srgbClr val="000000"/>
                     </a:solidFill>
@@ -9178,7 +9178,7 @@
               </a:ln>
               <a:extLst>
                 <a:ext uri="{91240B29-F687-4f45-9708-019B960494DF}">
-                  <a14:hiddenLine xmlns="" xmlns:a14="http://schemas.microsoft.com/office/drawing/2010/main" w="9525">
+                  <a14:hiddenLine xmlns:a14="http://schemas.microsoft.com/office/drawing/2010/main" xmlns="" w="9525">
                     <a:solidFill>
                       <a:srgbClr val="000000"/>
                     </a:solidFill>
@@ -11978,7 +11978,7 @@
             </a:ln>
             <a:extLst>
               <a:ext uri="{91240B29-F687-4f45-9708-019B960494DF}">
-                <a14:hiddenLine xmlns="" xmlns:a14="http://schemas.microsoft.com/office/drawing/2010/main" w="9525">
+                <a14:hiddenLine xmlns:a14="http://schemas.microsoft.com/office/drawing/2010/main" xmlns="" w="9525">
                   <a:solidFill>
                     <a:srgbClr val="000000"/>
                   </a:solidFill>
@@ -12032,7 +12032,7 @@
             </a:ln>
             <a:extLst>
               <a:ext uri="{91240B29-F687-4f45-9708-019B960494DF}">
-                <a14:hiddenLine xmlns="" xmlns:a14="http://schemas.microsoft.com/office/drawing/2010/main" w="9525">
+                <a14:hiddenLine xmlns:a14="http://schemas.microsoft.com/office/drawing/2010/main" xmlns="" w="9525">
                   <a:solidFill>
                     <a:srgbClr val="000000"/>
                   </a:solidFill>
@@ -12078,7 +12078,7 @@
             </a:ln>
             <a:extLst>
               <a:ext uri="{91240B29-F687-4f45-9708-019B960494DF}">
-                <a14:hiddenLine xmlns="" xmlns:a14="http://schemas.microsoft.com/office/drawing/2010/main" w="9525">
+                <a14:hiddenLine xmlns:a14="http://schemas.microsoft.com/office/drawing/2010/main" xmlns="" w="9525">
                   <a:solidFill>
                     <a:srgbClr val="000000"/>
                   </a:solidFill>
@@ -12126,7 +12126,7 @@
             </a:ln>
             <a:extLst>
               <a:ext uri="{91240B29-F687-4f45-9708-019B960494DF}">
-                <a14:hiddenLine xmlns="" xmlns:a14="http://schemas.microsoft.com/office/drawing/2010/main" w="9525">
+                <a14:hiddenLine xmlns:a14="http://schemas.microsoft.com/office/drawing/2010/main" xmlns="" w="9525">
                   <a:solidFill>
                     <a:srgbClr val="000000"/>
                   </a:solidFill>
@@ -12174,7 +12174,7 @@
             </a:ln>
             <a:extLst>
               <a:ext uri="{91240B29-F687-4f45-9708-019B960494DF}">
-                <a14:hiddenLine xmlns="" xmlns:a14="http://schemas.microsoft.com/office/drawing/2010/main" w="9525">
+                <a14:hiddenLine xmlns:a14="http://schemas.microsoft.com/office/drawing/2010/main" xmlns="" w="9525">
                   <a:solidFill>
                     <a:srgbClr val="000000"/>
                   </a:solidFill>
@@ -12222,7 +12222,7 @@
             </a:ln>
             <a:extLst>
               <a:ext uri="{91240B29-F687-4f45-9708-019B960494DF}">
-                <a14:hiddenLine xmlns="" xmlns:a14="http://schemas.microsoft.com/office/drawing/2010/main" w="9525">
+                <a14:hiddenLine xmlns:a14="http://schemas.microsoft.com/office/drawing/2010/main" xmlns="" w="9525">
                   <a:solidFill>
                     <a:srgbClr val="000000"/>
                   </a:solidFill>
@@ -12270,7 +12270,7 @@
             </a:ln>
             <a:extLst>
               <a:ext uri="{91240B29-F687-4f45-9708-019B960494DF}">
-                <a14:hiddenLine xmlns="" xmlns:a14="http://schemas.microsoft.com/office/drawing/2010/main" w="9525">
+                <a14:hiddenLine xmlns:a14="http://schemas.microsoft.com/office/drawing/2010/main" xmlns="" w="9525">
                   <a:solidFill>
                     <a:srgbClr val="000000"/>
                   </a:solidFill>
@@ -12316,7 +12316,7 @@
             </a:ln>
             <a:extLst>
               <a:ext uri="{91240B29-F687-4f45-9708-019B960494DF}">
-                <a14:hiddenLine xmlns="" xmlns:a14="http://schemas.microsoft.com/office/drawing/2010/main" w="9525">
+                <a14:hiddenLine xmlns:a14="http://schemas.microsoft.com/office/drawing/2010/main" xmlns="" w="9525">
                   <a:solidFill>
                     <a:srgbClr val="000000"/>
                   </a:solidFill>
@@ -12364,7 +12364,7 @@
             </a:ln>
             <a:extLst>
               <a:ext uri="{91240B29-F687-4f45-9708-019B960494DF}">
-                <a14:hiddenLine xmlns="" xmlns:a14="http://schemas.microsoft.com/office/drawing/2010/main" w="9525">
+                <a14:hiddenLine xmlns:a14="http://schemas.microsoft.com/office/drawing/2010/main" xmlns="" w="9525">
                   <a:solidFill>
                     <a:srgbClr val="000000"/>
                   </a:solidFill>
@@ -12413,14 +12413,14 @@
           </a:ln>
           <a:extLst>
             <a:ext uri="{909E8E84-426E-40dd-AFC4-6F175D3DCCD1}">
-              <a14:hiddenFill xmlns="" xmlns:a14="http://schemas.microsoft.com/office/drawing/2010/main">
+              <a14:hiddenFill xmlns:a14="http://schemas.microsoft.com/office/drawing/2010/main" xmlns="">
                 <a:solidFill>
                   <a:srgbClr val="FFFFFF"/>
                 </a:solidFill>
               </a14:hiddenFill>
             </a:ext>
             <a:ext uri="{91240B29-F687-4f45-9708-019B960494DF}">
-              <a14:hiddenLine xmlns="" xmlns:a14="http://schemas.microsoft.com/office/drawing/2010/main" w="9525">
+              <a14:hiddenLine xmlns:a14="http://schemas.microsoft.com/office/drawing/2010/main" xmlns="" w="9525">
                 <a:solidFill>
                   <a:srgbClr val="000000"/>
                 </a:solidFill>
@@ -12471,14 +12471,14 @@
           </a:ln>
           <a:extLst>
             <a:ext uri="{909E8E84-426E-40dd-AFC4-6F175D3DCCD1}">
-              <a14:hiddenFill xmlns="" xmlns:a14="http://schemas.microsoft.com/office/drawing/2010/main">
+              <a14:hiddenFill xmlns:a14="http://schemas.microsoft.com/office/drawing/2010/main" xmlns="">
                 <a:solidFill>
                   <a:srgbClr val="FFFFFF"/>
                 </a:solidFill>
               </a14:hiddenFill>
             </a:ext>
             <a:ext uri="{91240B29-F687-4f45-9708-019B960494DF}">
-              <a14:hiddenLine xmlns="" xmlns:a14="http://schemas.microsoft.com/office/drawing/2010/main" w="9525">
+              <a14:hiddenLine xmlns:a14="http://schemas.microsoft.com/office/drawing/2010/main" xmlns="" w="9525">
                 <a:solidFill>
                   <a:srgbClr val="000000"/>
                 </a:solidFill>
@@ -13098,11 +13098,7 @@
             </a:r>
             <a:r>
               <a:rPr lang="en-US" sz="2800" smtClean="0"/>
-              <a:t>Fall </a:t>
-            </a:r>
-            <a:r>
-              <a:rPr lang="en-US" sz="2800" smtClean="0"/>
-              <a:t>2016</a:t>
+              <a:t>Fall 2016</a:t>
             </a:r>
             <a:endParaRPr lang="en-US" sz="2800" dirty="0"/>
           </a:p>
@@ -13209,7 +13205,7 @@
           <a:effectLst/>
           <a:extLst>
             <a:ext uri="{AF507438-7753-43e0-B8FC-AC1667EBCBE1}">
-              <a14:hiddenEffects xmlns="" xmlns:a14="http://schemas.microsoft.com/office/drawing/2010/main">
+              <a14:hiddenEffects xmlns:a14="http://schemas.microsoft.com/office/drawing/2010/main" xmlns="">
                 <a:effectLst>
                   <a:outerShdw dist="35921" dir="2700000" algn="ctr" rotWithShape="0">
                     <a:schemeClr val="bg2"/>
@@ -13272,14 +13268,14 @@
           <a:effectLst/>
           <a:extLst>
             <a:ext uri="{909E8E84-426E-40dd-AFC4-6F175D3DCCD1}">
-              <a14:hiddenFill xmlns="" xmlns:a14="http://schemas.microsoft.com/office/drawing/2010/main">
+              <a14:hiddenFill xmlns:a14="http://schemas.microsoft.com/office/drawing/2010/main" xmlns="">
                 <a:solidFill>
                   <a:schemeClr val="accent1"/>
                 </a:solidFill>
               </a14:hiddenFill>
             </a:ext>
             <a:ext uri="{91240B29-F687-4f45-9708-019B960494DF}">
-              <a14:hiddenLine xmlns="" xmlns:a14="http://schemas.microsoft.com/office/drawing/2010/main" w="9525">
+              <a14:hiddenLine xmlns:a14="http://schemas.microsoft.com/office/drawing/2010/main" xmlns="" w="9525">
                 <a:solidFill>
                   <a:schemeClr val="tx1"/>
                 </a:solidFill>
@@ -13289,7 +13285,7 @@
               </a14:hiddenLine>
             </a:ext>
             <a:ext uri="{AF507438-7753-43e0-B8FC-AC1667EBCBE1}">
-              <a14:hiddenEffects xmlns="" xmlns:a14="http://schemas.microsoft.com/office/drawing/2010/main">
+              <a14:hiddenEffects xmlns:a14="http://schemas.microsoft.com/office/drawing/2010/main" xmlns="">
                 <a:effectLst>
                   <a:outerShdw dist="35921" dir="2700000" algn="ctr" rotWithShape="0">
                     <a:schemeClr val="bg2"/>
@@ -13739,14 +13735,14 @@
           <a:effectLst/>
           <a:extLst>
             <a:ext uri="{909E8E84-426E-40dd-AFC4-6F175D3DCCD1}">
-              <a14:hiddenFill xmlns="" xmlns:a14="http://schemas.microsoft.com/office/drawing/2010/main">
+              <a14:hiddenFill xmlns:a14="http://schemas.microsoft.com/office/drawing/2010/main" xmlns="">
                 <a:solidFill>
                   <a:schemeClr val="accent1"/>
                 </a:solidFill>
               </a14:hiddenFill>
             </a:ext>
             <a:ext uri="{AF507438-7753-43e0-B8FC-AC1667EBCBE1}">
-              <a14:hiddenEffects xmlns="" xmlns:a14="http://schemas.microsoft.com/office/drawing/2010/main">
+              <a14:hiddenEffects xmlns:a14="http://schemas.microsoft.com/office/drawing/2010/main" xmlns="">
                 <a:effectLst>
                   <a:outerShdw dist="35921" dir="2700000" algn="ctr" rotWithShape="0">
                     <a:schemeClr val="bg2"/>
@@ -13801,12 +13797,12 @@
           <a:effectLst/>
           <a:extLst>
             <a:ext uri="{909E8E84-426E-40dd-AFC4-6F175D3DCCD1}">
-              <a14:hiddenFill xmlns="" xmlns:a14="http://schemas.microsoft.com/office/drawing/2010/main">
+              <a14:hiddenFill xmlns:a14="http://schemas.microsoft.com/office/drawing/2010/main" xmlns="">
                 <a:noFill/>
               </a14:hiddenFill>
             </a:ext>
             <a:ext uri="{AF507438-7753-43e0-B8FC-AC1667EBCBE1}">
-              <a14:hiddenEffects xmlns="" xmlns:a14="http://schemas.microsoft.com/office/drawing/2010/main">
+              <a14:hiddenEffects xmlns:a14="http://schemas.microsoft.com/office/drawing/2010/main" xmlns="">
                 <a:effectLst>
                   <a:outerShdw dist="35921" dir="2700000" algn="ctr" rotWithShape="0">
                     <a:schemeClr val="bg2"/>
@@ -13891,7 +13887,7 @@
           <a:effectLst/>
           <a:extLst>
             <a:ext uri="{AF507438-7753-43e0-B8FC-AC1667EBCBE1}">
-              <a14:hiddenEffects xmlns="" xmlns:a14="http://schemas.microsoft.com/office/drawing/2010/main">
+              <a14:hiddenEffects xmlns:a14="http://schemas.microsoft.com/office/drawing/2010/main" xmlns="">
                 <a:effectLst>
                   <a:outerShdw dist="35921" dir="2700000" algn="ctr" rotWithShape="0">
                     <a:schemeClr val="bg2"/>
@@ -13954,14 +13950,14 @@
           <a:effectLst/>
           <a:extLst>
             <a:ext uri="{909E8E84-426E-40dd-AFC4-6F175D3DCCD1}">
-              <a14:hiddenFill xmlns="" xmlns:a14="http://schemas.microsoft.com/office/drawing/2010/main">
+              <a14:hiddenFill xmlns:a14="http://schemas.microsoft.com/office/drawing/2010/main" xmlns="">
                 <a:solidFill>
                   <a:schemeClr val="accent1"/>
                 </a:solidFill>
               </a14:hiddenFill>
             </a:ext>
             <a:ext uri="{91240B29-F687-4f45-9708-019B960494DF}">
-              <a14:hiddenLine xmlns="" xmlns:a14="http://schemas.microsoft.com/office/drawing/2010/main" w="9525">
+              <a14:hiddenLine xmlns:a14="http://schemas.microsoft.com/office/drawing/2010/main" xmlns="" w="9525">
                 <a:solidFill>
                   <a:schemeClr val="tx1"/>
                 </a:solidFill>
@@ -13971,7 +13967,7 @@
               </a14:hiddenLine>
             </a:ext>
             <a:ext uri="{AF507438-7753-43e0-B8FC-AC1667EBCBE1}">
-              <a14:hiddenEffects xmlns="" xmlns:a14="http://schemas.microsoft.com/office/drawing/2010/main">
+              <a14:hiddenEffects xmlns:a14="http://schemas.microsoft.com/office/drawing/2010/main" xmlns="">
                 <a:effectLst>
                   <a:outerShdw dist="35921" dir="2700000" algn="ctr" rotWithShape="0">
                     <a:schemeClr val="bg2"/>
@@ -14421,14 +14417,14 @@
           <a:effectLst/>
           <a:extLst>
             <a:ext uri="{909E8E84-426E-40dd-AFC4-6F175D3DCCD1}">
-              <a14:hiddenFill xmlns="" xmlns:a14="http://schemas.microsoft.com/office/drawing/2010/main">
+              <a14:hiddenFill xmlns:a14="http://schemas.microsoft.com/office/drawing/2010/main" xmlns="">
                 <a:solidFill>
                   <a:schemeClr val="accent1"/>
                 </a:solidFill>
               </a14:hiddenFill>
             </a:ext>
             <a:ext uri="{AF507438-7753-43e0-B8FC-AC1667EBCBE1}">
-              <a14:hiddenEffects xmlns="" xmlns:a14="http://schemas.microsoft.com/office/drawing/2010/main">
+              <a14:hiddenEffects xmlns:a14="http://schemas.microsoft.com/office/drawing/2010/main" xmlns="">
                 <a:effectLst>
                   <a:outerShdw dist="35921" dir="2700000" algn="ctr" rotWithShape="0">
                     <a:schemeClr val="bg2"/>
@@ -14483,12 +14479,12 @@
           <a:effectLst/>
           <a:extLst>
             <a:ext uri="{909E8E84-426E-40dd-AFC4-6F175D3DCCD1}">
-              <a14:hiddenFill xmlns="" xmlns:a14="http://schemas.microsoft.com/office/drawing/2010/main">
+              <a14:hiddenFill xmlns:a14="http://schemas.microsoft.com/office/drawing/2010/main" xmlns="">
                 <a:noFill/>
               </a14:hiddenFill>
             </a:ext>
             <a:ext uri="{AF507438-7753-43e0-B8FC-AC1667EBCBE1}">
-              <a14:hiddenEffects xmlns="" xmlns:a14="http://schemas.microsoft.com/office/drawing/2010/main">
+              <a14:hiddenEffects xmlns:a14="http://schemas.microsoft.com/office/drawing/2010/main" xmlns="">
                 <a:effectLst>
                   <a:outerShdw dist="35921" dir="2700000" algn="ctr" rotWithShape="0">
                     <a:schemeClr val="bg2"/>
@@ -14550,14 +14546,14 @@
             <a:effectLst/>
             <a:extLst>
               <a:ext uri="{909E8E84-426E-40dd-AFC4-6F175D3DCCD1}">
-                <a14:hiddenFill xmlns="" xmlns:a14="http://schemas.microsoft.com/office/drawing/2010/main">
+                <a14:hiddenFill xmlns:a14="http://schemas.microsoft.com/office/drawing/2010/main" xmlns="">
                   <a:solidFill>
                     <a:schemeClr val="accent1"/>
                   </a:solidFill>
                 </a14:hiddenFill>
               </a:ext>
               <a:ext uri="{AF507438-7753-43e0-B8FC-AC1667EBCBE1}">
-                <a14:hiddenEffects xmlns="" xmlns:a14="http://schemas.microsoft.com/office/drawing/2010/main">
+                <a14:hiddenEffects xmlns:a14="http://schemas.microsoft.com/office/drawing/2010/main" xmlns="">
                   <a:effectLst>
                     <a:outerShdw dist="35921" dir="2700000" algn="ctr" rotWithShape="0">
                       <a:schemeClr val="bg2"/>
@@ -14629,12 +14625,12 @@
             <a:effectLst/>
             <a:extLst>
               <a:ext uri="{909E8E84-426E-40dd-AFC4-6F175D3DCCD1}">
-                <a14:hiddenFill xmlns="" xmlns:a14="http://schemas.microsoft.com/office/drawing/2010/main">
+                <a14:hiddenFill xmlns:a14="http://schemas.microsoft.com/office/drawing/2010/main" xmlns="">
                   <a:noFill/>
                 </a14:hiddenFill>
               </a:ext>
               <a:ext uri="{AF507438-7753-43e0-B8FC-AC1667EBCBE1}">
-                <a14:hiddenEffects xmlns="" xmlns:a14="http://schemas.microsoft.com/office/drawing/2010/main">
+                <a14:hiddenEffects xmlns:a14="http://schemas.microsoft.com/office/drawing/2010/main" xmlns="">
                   <a:effectLst>
                     <a:outerShdw dist="35921" dir="2700000" algn="ctr" rotWithShape="0">
                       <a:schemeClr val="bg2"/>
@@ -14788,7 +14784,7 @@
           <a:effectLst/>
           <a:extLst>
             <a:ext uri="{AF507438-7753-43e0-B8FC-AC1667EBCBE1}">
-              <a14:hiddenEffects xmlns="" xmlns:a14="http://schemas.microsoft.com/office/drawing/2010/main">
+              <a14:hiddenEffects xmlns:a14="http://schemas.microsoft.com/office/drawing/2010/main" xmlns="">
                 <a:effectLst>
                   <a:outerShdw dist="35921" dir="2700000" algn="ctr" rotWithShape="0">
                     <a:schemeClr val="bg2"/>
@@ -14851,14 +14847,14 @@
           <a:effectLst/>
           <a:extLst>
             <a:ext uri="{909E8E84-426E-40dd-AFC4-6F175D3DCCD1}">
-              <a14:hiddenFill xmlns="" xmlns:a14="http://schemas.microsoft.com/office/drawing/2010/main">
+              <a14:hiddenFill xmlns:a14="http://schemas.microsoft.com/office/drawing/2010/main" xmlns="">
                 <a:solidFill>
                   <a:schemeClr val="accent1"/>
                 </a:solidFill>
               </a14:hiddenFill>
             </a:ext>
             <a:ext uri="{91240B29-F687-4f45-9708-019B960494DF}">
-              <a14:hiddenLine xmlns="" xmlns:a14="http://schemas.microsoft.com/office/drawing/2010/main" w="9525">
+              <a14:hiddenLine xmlns:a14="http://schemas.microsoft.com/office/drawing/2010/main" xmlns="" w="9525">
                 <a:solidFill>
                   <a:schemeClr val="tx1"/>
                 </a:solidFill>
@@ -14868,7 +14864,7 @@
               </a14:hiddenLine>
             </a:ext>
             <a:ext uri="{AF507438-7753-43e0-B8FC-AC1667EBCBE1}">
-              <a14:hiddenEffects xmlns="" xmlns:a14="http://schemas.microsoft.com/office/drawing/2010/main">
+              <a14:hiddenEffects xmlns:a14="http://schemas.microsoft.com/office/drawing/2010/main" xmlns="">
                 <a:effectLst>
                   <a:outerShdw dist="35921" dir="2700000" algn="ctr" rotWithShape="0">
                     <a:schemeClr val="bg2"/>
@@ -15318,14 +15314,14 @@
           <a:effectLst/>
           <a:extLst>
             <a:ext uri="{909E8E84-426E-40dd-AFC4-6F175D3DCCD1}">
-              <a14:hiddenFill xmlns="" xmlns:a14="http://schemas.microsoft.com/office/drawing/2010/main">
+              <a14:hiddenFill xmlns:a14="http://schemas.microsoft.com/office/drawing/2010/main" xmlns="">
                 <a:solidFill>
                   <a:schemeClr val="accent1"/>
                 </a:solidFill>
               </a14:hiddenFill>
             </a:ext>
             <a:ext uri="{AF507438-7753-43e0-B8FC-AC1667EBCBE1}">
-              <a14:hiddenEffects xmlns="" xmlns:a14="http://schemas.microsoft.com/office/drawing/2010/main">
+              <a14:hiddenEffects xmlns:a14="http://schemas.microsoft.com/office/drawing/2010/main" xmlns="">
                 <a:effectLst>
                   <a:outerShdw dist="35921" dir="2700000" algn="ctr" rotWithShape="0">
                     <a:schemeClr val="bg2"/>
@@ -15380,12 +15376,12 @@
           <a:effectLst/>
           <a:extLst>
             <a:ext uri="{909E8E84-426E-40dd-AFC4-6F175D3DCCD1}">
-              <a14:hiddenFill xmlns="" xmlns:a14="http://schemas.microsoft.com/office/drawing/2010/main">
+              <a14:hiddenFill xmlns:a14="http://schemas.microsoft.com/office/drawing/2010/main" xmlns="">
                 <a:noFill/>
               </a14:hiddenFill>
             </a:ext>
             <a:ext uri="{AF507438-7753-43e0-B8FC-AC1667EBCBE1}">
-              <a14:hiddenEffects xmlns="" xmlns:a14="http://schemas.microsoft.com/office/drawing/2010/main">
+              <a14:hiddenEffects xmlns:a14="http://schemas.microsoft.com/office/drawing/2010/main" xmlns="">
                 <a:effectLst>
                   <a:outerShdw dist="35921" dir="2700000" algn="ctr" rotWithShape="0">
                     <a:schemeClr val="bg2"/>
@@ -15485,14 +15481,14 @@
           <a:effectLst/>
           <a:extLst>
             <a:ext uri="{909E8E84-426E-40dd-AFC4-6F175D3DCCD1}">
-              <a14:hiddenFill xmlns="" xmlns:a14="http://schemas.microsoft.com/office/drawing/2010/main">
+              <a14:hiddenFill xmlns:a14="http://schemas.microsoft.com/office/drawing/2010/main" xmlns="">
                 <a:solidFill>
                   <a:schemeClr val="accent1"/>
                 </a:solidFill>
               </a14:hiddenFill>
             </a:ext>
             <a:ext uri="{91240B29-F687-4f45-9708-019B960494DF}">
-              <a14:hiddenLine xmlns="" xmlns:a14="http://schemas.microsoft.com/office/drawing/2010/main" w="9525">
+              <a14:hiddenLine xmlns:a14="http://schemas.microsoft.com/office/drawing/2010/main" xmlns="" w="9525">
                 <a:solidFill>
                   <a:schemeClr val="tx1"/>
                 </a:solidFill>
@@ -15502,7 +15498,7 @@
               </a14:hiddenLine>
             </a:ext>
             <a:ext uri="{AF507438-7753-43e0-B8FC-AC1667EBCBE1}">
-              <a14:hiddenEffects xmlns="" xmlns:a14="http://schemas.microsoft.com/office/drawing/2010/main">
+              <a14:hiddenEffects xmlns:a14="http://schemas.microsoft.com/office/drawing/2010/main" xmlns="">
                 <a:effectLst>
                   <a:outerShdw dist="35921" dir="2700000" algn="ctr" rotWithShape="0">
                     <a:schemeClr val="bg2"/>
@@ -16058,7 +16054,7 @@
           <a:effectLst/>
           <a:extLst>
             <a:ext uri="{AF507438-7753-43e0-B8FC-AC1667EBCBE1}">
-              <a14:hiddenEffects xmlns="" xmlns:a14="http://schemas.microsoft.com/office/drawing/2010/main">
+              <a14:hiddenEffects xmlns:a14="http://schemas.microsoft.com/office/drawing/2010/main" xmlns="">
                 <a:effectLst>
                   <a:outerShdw dist="35921" dir="2700000" algn="ctr" rotWithShape="0">
                     <a:schemeClr val="bg2"/>
@@ -16121,14 +16117,14 @@
           <a:effectLst/>
           <a:extLst>
             <a:ext uri="{909E8E84-426E-40dd-AFC4-6F175D3DCCD1}">
-              <a14:hiddenFill xmlns="" xmlns:a14="http://schemas.microsoft.com/office/drawing/2010/main">
+              <a14:hiddenFill xmlns:a14="http://schemas.microsoft.com/office/drawing/2010/main" xmlns="">
                 <a:solidFill>
                   <a:schemeClr val="accent1"/>
                 </a:solidFill>
               </a14:hiddenFill>
             </a:ext>
             <a:ext uri="{91240B29-F687-4f45-9708-019B960494DF}">
-              <a14:hiddenLine xmlns="" xmlns:a14="http://schemas.microsoft.com/office/drawing/2010/main" w="9525">
+              <a14:hiddenLine xmlns:a14="http://schemas.microsoft.com/office/drawing/2010/main" xmlns="" w="9525">
                 <a:solidFill>
                   <a:schemeClr val="tx1"/>
                 </a:solidFill>
@@ -16138,7 +16134,7 @@
               </a14:hiddenLine>
             </a:ext>
             <a:ext uri="{AF507438-7753-43e0-B8FC-AC1667EBCBE1}">
-              <a14:hiddenEffects xmlns="" xmlns:a14="http://schemas.microsoft.com/office/drawing/2010/main">
+              <a14:hiddenEffects xmlns:a14="http://schemas.microsoft.com/office/drawing/2010/main" xmlns="">
                 <a:effectLst>
                   <a:outerShdw dist="35921" dir="2700000" algn="ctr" rotWithShape="0">
                     <a:schemeClr val="bg2"/>
@@ -16655,14 +16651,14 @@
           <a:effectLst/>
           <a:extLst>
             <a:ext uri="{909E8E84-426E-40dd-AFC4-6F175D3DCCD1}">
-              <a14:hiddenFill xmlns="" xmlns:a14="http://schemas.microsoft.com/office/drawing/2010/main">
+              <a14:hiddenFill xmlns:a14="http://schemas.microsoft.com/office/drawing/2010/main" xmlns="">
                 <a:solidFill>
                   <a:schemeClr val="accent1"/>
                 </a:solidFill>
               </a14:hiddenFill>
             </a:ext>
             <a:ext uri="{AF507438-7753-43e0-B8FC-AC1667EBCBE1}">
-              <a14:hiddenEffects xmlns="" xmlns:a14="http://schemas.microsoft.com/office/drawing/2010/main">
+              <a14:hiddenEffects xmlns:a14="http://schemas.microsoft.com/office/drawing/2010/main" xmlns="">
                 <a:effectLst>
                   <a:outerShdw dist="35921" dir="2700000" algn="ctr" rotWithShape="0">
                     <a:schemeClr val="bg2"/>
@@ -16733,12 +16729,12 @@
           <a:effectLst/>
           <a:extLst>
             <a:ext uri="{909E8E84-426E-40dd-AFC4-6F175D3DCCD1}">
-              <a14:hiddenFill xmlns="" xmlns:a14="http://schemas.microsoft.com/office/drawing/2010/main">
+              <a14:hiddenFill xmlns:a14="http://schemas.microsoft.com/office/drawing/2010/main" xmlns="">
                 <a:noFill/>
               </a14:hiddenFill>
             </a:ext>
             <a:ext uri="{AF507438-7753-43e0-B8FC-AC1667EBCBE1}">
-              <a14:hiddenEffects xmlns="" xmlns:a14="http://schemas.microsoft.com/office/drawing/2010/main">
+              <a14:hiddenEffects xmlns:a14="http://schemas.microsoft.com/office/drawing/2010/main" xmlns="">
                 <a:effectLst>
                   <a:outerShdw dist="35921" dir="2700000" algn="ctr" rotWithShape="0">
                     <a:schemeClr val="bg2"/>
@@ -16823,7 +16819,7 @@
           <a:effectLst/>
           <a:extLst>
             <a:ext uri="{AF507438-7753-43e0-B8FC-AC1667EBCBE1}">
-              <a14:hiddenEffects xmlns="" xmlns:a14="http://schemas.microsoft.com/office/drawing/2010/main">
+              <a14:hiddenEffects xmlns:a14="http://schemas.microsoft.com/office/drawing/2010/main" xmlns="">
                 <a:effectLst>
                   <a:outerShdw dist="35921" dir="2700000" algn="ctr" rotWithShape="0">
                     <a:schemeClr val="bg2"/>
@@ -16886,14 +16882,14 @@
           <a:effectLst/>
           <a:extLst>
             <a:ext uri="{909E8E84-426E-40dd-AFC4-6F175D3DCCD1}">
-              <a14:hiddenFill xmlns="" xmlns:a14="http://schemas.microsoft.com/office/drawing/2010/main">
+              <a14:hiddenFill xmlns:a14="http://schemas.microsoft.com/office/drawing/2010/main" xmlns="">
                 <a:solidFill>
                   <a:schemeClr val="accent1"/>
                 </a:solidFill>
               </a14:hiddenFill>
             </a:ext>
             <a:ext uri="{91240B29-F687-4f45-9708-019B960494DF}">
-              <a14:hiddenLine xmlns="" xmlns:a14="http://schemas.microsoft.com/office/drawing/2010/main" w="9525">
+              <a14:hiddenLine xmlns:a14="http://schemas.microsoft.com/office/drawing/2010/main" xmlns="" w="9525">
                 <a:solidFill>
                   <a:schemeClr val="tx1"/>
                 </a:solidFill>
@@ -16903,7 +16899,7 @@
               </a14:hiddenLine>
             </a:ext>
             <a:ext uri="{AF507438-7753-43e0-B8FC-AC1667EBCBE1}">
-              <a14:hiddenEffects xmlns="" xmlns:a14="http://schemas.microsoft.com/office/drawing/2010/main">
+              <a14:hiddenEffects xmlns:a14="http://schemas.microsoft.com/office/drawing/2010/main" xmlns="">
                 <a:effectLst>
                   <a:outerShdw dist="35921" dir="2700000" algn="ctr" rotWithShape="0">
                     <a:schemeClr val="bg2"/>
@@ -17459,7 +17455,7 @@
           <a:effectLst/>
           <a:extLst>
             <a:ext uri="{AF507438-7753-43e0-B8FC-AC1667EBCBE1}">
-              <a14:hiddenEffects xmlns="" xmlns:a14="http://schemas.microsoft.com/office/drawing/2010/main">
+              <a14:hiddenEffects xmlns:a14="http://schemas.microsoft.com/office/drawing/2010/main" xmlns="">
                 <a:effectLst>
                   <a:outerShdw dist="35921" dir="2700000" algn="ctr" rotWithShape="0">
                     <a:schemeClr val="bg2"/>
@@ -17522,14 +17518,14 @@
           <a:effectLst/>
           <a:extLst>
             <a:ext uri="{909E8E84-426E-40dd-AFC4-6F175D3DCCD1}">
-              <a14:hiddenFill xmlns="" xmlns:a14="http://schemas.microsoft.com/office/drawing/2010/main">
+              <a14:hiddenFill xmlns:a14="http://schemas.microsoft.com/office/drawing/2010/main" xmlns="">
                 <a:solidFill>
                   <a:schemeClr val="accent1"/>
                 </a:solidFill>
               </a14:hiddenFill>
             </a:ext>
             <a:ext uri="{91240B29-F687-4f45-9708-019B960494DF}">
-              <a14:hiddenLine xmlns="" xmlns:a14="http://schemas.microsoft.com/office/drawing/2010/main" w="9525">
+              <a14:hiddenLine xmlns:a14="http://schemas.microsoft.com/office/drawing/2010/main" xmlns="" w="9525">
                 <a:solidFill>
                   <a:schemeClr val="tx1"/>
                 </a:solidFill>
@@ -17539,7 +17535,7 @@
               </a14:hiddenLine>
             </a:ext>
             <a:ext uri="{AF507438-7753-43e0-B8FC-AC1667EBCBE1}">
-              <a14:hiddenEffects xmlns="" xmlns:a14="http://schemas.microsoft.com/office/drawing/2010/main">
+              <a14:hiddenEffects xmlns:a14="http://schemas.microsoft.com/office/drawing/2010/main" xmlns="">
                 <a:effectLst>
                   <a:outerShdw dist="35921" dir="2700000" algn="ctr" rotWithShape="0">
                     <a:schemeClr val="bg2"/>
@@ -18056,14 +18052,14 @@
           <a:effectLst/>
           <a:extLst>
             <a:ext uri="{909E8E84-426E-40dd-AFC4-6F175D3DCCD1}">
-              <a14:hiddenFill xmlns="" xmlns:a14="http://schemas.microsoft.com/office/drawing/2010/main">
+              <a14:hiddenFill xmlns:a14="http://schemas.microsoft.com/office/drawing/2010/main" xmlns="">
                 <a:solidFill>
                   <a:schemeClr val="accent1"/>
                 </a:solidFill>
               </a14:hiddenFill>
             </a:ext>
             <a:ext uri="{AF507438-7753-43e0-B8FC-AC1667EBCBE1}">
-              <a14:hiddenEffects xmlns="" xmlns:a14="http://schemas.microsoft.com/office/drawing/2010/main">
+              <a14:hiddenEffects xmlns:a14="http://schemas.microsoft.com/office/drawing/2010/main" xmlns="">
                 <a:effectLst>
                   <a:outerShdw dist="35921" dir="2700000" algn="ctr" rotWithShape="0">
                     <a:schemeClr val="bg2"/>
@@ -18118,12 +18114,12 @@
           <a:effectLst/>
           <a:extLst>
             <a:ext uri="{909E8E84-426E-40dd-AFC4-6F175D3DCCD1}">
-              <a14:hiddenFill xmlns="" xmlns:a14="http://schemas.microsoft.com/office/drawing/2010/main">
+              <a14:hiddenFill xmlns:a14="http://schemas.microsoft.com/office/drawing/2010/main" xmlns="">
                 <a:noFill/>
               </a14:hiddenFill>
             </a:ext>
             <a:ext uri="{AF507438-7753-43e0-B8FC-AC1667EBCBE1}">
-              <a14:hiddenEffects xmlns="" xmlns:a14="http://schemas.microsoft.com/office/drawing/2010/main">
+              <a14:hiddenEffects xmlns:a14="http://schemas.microsoft.com/office/drawing/2010/main" xmlns="">
                 <a:effectLst>
                   <a:outerShdw dist="35921" dir="2700000" algn="ctr" rotWithShape="0">
                     <a:schemeClr val="bg2"/>
@@ -18208,7 +18204,7 @@
           <a:effectLst/>
           <a:extLst>
             <a:ext uri="{AF507438-7753-43e0-B8FC-AC1667EBCBE1}">
-              <a14:hiddenEffects xmlns="" xmlns:a14="http://schemas.microsoft.com/office/drawing/2010/main">
+              <a14:hiddenEffects xmlns:a14="http://schemas.microsoft.com/office/drawing/2010/main" xmlns="">
                 <a:effectLst>
                   <a:outerShdw dist="35921" dir="2700000" algn="ctr" rotWithShape="0">
                     <a:schemeClr val="bg2"/>
@@ -18271,14 +18267,14 @@
           <a:effectLst/>
           <a:extLst>
             <a:ext uri="{909E8E84-426E-40dd-AFC4-6F175D3DCCD1}">
-              <a14:hiddenFill xmlns="" xmlns:a14="http://schemas.microsoft.com/office/drawing/2010/main">
+              <a14:hiddenFill xmlns:a14="http://schemas.microsoft.com/office/drawing/2010/main" xmlns="">
                 <a:solidFill>
                   <a:schemeClr val="accent1"/>
                 </a:solidFill>
               </a14:hiddenFill>
             </a:ext>
             <a:ext uri="{91240B29-F687-4f45-9708-019B960494DF}">
-              <a14:hiddenLine xmlns="" xmlns:a14="http://schemas.microsoft.com/office/drawing/2010/main" w="9525">
+              <a14:hiddenLine xmlns:a14="http://schemas.microsoft.com/office/drawing/2010/main" xmlns="" w="9525">
                 <a:solidFill>
                   <a:schemeClr val="tx1"/>
                 </a:solidFill>
@@ -18288,7 +18284,7 @@
               </a14:hiddenLine>
             </a:ext>
             <a:ext uri="{AF507438-7753-43e0-B8FC-AC1667EBCBE1}">
-              <a14:hiddenEffects xmlns="" xmlns:a14="http://schemas.microsoft.com/office/drawing/2010/main">
+              <a14:hiddenEffects xmlns:a14="http://schemas.microsoft.com/office/drawing/2010/main" xmlns="">
                 <a:effectLst>
                   <a:outerShdw dist="35921" dir="2700000" algn="ctr" rotWithShape="0">
                     <a:schemeClr val="bg2"/>
@@ -18483,14 +18479,14 @@
           <a:effectLst/>
           <a:extLst>
             <a:ext uri="{909E8E84-426E-40dd-AFC4-6F175D3DCCD1}">
-              <a14:hiddenFill xmlns="" xmlns:a14="http://schemas.microsoft.com/office/drawing/2010/main">
+              <a14:hiddenFill xmlns:a14="http://schemas.microsoft.com/office/drawing/2010/main" xmlns="">
                 <a:solidFill>
                   <a:schemeClr val="accent1"/>
                 </a:solidFill>
               </a14:hiddenFill>
             </a:ext>
             <a:ext uri="{AF507438-7753-43e0-B8FC-AC1667EBCBE1}">
-              <a14:hiddenEffects xmlns="" xmlns:a14="http://schemas.microsoft.com/office/drawing/2010/main">
+              <a14:hiddenEffects xmlns:a14="http://schemas.microsoft.com/office/drawing/2010/main" xmlns="">
                 <a:effectLst>
                   <a:outerShdw dist="35921" dir="2700000" algn="ctr" rotWithShape="0">
                     <a:schemeClr val="bg2"/>
@@ -18617,12 +18613,12 @@
           <a:effectLst/>
           <a:extLst>
             <a:ext uri="{909E8E84-426E-40dd-AFC4-6F175D3DCCD1}">
-              <a14:hiddenFill xmlns="" xmlns:a14="http://schemas.microsoft.com/office/drawing/2010/main">
+              <a14:hiddenFill xmlns:a14="http://schemas.microsoft.com/office/drawing/2010/main" xmlns="">
                 <a:noFill/>
               </a14:hiddenFill>
             </a:ext>
             <a:ext uri="{AF507438-7753-43e0-B8FC-AC1667EBCBE1}">
-              <a14:hiddenEffects xmlns="" xmlns:a14="http://schemas.microsoft.com/office/drawing/2010/main">
+              <a14:hiddenEffects xmlns:a14="http://schemas.microsoft.com/office/drawing/2010/main" xmlns="">
                 <a:effectLst>
                   <a:outerShdw dist="35921" dir="2700000" algn="ctr" rotWithShape="0">
                     <a:schemeClr val="bg2"/>
@@ -18722,14 +18718,14 @@
           <a:effectLst/>
           <a:extLst>
             <a:ext uri="{909E8E84-426E-40dd-AFC4-6F175D3DCCD1}">
-              <a14:hiddenFill xmlns="" xmlns:a14="http://schemas.microsoft.com/office/drawing/2010/main">
+              <a14:hiddenFill xmlns:a14="http://schemas.microsoft.com/office/drawing/2010/main" xmlns="">
                 <a:solidFill>
                   <a:schemeClr val="accent1"/>
                 </a:solidFill>
               </a14:hiddenFill>
             </a:ext>
             <a:ext uri="{91240B29-F687-4f45-9708-019B960494DF}">
-              <a14:hiddenLine xmlns="" xmlns:a14="http://schemas.microsoft.com/office/drawing/2010/main" w="9525">
+              <a14:hiddenLine xmlns:a14="http://schemas.microsoft.com/office/drawing/2010/main" xmlns="" w="9525">
                 <a:solidFill>
                   <a:schemeClr val="tx1"/>
                 </a:solidFill>
@@ -18739,7 +18735,7 @@
               </a14:hiddenLine>
             </a:ext>
             <a:ext uri="{AF507438-7753-43e0-B8FC-AC1667EBCBE1}">
-              <a14:hiddenEffects xmlns="" xmlns:a14="http://schemas.microsoft.com/office/drawing/2010/main">
+              <a14:hiddenEffects xmlns:a14="http://schemas.microsoft.com/office/drawing/2010/main" xmlns="">
                 <a:effectLst>
                   <a:outerShdw dist="35921" dir="2700000" algn="ctr" rotWithShape="0">
                     <a:schemeClr val="bg2"/>
@@ -19227,7 +19223,7 @@
           <a:effectLst/>
           <a:extLst>
             <a:ext uri="{AF507438-7753-43e0-B8FC-AC1667EBCBE1}">
-              <a14:hiddenEffects xmlns="" xmlns:a14="http://schemas.microsoft.com/office/drawing/2010/main">
+              <a14:hiddenEffects xmlns:a14="http://schemas.microsoft.com/office/drawing/2010/main" xmlns="">
                 <a:effectLst>
                   <a:outerShdw dist="35921" dir="2700000" algn="ctr" rotWithShape="0">
                     <a:schemeClr val="bg2"/>
@@ -19290,14 +19286,14 @@
           <a:effectLst/>
           <a:extLst>
             <a:ext uri="{909E8E84-426E-40dd-AFC4-6F175D3DCCD1}">
-              <a14:hiddenFill xmlns="" xmlns:a14="http://schemas.microsoft.com/office/drawing/2010/main">
+              <a14:hiddenFill xmlns:a14="http://schemas.microsoft.com/office/drawing/2010/main" xmlns="">
                 <a:solidFill>
                   <a:schemeClr val="accent1"/>
                 </a:solidFill>
               </a14:hiddenFill>
             </a:ext>
             <a:ext uri="{91240B29-F687-4f45-9708-019B960494DF}">
-              <a14:hiddenLine xmlns="" xmlns:a14="http://schemas.microsoft.com/office/drawing/2010/main" w="9525">
+              <a14:hiddenLine xmlns:a14="http://schemas.microsoft.com/office/drawing/2010/main" xmlns="" w="9525">
                 <a:solidFill>
                   <a:schemeClr val="tx1"/>
                 </a:solidFill>
@@ -19307,7 +19303,7 @@
               </a14:hiddenLine>
             </a:ext>
             <a:ext uri="{AF507438-7753-43e0-B8FC-AC1667EBCBE1}">
-              <a14:hiddenEffects xmlns="" xmlns:a14="http://schemas.microsoft.com/office/drawing/2010/main">
+              <a14:hiddenEffects xmlns:a14="http://schemas.microsoft.com/office/drawing/2010/main" xmlns="">
                 <a:effectLst>
                   <a:outerShdw dist="35921" dir="2700000" algn="ctr" rotWithShape="0">
                     <a:schemeClr val="bg2"/>
@@ -19756,14 +19752,14 @@
           <a:effectLst/>
           <a:extLst>
             <a:ext uri="{909E8E84-426E-40dd-AFC4-6F175D3DCCD1}">
-              <a14:hiddenFill xmlns="" xmlns:a14="http://schemas.microsoft.com/office/drawing/2010/main">
+              <a14:hiddenFill xmlns:a14="http://schemas.microsoft.com/office/drawing/2010/main" xmlns="">
                 <a:solidFill>
                   <a:schemeClr val="accent1"/>
                 </a:solidFill>
               </a14:hiddenFill>
             </a:ext>
             <a:ext uri="{AF507438-7753-43e0-B8FC-AC1667EBCBE1}">
-              <a14:hiddenEffects xmlns="" xmlns:a14="http://schemas.microsoft.com/office/drawing/2010/main">
+              <a14:hiddenEffects xmlns:a14="http://schemas.microsoft.com/office/drawing/2010/main" xmlns="">
                 <a:effectLst>
                   <a:outerShdw dist="35921" dir="2700000" algn="ctr" rotWithShape="0">
                     <a:schemeClr val="bg2"/>
@@ -19834,12 +19830,12 @@
           <a:effectLst/>
           <a:extLst>
             <a:ext uri="{909E8E84-426E-40dd-AFC4-6F175D3DCCD1}">
-              <a14:hiddenFill xmlns="" xmlns:a14="http://schemas.microsoft.com/office/drawing/2010/main">
+              <a14:hiddenFill xmlns:a14="http://schemas.microsoft.com/office/drawing/2010/main" xmlns="">
                 <a:noFill/>
               </a14:hiddenFill>
             </a:ext>
             <a:ext uri="{AF507438-7753-43e0-B8FC-AC1667EBCBE1}">
-              <a14:hiddenEffects xmlns="" xmlns:a14="http://schemas.microsoft.com/office/drawing/2010/main">
+              <a14:hiddenEffects xmlns:a14="http://schemas.microsoft.com/office/drawing/2010/main" xmlns="">
                 <a:effectLst>
                   <a:outerShdw dist="35921" dir="2700000" algn="ctr" rotWithShape="0">
                     <a:schemeClr val="bg2"/>
@@ -20025,7 +20021,7 @@
           <a:noFill/>
           <a:extLst>
             <a:ext uri="{909E8E84-426E-40dd-AFC4-6F175D3DCCD1}">
-              <a14:hiddenFill xmlns="" xmlns:a14="http://schemas.microsoft.com/office/drawing/2010/main">
+              <a14:hiddenFill xmlns:a14="http://schemas.microsoft.com/office/drawing/2010/main" xmlns="">
                 <a:solidFill>
                   <a:srgbClr val="FFFFFF"/>
                 </a:solidFill>
@@ -20101,7 +20097,7 @@
           <a:effectLst/>
           <a:extLst>
             <a:ext uri="{AF507438-7753-43e0-B8FC-AC1667EBCBE1}">
-              <a14:hiddenEffects xmlns="" xmlns:a14="http://schemas.microsoft.com/office/drawing/2010/main">
+              <a14:hiddenEffects xmlns:a14="http://schemas.microsoft.com/office/drawing/2010/main" xmlns="">
                 <a:effectLst>
                   <a:outerShdw dist="35921" dir="2700000" algn="ctr" rotWithShape="0">
                     <a:schemeClr val="bg2"/>
@@ -20164,14 +20160,14 @@
           <a:effectLst/>
           <a:extLst>
             <a:ext uri="{909E8E84-426E-40dd-AFC4-6F175D3DCCD1}">
-              <a14:hiddenFill xmlns="" xmlns:a14="http://schemas.microsoft.com/office/drawing/2010/main">
+              <a14:hiddenFill xmlns:a14="http://schemas.microsoft.com/office/drawing/2010/main" xmlns="">
                 <a:solidFill>
                   <a:schemeClr val="accent1"/>
                 </a:solidFill>
               </a14:hiddenFill>
             </a:ext>
             <a:ext uri="{91240B29-F687-4f45-9708-019B960494DF}">
-              <a14:hiddenLine xmlns="" xmlns:a14="http://schemas.microsoft.com/office/drawing/2010/main" w="9525">
+              <a14:hiddenLine xmlns:a14="http://schemas.microsoft.com/office/drawing/2010/main" xmlns="" w="9525">
                 <a:solidFill>
                   <a:schemeClr val="tx1"/>
                 </a:solidFill>
@@ -20181,7 +20177,7 @@
               </a14:hiddenLine>
             </a:ext>
             <a:ext uri="{AF507438-7753-43e0-B8FC-AC1667EBCBE1}">
-              <a14:hiddenEffects xmlns="" xmlns:a14="http://schemas.microsoft.com/office/drawing/2010/main">
+              <a14:hiddenEffects xmlns:a14="http://schemas.microsoft.com/office/drawing/2010/main" xmlns="">
                 <a:effectLst>
                   <a:outerShdw dist="35921" dir="2700000" algn="ctr" rotWithShape="0">
                     <a:schemeClr val="bg2"/>
@@ -20614,14 +20610,14 @@
           <a:effectLst/>
           <a:extLst>
             <a:ext uri="{909E8E84-426E-40dd-AFC4-6F175D3DCCD1}">
-              <a14:hiddenFill xmlns="" xmlns:a14="http://schemas.microsoft.com/office/drawing/2010/main">
+              <a14:hiddenFill xmlns:a14="http://schemas.microsoft.com/office/drawing/2010/main" xmlns="">
                 <a:solidFill>
                   <a:schemeClr val="accent1"/>
                 </a:solidFill>
               </a14:hiddenFill>
             </a:ext>
             <a:ext uri="{AF507438-7753-43e0-B8FC-AC1667EBCBE1}">
-              <a14:hiddenEffects xmlns="" xmlns:a14="http://schemas.microsoft.com/office/drawing/2010/main">
+              <a14:hiddenEffects xmlns:a14="http://schemas.microsoft.com/office/drawing/2010/main" xmlns="">
                 <a:effectLst>
                   <a:outerShdw dist="35921" dir="2700000" algn="ctr" rotWithShape="0">
                     <a:schemeClr val="bg2"/>
@@ -20685,12 +20681,12 @@
           <a:effectLst/>
           <a:extLst>
             <a:ext uri="{909E8E84-426E-40dd-AFC4-6F175D3DCCD1}">
-              <a14:hiddenFill xmlns="" xmlns:a14="http://schemas.microsoft.com/office/drawing/2010/main">
+              <a14:hiddenFill xmlns:a14="http://schemas.microsoft.com/office/drawing/2010/main" xmlns="">
                 <a:noFill/>
               </a14:hiddenFill>
             </a:ext>
             <a:ext uri="{AF507438-7753-43e0-B8FC-AC1667EBCBE1}">
-              <a14:hiddenEffects xmlns="" xmlns:a14="http://schemas.microsoft.com/office/drawing/2010/main">
+              <a14:hiddenEffects xmlns:a14="http://schemas.microsoft.com/office/drawing/2010/main" xmlns="">
                 <a:effectLst>
                   <a:outerShdw dist="35921" dir="2700000" algn="ctr" rotWithShape="0">
                     <a:schemeClr val="bg2"/>
@@ -20731,14 +20727,14 @@
           <a:effectLst/>
           <a:extLst>
             <a:ext uri="{909E8E84-426E-40dd-AFC4-6F175D3DCCD1}">
-              <a14:hiddenFill xmlns="" xmlns:a14="http://schemas.microsoft.com/office/drawing/2010/main">
+              <a14:hiddenFill xmlns:a14="http://schemas.microsoft.com/office/drawing/2010/main" xmlns="">
                 <a:solidFill>
                   <a:schemeClr val="accent1"/>
                 </a:solidFill>
               </a14:hiddenFill>
             </a:ext>
             <a:ext uri="{91240B29-F687-4f45-9708-019B960494DF}">
-              <a14:hiddenLine xmlns="" xmlns:a14="http://schemas.microsoft.com/office/drawing/2010/main" w="9525">
+              <a14:hiddenLine xmlns:a14="http://schemas.microsoft.com/office/drawing/2010/main" xmlns="" w="9525">
                 <a:solidFill>
                   <a:schemeClr val="tx1"/>
                 </a:solidFill>
@@ -20748,7 +20744,7 @@
               </a14:hiddenLine>
             </a:ext>
             <a:ext uri="{AF507438-7753-43e0-B8FC-AC1667EBCBE1}">
-              <a14:hiddenEffects xmlns="" xmlns:a14="http://schemas.microsoft.com/office/drawing/2010/main">
+              <a14:hiddenEffects xmlns:a14="http://schemas.microsoft.com/office/drawing/2010/main" xmlns="">
                 <a:effectLst>
                   <a:outerShdw dist="35921" dir="2700000" algn="ctr" rotWithShape="0">
                     <a:schemeClr val="bg2"/>
@@ -20839,7 +20835,7 @@
           <a:effectLst/>
           <a:extLst>
             <a:ext uri="{AF507438-7753-43e0-B8FC-AC1667EBCBE1}">
-              <a14:hiddenEffects xmlns="" xmlns:a14="http://schemas.microsoft.com/office/drawing/2010/main">
+              <a14:hiddenEffects xmlns:a14="http://schemas.microsoft.com/office/drawing/2010/main" xmlns="">
                 <a:effectLst>
                   <a:outerShdw dist="35921" dir="2700000" algn="ctr" rotWithShape="0">
                     <a:schemeClr val="bg2"/>
@@ -20902,14 +20898,14 @@
           <a:effectLst/>
           <a:extLst>
             <a:ext uri="{909E8E84-426E-40dd-AFC4-6F175D3DCCD1}">
-              <a14:hiddenFill xmlns="" xmlns:a14="http://schemas.microsoft.com/office/drawing/2010/main">
+              <a14:hiddenFill xmlns:a14="http://schemas.microsoft.com/office/drawing/2010/main" xmlns="">
                 <a:solidFill>
                   <a:schemeClr val="accent1"/>
                 </a:solidFill>
               </a14:hiddenFill>
             </a:ext>
             <a:ext uri="{91240B29-F687-4f45-9708-019B960494DF}">
-              <a14:hiddenLine xmlns="" xmlns:a14="http://schemas.microsoft.com/office/drawing/2010/main" w="9525">
+              <a14:hiddenLine xmlns:a14="http://schemas.microsoft.com/office/drawing/2010/main" xmlns="" w="9525">
                 <a:solidFill>
                   <a:schemeClr val="tx1"/>
                 </a:solidFill>
@@ -20919,7 +20915,7 @@
               </a14:hiddenLine>
             </a:ext>
             <a:ext uri="{AF507438-7753-43e0-B8FC-AC1667EBCBE1}">
-              <a14:hiddenEffects xmlns="" xmlns:a14="http://schemas.microsoft.com/office/drawing/2010/main">
+              <a14:hiddenEffects xmlns:a14="http://schemas.microsoft.com/office/drawing/2010/main" xmlns="">
                 <a:effectLst>
                   <a:outerShdw dist="35921" dir="2700000" algn="ctr" rotWithShape="0">
                     <a:schemeClr val="bg2"/>
@@ -21368,14 +21364,14 @@
           <a:effectLst/>
           <a:extLst>
             <a:ext uri="{909E8E84-426E-40dd-AFC4-6F175D3DCCD1}">
-              <a14:hiddenFill xmlns="" xmlns:a14="http://schemas.microsoft.com/office/drawing/2010/main">
+              <a14:hiddenFill xmlns:a14="http://schemas.microsoft.com/office/drawing/2010/main" xmlns="">
                 <a:solidFill>
                   <a:schemeClr val="accent1"/>
                 </a:solidFill>
               </a14:hiddenFill>
             </a:ext>
             <a:ext uri="{AF507438-7753-43e0-B8FC-AC1667EBCBE1}">
-              <a14:hiddenEffects xmlns="" xmlns:a14="http://schemas.microsoft.com/office/drawing/2010/main">
+              <a14:hiddenEffects xmlns:a14="http://schemas.microsoft.com/office/drawing/2010/main" xmlns="">
                 <a:effectLst>
                   <a:outerShdw dist="35921" dir="2700000" algn="ctr" rotWithShape="0">
                     <a:schemeClr val="bg2"/>
@@ -21446,14 +21442,14 @@
             <a:effectLst/>
             <a:extLst>
               <a:ext uri="{909E8E84-426E-40dd-AFC4-6F175D3DCCD1}">
-                <a14:hiddenFill xmlns="" xmlns:a14="http://schemas.microsoft.com/office/drawing/2010/main">
+                <a14:hiddenFill xmlns:a14="http://schemas.microsoft.com/office/drawing/2010/main" xmlns="">
                   <a:solidFill>
                     <a:schemeClr val="accent1"/>
                   </a:solidFill>
                 </a14:hiddenFill>
               </a:ext>
               <a:ext uri="{AF507438-7753-43e0-B8FC-AC1667EBCBE1}">
-                <a14:hiddenEffects xmlns="" xmlns:a14="http://schemas.microsoft.com/office/drawing/2010/main">
+                <a14:hiddenEffects xmlns:a14="http://schemas.microsoft.com/office/drawing/2010/main" xmlns="">
                   <a:effectLst>
                     <a:outerShdw dist="35921" dir="2700000" algn="ctr" rotWithShape="0">
                       <a:schemeClr val="bg2"/>
@@ -21508,12 +21504,12 @@
             <a:effectLst/>
             <a:extLst>
               <a:ext uri="{909E8E84-426E-40dd-AFC4-6F175D3DCCD1}">
-                <a14:hiddenFill xmlns="" xmlns:a14="http://schemas.microsoft.com/office/drawing/2010/main">
+                <a14:hiddenFill xmlns:a14="http://schemas.microsoft.com/office/drawing/2010/main" xmlns="">
                   <a:noFill/>
                 </a14:hiddenFill>
               </a:ext>
               <a:ext uri="{AF507438-7753-43e0-B8FC-AC1667EBCBE1}">
-                <a14:hiddenEffects xmlns="" xmlns:a14="http://schemas.microsoft.com/office/drawing/2010/main">
+                <a14:hiddenEffects xmlns:a14="http://schemas.microsoft.com/office/drawing/2010/main" xmlns="">
                   <a:effectLst>
                     <a:outerShdw dist="35921" dir="2700000" algn="ctr" rotWithShape="0">
                       <a:schemeClr val="bg2"/>
@@ -21560,14 +21556,14 @@
           <a:effectLst/>
           <a:extLst>
             <a:ext uri="{909E8E84-426E-40dd-AFC4-6F175D3DCCD1}">
-              <a14:hiddenFill xmlns="" xmlns:a14="http://schemas.microsoft.com/office/drawing/2010/main">
+              <a14:hiddenFill xmlns:a14="http://schemas.microsoft.com/office/drawing/2010/main" xmlns="">
                 <a:solidFill>
                   <a:schemeClr val="accent1"/>
                 </a:solidFill>
               </a14:hiddenFill>
             </a:ext>
             <a:ext uri="{AF507438-7753-43e0-B8FC-AC1667EBCBE1}">
-              <a14:hiddenEffects xmlns="" xmlns:a14="http://schemas.microsoft.com/office/drawing/2010/main">
+              <a14:hiddenEffects xmlns:a14="http://schemas.microsoft.com/office/drawing/2010/main" xmlns="">
                 <a:effectLst>
                   <a:outerShdw dist="35921" dir="2700000" algn="ctr" rotWithShape="0">
                     <a:schemeClr val="bg2"/>
@@ -21631,12 +21627,12 @@
           <a:effectLst/>
           <a:extLst>
             <a:ext uri="{909E8E84-426E-40dd-AFC4-6F175D3DCCD1}">
-              <a14:hiddenFill xmlns="" xmlns:a14="http://schemas.microsoft.com/office/drawing/2010/main">
+              <a14:hiddenFill xmlns:a14="http://schemas.microsoft.com/office/drawing/2010/main" xmlns="">
                 <a:noFill/>
               </a14:hiddenFill>
             </a:ext>
             <a:ext uri="{AF507438-7753-43e0-B8FC-AC1667EBCBE1}">
-              <a14:hiddenEffects xmlns="" xmlns:a14="http://schemas.microsoft.com/office/drawing/2010/main">
+              <a14:hiddenEffects xmlns:a14="http://schemas.microsoft.com/office/drawing/2010/main" xmlns="">
                 <a:effectLst>
                   <a:outerShdw dist="35921" dir="2700000" algn="ctr" rotWithShape="0">
                     <a:schemeClr val="bg2"/>
@@ -21837,7 +21833,7 @@
           <a:effectLst/>
           <a:extLst>
             <a:ext uri="{AF507438-7753-43e0-B8FC-AC1667EBCBE1}">
-              <a14:hiddenEffects xmlns="" xmlns:a14="http://schemas.microsoft.com/office/drawing/2010/main">
+              <a14:hiddenEffects xmlns:a14="http://schemas.microsoft.com/office/drawing/2010/main" xmlns="">
                 <a:effectLst>
                   <a:outerShdw dist="35921" dir="2700000" algn="ctr" rotWithShape="0">
                     <a:schemeClr val="bg2"/>
@@ -21885,7 +21881,7 @@
           <a:effectLst/>
           <a:extLst>
             <a:ext uri="{AF507438-7753-43e0-B8FC-AC1667EBCBE1}">
-              <a14:hiddenEffects xmlns="" xmlns:a14="http://schemas.microsoft.com/office/drawing/2010/main">
+              <a14:hiddenEffects xmlns:a14="http://schemas.microsoft.com/office/drawing/2010/main" xmlns="">
                 <a:effectLst>
                   <a:outerShdw dist="35921" dir="2700000" algn="ctr" rotWithShape="0">
                     <a:schemeClr val="bg2"/>
@@ -21948,14 +21944,14 @@
           <a:effectLst/>
           <a:extLst>
             <a:ext uri="{909E8E84-426E-40dd-AFC4-6F175D3DCCD1}">
-              <a14:hiddenFill xmlns="" xmlns:a14="http://schemas.microsoft.com/office/drawing/2010/main">
+              <a14:hiddenFill xmlns:a14="http://schemas.microsoft.com/office/drawing/2010/main" xmlns="">
                 <a:solidFill>
                   <a:schemeClr val="accent1"/>
                 </a:solidFill>
               </a14:hiddenFill>
             </a:ext>
             <a:ext uri="{91240B29-F687-4f45-9708-019B960494DF}">
-              <a14:hiddenLine xmlns="" xmlns:a14="http://schemas.microsoft.com/office/drawing/2010/main" w="9525">
+              <a14:hiddenLine xmlns:a14="http://schemas.microsoft.com/office/drawing/2010/main" xmlns="" w="9525">
                 <a:solidFill>
                   <a:schemeClr val="tx1"/>
                 </a:solidFill>
@@ -21965,7 +21961,7 @@
               </a14:hiddenLine>
             </a:ext>
             <a:ext uri="{AF507438-7753-43e0-B8FC-AC1667EBCBE1}">
-              <a14:hiddenEffects xmlns="" xmlns:a14="http://schemas.microsoft.com/office/drawing/2010/main">
+              <a14:hiddenEffects xmlns:a14="http://schemas.microsoft.com/office/drawing/2010/main" xmlns="">
                 <a:effectLst>
                   <a:outerShdw dist="35921" dir="2700000" algn="ctr" rotWithShape="0">
                     <a:schemeClr val="bg2"/>
@@ -22414,14 +22410,14 @@
           <a:effectLst/>
           <a:extLst>
             <a:ext uri="{909E8E84-426E-40dd-AFC4-6F175D3DCCD1}">
-              <a14:hiddenFill xmlns="" xmlns:a14="http://schemas.microsoft.com/office/drawing/2010/main">
+              <a14:hiddenFill xmlns:a14="http://schemas.microsoft.com/office/drawing/2010/main" xmlns="">
                 <a:solidFill>
                   <a:schemeClr val="accent1"/>
                 </a:solidFill>
               </a14:hiddenFill>
             </a:ext>
             <a:ext uri="{AF507438-7753-43e0-B8FC-AC1667EBCBE1}">
-              <a14:hiddenEffects xmlns="" xmlns:a14="http://schemas.microsoft.com/office/drawing/2010/main">
+              <a14:hiddenEffects xmlns:a14="http://schemas.microsoft.com/office/drawing/2010/main" xmlns="">
                 <a:effectLst>
                   <a:outerShdw dist="35921" dir="2700000" algn="ctr" rotWithShape="0">
                     <a:schemeClr val="bg2"/>
@@ -22493,12 +22489,12 @@
           <a:effectLst/>
           <a:extLst>
             <a:ext uri="{909E8E84-426E-40dd-AFC4-6F175D3DCCD1}">
-              <a14:hiddenFill xmlns="" xmlns:a14="http://schemas.microsoft.com/office/drawing/2010/main">
+              <a14:hiddenFill xmlns:a14="http://schemas.microsoft.com/office/drawing/2010/main" xmlns="">
                 <a:noFill/>
               </a14:hiddenFill>
             </a:ext>
             <a:ext uri="{AF507438-7753-43e0-B8FC-AC1667EBCBE1}">
-              <a14:hiddenEffects xmlns="" xmlns:a14="http://schemas.microsoft.com/office/drawing/2010/main">
+              <a14:hiddenEffects xmlns:a14="http://schemas.microsoft.com/office/drawing/2010/main" xmlns="">
                 <a:effectLst>
                   <a:outerShdw dist="35921" dir="2700000" algn="ctr" rotWithShape="0">
                     <a:schemeClr val="bg2"/>
@@ -22544,12 +22540,12 @@
           <a:effectLst/>
           <a:extLst>
             <a:ext uri="{909E8E84-426E-40dd-AFC4-6F175D3DCCD1}">
-              <a14:hiddenFill xmlns="" xmlns:a14="http://schemas.microsoft.com/office/drawing/2010/main">
+              <a14:hiddenFill xmlns:a14="http://schemas.microsoft.com/office/drawing/2010/main" xmlns="">
                 <a:noFill/>
               </a14:hiddenFill>
             </a:ext>
             <a:ext uri="{AF507438-7753-43e0-B8FC-AC1667EBCBE1}">
-              <a14:hiddenEffects xmlns="" xmlns:a14="http://schemas.microsoft.com/office/drawing/2010/main">
+              <a14:hiddenEffects xmlns:a14="http://schemas.microsoft.com/office/drawing/2010/main" xmlns="">
                 <a:effectLst>
                   <a:outerShdw dist="35921" dir="2700000" algn="ctr" rotWithShape="0">
                     <a:schemeClr val="bg2"/>
@@ -22626,14 +22622,14 @@
           </a:ln>
           <a:extLst>
             <a:ext uri="{909E8E84-426E-40dd-AFC4-6F175D3DCCD1}">
-              <a14:hiddenFill xmlns="" xmlns:a14="http://schemas.microsoft.com/office/drawing/2010/main">
+              <a14:hiddenFill xmlns:a14="http://schemas.microsoft.com/office/drawing/2010/main" xmlns="">
                 <a:solidFill>
                   <a:srgbClr val="FFFFFF"/>
                 </a:solidFill>
               </a14:hiddenFill>
             </a:ext>
             <a:ext uri="{91240B29-F687-4f45-9708-019B960494DF}">
-              <a14:hiddenLine xmlns="" xmlns:a14="http://schemas.microsoft.com/office/drawing/2010/main" w="9525">
+              <a14:hiddenLine xmlns:a14="http://schemas.microsoft.com/office/drawing/2010/main" xmlns="" w="9525">
                 <a:solidFill>
                   <a:srgbClr val="000000"/>
                 </a:solidFill>
@@ -22927,7 +22923,7 @@
           <a:noFill/>
           <a:extLst>
             <a:ext uri="{909E8E84-426E-40dd-AFC4-6F175D3DCCD1}">
-              <a14:hiddenFill xmlns="" xmlns:a14="http://schemas.microsoft.com/office/drawing/2010/main">
+              <a14:hiddenFill xmlns:a14="http://schemas.microsoft.com/office/drawing/2010/main" xmlns="">
                 <a:solidFill>
                   <a:srgbClr val="FFFFFF"/>
                 </a:solidFill>
@@ -22971,14 +22967,14 @@
           </a:ln>
           <a:extLst>
             <a:ext uri="{909E8E84-426E-40dd-AFC4-6F175D3DCCD1}">
-              <a14:hiddenFill xmlns="" xmlns:a14="http://schemas.microsoft.com/office/drawing/2010/main">
+              <a14:hiddenFill xmlns:a14="http://schemas.microsoft.com/office/drawing/2010/main" xmlns="">
                 <a:solidFill>
                   <a:srgbClr val="FFFFFF"/>
                 </a:solidFill>
               </a14:hiddenFill>
             </a:ext>
             <a:ext uri="{91240B29-F687-4f45-9708-019B960494DF}">
-              <a14:hiddenLine xmlns="" xmlns:a14="http://schemas.microsoft.com/office/drawing/2010/main" w="9525">
+              <a14:hiddenLine xmlns:a14="http://schemas.microsoft.com/office/drawing/2010/main" xmlns="" w="9525">
                 <a:solidFill>
                   <a:srgbClr val="000000"/>
                 </a:solidFill>
@@ -23025,14 +23021,14 @@
           </a:ln>
           <a:extLst>
             <a:ext uri="{909E8E84-426E-40dd-AFC4-6F175D3DCCD1}">
-              <a14:hiddenFill xmlns="" xmlns:a14="http://schemas.microsoft.com/office/drawing/2010/main">
+              <a14:hiddenFill xmlns:a14="http://schemas.microsoft.com/office/drawing/2010/main" xmlns="">
                 <a:solidFill>
                   <a:srgbClr val="FFFFFF"/>
                 </a:solidFill>
               </a14:hiddenFill>
             </a:ext>
             <a:ext uri="{91240B29-F687-4f45-9708-019B960494DF}">
-              <a14:hiddenLine xmlns="" xmlns:a14="http://schemas.microsoft.com/office/drawing/2010/main" w="9525">
+              <a14:hiddenLine xmlns:a14="http://schemas.microsoft.com/office/drawing/2010/main" xmlns="" w="9525">
                 <a:solidFill>
                   <a:srgbClr val="000000"/>
                 </a:solidFill>
@@ -23079,14 +23075,14 @@
           </a:ln>
           <a:extLst>
             <a:ext uri="{909E8E84-426E-40dd-AFC4-6F175D3DCCD1}">
-              <a14:hiddenFill xmlns="" xmlns:a14="http://schemas.microsoft.com/office/drawing/2010/main">
+              <a14:hiddenFill xmlns:a14="http://schemas.microsoft.com/office/drawing/2010/main" xmlns="">
                 <a:solidFill>
                   <a:srgbClr val="FFFFFF"/>
                 </a:solidFill>
               </a14:hiddenFill>
             </a:ext>
             <a:ext uri="{91240B29-F687-4f45-9708-019B960494DF}">
-              <a14:hiddenLine xmlns="" xmlns:a14="http://schemas.microsoft.com/office/drawing/2010/main" w="9525">
+              <a14:hiddenLine xmlns:a14="http://schemas.microsoft.com/office/drawing/2010/main" xmlns="" w="9525">
                 <a:solidFill>
                   <a:srgbClr val="000000"/>
                 </a:solidFill>
@@ -23133,14 +23129,14 @@
           </a:ln>
           <a:extLst>
             <a:ext uri="{909E8E84-426E-40dd-AFC4-6F175D3DCCD1}">
-              <a14:hiddenFill xmlns="" xmlns:a14="http://schemas.microsoft.com/office/drawing/2010/main">
+              <a14:hiddenFill xmlns:a14="http://schemas.microsoft.com/office/drawing/2010/main" xmlns="">
                 <a:solidFill>
                   <a:srgbClr val="FFFFFF"/>
                 </a:solidFill>
               </a14:hiddenFill>
             </a:ext>
             <a:ext uri="{91240B29-F687-4f45-9708-019B960494DF}">
-              <a14:hiddenLine xmlns="" xmlns:a14="http://schemas.microsoft.com/office/drawing/2010/main" w="9525">
+              <a14:hiddenLine xmlns:a14="http://schemas.microsoft.com/office/drawing/2010/main" xmlns="" w="9525">
                 <a:solidFill>
                   <a:srgbClr val="000000"/>
                 </a:solidFill>
@@ -23394,14 +23390,14 @@
           <a:effectLst/>
           <a:extLst>
             <a:ext uri="{909E8E84-426E-40dd-AFC4-6F175D3DCCD1}">
-              <a14:hiddenFill xmlns="" xmlns:a14="http://schemas.microsoft.com/office/drawing/2010/main">
+              <a14:hiddenFill xmlns:a14="http://schemas.microsoft.com/office/drawing/2010/main" xmlns="">
                 <a:solidFill>
                   <a:schemeClr val="accent1"/>
                 </a:solidFill>
               </a14:hiddenFill>
             </a:ext>
             <a:ext uri="{91240B29-F687-4f45-9708-019B960494DF}">
-              <a14:hiddenLine xmlns="" xmlns:a14="http://schemas.microsoft.com/office/drawing/2010/main" w="9525">
+              <a14:hiddenLine xmlns:a14="http://schemas.microsoft.com/office/drawing/2010/main" xmlns="" w="9525">
                 <a:solidFill>
                   <a:schemeClr val="tx1"/>
                 </a:solidFill>
@@ -23411,7 +23407,7 @@
               </a14:hiddenLine>
             </a:ext>
             <a:ext uri="{AF507438-7753-43e0-B8FC-AC1667EBCBE1}">
-              <a14:hiddenEffects xmlns="" xmlns:a14="http://schemas.microsoft.com/office/drawing/2010/main">
+              <a14:hiddenEffects xmlns:a14="http://schemas.microsoft.com/office/drawing/2010/main" xmlns="">
                 <a:effectLst>
                   <a:outerShdw dist="35921" dir="2700000" algn="ctr" rotWithShape="0">
                     <a:schemeClr val="bg2"/>
@@ -23445,14 +23441,14 @@
           <a:effectLst/>
           <a:extLst>
             <a:ext uri="{909E8E84-426E-40dd-AFC4-6F175D3DCCD1}">
-              <a14:hiddenFill xmlns="" xmlns:a14="http://schemas.microsoft.com/office/drawing/2010/main">
+              <a14:hiddenFill xmlns:a14="http://schemas.microsoft.com/office/drawing/2010/main" xmlns="">
                 <a:solidFill>
                   <a:schemeClr val="accent1"/>
                 </a:solidFill>
               </a14:hiddenFill>
             </a:ext>
             <a:ext uri="{91240B29-F687-4f45-9708-019B960494DF}">
-              <a14:hiddenLine xmlns="" xmlns:a14="http://schemas.microsoft.com/office/drawing/2010/main" w="9525">
+              <a14:hiddenLine xmlns:a14="http://schemas.microsoft.com/office/drawing/2010/main" xmlns="" w="9525">
                 <a:solidFill>
                   <a:schemeClr val="tx1"/>
                 </a:solidFill>
@@ -23462,7 +23458,7 @@
               </a14:hiddenLine>
             </a:ext>
             <a:ext uri="{AF507438-7753-43e0-B8FC-AC1667EBCBE1}">
-              <a14:hiddenEffects xmlns="" xmlns:a14="http://schemas.microsoft.com/office/drawing/2010/main">
+              <a14:hiddenEffects xmlns:a14="http://schemas.microsoft.com/office/drawing/2010/main" xmlns="">
                 <a:effectLst>
                   <a:outerShdw dist="35921" dir="2700000" algn="ctr" rotWithShape="0">
                     <a:schemeClr val="bg2"/>
@@ -23694,9 +23690,14 @@
           <a:lstStyle/>
           <a:p>
             <a:r>
-              <a:rPr lang="en-US" smtClean="0"/>
+              <a:rPr lang="en-US" dirty="0" err="1" smtClean="0"/>
               <a:t>WebGL</a:t>
             </a:r>
+            <a:r>
+              <a:rPr lang="en-US" dirty="0" smtClean="0"/>
+              <a:t> 1.0</a:t>
+            </a:r>
+            <a:endParaRPr lang="en-US" dirty="0" smtClean="0"/>
           </a:p>
         </p:txBody>
       </p:sp>
@@ -23811,7 +23812,7 @@
           </a:ln>
           <a:extLst>
             <a:ext uri="{909E8E84-426E-40dd-AFC4-6F175D3DCCD1}">
-              <a14:hiddenFill xmlns="" xmlns:a14="http://schemas.microsoft.com/office/drawing/2010/main">
+              <a14:hiddenFill xmlns:a14="http://schemas.microsoft.com/office/drawing/2010/main" xmlns="">
                 <a:solidFill>
                   <a:srgbClr val="FFFFFF"/>
                 </a:solidFill>
@@ -24097,14 +24098,14 @@
           <a:effectLst/>
           <a:extLst>
             <a:ext uri="{909E8E84-426E-40dd-AFC4-6F175D3DCCD1}">
-              <a14:hiddenFill xmlns="" xmlns:a14="http://schemas.microsoft.com/office/drawing/2010/main">
+              <a14:hiddenFill xmlns:a14="http://schemas.microsoft.com/office/drawing/2010/main" xmlns="">
                 <a:solidFill>
                   <a:schemeClr val="accent1"/>
                 </a:solidFill>
               </a14:hiddenFill>
             </a:ext>
             <a:ext uri="{91240B29-F687-4f45-9708-019B960494DF}">
-              <a14:hiddenLine xmlns="" xmlns:a14="http://schemas.microsoft.com/office/drawing/2010/main" w="9525">
+              <a14:hiddenLine xmlns:a14="http://schemas.microsoft.com/office/drawing/2010/main" xmlns="" w="9525">
                 <a:solidFill>
                   <a:schemeClr val="tx1"/>
                 </a:solidFill>
@@ -24114,7 +24115,7 @@
               </a14:hiddenLine>
             </a:ext>
             <a:ext uri="{AF507438-7753-43e0-B8FC-AC1667EBCBE1}">
-              <a14:hiddenEffects xmlns="" xmlns:a14="http://schemas.microsoft.com/office/drawing/2010/main">
+              <a14:hiddenEffects xmlns:a14="http://schemas.microsoft.com/office/drawing/2010/main" xmlns="">
                 <a:effectLst>
                   <a:outerShdw dist="35921" dir="2700000" algn="ctr" rotWithShape="0">
                     <a:schemeClr val="bg2"/>
@@ -24799,7 +24800,7 @@
               <a:t>).</a:t>
             </a:r>
             <a:r>
-              <a:rPr lang="en-US" sz="2800" kern="0" dirty="0">
+              <a:rPr lang="en-US" sz="2800" kern="0" dirty="0" err="1">
                 <a:solidFill>
                   <a:srgbClr val="D60093"/>
                 </a:solidFill>
@@ -24808,22 +24809,22 @@
               <a:t>getContext</a:t>
             </a:r>
             <a:r>
-              <a:rPr lang="en-US" sz="2800" kern="0" dirty="0">
+              <a:rPr lang="en-US" sz="2800" kern="0" dirty="0" smtClean="0">
                 <a:latin typeface="Courier New" charset="0"/>
               </a:rPr>
               <a:t>(</a:t>
             </a:r>
             <a:r>
-              <a:rPr lang="en-US" sz="2800" kern="0" dirty="0">
+              <a:rPr lang="en-US" sz="2800" kern="0" dirty="0" smtClean="0">
                 <a:solidFill>
                   <a:srgbClr val="FF0000"/>
                 </a:solidFill>
                 <a:latin typeface="Courier New" charset="0"/>
               </a:rPr>
-              <a:t>"experimental-</a:t>
-            </a:r>
-            <a:r>
-              <a:rPr lang="en-US" sz="2800" kern="0" dirty="0" err="1">
+              <a:t>“</a:t>
+            </a:r>
+            <a:r>
+              <a:rPr lang="en-US" sz="2800" kern="0" dirty="0" err="1" smtClean="0">
                 <a:solidFill>
                   <a:srgbClr val="FF0000"/>
                 </a:solidFill>
@@ -25235,14 +25236,14 @@
           <a:effectLst/>
           <a:extLst>
             <a:ext uri="{909E8E84-426E-40dd-AFC4-6F175D3DCCD1}">
-              <a14:hiddenFill xmlns="" xmlns:a14="http://schemas.microsoft.com/office/drawing/2010/main">
+              <a14:hiddenFill xmlns:a14="http://schemas.microsoft.com/office/drawing/2010/main" xmlns="">
                 <a:solidFill>
                   <a:schemeClr val="accent1"/>
                 </a:solidFill>
               </a14:hiddenFill>
             </a:ext>
             <a:ext uri="{91240B29-F687-4f45-9708-019B960494DF}">
-              <a14:hiddenLine xmlns="" xmlns:a14="http://schemas.microsoft.com/office/drawing/2010/main" w="9525">
+              <a14:hiddenLine xmlns:a14="http://schemas.microsoft.com/office/drawing/2010/main" xmlns="" w="9525">
                 <a:solidFill>
                   <a:schemeClr val="tx1"/>
                 </a:solidFill>
@@ -25252,7 +25253,7 @@
               </a14:hiddenLine>
             </a:ext>
             <a:ext uri="{AF507438-7753-43e0-B8FC-AC1667EBCBE1}">
-              <a14:hiddenEffects xmlns="" xmlns:a14="http://schemas.microsoft.com/office/drawing/2010/main">
+              <a14:hiddenEffects xmlns:a14="http://schemas.microsoft.com/office/drawing/2010/main" xmlns="">
                 <a:effectLst>
                   <a:outerShdw dist="35921" dir="2700000" algn="ctr" rotWithShape="0">
                     <a:schemeClr val="bg2"/>
@@ -25611,7 +25612,7 @@
           <a:noFill/>
           <a:extLst>
             <a:ext uri="{909E8E84-426E-40dd-AFC4-6F175D3DCCD1}">
-              <a14:hiddenFill xmlns="" xmlns:a14="http://schemas.microsoft.com/office/drawing/2010/main">
+              <a14:hiddenFill xmlns:a14="http://schemas.microsoft.com/office/drawing/2010/main" xmlns="">
                 <a:solidFill>
                   <a:srgbClr val="FFFFFF"/>
                 </a:solidFill>
@@ -25664,14 +25665,14 @@
             <a:effectLst/>
             <a:extLst>
               <a:ext uri="{909E8E84-426E-40dd-AFC4-6F175D3DCCD1}">
-                <a14:hiddenFill xmlns="" xmlns:a14="http://schemas.microsoft.com/office/drawing/2010/main">
+                <a14:hiddenFill xmlns:a14="http://schemas.microsoft.com/office/drawing/2010/main" xmlns="">
                   <a:solidFill>
                     <a:schemeClr val="accent1"/>
                   </a:solidFill>
                 </a14:hiddenFill>
               </a:ext>
               <a:ext uri="{AF507438-7753-43e0-B8FC-AC1667EBCBE1}">
-                <a14:hiddenEffects xmlns="" xmlns:a14="http://schemas.microsoft.com/office/drawing/2010/main">
+                <a14:hiddenEffects xmlns:a14="http://schemas.microsoft.com/office/drawing/2010/main" xmlns="">
                   <a:effectLst>
                     <a:outerShdw dist="35921" dir="2700000" algn="ctr" rotWithShape="0">
                       <a:schemeClr val="bg2"/>
@@ -25726,12 +25727,12 @@
             <a:effectLst/>
             <a:extLst>
               <a:ext uri="{909E8E84-426E-40dd-AFC4-6F175D3DCCD1}">
-                <a14:hiddenFill xmlns="" xmlns:a14="http://schemas.microsoft.com/office/drawing/2010/main">
+                <a14:hiddenFill xmlns:a14="http://schemas.microsoft.com/office/drawing/2010/main" xmlns="">
                   <a:noFill/>
                 </a14:hiddenFill>
               </a:ext>
               <a:ext uri="{AF507438-7753-43e0-B8FC-AC1667EBCBE1}">
-                <a14:hiddenEffects xmlns="" xmlns:a14="http://schemas.microsoft.com/office/drawing/2010/main">
+                <a14:hiddenEffects xmlns:a14="http://schemas.microsoft.com/office/drawing/2010/main" xmlns="">
                   <a:effectLst>
                     <a:outerShdw dist="35921" dir="2700000" algn="ctr" rotWithShape="0">
                       <a:schemeClr val="bg2"/>
@@ -25794,14 +25795,14 @@
             <a:effectLst/>
             <a:extLst>
               <a:ext uri="{909E8E84-426E-40dd-AFC4-6F175D3DCCD1}">
-                <a14:hiddenFill xmlns="" xmlns:a14="http://schemas.microsoft.com/office/drawing/2010/main">
+                <a14:hiddenFill xmlns:a14="http://schemas.microsoft.com/office/drawing/2010/main" xmlns="">
                   <a:solidFill>
                     <a:schemeClr val="accent1"/>
                   </a:solidFill>
                 </a14:hiddenFill>
               </a:ext>
               <a:ext uri="{AF507438-7753-43e0-B8FC-AC1667EBCBE1}">
-                <a14:hiddenEffects xmlns="" xmlns:a14="http://schemas.microsoft.com/office/drawing/2010/main">
+                <a14:hiddenEffects xmlns:a14="http://schemas.microsoft.com/office/drawing/2010/main" xmlns="">
                   <a:effectLst>
                     <a:outerShdw dist="35921" dir="2700000" algn="ctr" rotWithShape="0">
                       <a:schemeClr val="bg2"/>
@@ -25856,12 +25857,12 @@
             <a:effectLst/>
             <a:extLst>
               <a:ext uri="{909E8E84-426E-40dd-AFC4-6F175D3DCCD1}">
-                <a14:hiddenFill xmlns="" xmlns:a14="http://schemas.microsoft.com/office/drawing/2010/main">
+                <a14:hiddenFill xmlns:a14="http://schemas.microsoft.com/office/drawing/2010/main" xmlns="">
                   <a:noFill/>
                 </a14:hiddenFill>
               </a:ext>
               <a:ext uri="{AF507438-7753-43e0-B8FC-AC1667EBCBE1}">
-                <a14:hiddenEffects xmlns="" xmlns:a14="http://schemas.microsoft.com/office/drawing/2010/main">
+                <a14:hiddenEffects xmlns:a14="http://schemas.microsoft.com/office/drawing/2010/main" xmlns="">
                   <a:effectLst>
                     <a:outerShdw dist="35921" dir="2700000" algn="ctr" rotWithShape="0">
                       <a:schemeClr val="bg2"/>
@@ -26260,14 +26261,14 @@
           <a:effectLst/>
           <a:extLst>
             <a:ext uri="{909E8E84-426E-40dd-AFC4-6F175D3DCCD1}">
-              <a14:hiddenFill xmlns="" xmlns:a14="http://schemas.microsoft.com/office/drawing/2010/main">
+              <a14:hiddenFill xmlns:a14="http://schemas.microsoft.com/office/drawing/2010/main" xmlns="">
                 <a:solidFill>
                   <a:schemeClr val="accent1"/>
                 </a:solidFill>
               </a14:hiddenFill>
             </a:ext>
             <a:ext uri="{91240B29-F687-4f45-9708-019B960494DF}">
-              <a14:hiddenLine xmlns="" xmlns:a14="http://schemas.microsoft.com/office/drawing/2010/main" w="9525">
+              <a14:hiddenLine xmlns:a14="http://schemas.microsoft.com/office/drawing/2010/main" xmlns="" w="9525">
                 <a:solidFill>
                   <a:schemeClr val="tx1"/>
                 </a:solidFill>
@@ -26277,7 +26278,7 @@
               </a14:hiddenLine>
             </a:ext>
             <a:ext uri="{AF507438-7753-43e0-B8FC-AC1667EBCBE1}">
-              <a14:hiddenEffects xmlns="" xmlns:a14="http://schemas.microsoft.com/office/drawing/2010/main">
+              <a14:hiddenEffects xmlns:a14="http://schemas.microsoft.com/office/drawing/2010/main" xmlns="">
                 <a:effectLst>
                   <a:outerShdw dist="35921" dir="2700000" algn="ctr" rotWithShape="0">
                     <a:schemeClr val="bg2"/>
@@ -26666,14 +26667,14 @@
           <a:effectLst/>
           <a:extLst>
             <a:ext uri="{909E8E84-426E-40dd-AFC4-6F175D3DCCD1}">
-              <a14:hiddenFill xmlns="" xmlns:a14="http://schemas.microsoft.com/office/drawing/2010/main">
+              <a14:hiddenFill xmlns:a14="http://schemas.microsoft.com/office/drawing/2010/main" xmlns="">
                 <a:solidFill>
                   <a:schemeClr val="accent1"/>
                 </a:solidFill>
               </a14:hiddenFill>
             </a:ext>
             <a:ext uri="{91240B29-F687-4f45-9708-019B960494DF}">
-              <a14:hiddenLine xmlns="" xmlns:a14="http://schemas.microsoft.com/office/drawing/2010/main" w="9525">
+              <a14:hiddenLine xmlns:a14="http://schemas.microsoft.com/office/drawing/2010/main" xmlns="" w="9525">
                 <a:solidFill>
                   <a:schemeClr val="tx1"/>
                 </a:solidFill>
@@ -26683,7 +26684,7 @@
               </a14:hiddenLine>
             </a:ext>
             <a:ext uri="{AF507438-7753-43e0-B8FC-AC1667EBCBE1}">
-              <a14:hiddenEffects xmlns="" xmlns:a14="http://schemas.microsoft.com/office/drawing/2010/main">
+              <a14:hiddenEffects xmlns:a14="http://schemas.microsoft.com/office/drawing/2010/main" xmlns="">
                 <a:effectLst>
                   <a:outerShdw dist="35921" dir="2700000" algn="ctr" rotWithShape="0">
                     <a:schemeClr val="bg2"/>
@@ -26901,14 +26902,14 @@
           <a:effectLst/>
           <a:extLst>
             <a:ext uri="{909E8E84-426E-40dd-AFC4-6F175D3DCCD1}">
-              <a14:hiddenFill xmlns="" xmlns:a14="http://schemas.microsoft.com/office/drawing/2010/main">
+              <a14:hiddenFill xmlns:a14="http://schemas.microsoft.com/office/drawing/2010/main" xmlns="">
                 <a:solidFill>
                   <a:schemeClr val="accent1"/>
                 </a:solidFill>
               </a14:hiddenFill>
             </a:ext>
             <a:ext uri="{91240B29-F687-4f45-9708-019B960494DF}">
-              <a14:hiddenLine xmlns="" xmlns:a14="http://schemas.microsoft.com/office/drawing/2010/main" w="9525">
+              <a14:hiddenLine xmlns:a14="http://schemas.microsoft.com/office/drawing/2010/main" xmlns="" w="9525">
                 <a:solidFill>
                   <a:schemeClr val="tx1"/>
                 </a:solidFill>
@@ -26918,7 +26919,7 @@
               </a14:hiddenLine>
             </a:ext>
             <a:ext uri="{AF507438-7753-43e0-B8FC-AC1667EBCBE1}">
-              <a14:hiddenEffects xmlns="" xmlns:a14="http://schemas.microsoft.com/office/drawing/2010/main">
+              <a14:hiddenEffects xmlns:a14="http://schemas.microsoft.com/office/drawing/2010/main" xmlns="">
                 <a:effectLst>
                   <a:outerShdw dist="35921" dir="2700000" algn="ctr" rotWithShape="0">
                     <a:schemeClr val="bg2"/>
@@ -26987,14 +26988,14 @@
           <a:effectLst/>
           <a:extLst>
             <a:ext uri="{909E8E84-426E-40dd-AFC4-6F175D3DCCD1}">
-              <a14:hiddenFill xmlns="" xmlns:a14="http://schemas.microsoft.com/office/drawing/2010/main">
+              <a14:hiddenFill xmlns:a14="http://schemas.microsoft.com/office/drawing/2010/main" xmlns="">
                 <a:solidFill>
                   <a:schemeClr val="accent1"/>
                 </a:solidFill>
               </a14:hiddenFill>
             </a:ext>
             <a:ext uri="{91240B29-F687-4f45-9708-019B960494DF}">
-              <a14:hiddenLine xmlns="" xmlns:a14="http://schemas.microsoft.com/office/drawing/2010/main" w="9525">
+              <a14:hiddenLine xmlns:a14="http://schemas.microsoft.com/office/drawing/2010/main" xmlns="" w="9525">
                 <a:solidFill>
                   <a:schemeClr val="tx1"/>
                 </a:solidFill>
@@ -27004,7 +27005,7 @@
               </a14:hiddenLine>
             </a:ext>
             <a:ext uri="{AF507438-7753-43e0-B8FC-AC1667EBCBE1}">
-              <a14:hiddenEffects xmlns="" xmlns:a14="http://schemas.microsoft.com/office/drawing/2010/main">
+              <a14:hiddenEffects xmlns:a14="http://schemas.microsoft.com/office/drawing/2010/main" xmlns="">
                 <a:effectLst>
                   <a:outerShdw dist="35921" dir="2700000" algn="ctr" rotWithShape="0">
                     <a:schemeClr val="bg2"/>
@@ -28063,14 +28064,14 @@
           </a:ln>
           <a:extLst>
             <a:ext uri="{909E8E84-426E-40dd-AFC4-6F175D3DCCD1}">
-              <a14:hiddenFill xmlns="" xmlns:a14="http://schemas.microsoft.com/office/drawing/2010/main">
+              <a14:hiddenFill xmlns:a14="http://schemas.microsoft.com/office/drawing/2010/main" xmlns="">
                 <a:solidFill>
                   <a:srgbClr val="FFFFFF"/>
                 </a:solidFill>
               </a14:hiddenFill>
             </a:ext>
             <a:ext uri="{91240B29-F687-4f45-9708-019B960494DF}">
-              <a14:hiddenLine xmlns="" xmlns:a14="http://schemas.microsoft.com/office/drawing/2010/main" w="9525">
+              <a14:hiddenLine xmlns:a14="http://schemas.microsoft.com/office/drawing/2010/main" xmlns="" w="9525">
                 <a:solidFill>
                   <a:srgbClr val="000000"/>
                 </a:solidFill>
@@ -28410,14 +28411,14 @@
           <a:effectLst/>
           <a:extLst>
             <a:ext uri="{909E8E84-426E-40dd-AFC4-6F175D3DCCD1}">
-              <a14:hiddenFill xmlns="" xmlns:a14="http://schemas.microsoft.com/office/drawing/2010/main">
+              <a14:hiddenFill xmlns:a14="http://schemas.microsoft.com/office/drawing/2010/main" xmlns="">
                 <a:solidFill>
                   <a:schemeClr val="accent1"/>
                 </a:solidFill>
               </a14:hiddenFill>
             </a:ext>
             <a:ext uri="{91240B29-F687-4f45-9708-019B960494DF}">
-              <a14:hiddenLine xmlns="" xmlns:a14="http://schemas.microsoft.com/office/drawing/2010/main" w="9525">
+              <a14:hiddenLine xmlns:a14="http://schemas.microsoft.com/office/drawing/2010/main" xmlns="" w="9525">
                 <a:solidFill>
                   <a:schemeClr val="tx1"/>
                 </a:solidFill>
@@ -28427,7 +28428,7 @@
               </a14:hiddenLine>
             </a:ext>
             <a:ext uri="{AF507438-7753-43e0-B8FC-AC1667EBCBE1}">
-              <a14:hiddenEffects xmlns="" xmlns:a14="http://schemas.microsoft.com/office/drawing/2010/main">
+              <a14:hiddenEffects xmlns:a14="http://schemas.microsoft.com/office/drawing/2010/main" xmlns="">
                 <a:effectLst>
                   <a:outerShdw dist="35921" dir="2700000" algn="ctr" rotWithShape="0">
                     <a:schemeClr val="bg2"/>
@@ -28874,7 +28875,26 @@
               <a:rPr lang="en-US" sz="2000" dirty="0" smtClean="0"/>
               <a:t>?</a:t>
             </a:r>
-            <a:endParaRPr lang="en-US" sz="2000" dirty="0"/>
+          </a:p>
+          <a:p>
+            <a:pPr lvl="1"/>
+            <a:r>
+              <a:rPr lang="en-US" sz="1600" dirty="0"/>
+              <a:t>Demo: </a:t>
+            </a:r>
+            <a:r>
+              <a:rPr lang="en-US" sz="1600" dirty="0">
+                <a:hlinkClick r:id="rId3"/>
+              </a:rPr>
+              <a:t>http://toji.github.io/shader-perf</a:t>
+            </a:r>
+            <a:r>
+              <a:rPr lang="en-US" sz="1600" dirty="0" smtClean="0">
+                <a:hlinkClick r:id="rId3"/>
+              </a:rPr>
+              <a:t>/</a:t>
+            </a:r>
+            <a:endParaRPr lang="en-US" sz="1600" dirty="0"/>
           </a:p>
           <a:p>
             <a:r>
@@ -29335,7 +29355,7 @@
             <a:effectLst/>
             <a:extLst>
               <a:ext uri="{AF507438-7753-43e0-B8FC-AC1667EBCBE1}">
-                <a14:hiddenEffects xmlns="" xmlns:a14="http://schemas.microsoft.com/office/drawing/2010/main">
+                <a14:hiddenEffects xmlns:a14="http://schemas.microsoft.com/office/drawing/2010/main" xmlns="">
                   <a:effectLst>
                     <a:outerShdw dist="35921" dir="2700000" algn="ctr" rotWithShape="0">
                       <a:schemeClr val="bg2"/>
@@ -29389,7 +29409,7 @@
             <a:effectLst/>
             <a:extLst>
               <a:ext uri="{AF507438-7753-43e0-B8FC-AC1667EBCBE1}">
-                <a14:hiddenEffects xmlns="" xmlns:a14="http://schemas.microsoft.com/office/drawing/2010/main">
+                <a14:hiddenEffects xmlns:a14="http://schemas.microsoft.com/office/drawing/2010/main" xmlns="">
                   <a:effectLst>
                     <a:outerShdw dist="35921" dir="2700000" algn="ctr" rotWithShape="0">
                       <a:schemeClr val="bg2"/>
@@ -29443,7 +29463,7 @@
             <a:effectLst/>
             <a:extLst>
               <a:ext uri="{AF507438-7753-43e0-B8FC-AC1667EBCBE1}">
-                <a14:hiddenEffects xmlns="" xmlns:a14="http://schemas.microsoft.com/office/drawing/2010/main">
+                <a14:hiddenEffects xmlns:a14="http://schemas.microsoft.com/office/drawing/2010/main" xmlns="">
                   <a:effectLst>
                     <a:outerShdw dist="35921" dir="2700000" algn="ctr" rotWithShape="0">
                       <a:schemeClr val="bg2"/>
@@ -29497,7 +29517,7 @@
             <a:effectLst/>
             <a:extLst>
               <a:ext uri="{AF507438-7753-43e0-B8FC-AC1667EBCBE1}">
-                <a14:hiddenEffects xmlns="" xmlns:a14="http://schemas.microsoft.com/office/drawing/2010/main">
+                <a14:hiddenEffects xmlns:a14="http://schemas.microsoft.com/office/drawing/2010/main" xmlns="">
                   <a:effectLst>
                     <a:outerShdw dist="35921" dir="2700000" algn="ctr" rotWithShape="0">
                       <a:schemeClr val="bg2"/>
@@ -29586,7 +29606,7 @@
           <a:noFill/>
           <a:extLst>
             <a:ext uri="{909E8E84-426E-40dd-AFC4-6F175D3DCCD1}">
-              <a14:hiddenFill xmlns="" xmlns:a14="http://schemas.microsoft.com/office/drawing/2010/main">
+              <a14:hiddenFill xmlns:a14="http://schemas.microsoft.com/office/drawing/2010/main" xmlns="">
                 <a:solidFill>
                   <a:srgbClr val="FFFFFF"/>
                 </a:solidFill>
@@ -32440,14 +32460,14 @@
           <a:effectLst/>
           <a:extLst>
             <a:ext uri="{909E8E84-426E-40dd-AFC4-6F175D3DCCD1}">
-              <a14:hiddenFill xmlns="" xmlns:a14="http://schemas.microsoft.com/office/drawing/2010/main">
+              <a14:hiddenFill xmlns:a14="http://schemas.microsoft.com/office/drawing/2010/main" xmlns="">
                 <a:solidFill>
                   <a:schemeClr val="accent1"/>
                 </a:solidFill>
               </a14:hiddenFill>
             </a:ext>
             <a:ext uri="{91240B29-F687-4f45-9708-019B960494DF}">
-              <a14:hiddenLine xmlns="" xmlns:a14="http://schemas.microsoft.com/office/drawing/2010/main" w="9525">
+              <a14:hiddenLine xmlns:a14="http://schemas.microsoft.com/office/drawing/2010/main" xmlns="" w="9525">
                 <a:solidFill>
                   <a:schemeClr val="tx1"/>
                 </a:solidFill>
@@ -32457,7 +32477,7 @@
               </a14:hiddenLine>
             </a:ext>
             <a:ext uri="{AF507438-7753-43e0-B8FC-AC1667EBCBE1}">
-              <a14:hiddenEffects xmlns="" xmlns:a14="http://schemas.microsoft.com/office/drawing/2010/main">
+              <a14:hiddenEffects xmlns:a14="http://schemas.microsoft.com/office/drawing/2010/main" xmlns="">
                 <a:effectLst>
                   <a:outerShdw dist="35921" dir="2700000" algn="ctr" rotWithShape="0">
                     <a:schemeClr val="bg2"/>
@@ -32745,14 +32765,14 @@
           <a:effectLst/>
           <a:extLst>
             <a:ext uri="{909E8E84-426E-40dd-AFC4-6F175D3DCCD1}">
-              <a14:hiddenFill xmlns="" xmlns:a14="http://schemas.microsoft.com/office/drawing/2010/main">
+              <a14:hiddenFill xmlns:a14="http://schemas.microsoft.com/office/drawing/2010/main" xmlns="">
                 <a:solidFill>
                   <a:schemeClr val="accent1"/>
                 </a:solidFill>
               </a14:hiddenFill>
             </a:ext>
             <a:ext uri="{91240B29-F687-4f45-9708-019B960494DF}">
-              <a14:hiddenLine xmlns="" xmlns:a14="http://schemas.microsoft.com/office/drawing/2010/main" w="9525">
+              <a14:hiddenLine xmlns:a14="http://schemas.microsoft.com/office/drawing/2010/main" xmlns="" w="9525">
                 <a:solidFill>
                   <a:schemeClr val="tx1"/>
                 </a:solidFill>
@@ -32762,7 +32782,7 @@
               </a14:hiddenLine>
             </a:ext>
             <a:ext uri="{AF507438-7753-43e0-B8FC-AC1667EBCBE1}">
-              <a14:hiddenEffects xmlns="" xmlns:a14="http://schemas.microsoft.com/office/drawing/2010/main">
+              <a14:hiddenEffects xmlns:a14="http://schemas.microsoft.com/office/drawing/2010/main" xmlns="">
                 <a:effectLst>
                   <a:outerShdw dist="35921" dir="2700000" algn="ctr" rotWithShape="0">
                     <a:schemeClr val="bg2"/>
@@ -33182,14 +33202,14 @@
           <a:effectLst/>
           <a:extLst>
             <a:ext uri="{909E8E84-426E-40dd-AFC4-6F175D3DCCD1}">
-              <a14:hiddenFill xmlns="" xmlns:a14="http://schemas.microsoft.com/office/drawing/2010/main">
+              <a14:hiddenFill xmlns:a14="http://schemas.microsoft.com/office/drawing/2010/main" xmlns="">
                 <a:solidFill>
                   <a:schemeClr val="accent1"/>
                 </a:solidFill>
               </a14:hiddenFill>
             </a:ext>
             <a:ext uri="{91240B29-F687-4f45-9708-019B960494DF}">
-              <a14:hiddenLine xmlns="" xmlns:a14="http://schemas.microsoft.com/office/drawing/2010/main" w="9525">
+              <a14:hiddenLine xmlns:a14="http://schemas.microsoft.com/office/drawing/2010/main" xmlns="" w="9525">
                 <a:solidFill>
                   <a:schemeClr val="tx1"/>
                 </a:solidFill>
@@ -33199,7 +33219,7 @@
               </a14:hiddenLine>
             </a:ext>
             <a:ext uri="{AF507438-7753-43e0-B8FC-AC1667EBCBE1}">
-              <a14:hiddenEffects xmlns="" xmlns:a14="http://schemas.microsoft.com/office/drawing/2010/main">
+              <a14:hiddenEffects xmlns:a14="http://schemas.microsoft.com/office/drawing/2010/main" xmlns="">
                 <a:effectLst>
                   <a:outerShdw dist="35921" dir="2700000" algn="ctr" rotWithShape="0">
                     <a:schemeClr val="bg2"/>
@@ -33820,7 +33840,7 @@
           <a:effectLst/>
           <a:extLst>
             <a:ext uri="{AF507438-7753-43e0-B8FC-AC1667EBCBE1}">
-              <a14:hiddenEffects xmlns="" xmlns:a14="http://schemas.microsoft.com/office/drawing/2010/main">
+              <a14:hiddenEffects xmlns:a14="http://schemas.microsoft.com/office/drawing/2010/main" xmlns="">
                 <a:effectLst>
                   <a:outerShdw dist="35921" dir="2700000" algn="ctr" rotWithShape="0">
                     <a:schemeClr val="bg2"/>
@@ -33874,7 +33894,7 @@
           <a:effectLst/>
           <a:extLst>
             <a:ext uri="{AF507438-7753-43e0-B8FC-AC1667EBCBE1}">
-              <a14:hiddenEffects xmlns="" xmlns:a14="http://schemas.microsoft.com/office/drawing/2010/main">
+              <a14:hiddenEffects xmlns:a14="http://schemas.microsoft.com/office/drawing/2010/main" xmlns="">
                 <a:effectLst>
                   <a:outerShdw dist="35921" dir="2700000" algn="ctr" rotWithShape="0">
                     <a:schemeClr val="bg2"/>
@@ -33928,7 +33948,7 @@
           <a:effectLst/>
           <a:extLst>
             <a:ext uri="{AF507438-7753-43e0-B8FC-AC1667EBCBE1}">
-              <a14:hiddenEffects xmlns="" xmlns:a14="http://schemas.microsoft.com/office/drawing/2010/main">
+              <a14:hiddenEffects xmlns:a14="http://schemas.microsoft.com/office/drawing/2010/main" xmlns="">
                 <a:effectLst>
                   <a:outerShdw dist="35921" dir="2700000" algn="ctr" rotWithShape="0">
                     <a:schemeClr val="bg2"/>
@@ -33982,7 +34002,7 @@
           <a:effectLst/>
           <a:extLst>
             <a:ext uri="{AF507438-7753-43e0-B8FC-AC1667EBCBE1}">
-              <a14:hiddenEffects xmlns="" xmlns:a14="http://schemas.microsoft.com/office/drawing/2010/main">
+              <a14:hiddenEffects xmlns:a14="http://schemas.microsoft.com/office/drawing/2010/main" xmlns="">
                 <a:effectLst>
                   <a:outerShdw dist="35921" dir="2700000" algn="ctr" rotWithShape="0">
                     <a:schemeClr val="bg2"/>
@@ -34036,7 +34056,7 @@
           <a:effectLst/>
           <a:extLst>
             <a:ext uri="{AF507438-7753-43e0-B8FC-AC1667EBCBE1}">
-              <a14:hiddenEffects xmlns="" xmlns:a14="http://schemas.microsoft.com/office/drawing/2010/main">
+              <a14:hiddenEffects xmlns:a14="http://schemas.microsoft.com/office/drawing/2010/main" xmlns="">
                 <a:effectLst>
                   <a:outerShdw dist="35921" dir="2700000" algn="ctr" rotWithShape="0">
                     <a:schemeClr val="bg2"/>
@@ -34094,7 +34114,7 @@
           <a:effectLst/>
           <a:extLst>
             <a:ext uri="{AF507438-7753-43e0-B8FC-AC1667EBCBE1}">
-              <a14:hiddenEffects xmlns="" xmlns:a14="http://schemas.microsoft.com/office/drawing/2010/main">
+              <a14:hiddenEffects xmlns:a14="http://schemas.microsoft.com/office/drawing/2010/main" xmlns="">
                 <a:effectLst>
                   <a:outerShdw dist="35921" dir="2700000" algn="ctr" rotWithShape="0">
                     <a:schemeClr val="bg2"/>
@@ -34148,7 +34168,7 @@
           <a:effectLst/>
           <a:extLst>
             <a:ext uri="{AF507438-7753-43e0-B8FC-AC1667EBCBE1}">
-              <a14:hiddenEffects xmlns="" xmlns:a14="http://schemas.microsoft.com/office/drawing/2010/main">
+              <a14:hiddenEffects xmlns:a14="http://schemas.microsoft.com/office/drawing/2010/main" xmlns="">
                 <a:effectLst>
                   <a:outerShdw dist="35921" dir="2700000" algn="ctr" rotWithShape="0">
                     <a:schemeClr val="bg2"/>
@@ -34206,7 +34226,7 @@
           <a:effectLst/>
           <a:extLst>
             <a:ext uri="{AF507438-7753-43e0-B8FC-AC1667EBCBE1}">
-              <a14:hiddenEffects xmlns="" xmlns:a14="http://schemas.microsoft.com/office/drawing/2010/main">
+              <a14:hiddenEffects xmlns:a14="http://schemas.microsoft.com/office/drawing/2010/main" xmlns="">
                 <a:effectLst>
                   <a:outerShdw dist="35921" dir="2700000" algn="ctr" rotWithShape="0">
                     <a:schemeClr val="bg2"/>
@@ -34260,7 +34280,7 @@
           <a:effectLst/>
           <a:extLst>
             <a:ext uri="{AF507438-7753-43e0-B8FC-AC1667EBCBE1}">
-              <a14:hiddenEffects xmlns="" xmlns:a14="http://schemas.microsoft.com/office/drawing/2010/main">
+              <a14:hiddenEffects xmlns:a14="http://schemas.microsoft.com/office/drawing/2010/main" xmlns="">
                 <a:effectLst>
                   <a:outerShdw dist="35921" dir="2700000" algn="ctr" rotWithShape="0">
                     <a:schemeClr val="bg2"/>
@@ -34308,14 +34328,14 @@
           <a:effectLst/>
           <a:extLst>
             <a:ext uri="{909E8E84-426E-40dd-AFC4-6F175D3DCCD1}">
-              <a14:hiddenFill xmlns="" xmlns:a14="http://schemas.microsoft.com/office/drawing/2010/main">
+              <a14:hiddenFill xmlns:a14="http://schemas.microsoft.com/office/drawing/2010/main" xmlns="">
                 <a:solidFill>
                   <a:schemeClr val="accent1"/>
                 </a:solidFill>
               </a14:hiddenFill>
             </a:ext>
             <a:ext uri="{91240B29-F687-4f45-9708-019B960494DF}">
-              <a14:hiddenLine xmlns="" xmlns:a14="http://schemas.microsoft.com/office/drawing/2010/main" w="9525">
+              <a14:hiddenLine xmlns:a14="http://schemas.microsoft.com/office/drawing/2010/main" xmlns="" w="9525">
                 <a:solidFill>
                   <a:schemeClr val="tx1"/>
                 </a:solidFill>
@@ -34325,7 +34345,7 @@
               </a14:hiddenLine>
             </a:ext>
             <a:ext uri="{AF507438-7753-43e0-B8FC-AC1667EBCBE1}">
-              <a14:hiddenEffects xmlns="" xmlns:a14="http://schemas.microsoft.com/office/drawing/2010/main">
+              <a14:hiddenEffects xmlns:a14="http://schemas.microsoft.com/office/drawing/2010/main" xmlns="">
                 <a:effectLst>
                   <a:outerShdw dist="35921" dir="2700000" algn="ctr" rotWithShape="0">
                     <a:schemeClr val="bg2"/>
@@ -34403,7 +34423,7 @@
           <a:noFill/>
           <a:extLst>
             <a:ext uri="{909E8E84-426E-40dd-AFC4-6F175D3DCCD1}">
-              <a14:hiddenFill xmlns="" xmlns:a14="http://schemas.microsoft.com/office/drawing/2010/main">
+              <a14:hiddenFill xmlns:a14="http://schemas.microsoft.com/office/drawing/2010/main" xmlns="">
                 <a:solidFill>
                   <a:srgbClr val="FFFFFF"/>
                 </a:solidFill>
@@ -40070,14 +40090,14 @@
           <a:effectLst/>
           <a:extLst>
             <a:ext uri="{909E8E84-426E-40dd-AFC4-6F175D3DCCD1}">
-              <a14:hiddenFill xmlns="" xmlns:a14="http://schemas.microsoft.com/office/drawing/2010/main">
+              <a14:hiddenFill xmlns:a14="http://schemas.microsoft.com/office/drawing/2010/main" xmlns="">
                 <a:solidFill>
                   <a:schemeClr val="accent1"/>
                 </a:solidFill>
               </a14:hiddenFill>
             </a:ext>
             <a:ext uri="{91240B29-F687-4f45-9708-019B960494DF}">
-              <a14:hiddenLine xmlns="" xmlns:a14="http://schemas.microsoft.com/office/drawing/2010/main" w="9525">
+              <a14:hiddenLine xmlns:a14="http://schemas.microsoft.com/office/drawing/2010/main" xmlns="" w="9525">
                 <a:solidFill>
                   <a:schemeClr val="tx1"/>
                 </a:solidFill>
@@ -40087,7 +40107,7 @@
               </a14:hiddenLine>
             </a:ext>
             <a:ext uri="{AF507438-7753-43e0-B8FC-AC1667EBCBE1}">
-              <a14:hiddenEffects xmlns="" xmlns:a14="http://schemas.microsoft.com/office/drawing/2010/main">
+              <a14:hiddenEffects xmlns:a14="http://schemas.microsoft.com/office/drawing/2010/main" xmlns="">
                 <a:effectLst>
                   <a:outerShdw dist="35921" dir="2700000" algn="ctr" rotWithShape="0">
                     <a:schemeClr val="bg2"/>
@@ -41630,14 +41650,14 @@
           <a:effectLst/>
           <a:extLst>
             <a:ext uri="{909E8E84-426E-40dd-AFC4-6F175D3DCCD1}">
-              <a14:hiddenFill xmlns="" xmlns:a14="http://schemas.microsoft.com/office/drawing/2010/main">
+              <a14:hiddenFill xmlns:a14="http://schemas.microsoft.com/office/drawing/2010/main" xmlns="">
                 <a:solidFill>
                   <a:schemeClr val="accent1"/>
                 </a:solidFill>
               </a14:hiddenFill>
             </a:ext>
             <a:ext uri="{91240B29-F687-4f45-9708-019B960494DF}">
-              <a14:hiddenLine xmlns="" xmlns:a14="http://schemas.microsoft.com/office/drawing/2010/main" w="9525">
+              <a14:hiddenLine xmlns:a14="http://schemas.microsoft.com/office/drawing/2010/main" xmlns="" w="9525">
                 <a:solidFill>
                   <a:schemeClr val="tx1"/>
                 </a:solidFill>
@@ -41647,7 +41667,7 @@
               </a14:hiddenLine>
             </a:ext>
             <a:ext uri="{AF507438-7753-43e0-B8FC-AC1667EBCBE1}">
-              <a14:hiddenEffects xmlns="" xmlns:a14="http://schemas.microsoft.com/office/drawing/2010/main">
+              <a14:hiddenEffects xmlns:a14="http://schemas.microsoft.com/office/drawing/2010/main" xmlns="">
                 <a:effectLst>
                   <a:outerShdw dist="35921" dir="2700000" algn="ctr" rotWithShape="0">
                     <a:schemeClr val="bg2"/>
@@ -42073,14 +42093,14 @@
           </a:ln>
           <a:extLst>
             <a:ext uri="{909E8E84-426E-40dd-AFC4-6F175D3DCCD1}">
-              <a14:hiddenFill xmlns="" xmlns:a14="http://schemas.microsoft.com/office/drawing/2010/main">
+              <a14:hiddenFill xmlns:a14="http://schemas.microsoft.com/office/drawing/2010/main" xmlns="">
                 <a:solidFill>
                   <a:srgbClr val="FFFFFF"/>
                 </a:solidFill>
               </a14:hiddenFill>
             </a:ext>
             <a:ext uri="{91240B29-F687-4f45-9708-019B960494DF}">
-              <a14:hiddenLine xmlns="" xmlns:a14="http://schemas.microsoft.com/office/drawing/2010/main" w="9525">
+              <a14:hiddenLine xmlns:a14="http://schemas.microsoft.com/office/drawing/2010/main" xmlns="" w="9525">
                 <a:solidFill>
                   <a:srgbClr val="000000"/>
                 </a:solidFill>
@@ -42417,14 +42437,14 @@
           </a:ln>
           <a:extLst>
             <a:ext uri="{909E8E84-426E-40dd-AFC4-6F175D3DCCD1}">
-              <a14:hiddenFill xmlns="" xmlns:a14="http://schemas.microsoft.com/office/drawing/2010/main">
+              <a14:hiddenFill xmlns:a14="http://schemas.microsoft.com/office/drawing/2010/main" xmlns="">
                 <a:solidFill>
                   <a:srgbClr val="FFFFFF"/>
                 </a:solidFill>
               </a14:hiddenFill>
             </a:ext>
             <a:ext uri="{91240B29-F687-4f45-9708-019B960494DF}">
-              <a14:hiddenLine xmlns="" xmlns:a14="http://schemas.microsoft.com/office/drawing/2010/main" w="9525">
+              <a14:hiddenLine xmlns:a14="http://schemas.microsoft.com/office/drawing/2010/main" xmlns="" w="9525">
                 <a:solidFill>
                   <a:srgbClr val="000000"/>
                 </a:solidFill>
@@ -42575,14 +42595,14 @@
           </a:ln>
           <a:extLst>
             <a:ext uri="{909E8E84-426E-40dd-AFC4-6F175D3DCCD1}">
-              <a14:hiddenFill xmlns="" xmlns:a14="http://schemas.microsoft.com/office/drawing/2010/main">
+              <a14:hiddenFill xmlns:a14="http://schemas.microsoft.com/office/drawing/2010/main" xmlns="">
                 <a:solidFill>
                   <a:srgbClr val="FFFFFF"/>
                 </a:solidFill>
               </a14:hiddenFill>
             </a:ext>
             <a:ext uri="{91240B29-F687-4f45-9708-019B960494DF}">
-              <a14:hiddenLine xmlns="" xmlns:a14="http://schemas.microsoft.com/office/drawing/2010/main" w="9525">
+              <a14:hiddenLine xmlns:a14="http://schemas.microsoft.com/office/drawing/2010/main" xmlns="" w="9525">
                 <a:solidFill>
                   <a:srgbClr val="000000"/>
                 </a:solidFill>
@@ -42760,14 +42780,14 @@
           </a:ln>
           <a:extLst>
             <a:ext uri="{909E8E84-426E-40dd-AFC4-6F175D3DCCD1}">
-              <a14:hiddenFill xmlns="" xmlns:a14="http://schemas.microsoft.com/office/drawing/2010/main">
+              <a14:hiddenFill xmlns:a14="http://schemas.microsoft.com/office/drawing/2010/main" xmlns="">
                 <a:solidFill>
                   <a:srgbClr val="FFFFFF"/>
                 </a:solidFill>
               </a14:hiddenFill>
             </a:ext>
             <a:ext uri="{91240B29-F687-4f45-9708-019B960494DF}">
-              <a14:hiddenLine xmlns="" xmlns:a14="http://schemas.microsoft.com/office/drawing/2010/main" w="9525">
+              <a14:hiddenLine xmlns:a14="http://schemas.microsoft.com/office/drawing/2010/main" xmlns="" w="9525">
                 <a:solidFill>
                   <a:srgbClr val="000000"/>
                 </a:solidFill>
@@ -43125,7 +43145,7 @@
           <a:effectLst/>
           <a:extLst>
             <a:ext uri="{AF507438-7753-43e0-B8FC-AC1667EBCBE1}">
-              <a14:hiddenEffects xmlns="" xmlns:a14="http://schemas.microsoft.com/office/drawing/2010/main">
+              <a14:hiddenEffects xmlns:a14="http://schemas.microsoft.com/office/drawing/2010/main" xmlns="">
                 <a:effectLst>
                   <a:outerShdw dist="35921" dir="2700000" algn="ctr" rotWithShape="0">
                     <a:schemeClr val="bg2"/>
@@ -43188,14 +43208,14 @@
           <a:effectLst/>
           <a:extLst>
             <a:ext uri="{909E8E84-426E-40dd-AFC4-6F175D3DCCD1}">
-              <a14:hiddenFill xmlns="" xmlns:a14="http://schemas.microsoft.com/office/drawing/2010/main">
+              <a14:hiddenFill xmlns:a14="http://schemas.microsoft.com/office/drawing/2010/main" xmlns="">
                 <a:solidFill>
                   <a:schemeClr val="accent1"/>
                 </a:solidFill>
               </a14:hiddenFill>
             </a:ext>
             <a:ext uri="{91240B29-F687-4f45-9708-019B960494DF}">
-              <a14:hiddenLine xmlns="" xmlns:a14="http://schemas.microsoft.com/office/drawing/2010/main" w="9525">
+              <a14:hiddenLine xmlns:a14="http://schemas.microsoft.com/office/drawing/2010/main" xmlns="" w="9525">
                 <a:solidFill>
                   <a:schemeClr val="tx1"/>
                 </a:solidFill>
@@ -43205,7 +43225,7 @@
               </a14:hiddenLine>
             </a:ext>
             <a:ext uri="{AF507438-7753-43e0-B8FC-AC1667EBCBE1}">
-              <a14:hiddenEffects xmlns="" xmlns:a14="http://schemas.microsoft.com/office/drawing/2010/main">
+              <a14:hiddenEffects xmlns:a14="http://schemas.microsoft.com/office/drawing/2010/main" xmlns="">
                 <a:effectLst>
                   <a:outerShdw dist="35921" dir="2700000" algn="ctr" rotWithShape="0">
                     <a:schemeClr val="bg2"/>
@@ -43671,14 +43691,14 @@
             <a:effectLst/>
             <a:extLst>
               <a:ext uri="{909E8E84-426E-40dd-AFC4-6F175D3DCCD1}">
-                <a14:hiddenFill xmlns="" xmlns:a14="http://schemas.microsoft.com/office/drawing/2010/main">
+                <a14:hiddenFill xmlns:a14="http://schemas.microsoft.com/office/drawing/2010/main" xmlns="">
                   <a:solidFill>
                     <a:schemeClr val="accent1"/>
                   </a:solidFill>
                 </a14:hiddenFill>
               </a:ext>
               <a:ext uri="{AF507438-7753-43e0-B8FC-AC1667EBCBE1}">
-                <a14:hiddenEffects xmlns="" xmlns:a14="http://schemas.microsoft.com/office/drawing/2010/main">
+                <a14:hiddenEffects xmlns:a14="http://schemas.microsoft.com/office/drawing/2010/main" xmlns="">
                   <a:effectLst>
                     <a:outerShdw dist="35921" dir="2700000" algn="ctr" rotWithShape="0">
                       <a:schemeClr val="bg2"/>
@@ -43770,12 +43790,12 @@
             <a:effectLst/>
             <a:extLst>
               <a:ext uri="{909E8E84-426E-40dd-AFC4-6F175D3DCCD1}">
-                <a14:hiddenFill xmlns="" xmlns:a14="http://schemas.microsoft.com/office/drawing/2010/main">
+                <a14:hiddenFill xmlns:a14="http://schemas.microsoft.com/office/drawing/2010/main" xmlns="">
                   <a:noFill/>
                 </a14:hiddenFill>
               </a:ext>
               <a:ext uri="{AF507438-7753-43e0-B8FC-AC1667EBCBE1}">
-                <a14:hiddenEffects xmlns="" xmlns:a14="http://schemas.microsoft.com/office/drawing/2010/main">
+                <a14:hiddenEffects xmlns:a14="http://schemas.microsoft.com/office/drawing/2010/main" xmlns="">
                   <a:effectLst>
                     <a:outerShdw dist="35921" dir="2700000" algn="ctr" rotWithShape="0">
                       <a:schemeClr val="bg2"/>
@@ -43838,14 +43858,14 @@
             <a:effectLst/>
             <a:extLst>
               <a:ext uri="{909E8E84-426E-40dd-AFC4-6F175D3DCCD1}">
-                <a14:hiddenFill xmlns="" xmlns:a14="http://schemas.microsoft.com/office/drawing/2010/main">
+                <a14:hiddenFill xmlns:a14="http://schemas.microsoft.com/office/drawing/2010/main" xmlns="">
                   <a:solidFill>
                     <a:schemeClr val="accent1"/>
                   </a:solidFill>
                 </a14:hiddenFill>
               </a:ext>
               <a:ext uri="{AF507438-7753-43e0-B8FC-AC1667EBCBE1}">
-                <a14:hiddenEffects xmlns="" xmlns:a14="http://schemas.microsoft.com/office/drawing/2010/main">
+                <a14:hiddenEffects xmlns:a14="http://schemas.microsoft.com/office/drawing/2010/main" xmlns="">
                   <a:effectLst>
                     <a:outerShdw dist="35921" dir="2700000" algn="ctr" rotWithShape="0">
                       <a:schemeClr val="bg2"/>
@@ -43917,12 +43937,12 @@
             <a:effectLst/>
             <a:extLst>
               <a:ext uri="{909E8E84-426E-40dd-AFC4-6F175D3DCCD1}">
-                <a14:hiddenFill xmlns="" xmlns:a14="http://schemas.microsoft.com/office/drawing/2010/main">
+                <a14:hiddenFill xmlns:a14="http://schemas.microsoft.com/office/drawing/2010/main" xmlns="">
                   <a:noFill/>
                 </a14:hiddenFill>
               </a:ext>
               <a:ext uri="{AF507438-7753-43e0-B8FC-AC1667EBCBE1}">
-                <a14:hiddenEffects xmlns="" xmlns:a14="http://schemas.microsoft.com/office/drawing/2010/main">
+                <a14:hiddenEffects xmlns:a14="http://schemas.microsoft.com/office/drawing/2010/main" xmlns="">
                   <a:effectLst>
                     <a:outerShdw dist="35921" dir="2700000" algn="ctr" rotWithShape="0">
                       <a:schemeClr val="bg2"/>
@@ -44121,7 +44141,7 @@
           <a:effectLst/>
           <a:extLst>
             <a:ext uri="{AF507438-7753-43e0-B8FC-AC1667EBCBE1}">
-              <a14:hiddenEffects xmlns="" xmlns:a14="http://schemas.microsoft.com/office/drawing/2010/main">
+              <a14:hiddenEffects xmlns:a14="http://schemas.microsoft.com/office/drawing/2010/main" xmlns="">
                 <a:effectLst>
                   <a:outerShdw dist="35921" dir="2700000" algn="ctr" rotWithShape="0">
                     <a:schemeClr val="bg2"/>
@@ -44184,14 +44204,14 @@
           <a:effectLst/>
           <a:extLst>
             <a:ext uri="{909E8E84-426E-40dd-AFC4-6F175D3DCCD1}">
-              <a14:hiddenFill xmlns="" xmlns:a14="http://schemas.microsoft.com/office/drawing/2010/main">
+              <a14:hiddenFill xmlns:a14="http://schemas.microsoft.com/office/drawing/2010/main" xmlns="">
                 <a:solidFill>
                   <a:schemeClr val="accent1"/>
                 </a:solidFill>
               </a14:hiddenFill>
             </a:ext>
             <a:ext uri="{91240B29-F687-4f45-9708-019B960494DF}">
-              <a14:hiddenLine xmlns="" xmlns:a14="http://schemas.microsoft.com/office/drawing/2010/main" w="9525">
+              <a14:hiddenLine xmlns:a14="http://schemas.microsoft.com/office/drawing/2010/main" xmlns="" w="9525">
                 <a:solidFill>
                   <a:schemeClr val="tx1"/>
                 </a:solidFill>
@@ -44201,7 +44221,7 @@
               </a14:hiddenLine>
             </a:ext>
             <a:ext uri="{AF507438-7753-43e0-B8FC-AC1667EBCBE1}">
-              <a14:hiddenEffects xmlns="" xmlns:a14="http://schemas.microsoft.com/office/drawing/2010/main">
+              <a14:hiddenEffects xmlns:a14="http://schemas.microsoft.com/office/drawing/2010/main" xmlns="">
                 <a:effectLst>
                   <a:outerShdw dist="35921" dir="2700000" algn="ctr" rotWithShape="0">
                     <a:schemeClr val="bg2"/>
@@ -44667,14 +44687,14 @@
             <a:effectLst/>
             <a:extLst>
               <a:ext uri="{909E8E84-426E-40dd-AFC4-6F175D3DCCD1}">
-                <a14:hiddenFill xmlns="" xmlns:a14="http://schemas.microsoft.com/office/drawing/2010/main">
+                <a14:hiddenFill xmlns:a14="http://schemas.microsoft.com/office/drawing/2010/main" xmlns="">
                   <a:solidFill>
                     <a:schemeClr val="accent1"/>
                   </a:solidFill>
                 </a14:hiddenFill>
               </a:ext>
               <a:ext uri="{AF507438-7753-43e0-B8FC-AC1667EBCBE1}">
-                <a14:hiddenEffects xmlns="" xmlns:a14="http://schemas.microsoft.com/office/drawing/2010/main">
+                <a14:hiddenEffects xmlns:a14="http://schemas.microsoft.com/office/drawing/2010/main" xmlns="">
                   <a:effectLst>
                     <a:outerShdw dist="35921" dir="2700000" algn="ctr" rotWithShape="0">
                       <a:schemeClr val="bg2"/>
@@ -44739,12 +44759,12 @@
             <a:effectLst/>
             <a:extLst>
               <a:ext uri="{909E8E84-426E-40dd-AFC4-6F175D3DCCD1}">
-                <a14:hiddenFill xmlns="" xmlns:a14="http://schemas.microsoft.com/office/drawing/2010/main">
+                <a14:hiddenFill xmlns:a14="http://schemas.microsoft.com/office/drawing/2010/main" xmlns="">
                   <a:noFill/>
                 </a14:hiddenFill>
               </a:ext>
               <a:ext uri="{AF507438-7753-43e0-B8FC-AC1667EBCBE1}">
-                <a14:hiddenEffects xmlns="" xmlns:a14="http://schemas.microsoft.com/office/drawing/2010/main">
+                <a14:hiddenEffects xmlns:a14="http://schemas.microsoft.com/office/drawing/2010/main" xmlns="">
                   <a:effectLst>
                     <a:outerShdw dist="35921" dir="2700000" algn="ctr" rotWithShape="0">
                       <a:schemeClr val="bg2"/>
@@ -44791,14 +44811,14 @@
           <a:effectLst/>
           <a:extLst>
             <a:ext uri="{909E8E84-426E-40dd-AFC4-6F175D3DCCD1}">
-              <a14:hiddenFill xmlns="" xmlns:a14="http://schemas.microsoft.com/office/drawing/2010/main">
+              <a14:hiddenFill xmlns:a14="http://schemas.microsoft.com/office/drawing/2010/main" xmlns="">
                 <a:solidFill>
                   <a:schemeClr val="accent1"/>
                 </a:solidFill>
               </a14:hiddenFill>
             </a:ext>
             <a:ext uri="{AF507438-7753-43e0-B8FC-AC1667EBCBE1}">
-              <a14:hiddenEffects xmlns="" xmlns:a14="http://schemas.microsoft.com/office/drawing/2010/main">
+              <a14:hiddenEffects xmlns:a14="http://schemas.microsoft.com/office/drawing/2010/main" xmlns="">
                 <a:effectLst>
                   <a:outerShdw dist="35921" dir="2700000" algn="ctr" rotWithShape="0">
                     <a:schemeClr val="bg2"/>
@@ -44879,14 +44899,14 @@
             <a:effectLst/>
             <a:extLst>
               <a:ext uri="{909E8E84-426E-40dd-AFC4-6F175D3DCCD1}">
-                <a14:hiddenFill xmlns="" xmlns:a14="http://schemas.microsoft.com/office/drawing/2010/main">
+                <a14:hiddenFill xmlns:a14="http://schemas.microsoft.com/office/drawing/2010/main" xmlns="">
                   <a:solidFill>
                     <a:schemeClr val="accent1"/>
                   </a:solidFill>
                 </a14:hiddenFill>
               </a:ext>
               <a:ext uri="{AF507438-7753-43e0-B8FC-AC1667EBCBE1}">
-                <a14:hiddenEffects xmlns="" xmlns:a14="http://schemas.microsoft.com/office/drawing/2010/main">
+                <a14:hiddenEffects xmlns:a14="http://schemas.microsoft.com/office/drawing/2010/main" xmlns="">
                   <a:effectLst>
                     <a:outerShdw dist="35921" dir="2700000" algn="ctr" rotWithShape="0">
                       <a:schemeClr val="bg2"/>
@@ -44941,12 +44961,12 @@
             <a:effectLst/>
             <a:extLst>
               <a:ext uri="{909E8E84-426E-40dd-AFC4-6F175D3DCCD1}">
-                <a14:hiddenFill xmlns="" xmlns:a14="http://schemas.microsoft.com/office/drawing/2010/main">
+                <a14:hiddenFill xmlns:a14="http://schemas.microsoft.com/office/drawing/2010/main" xmlns="">
                   <a:noFill/>
                 </a14:hiddenFill>
               </a:ext>
               <a:ext uri="{AF507438-7753-43e0-B8FC-AC1667EBCBE1}">
-                <a14:hiddenEffects xmlns="" xmlns:a14="http://schemas.microsoft.com/office/drawing/2010/main">
+                <a14:hiddenEffects xmlns:a14="http://schemas.microsoft.com/office/drawing/2010/main" xmlns="">
                   <a:effectLst>
                     <a:outerShdw dist="35921" dir="2700000" algn="ctr" rotWithShape="0">
                       <a:schemeClr val="bg2"/>

--- a/lectures/7-WebGL.pptx
+++ b/lectures/7-WebGL.pptx
@@ -5,10 +5,10 @@
     <p:sldMasterId id="2147483653" r:id="rId1"/>
   </p:sldMasterIdLst>
   <p:notesMasterIdLst>
-    <p:notesMasterId r:id="rId76"/>
+    <p:notesMasterId r:id="rId77"/>
   </p:notesMasterIdLst>
   <p:handoutMasterIdLst>
-    <p:handoutMasterId r:id="rId77"/>
+    <p:handoutMasterId r:id="rId78"/>
   </p:handoutMasterIdLst>
   <p:sldIdLst>
     <p:sldId id="421" r:id="rId2"/>
@@ -50,41 +50,42 @@
     <p:sldId id="493" r:id="rId38"/>
     <p:sldId id="410" r:id="rId39"/>
     <p:sldId id="492" r:id="rId40"/>
-    <p:sldId id="462" r:id="rId41"/>
-    <p:sldId id="463" r:id="rId42"/>
-    <p:sldId id="464" r:id="rId43"/>
-    <p:sldId id="465" r:id="rId44"/>
-    <p:sldId id="466" r:id="rId45"/>
-    <p:sldId id="467" r:id="rId46"/>
-    <p:sldId id="412" r:id="rId47"/>
-    <p:sldId id="433" r:id="rId48"/>
-    <p:sldId id="434" r:id="rId49"/>
-    <p:sldId id="435" r:id="rId50"/>
-    <p:sldId id="436" r:id="rId51"/>
-    <p:sldId id="437" r:id="rId52"/>
-    <p:sldId id="438" r:id="rId53"/>
-    <p:sldId id="439" r:id="rId54"/>
-    <p:sldId id="440" r:id="rId55"/>
-    <p:sldId id="441" r:id="rId56"/>
-    <p:sldId id="442" r:id="rId57"/>
-    <p:sldId id="443" r:id="rId58"/>
-    <p:sldId id="444" r:id="rId59"/>
-    <p:sldId id="445" r:id="rId60"/>
-    <p:sldId id="446" r:id="rId61"/>
-    <p:sldId id="447" r:id="rId62"/>
-    <p:sldId id="448" r:id="rId63"/>
-    <p:sldId id="449" r:id="rId64"/>
-    <p:sldId id="450" r:id="rId65"/>
-    <p:sldId id="451" r:id="rId66"/>
-    <p:sldId id="452" r:id="rId67"/>
-    <p:sldId id="454" r:id="rId68"/>
-    <p:sldId id="455" r:id="rId69"/>
-    <p:sldId id="456" r:id="rId70"/>
-    <p:sldId id="457" r:id="rId71"/>
-    <p:sldId id="458" r:id="rId72"/>
-    <p:sldId id="459" r:id="rId73"/>
-    <p:sldId id="460" r:id="rId74"/>
-    <p:sldId id="461" r:id="rId75"/>
+    <p:sldId id="494" r:id="rId41"/>
+    <p:sldId id="462" r:id="rId42"/>
+    <p:sldId id="463" r:id="rId43"/>
+    <p:sldId id="464" r:id="rId44"/>
+    <p:sldId id="465" r:id="rId45"/>
+    <p:sldId id="466" r:id="rId46"/>
+    <p:sldId id="467" r:id="rId47"/>
+    <p:sldId id="412" r:id="rId48"/>
+    <p:sldId id="433" r:id="rId49"/>
+    <p:sldId id="434" r:id="rId50"/>
+    <p:sldId id="435" r:id="rId51"/>
+    <p:sldId id="436" r:id="rId52"/>
+    <p:sldId id="437" r:id="rId53"/>
+    <p:sldId id="438" r:id="rId54"/>
+    <p:sldId id="439" r:id="rId55"/>
+    <p:sldId id="440" r:id="rId56"/>
+    <p:sldId id="441" r:id="rId57"/>
+    <p:sldId id="442" r:id="rId58"/>
+    <p:sldId id="443" r:id="rId59"/>
+    <p:sldId id="444" r:id="rId60"/>
+    <p:sldId id="445" r:id="rId61"/>
+    <p:sldId id="446" r:id="rId62"/>
+    <p:sldId id="447" r:id="rId63"/>
+    <p:sldId id="448" r:id="rId64"/>
+    <p:sldId id="449" r:id="rId65"/>
+    <p:sldId id="450" r:id="rId66"/>
+    <p:sldId id="451" r:id="rId67"/>
+    <p:sldId id="452" r:id="rId68"/>
+    <p:sldId id="454" r:id="rId69"/>
+    <p:sldId id="455" r:id="rId70"/>
+    <p:sldId id="456" r:id="rId71"/>
+    <p:sldId id="457" r:id="rId72"/>
+    <p:sldId id="458" r:id="rId73"/>
+    <p:sldId id="459" r:id="rId74"/>
+    <p:sldId id="460" r:id="rId75"/>
+    <p:sldId id="461" r:id="rId76"/>
   </p:sldIdLst>
   <p:sldSz cx="9144000" cy="6858000" type="screen4x3"/>
   <p:notesSz cx="9601200" cy="7315200"/>
@@ -1691,7 +1692,7 @@
             <a:fld id="{C2F25E3B-D9AF-432C-B0D6-CF912FBC68C7}" type="slidenum">
               <a:rPr lang="en-US" smtClean="0"/>
               <a:pPr/>
-              <a:t>40</a:t>
+              <a:t>41</a:t>
             </a:fld>
             <a:endParaRPr lang="en-US" smtClean="0"/>
           </a:p>
@@ -2262,7 +2263,7 @@
             <a:fld id="{26198934-A5E4-4B95-B563-663D6060E6E5}" type="slidenum">
               <a:rPr lang="en-US" smtClean="0"/>
               <a:pPr/>
-              <a:t>45</a:t>
+              <a:t>46</a:t>
             </a:fld>
             <a:endParaRPr lang="en-US" smtClean="0"/>
           </a:p>
@@ -2756,7 +2757,7 @@
             <a:fld id="{4F799E24-22B6-411D-9226-EB8E29ED5A78}" type="slidenum">
               <a:rPr lang="en-US" smtClean="0"/>
               <a:pPr/>
-              <a:t>49</a:t>
+              <a:t>50</a:t>
             </a:fld>
             <a:endParaRPr lang="en-US" smtClean="0"/>
           </a:p>
@@ -2987,7 +2988,7 @@
             <a:fld id="{6004B6F6-4856-44D3-B236-1710175579E8}" type="slidenum">
               <a:rPr lang="en-US" smtClean="0"/>
               <a:pPr/>
-              <a:t>50</a:t>
+              <a:t>51</a:t>
             </a:fld>
             <a:endParaRPr lang="en-US" smtClean="0"/>
           </a:p>
@@ -3218,7 +3219,7 @@
             <a:fld id="{B3833946-1DB5-4FBF-BFF2-E173FF290380}" type="slidenum">
               <a:rPr lang="en-US" smtClean="0"/>
               <a:pPr/>
-              <a:t>51</a:t>
+              <a:t>52</a:t>
             </a:fld>
             <a:endParaRPr lang="en-US" smtClean="0"/>
           </a:p>
@@ -3701,7 +3702,7 @@
             <a:fld id="{2FD2D0E5-209B-42D7-BC1F-8542667CDBC7}" type="slidenum">
               <a:rPr lang="en-US" smtClean="0"/>
               <a:pPr/>
-              <a:t>55</a:t>
+              <a:t>56</a:t>
             </a:fld>
             <a:endParaRPr lang="en-US" smtClean="0"/>
           </a:p>
@@ -3932,7 +3933,7 @@
             <a:fld id="{B0561CD6-5C42-4ACB-BF9A-74702009A049}" type="slidenum">
               <a:rPr lang="en-US" smtClean="0"/>
               <a:pPr/>
-              <a:t>56</a:t>
+              <a:t>57</a:t>
             </a:fld>
             <a:endParaRPr lang="en-US" smtClean="0"/>
           </a:p>
@@ -4163,7 +4164,7 @@
             <a:fld id="{B773C57E-D21C-426B-A59A-1891A1E87EE1}" type="slidenum">
               <a:rPr lang="en-US" smtClean="0"/>
               <a:pPr/>
-              <a:t>57</a:t>
+              <a:t>58</a:t>
             </a:fld>
             <a:endParaRPr lang="en-US" smtClean="0"/>
           </a:p>
@@ -4993,7 +4994,7 @@
             <a:fld id="{8BFD6296-452F-4976-8816-9C56C33CB410}" type="slidenum">
               <a:rPr lang="en-US" smtClean="0"/>
               <a:pPr/>
-              <a:t>64</a:t>
+              <a:t>65</a:t>
             </a:fld>
             <a:endParaRPr lang="en-US" smtClean="0"/>
           </a:p>
@@ -5221,7 +5222,7 @@
             <a:fld id="{8430868B-D193-4B7F-8713-BB51421716E6}" type="slidenum">
               <a:rPr lang="en-US" smtClean="0"/>
               <a:pPr/>
-              <a:t>65</a:t>
+              <a:t>66</a:t>
             </a:fld>
             <a:endParaRPr lang="en-US" smtClean="0"/>
           </a:p>
@@ -5466,7 +5467,7 @@
             <a:fld id="{753F2295-3B73-4F91-B7A6-0A9066E06E91}" type="slidenum">
               <a:rPr lang="en-US" smtClean="0"/>
               <a:pPr/>
-              <a:t>66</a:t>
+              <a:t>67</a:t>
             </a:fld>
             <a:endParaRPr lang="en-US" smtClean="0"/>
           </a:p>
@@ -5697,7 +5698,7 @@
             <a:fld id="{77336F56-FD47-4947-B416-32BF2B341457}" type="slidenum">
               <a:rPr lang="en-US" smtClean="0"/>
               <a:pPr/>
-              <a:t>67</a:t>
+              <a:t>68</a:t>
             </a:fld>
             <a:endParaRPr lang="en-US" smtClean="0"/>
           </a:p>
@@ -5928,7 +5929,7 @@
             <a:fld id="{69F14AB9-EC4F-4A04-AA93-BC744EDE136E}" type="slidenum">
               <a:rPr lang="en-US" smtClean="0"/>
               <a:pPr/>
-              <a:t>68</a:t>
+              <a:t>69</a:t>
             </a:fld>
             <a:endParaRPr lang="en-US" smtClean="0"/>
           </a:p>
@@ -6262,7 +6263,7 @@
             <a:fld id="{7438341E-909B-4627-96D4-E52C4B9D8CA2}" type="slidenum">
               <a:rPr lang="en-US" smtClean="0"/>
               <a:pPr/>
-              <a:t>69</a:t>
+              <a:t>70</a:t>
             </a:fld>
             <a:endParaRPr lang="en-US" smtClean="0"/>
           </a:p>
@@ -6493,7 +6494,7 @@
             <a:fld id="{7149C4EC-2241-4739-9F56-DD3634FCC9D1}" type="slidenum">
               <a:rPr lang="en-US" smtClean="0"/>
               <a:pPr/>
-              <a:t>70</a:t>
+              <a:t>71</a:t>
             </a:fld>
             <a:endParaRPr lang="en-US" smtClean="0"/>
           </a:p>
@@ -6738,7 +6739,7 @@
             <a:fld id="{C1807208-E096-4699-9ADF-79B590330788}" type="slidenum">
               <a:rPr lang="en-US" smtClean="0"/>
               <a:pPr/>
-              <a:t>71</a:t>
+              <a:t>72</a:t>
             </a:fld>
             <a:endParaRPr lang="en-US" smtClean="0"/>
           </a:p>
@@ -6983,7 +6984,7 @@
             <a:fld id="{BFBE7E1E-7F91-4ACB-9F9A-F98904CAA3BD}" type="slidenum">
               <a:rPr lang="en-US" smtClean="0"/>
               <a:pPr/>
-              <a:t>72</a:t>
+              <a:t>73</a:t>
             </a:fld>
             <a:endParaRPr lang="en-US" smtClean="0"/>
           </a:p>
@@ -7259,7 +7260,7 @@
             <a:fld id="{A4130DA8-E3CC-4A08-BE24-18610DBB733B}" type="slidenum">
               <a:rPr lang="en-US" smtClean="0"/>
               <a:pPr/>
-              <a:t>73</a:t>
+              <a:t>74</a:t>
             </a:fld>
             <a:endParaRPr lang="en-US" smtClean="0"/>
           </a:p>
@@ -7432,7 +7433,7 @@
             <a:fld id="{A7F3C4E1-5B13-44E5-B8F3-FC132B77D075}" type="slidenum">
               <a:rPr lang="en-US" smtClean="0"/>
               <a:pPr/>
-              <a:t>74</a:t>
+              <a:t>75</a:t>
             </a:fld>
             <a:endParaRPr lang="en-US" smtClean="0"/>
           </a:p>
@@ -29654,7 +29655,7 @@
       </p:grpSpPr>
       <p:sp>
         <p:nvSpPr>
-          <p:cNvPr id="75778" name="Title 1"/>
+          <p:cNvPr id="2" name="Title 1"/>
           <p:cNvSpPr>
             <a:spLocks noGrp="1"/>
           </p:cNvSpPr>
@@ -29662,64 +29663,20 @@
             <p:ph type="title"/>
           </p:nvPr>
         </p:nvSpPr>
-        <p:spPr>
-          <a:xfrm>
-            <a:off x="457200" y="457200"/>
-            <a:ext cx="8763000" cy="1371600"/>
-          </a:xfrm>
-        </p:spPr>
+        <p:spPr/>
         <p:txBody>
           <a:bodyPr/>
           <a:lstStyle/>
           <a:p>
             <a:r>
-              <a:rPr lang="en-US" i="1" smtClean="0">
-                <a:solidFill>
-                  <a:srgbClr val="FF9933"/>
-                </a:solidFill>
-              </a:rPr>
-              <a:t>C</a:t>
-            </a:r>
-            <a:r>
-              <a:rPr lang="en-US" smtClean="0"/>
-              <a:t>ross-</a:t>
-            </a:r>
-            <a:r>
-              <a:rPr lang="en-US" i="1" smtClean="0">
-                <a:solidFill>
-                  <a:srgbClr val="FF9933"/>
-                </a:solidFill>
-              </a:rPr>
-              <a:t>O</a:t>
-            </a:r>
-            <a:r>
-              <a:rPr lang="en-US" smtClean="0"/>
-              <a:t>rigin </a:t>
-            </a:r>
-            <a:r>
-              <a:rPr lang="en-US" i="1" smtClean="0">
-                <a:solidFill>
-                  <a:srgbClr val="FF9933"/>
-                </a:solidFill>
-              </a:rPr>
-              <a:t>R</a:t>
-            </a:r>
-            <a:r>
-              <a:rPr lang="en-US" smtClean="0"/>
-              <a:t>esource </a:t>
-            </a:r>
-            <a:r>
-              <a:rPr lang="en-US" i="1" smtClean="0">
-                <a:solidFill>
-                  <a:srgbClr val="FF9933"/>
-                </a:solidFill>
-              </a:rPr>
-              <a:t>S</a:t>
-            </a:r>
-            <a:r>
-              <a:rPr lang="en-US" smtClean="0"/>
-              <a:t>haring</a:t>
-            </a:r>
+              <a:rPr lang="en-US" dirty="0" err="1" smtClean="0"/>
+              <a:t>WebGL</a:t>
+            </a:r>
+            <a:r>
+              <a:rPr lang="en-US" dirty="0" smtClean="0"/>
+              <a:t> 2 Samples</a:t>
+            </a:r>
+            <a:endParaRPr lang="en-US" dirty="0"/>
           </a:p>
         </p:txBody>
       </p:sp>
@@ -29733,29 +29690,42 @@
             <p:ph idx="1"/>
           </p:nvPr>
         </p:nvSpPr>
-        <p:spPr>
-          <a:xfrm>
-            <a:off x="457200" y="1981200"/>
-            <a:ext cx="8229600" cy="4267200"/>
-          </a:xfrm>
-        </p:spPr>
+        <p:spPr/>
         <p:txBody>
           <a:bodyPr/>
           <a:lstStyle/>
           <a:p>
-            <a:pPr>
-              <a:defRPr/>
-            </a:pPr>
             <a:r>
               <a:rPr lang="en-US" dirty="0" smtClean="0"/>
-              <a:t>Images can’t always be used as texture sources.  Why?</a:t>
-            </a:r>
+              <a:t>By </a:t>
+            </a:r>
+            <a:r>
+              <a:rPr lang="en-US" dirty="0" err="1" smtClean="0"/>
+              <a:t>Trung</a:t>
+            </a:r>
+            <a:r>
+              <a:rPr lang="en-US" dirty="0" smtClean="0"/>
+              <a:t> and Shrek!</a:t>
+            </a:r>
+          </a:p>
+          <a:p>
+            <a:r>
+              <a:rPr lang="en-US" sz="2400" dirty="0">
+                <a:hlinkClick r:id="rId2"/>
+              </a:rPr>
+              <a:t>https://</a:t>
+            </a:r>
+            <a:r>
+              <a:rPr lang="en-US" sz="2400" dirty="0" smtClean="0">
+                <a:hlinkClick r:id="rId2"/>
+              </a:rPr>
+              <a:t>github.com/WebGLSamples/WebGL2Samples</a:t>
+            </a:r>
+            <a:endParaRPr lang="en-US" sz="2400" dirty="0" smtClean="0"/>
           </a:p>
           <a:p>
             <a:pPr marL="0" indent="0">
-              <a:buFont typeface="Wingdings" pitchFamily="2" charset="2"/>
               <a:buNone/>
-              <a:defRPr/>
             </a:pPr>
             <a:endParaRPr lang="en-US" dirty="0"/>
           </a:p>
@@ -29763,7 +29733,7 @@
       </p:sp>
       <p:sp>
         <p:nvSpPr>
-          <p:cNvPr id="2" name="Slide Number Placeholder 1"/>
+          <p:cNvPr id="4" name="Slide Number Placeholder 3"/>
           <p:cNvSpPr>
             <a:spLocks noGrp="1"/>
           </p:cNvSpPr>
@@ -29790,10 +29760,36 @@
           </a:p>
         </p:txBody>
       </p:sp>
+      <p:pic>
+        <p:nvPicPr>
+          <p:cNvPr id="8" name="Picture 7">
+            <a:hlinkClick r:id="rId2"/>
+          </p:cNvPr>
+          <p:cNvPicPr>
+            <a:picLocks noChangeAspect="1"/>
+          </p:cNvPicPr>
+          <p:nvPr/>
+        </p:nvPicPr>
+        <p:blipFill>
+          <a:blip r:embed="rId3"/>
+          <a:stretch>
+            <a:fillRect/>
+          </a:stretch>
+        </p:blipFill>
+        <p:spPr>
+          <a:xfrm>
+            <a:off x="1943100" y="3297460"/>
+            <a:ext cx="5257800" cy="2950940"/>
+          </a:xfrm>
+          <a:prstGeom prst="rect">
+            <a:avLst/>
+          </a:prstGeom>
+        </p:spPr>
+      </p:pic>
     </p:spTree>
     <p:extLst>
       <p:ext uri="{BB962C8B-B14F-4D97-AF65-F5344CB8AC3E}">
-        <p14:creationId xmlns:p14="http://schemas.microsoft.com/office/powerpoint/2010/main" val="3879674072"/>
+        <p14:creationId xmlns:p14="http://schemas.microsoft.com/office/powerpoint/2010/main" val="1923063778"/>
       </p:ext>
     </p:extLst>
   </p:cSld>
@@ -29822,45 +29818,7 @@
       </p:grpSpPr>
       <p:sp>
         <p:nvSpPr>
-          <p:cNvPr id="76802" name="Rectangle 4"/>
-          <p:cNvSpPr>
-            <a:spLocks noChangeArrowheads="1"/>
-          </p:cNvSpPr>
-          <p:nvPr/>
-        </p:nvSpPr>
-        <p:spPr bwMode="auto">
-          <a:xfrm>
-            <a:off x="3200400" y="5029200"/>
-            <a:ext cx="2667000" cy="457200"/>
-          </a:xfrm>
-          <a:prstGeom prst="rect">
-            <a:avLst/>
-          </a:prstGeom>
-          <a:solidFill>
-            <a:srgbClr val="FFFF99">
-              <a:alpha val="50195"/>
-            </a:srgbClr>
-          </a:solidFill>
-          <a:ln w="9525">
-            <a:solidFill>
-              <a:schemeClr val="tx1"/>
-            </a:solidFill>
-            <a:miter lim="800000"/>
-            <a:headEnd/>
-            <a:tailEnd/>
-          </a:ln>
-        </p:spPr>
-        <p:txBody>
-          <a:bodyPr wrap="none" anchor="ctr"/>
-          <a:lstStyle/>
-          <a:p>
-            <a:endParaRPr lang="en-US"/>
-          </a:p>
-        </p:txBody>
-      </p:sp>
-      <p:sp>
-        <p:nvSpPr>
-          <p:cNvPr id="76803" name="Title 1"/>
+          <p:cNvPr id="75778" name="Title 1"/>
           <p:cNvSpPr>
             <a:spLocks noGrp="1"/>
           </p:cNvSpPr>
@@ -29868,297 +29826,93 @@
             <p:ph type="title"/>
           </p:nvPr>
         </p:nvSpPr>
-        <p:spPr/>
-        <p:txBody>
-          <a:bodyPr/>
-          <a:lstStyle/>
-          <a:p>
-            <a:r>
-              <a:rPr lang="en-US" i="1" smtClean="0">
-                <a:solidFill>
-                  <a:srgbClr val="FF9933"/>
-                </a:solidFill>
-              </a:rPr>
-              <a:t>C</a:t>
-            </a:r>
-            <a:r>
-              <a:rPr lang="en-US" smtClean="0"/>
-              <a:t>ross-</a:t>
-            </a:r>
-            <a:r>
-              <a:rPr lang="en-US" i="1" smtClean="0">
-                <a:solidFill>
-                  <a:srgbClr val="FF9933"/>
-                </a:solidFill>
-              </a:rPr>
-              <a:t>O</a:t>
-            </a:r>
-            <a:r>
-              <a:rPr lang="en-US" smtClean="0"/>
-              <a:t>rigin </a:t>
-            </a:r>
-            <a:r>
-              <a:rPr lang="en-US" i="1" smtClean="0">
-                <a:solidFill>
-                  <a:srgbClr val="FF9933"/>
-                </a:solidFill>
-              </a:rPr>
-              <a:t>R</a:t>
-            </a:r>
-            <a:r>
-              <a:rPr lang="en-US" smtClean="0"/>
-              <a:t>esource </a:t>
-            </a:r>
-            <a:r>
-              <a:rPr lang="en-US" i="1" smtClean="0">
-                <a:solidFill>
-                  <a:srgbClr val="FF9933"/>
-                </a:solidFill>
-              </a:rPr>
-              <a:t>S</a:t>
-            </a:r>
-            <a:r>
-              <a:rPr lang="en-US" smtClean="0"/>
-              <a:t>haring</a:t>
-            </a:r>
-          </a:p>
-        </p:txBody>
-      </p:sp>
-      <p:sp>
-        <p:nvSpPr>
-          <p:cNvPr id="4" name="Rectangle 3"/>
-          <p:cNvSpPr txBox="1">
-            <a:spLocks noChangeArrowheads="1"/>
-          </p:cNvSpPr>
-          <p:nvPr/>
-        </p:nvSpPr>
-        <p:spPr bwMode="auto">
-          <a:xfrm>
-            <a:off x="898525" y="2971800"/>
-            <a:ext cx="8245475" cy="3733800"/>
-          </a:xfrm>
-          <a:prstGeom prst="rect">
-            <a:avLst/>
-          </a:prstGeom>
-          <a:noFill/>
-          <a:ln w="9525">
-            <a:noFill/>
-            <a:miter lim="800000"/>
-            <a:headEnd/>
-            <a:tailEnd/>
-          </a:ln>
-        </p:spPr>
-        <p:txBody>
-          <a:bodyPr/>
-          <a:lstStyle/>
-          <a:p>
-            <a:pPr marL="517525" indent="-403225" eaLnBrk="1" hangingPunct="1">
-              <a:spcBef>
-                <a:spcPct val="20000"/>
-              </a:spcBef>
-              <a:buClr>
-                <a:schemeClr val="accent2"/>
-              </a:buClr>
-              <a:buSzPct val="80000"/>
-              <a:defRPr/>
-            </a:pPr>
-            <a:r>
-              <a:rPr lang="en-US" sz="2800" kern="0" dirty="0">
-                <a:solidFill>
-                  <a:schemeClr val="bg2">
-                    <a:lumMod val="60000"/>
-                    <a:lumOff val="40000"/>
-                  </a:schemeClr>
-                </a:solidFill>
-                <a:latin typeface="Courier New" charset="0"/>
-              </a:rPr>
-              <a:t>var</a:t>
-            </a:r>
-            <a:r>
-              <a:rPr lang="en-US" sz="2800" kern="0" dirty="0">
-                <a:latin typeface="Courier New" charset="0"/>
-              </a:rPr>
-              <a:t> img = new </a:t>
-            </a:r>
-            <a:r>
-              <a:rPr lang="en-US" sz="2800" kern="0" dirty="0">
-                <a:solidFill>
-                  <a:srgbClr val="D60093"/>
-                </a:solidFill>
-                <a:latin typeface="Courier New" charset="0"/>
-              </a:rPr>
-              <a:t>Image</a:t>
-            </a:r>
-            <a:r>
-              <a:rPr lang="en-US" sz="2800" kern="0" dirty="0">
-                <a:latin typeface="Courier New" charset="0"/>
-              </a:rPr>
-              <a:t>();</a:t>
-            </a:r>
-          </a:p>
-          <a:p>
-            <a:pPr marL="517525" indent="-403225" eaLnBrk="1" hangingPunct="1">
-              <a:spcBef>
-                <a:spcPct val="20000"/>
-              </a:spcBef>
-              <a:buClr>
-                <a:schemeClr val="accent2"/>
-              </a:buClr>
-              <a:buSzPct val="80000"/>
-              <a:defRPr/>
-            </a:pPr>
-            <a:r>
-              <a:rPr lang="en-US" sz="2800" kern="0" dirty="0">
-                <a:latin typeface="Courier New" charset="0"/>
-              </a:rPr>
-              <a:t>img.onload = </a:t>
-            </a:r>
-            <a:r>
-              <a:rPr lang="en-US" sz="2800" kern="0" dirty="0">
-                <a:solidFill>
-                  <a:schemeClr val="bg2">
-                    <a:lumMod val="60000"/>
-                    <a:lumOff val="40000"/>
-                  </a:schemeClr>
-                </a:solidFill>
-                <a:latin typeface="Courier New" charset="0"/>
-              </a:rPr>
-              <a:t>function</a:t>
-            </a:r>
-            <a:r>
-              <a:rPr lang="en-US" sz="2800" kern="0" dirty="0">
-                <a:latin typeface="Courier New" charset="0"/>
-              </a:rPr>
-              <a:t>() {</a:t>
-            </a:r>
-          </a:p>
-          <a:p>
-            <a:pPr marL="517525" indent="-403225" eaLnBrk="1" hangingPunct="1">
-              <a:spcBef>
-                <a:spcPct val="20000"/>
-              </a:spcBef>
-              <a:buClr>
-                <a:schemeClr val="accent2"/>
-              </a:buClr>
-              <a:buSzPct val="80000"/>
-              <a:defRPr/>
-            </a:pPr>
-            <a:r>
-              <a:rPr lang="en-US" sz="2800" kern="0" dirty="0">
-                <a:latin typeface="Courier New" charset="0"/>
-              </a:rPr>
-              <a:t>  gl.</a:t>
-            </a:r>
-            <a:r>
-              <a:rPr lang="en-US" sz="2800" kern="0" dirty="0">
-                <a:solidFill>
-                  <a:srgbClr val="D60093"/>
-                </a:solidFill>
-                <a:latin typeface="Courier New" charset="0"/>
-              </a:rPr>
-              <a:t>texImage2D</a:t>
-            </a:r>
-            <a:r>
-              <a:rPr lang="en-US" sz="2800" kern="0" dirty="0">
-                <a:latin typeface="Courier New" charset="0"/>
-              </a:rPr>
-              <a:t>(</a:t>
-            </a:r>
-            <a:r>
-              <a:rPr lang="en-US" sz="2800" kern="0" dirty="0">
-                <a:solidFill>
-                  <a:srgbClr val="008000"/>
-                </a:solidFill>
-                <a:latin typeface="Courier New" charset="0"/>
-              </a:rPr>
-              <a:t>/* ... */</a:t>
-            </a:r>
-            <a:r>
-              <a:rPr lang="en-US" sz="2800" kern="0" dirty="0">
-                <a:latin typeface="Courier New" charset="0"/>
-              </a:rPr>
-              <a:t>, img);</a:t>
-            </a:r>
-          </a:p>
-          <a:p>
-            <a:pPr marL="517525" indent="-403225" eaLnBrk="1" hangingPunct="1">
-              <a:spcBef>
-                <a:spcPct val="20000"/>
-              </a:spcBef>
-              <a:buClr>
-                <a:schemeClr val="accent2"/>
-              </a:buClr>
-              <a:buSzPct val="80000"/>
-              <a:defRPr/>
-            </a:pPr>
-            <a:r>
-              <a:rPr lang="en-US" sz="2800" kern="0" dirty="0">
-                <a:latin typeface="Courier New" charset="0"/>
-              </a:rPr>
-              <a:t>};</a:t>
-            </a:r>
-          </a:p>
-          <a:p>
-            <a:pPr marL="517525" indent="-403225" eaLnBrk="1" hangingPunct="1">
-              <a:spcBef>
-                <a:spcPct val="20000"/>
-              </a:spcBef>
-              <a:buClr>
-                <a:schemeClr val="accent2"/>
-              </a:buClr>
-              <a:buSzPct val="80000"/>
-              <a:defRPr/>
-            </a:pPr>
-            <a:r>
-              <a:rPr lang="en-US" sz="2800" kern="0" dirty="0">
-                <a:latin typeface="Courier New" charset="0"/>
-              </a:rPr>
-              <a:t>img.src = </a:t>
-            </a:r>
-            <a:r>
-              <a:rPr lang="en-US" sz="2800" kern="0" dirty="0">
-                <a:solidFill>
-                  <a:srgbClr val="FF0000"/>
-                </a:solidFill>
-                <a:latin typeface="Courier New" charset="0"/>
-              </a:rPr>
-              <a:t>"image.png"</a:t>
-            </a:r>
-            <a:r>
-              <a:rPr lang="en-US" sz="2800" kern="0" dirty="0">
-                <a:latin typeface="Courier New" charset="0"/>
-              </a:rPr>
-              <a:t>;</a:t>
-            </a:r>
-          </a:p>
-        </p:txBody>
-      </p:sp>
-      <p:sp>
-        <p:nvSpPr>
-          <p:cNvPr id="6" name="Content Placeholder 2"/>
-          <p:cNvSpPr>
-            <a:spLocks noGrp="1"/>
-          </p:cNvSpPr>
-          <p:nvPr>
-            <p:ph idx="1"/>
-          </p:nvPr>
-        </p:nvSpPr>
         <p:spPr>
           <a:xfrm>
-            <a:off x="457200" y="1981200"/>
-            <a:ext cx="8229600" cy="609600"/>
+            <a:off x="457200" y="457200"/>
+            <a:ext cx="8763000" cy="1371600"/>
           </a:xfrm>
         </p:spPr>
         <p:txBody>
           <a:bodyPr/>
           <a:lstStyle/>
           <a:p>
+            <a:r>
+              <a:rPr lang="en-US" i="1" smtClean="0">
+                <a:solidFill>
+                  <a:srgbClr val="FF9933"/>
+                </a:solidFill>
+              </a:rPr>
+              <a:t>C</a:t>
+            </a:r>
+            <a:r>
+              <a:rPr lang="en-US" smtClean="0"/>
+              <a:t>ross-</a:t>
+            </a:r>
+            <a:r>
+              <a:rPr lang="en-US" i="1" smtClean="0">
+                <a:solidFill>
+                  <a:srgbClr val="FF9933"/>
+                </a:solidFill>
+              </a:rPr>
+              <a:t>O</a:t>
+            </a:r>
+            <a:r>
+              <a:rPr lang="en-US" smtClean="0"/>
+              <a:t>rigin </a:t>
+            </a:r>
+            <a:r>
+              <a:rPr lang="en-US" i="1" smtClean="0">
+                <a:solidFill>
+                  <a:srgbClr val="FF9933"/>
+                </a:solidFill>
+              </a:rPr>
+              <a:t>R</a:t>
+            </a:r>
+            <a:r>
+              <a:rPr lang="en-US" smtClean="0"/>
+              <a:t>esource </a:t>
+            </a:r>
+            <a:r>
+              <a:rPr lang="en-US" i="1" smtClean="0">
+                <a:solidFill>
+                  <a:srgbClr val="FF9933"/>
+                </a:solidFill>
+              </a:rPr>
+              <a:t>S</a:t>
+            </a:r>
+            <a:r>
+              <a:rPr lang="en-US" smtClean="0"/>
+              <a:t>haring</a:t>
+            </a:r>
+          </a:p>
+        </p:txBody>
+      </p:sp>
+      <p:sp>
+        <p:nvSpPr>
+          <p:cNvPr id="3" name="Content Placeholder 2"/>
+          <p:cNvSpPr>
+            <a:spLocks noGrp="1"/>
+          </p:cNvSpPr>
+          <p:nvPr>
+            <p:ph idx="1"/>
+          </p:nvPr>
+        </p:nvSpPr>
+        <p:spPr>
+          <a:xfrm>
+            <a:off x="457200" y="1981200"/>
+            <a:ext cx="8229600" cy="4267200"/>
+          </a:xfrm>
+        </p:spPr>
+        <p:txBody>
+          <a:bodyPr/>
+          <a:lstStyle/>
+          <a:p>
             <a:pPr>
               <a:defRPr/>
             </a:pPr>
             <a:r>
               <a:rPr lang="en-US" dirty="0" smtClean="0"/>
-              <a:t>Same domain is OK:</a:t>
+              <a:t>Images can’t always be used as texture sources.  Why?</a:t>
             </a:r>
           </a:p>
           <a:p>
@@ -30203,7 +29957,7 @@
     </p:spTree>
     <p:extLst>
       <p:ext uri="{BB962C8B-B14F-4D97-AF65-F5344CB8AC3E}">
-        <p14:creationId xmlns:p14="http://schemas.microsoft.com/office/powerpoint/2010/main" val="1718894326"/>
+        <p14:creationId xmlns:p14="http://schemas.microsoft.com/office/powerpoint/2010/main" val="3879674072"/>
       </p:ext>
     </p:extLst>
   </p:cSld>
@@ -30232,6 +29986,416 @@
       </p:grpSpPr>
       <p:sp>
         <p:nvSpPr>
+          <p:cNvPr id="76802" name="Rectangle 4"/>
+          <p:cNvSpPr>
+            <a:spLocks noChangeArrowheads="1"/>
+          </p:cNvSpPr>
+          <p:nvPr/>
+        </p:nvSpPr>
+        <p:spPr bwMode="auto">
+          <a:xfrm>
+            <a:off x="3200400" y="5029200"/>
+            <a:ext cx="2667000" cy="457200"/>
+          </a:xfrm>
+          <a:prstGeom prst="rect">
+            <a:avLst/>
+          </a:prstGeom>
+          <a:solidFill>
+            <a:srgbClr val="FFFF99">
+              <a:alpha val="50195"/>
+            </a:srgbClr>
+          </a:solidFill>
+          <a:ln w="9525">
+            <a:solidFill>
+              <a:schemeClr val="tx1"/>
+            </a:solidFill>
+            <a:miter lim="800000"/>
+            <a:headEnd/>
+            <a:tailEnd/>
+          </a:ln>
+        </p:spPr>
+        <p:txBody>
+          <a:bodyPr wrap="none" anchor="ctr"/>
+          <a:lstStyle/>
+          <a:p>
+            <a:endParaRPr lang="en-US"/>
+          </a:p>
+        </p:txBody>
+      </p:sp>
+      <p:sp>
+        <p:nvSpPr>
+          <p:cNvPr id="76803" name="Title 1"/>
+          <p:cNvSpPr>
+            <a:spLocks noGrp="1"/>
+          </p:cNvSpPr>
+          <p:nvPr>
+            <p:ph type="title"/>
+          </p:nvPr>
+        </p:nvSpPr>
+        <p:spPr/>
+        <p:txBody>
+          <a:bodyPr/>
+          <a:lstStyle/>
+          <a:p>
+            <a:r>
+              <a:rPr lang="en-US" i="1" smtClean="0">
+                <a:solidFill>
+                  <a:srgbClr val="FF9933"/>
+                </a:solidFill>
+              </a:rPr>
+              <a:t>C</a:t>
+            </a:r>
+            <a:r>
+              <a:rPr lang="en-US" smtClean="0"/>
+              <a:t>ross-</a:t>
+            </a:r>
+            <a:r>
+              <a:rPr lang="en-US" i="1" smtClean="0">
+                <a:solidFill>
+                  <a:srgbClr val="FF9933"/>
+                </a:solidFill>
+              </a:rPr>
+              <a:t>O</a:t>
+            </a:r>
+            <a:r>
+              <a:rPr lang="en-US" smtClean="0"/>
+              <a:t>rigin </a:t>
+            </a:r>
+            <a:r>
+              <a:rPr lang="en-US" i="1" smtClean="0">
+                <a:solidFill>
+                  <a:srgbClr val="FF9933"/>
+                </a:solidFill>
+              </a:rPr>
+              <a:t>R</a:t>
+            </a:r>
+            <a:r>
+              <a:rPr lang="en-US" smtClean="0"/>
+              <a:t>esource </a:t>
+            </a:r>
+            <a:r>
+              <a:rPr lang="en-US" i="1" smtClean="0">
+                <a:solidFill>
+                  <a:srgbClr val="FF9933"/>
+                </a:solidFill>
+              </a:rPr>
+              <a:t>S</a:t>
+            </a:r>
+            <a:r>
+              <a:rPr lang="en-US" smtClean="0"/>
+              <a:t>haring</a:t>
+            </a:r>
+          </a:p>
+        </p:txBody>
+      </p:sp>
+      <p:sp>
+        <p:nvSpPr>
+          <p:cNvPr id="4" name="Rectangle 3"/>
+          <p:cNvSpPr txBox="1">
+            <a:spLocks noChangeArrowheads="1"/>
+          </p:cNvSpPr>
+          <p:nvPr/>
+        </p:nvSpPr>
+        <p:spPr bwMode="auto">
+          <a:xfrm>
+            <a:off x="898525" y="2971800"/>
+            <a:ext cx="8245475" cy="3733800"/>
+          </a:xfrm>
+          <a:prstGeom prst="rect">
+            <a:avLst/>
+          </a:prstGeom>
+          <a:noFill/>
+          <a:ln w="9525">
+            <a:noFill/>
+            <a:miter lim="800000"/>
+            <a:headEnd/>
+            <a:tailEnd/>
+          </a:ln>
+        </p:spPr>
+        <p:txBody>
+          <a:bodyPr/>
+          <a:lstStyle/>
+          <a:p>
+            <a:pPr marL="517525" indent="-403225" eaLnBrk="1" hangingPunct="1">
+              <a:spcBef>
+                <a:spcPct val="20000"/>
+              </a:spcBef>
+              <a:buClr>
+                <a:schemeClr val="accent2"/>
+              </a:buClr>
+              <a:buSzPct val="80000"/>
+              <a:defRPr/>
+            </a:pPr>
+            <a:r>
+              <a:rPr lang="en-US" sz="2800" kern="0" dirty="0">
+                <a:solidFill>
+                  <a:schemeClr val="bg2">
+                    <a:lumMod val="60000"/>
+                    <a:lumOff val="40000"/>
+                  </a:schemeClr>
+                </a:solidFill>
+                <a:latin typeface="Courier New" charset="0"/>
+              </a:rPr>
+              <a:t>var</a:t>
+            </a:r>
+            <a:r>
+              <a:rPr lang="en-US" sz="2800" kern="0" dirty="0">
+                <a:latin typeface="Courier New" charset="0"/>
+              </a:rPr>
+              <a:t> img = new </a:t>
+            </a:r>
+            <a:r>
+              <a:rPr lang="en-US" sz="2800" kern="0" dirty="0">
+                <a:solidFill>
+                  <a:srgbClr val="D60093"/>
+                </a:solidFill>
+                <a:latin typeface="Courier New" charset="0"/>
+              </a:rPr>
+              <a:t>Image</a:t>
+            </a:r>
+            <a:r>
+              <a:rPr lang="en-US" sz="2800" kern="0" dirty="0">
+                <a:latin typeface="Courier New" charset="0"/>
+              </a:rPr>
+              <a:t>();</a:t>
+            </a:r>
+          </a:p>
+          <a:p>
+            <a:pPr marL="517525" indent="-403225" eaLnBrk="1" hangingPunct="1">
+              <a:spcBef>
+                <a:spcPct val="20000"/>
+              </a:spcBef>
+              <a:buClr>
+                <a:schemeClr val="accent2"/>
+              </a:buClr>
+              <a:buSzPct val="80000"/>
+              <a:defRPr/>
+            </a:pPr>
+            <a:r>
+              <a:rPr lang="en-US" sz="2800" kern="0" dirty="0">
+                <a:latin typeface="Courier New" charset="0"/>
+              </a:rPr>
+              <a:t>img.onload = </a:t>
+            </a:r>
+            <a:r>
+              <a:rPr lang="en-US" sz="2800" kern="0" dirty="0">
+                <a:solidFill>
+                  <a:schemeClr val="bg2">
+                    <a:lumMod val="60000"/>
+                    <a:lumOff val="40000"/>
+                  </a:schemeClr>
+                </a:solidFill>
+                <a:latin typeface="Courier New" charset="0"/>
+              </a:rPr>
+              <a:t>function</a:t>
+            </a:r>
+            <a:r>
+              <a:rPr lang="en-US" sz="2800" kern="0" dirty="0">
+                <a:latin typeface="Courier New" charset="0"/>
+              </a:rPr>
+              <a:t>() {</a:t>
+            </a:r>
+          </a:p>
+          <a:p>
+            <a:pPr marL="517525" indent="-403225" eaLnBrk="1" hangingPunct="1">
+              <a:spcBef>
+                <a:spcPct val="20000"/>
+              </a:spcBef>
+              <a:buClr>
+                <a:schemeClr val="accent2"/>
+              </a:buClr>
+              <a:buSzPct val="80000"/>
+              <a:defRPr/>
+            </a:pPr>
+            <a:r>
+              <a:rPr lang="en-US" sz="2800" kern="0" dirty="0">
+                <a:latin typeface="Courier New" charset="0"/>
+              </a:rPr>
+              <a:t>  gl.</a:t>
+            </a:r>
+            <a:r>
+              <a:rPr lang="en-US" sz="2800" kern="0" dirty="0">
+                <a:solidFill>
+                  <a:srgbClr val="D60093"/>
+                </a:solidFill>
+                <a:latin typeface="Courier New" charset="0"/>
+              </a:rPr>
+              <a:t>texImage2D</a:t>
+            </a:r>
+            <a:r>
+              <a:rPr lang="en-US" sz="2800" kern="0" dirty="0">
+                <a:latin typeface="Courier New" charset="0"/>
+              </a:rPr>
+              <a:t>(</a:t>
+            </a:r>
+            <a:r>
+              <a:rPr lang="en-US" sz="2800" kern="0" dirty="0">
+                <a:solidFill>
+                  <a:srgbClr val="008000"/>
+                </a:solidFill>
+                <a:latin typeface="Courier New" charset="0"/>
+              </a:rPr>
+              <a:t>/* ... */</a:t>
+            </a:r>
+            <a:r>
+              <a:rPr lang="en-US" sz="2800" kern="0" dirty="0">
+                <a:latin typeface="Courier New" charset="0"/>
+              </a:rPr>
+              <a:t>, img);</a:t>
+            </a:r>
+          </a:p>
+          <a:p>
+            <a:pPr marL="517525" indent="-403225" eaLnBrk="1" hangingPunct="1">
+              <a:spcBef>
+                <a:spcPct val="20000"/>
+              </a:spcBef>
+              <a:buClr>
+                <a:schemeClr val="accent2"/>
+              </a:buClr>
+              <a:buSzPct val="80000"/>
+              <a:defRPr/>
+            </a:pPr>
+            <a:r>
+              <a:rPr lang="en-US" sz="2800" kern="0" dirty="0">
+                <a:latin typeface="Courier New" charset="0"/>
+              </a:rPr>
+              <a:t>};</a:t>
+            </a:r>
+          </a:p>
+          <a:p>
+            <a:pPr marL="517525" indent="-403225" eaLnBrk="1" hangingPunct="1">
+              <a:spcBef>
+                <a:spcPct val="20000"/>
+              </a:spcBef>
+              <a:buClr>
+                <a:schemeClr val="accent2"/>
+              </a:buClr>
+              <a:buSzPct val="80000"/>
+              <a:defRPr/>
+            </a:pPr>
+            <a:r>
+              <a:rPr lang="en-US" sz="2800" kern="0" dirty="0">
+                <a:latin typeface="Courier New" charset="0"/>
+              </a:rPr>
+              <a:t>img.src = </a:t>
+            </a:r>
+            <a:r>
+              <a:rPr lang="en-US" sz="2800" kern="0" dirty="0">
+                <a:solidFill>
+                  <a:srgbClr val="FF0000"/>
+                </a:solidFill>
+                <a:latin typeface="Courier New" charset="0"/>
+              </a:rPr>
+              <a:t>"image.png"</a:t>
+            </a:r>
+            <a:r>
+              <a:rPr lang="en-US" sz="2800" kern="0" dirty="0">
+                <a:latin typeface="Courier New" charset="0"/>
+              </a:rPr>
+              <a:t>;</a:t>
+            </a:r>
+          </a:p>
+        </p:txBody>
+      </p:sp>
+      <p:sp>
+        <p:nvSpPr>
+          <p:cNvPr id="6" name="Content Placeholder 2"/>
+          <p:cNvSpPr>
+            <a:spLocks noGrp="1"/>
+          </p:cNvSpPr>
+          <p:nvPr>
+            <p:ph idx="1"/>
+          </p:nvPr>
+        </p:nvSpPr>
+        <p:spPr>
+          <a:xfrm>
+            <a:off x="457200" y="1981200"/>
+            <a:ext cx="8229600" cy="609600"/>
+          </a:xfrm>
+        </p:spPr>
+        <p:txBody>
+          <a:bodyPr/>
+          <a:lstStyle/>
+          <a:p>
+            <a:pPr>
+              <a:defRPr/>
+            </a:pPr>
+            <a:r>
+              <a:rPr lang="en-US" dirty="0" smtClean="0"/>
+              <a:t>Same domain is OK:</a:t>
+            </a:r>
+          </a:p>
+          <a:p>
+            <a:pPr marL="0" indent="0">
+              <a:buFont typeface="Wingdings" pitchFamily="2" charset="2"/>
+              <a:buNone/>
+              <a:defRPr/>
+            </a:pPr>
+            <a:endParaRPr lang="en-US" dirty="0"/>
+          </a:p>
+        </p:txBody>
+      </p:sp>
+      <p:sp>
+        <p:nvSpPr>
+          <p:cNvPr id="2" name="Slide Number Placeholder 1"/>
+          <p:cNvSpPr>
+            <a:spLocks noGrp="1"/>
+          </p:cNvSpPr>
+          <p:nvPr>
+            <p:ph type="sldNum" sz="quarter" idx="11"/>
+          </p:nvPr>
+        </p:nvSpPr>
+        <p:spPr/>
+        <p:txBody>
+          <a:bodyPr/>
+          <a:lstStyle/>
+          <a:p>
+            <a:pPr>
+              <a:defRPr/>
+            </a:pPr>
+            <a:fld id="{91191E71-0304-44EC-9C02-17D54F455140}" type="slidenum">
+              <a:rPr lang="en-US" smtClean="0"/>
+              <a:pPr>
+                <a:defRPr/>
+              </a:pPr>
+              <a:t>42</a:t>
+            </a:fld>
+            <a:endParaRPr lang="en-US"/>
+          </a:p>
+        </p:txBody>
+      </p:sp>
+    </p:spTree>
+    <p:extLst>
+      <p:ext uri="{BB962C8B-B14F-4D97-AF65-F5344CB8AC3E}">
+        <p14:creationId xmlns:p14="http://schemas.microsoft.com/office/powerpoint/2010/main" val="1718894326"/>
+      </p:ext>
+    </p:extLst>
+  </p:cSld>
+  <p:clrMapOvr>
+    <a:masterClrMapping/>
+  </p:clrMapOvr>
+</p:sld>
+</file>
+
+<file path=ppt/slides/slide43.xml><?xml version="1.0" encoding="utf-8"?>
+<p:sld xmlns:a="http://schemas.openxmlformats.org/drawingml/2006/main" xmlns:r="http://schemas.openxmlformats.org/officeDocument/2006/relationships" xmlns:p="http://schemas.openxmlformats.org/presentationml/2006/main">
+  <p:cSld>
+    <p:spTree>
+      <p:nvGrpSpPr>
+        <p:cNvPr id="1" name=""/>
+        <p:cNvGrpSpPr/>
+        <p:nvPr/>
+      </p:nvGrpSpPr>
+      <p:grpSpPr>
+        <a:xfrm>
+          <a:off x="0" y="0"/>
+          <a:ext cx="0" cy="0"/>
+          <a:chOff x="0" y="0"/>
+          <a:chExt cx="0" cy="0"/>
+        </a:xfrm>
+      </p:grpSpPr>
+      <p:sp>
+        <p:nvSpPr>
           <p:cNvPr id="77826" name="Rectangle 6"/>
           <p:cNvSpPr>
             <a:spLocks noChangeArrowheads="1"/>
@@ -30699,7 +30863,7 @@
               <a:pPr>
                 <a:defRPr/>
               </a:pPr>
-              <a:t>42</a:t>
+              <a:t>43</a:t>
             </a:fld>
             <a:endParaRPr lang="en-US"/>
           </a:p>
@@ -30718,7 +30882,7 @@
 </p:sld>
 </file>
 
-<file path=ppt/slides/slide43.xml><?xml version="1.0" encoding="utf-8"?>
+<file path=ppt/slides/slide44.xml><?xml version="1.0" encoding="utf-8"?>
 <p:sld xmlns:a="http://schemas.openxmlformats.org/drawingml/2006/main" xmlns:r="http://schemas.openxmlformats.org/officeDocument/2006/relationships" xmlns:p="http://schemas.openxmlformats.org/presentationml/2006/main">
   <p:cSld>
     <p:spTree>
@@ -31533,7 +31697,7 @@
               <a:pPr>
                 <a:defRPr/>
               </a:pPr>
-              <a:t>43</a:t>
+              <a:t>44</a:t>
             </a:fld>
             <a:endParaRPr lang="en-US"/>
           </a:p>
@@ -31552,7 +31716,7 @@
 </p:sld>
 </file>
 
-<file path=ppt/slides/slide44.xml><?xml version="1.0" encoding="utf-8"?>
+<file path=ppt/slides/slide45.xml><?xml version="1.0" encoding="utf-8"?>
 <p:sld xmlns:a="http://schemas.openxmlformats.org/drawingml/2006/main" xmlns:r="http://schemas.openxmlformats.org/officeDocument/2006/relationships" xmlns:p="http://schemas.openxmlformats.org/presentationml/2006/main">
   <p:cSld>
     <p:spTree>
@@ -32628,7 +32792,7 @@
               <a:pPr>
                 <a:defRPr/>
               </a:pPr>
-              <a:t>44</a:t>
+              <a:t>45</a:t>
             </a:fld>
             <a:endParaRPr lang="en-US"/>
           </a:p>
@@ -32638,311 +32802,6 @@
     <p:extLst>
       <p:ext uri="{BB962C8B-B14F-4D97-AF65-F5344CB8AC3E}">
         <p14:creationId xmlns:p14="http://schemas.microsoft.com/office/powerpoint/2010/main" val="1766551048"/>
-      </p:ext>
-    </p:extLst>
-  </p:cSld>
-  <p:clrMapOvr>
-    <a:masterClrMapping/>
-  </p:clrMapOvr>
-</p:sld>
-</file>
-
-<file path=ppt/slides/slide45.xml><?xml version="1.0" encoding="utf-8"?>
-<p:sld xmlns:a="http://schemas.openxmlformats.org/drawingml/2006/main" xmlns:r="http://schemas.openxmlformats.org/officeDocument/2006/relationships" xmlns:p="http://schemas.openxmlformats.org/presentationml/2006/main">
-  <p:cSld>
-    <p:spTree>
-      <p:nvGrpSpPr>
-        <p:cNvPr id="1" name=""/>
-        <p:cNvGrpSpPr/>
-        <p:nvPr/>
-      </p:nvGrpSpPr>
-      <p:grpSpPr>
-        <a:xfrm>
-          <a:off x="0" y="0"/>
-          <a:ext cx="0" cy="0"/>
-          <a:chOff x="0" y="0"/>
-          <a:chExt cx="0" cy="0"/>
-        </a:xfrm>
-      </p:grpSpPr>
-      <p:sp>
-        <p:nvSpPr>
-          <p:cNvPr id="80898" name="Title 1"/>
-          <p:cNvSpPr>
-            <a:spLocks noGrp="1"/>
-          </p:cNvSpPr>
-          <p:nvPr>
-            <p:ph type="title"/>
-          </p:nvPr>
-        </p:nvSpPr>
-        <p:spPr/>
-        <p:txBody>
-          <a:bodyPr/>
-          <a:lstStyle/>
-          <a:p>
-            <a:r>
-              <a:rPr lang="en-US" smtClean="0"/>
-              <a:t>Denial of Service Attacks</a:t>
-            </a:r>
-          </a:p>
-        </p:txBody>
-      </p:sp>
-      <p:sp>
-        <p:nvSpPr>
-          <p:cNvPr id="80899" name="Content Placeholder 2"/>
-          <p:cNvSpPr>
-            <a:spLocks noGrp="1"/>
-          </p:cNvSpPr>
-          <p:nvPr>
-            <p:ph idx="1"/>
-          </p:nvPr>
-        </p:nvSpPr>
-        <p:spPr/>
-        <p:txBody>
-          <a:bodyPr/>
-          <a:lstStyle/>
-          <a:p>
-            <a:r>
-              <a:rPr lang="en-US" smtClean="0"/>
-              <a:t>Long draw calls</a:t>
-            </a:r>
-          </a:p>
-          <a:p>
-            <a:pPr lvl="1"/>
-            <a:r>
-              <a:rPr lang="en-US" smtClean="0"/>
-              <a:t>Complicated shaders</a:t>
-            </a:r>
-          </a:p>
-          <a:p>
-            <a:pPr lvl="1"/>
-            <a:r>
-              <a:rPr lang="en-US" smtClean="0"/>
-              <a:t>Big vertex buffers</a:t>
-            </a:r>
-          </a:p>
-          <a:p>
-            <a:r>
-              <a:rPr lang="en-US" smtClean="0"/>
-              <a:t>Solutions</a:t>
-            </a:r>
-          </a:p>
-          <a:p>
-            <a:pPr lvl="1"/>
-            <a:r>
-              <a:rPr lang="en-US" smtClean="0"/>
-              <a:t>Kill long draw calls</a:t>
-            </a:r>
-          </a:p>
-          <a:p>
-            <a:pPr lvl="1"/>
-            <a:r>
-              <a:rPr lang="en-US" smtClean="0"/>
-              <a:t>Forbid further rendering</a:t>
-            </a:r>
-          </a:p>
-        </p:txBody>
-      </p:sp>
-      <p:sp>
-        <p:nvSpPr>
-          <p:cNvPr id="80900" name="Text Box 6"/>
-          <p:cNvSpPr txBox="1">
-            <a:spLocks noChangeArrowheads="1"/>
-          </p:cNvSpPr>
-          <p:nvPr/>
-        </p:nvSpPr>
-        <p:spPr bwMode="auto">
-          <a:xfrm>
-            <a:off x="0" y="6553200"/>
-            <a:ext cx="9144000" cy="307975"/>
-          </a:xfrm>
-          <a:prstGeom prst="rect">
-            <a:avLst/>
-          </a:prstGeom>
-          <a:noFill/>
-          <a:ln>
-            <a:noFill/>
-          </a:ln>
-          <a:effectLst/>
-          <a:extLst>
-            <a:ext uri="{909E8E84-426E-40dd-AFC4-6F175D3DCCD1}">
-              <a14:hiddenFill xmlns:a14="http://schemas.microsoft.com/office/drawing/2010/main" xmlns="">
-                <a:solidFill>
-                  <a:schemeClr val="accent1"/>
-                </a:solidFill>
-              </a14:hiddenFill>
-            </a:ext>
-            <a:ext uri="{91240B29-F687-4f45-9708-019B960494DF}">
-              <a14:hiddenLine xmlns:a14="http://schemas.microsoft.com/office/drawing/2010/main" xmlns="" w="9525">
-                <a:solidFill>
-                  <a:schemeClr val="tx1"/>
-                </a:solidFill>
-                <a:miter lim="800000"/>
-                <a:headEnd/>
-                <a:tailEnd/>
-              </a14:hiddenLine>
-            </a:ext>
-            <a:ext uri="{AF507438-7753-43e0-B8FC-AC1667EBCBE1}">
-              <a14:hiddenEffects xmlns:a14="http://schemas.microsoft.com/office/drawing/2010/main" xmlns="">
-                <a:effectLst>
-                  <a:outerShdw dist="35921" dir="2700000" algn="ctr" rotWithShape="0">
-                    <a:schemeClr val="bg2"/>
-                  </a:outerShdw>
-                </a:effectLst>
-              </a14:hiddenEffects>
-            </a:ext>
-          </a:extLst>
-        </p:spPr>
-        <p:txBody>
-          <a:bodyPr>
-            <a:spAutoFit/>
-          </a:bodyPr>
-          <a:lstStyle>
-            <a:lvl1pPr>
-              <a:defRPr>
-                <a:solidFill>
-                  <a:schemeClr val="tx1"/>
-                </a:solidFill>
-                <a:latin typeface="Arial" charset="0"/>
-              </a:defRPr>
-            </a:lvl1pPr>
-            <a:lvl2pPr marL="742950" indent="-285750">
-              <a:defRPr>
-                <a:solidFill>
-                  <a:schemeClr val="tx1"/>
-                </a:solidFill>
-                <a:latin typeface="Arial" charset="0"/>
-              </a:defRPr>
-            </a:lvl2pPr>
-            <a:lvl3pPr marL="1143000" indent="-228600">
-              <a:defRPr>
-                <a:solidFill>
-                  <a:schemeClr val="tx1"/>
-                </a:solidFill>
-                <a:latin typeface="Arial" charset="0"/>
-              </a:defRPr>
-            </a:lvl3pPr>
-            <a:lvl4pPr marL="1600200" indent="-228600">
-              <a:defRPr>
-                <a:solidFill>
-                  <a:schemeClr val="tx1"/>
-                </a:solidFill>
-                <a:latin typeface="Arial" charset="0"/>
-              </a:defRPr>
-            </a:lvl4pPr>
-            <a:lvl5pPr marL="2057400" indent="-228600">
-              <a:defRPr>
-                <a:solidFill>
-                  <a:schemeClr val="tx1"/>
-                </a:solidFill>
-                <a:latin typeface="Arial" charset="0"/>
-              </a:defRPr>
-            </a:lvl5pPr>
-            <a:lvl6pPr marL="2514600" indent="-228600" eaLnBrk="0" fontAlgn="base" hangingPunct="0">
-              <a:spcBef>
-                <a:spcPct val="0"/>
-              </a:spcBef>
-              <a:spcAft>
-                <a:spcPct val="0"/>
-              </a:spcAft>
-              <a:defRPr>
-                <a:solidFill>
-                  <a:schemeClr val="tx1"/>
-                </a:solidFill>
-                <a:latin typeface="Arial" charset="0"/>
-              </a:defRPr>
-            </a:lvl6pPr>
-            <a:lvl7pPr marL="2971800" indent="-228600" eaLnBrk="0" fontAlgn="base" hangingPunct="0">
-              <a:spcBef>
-                <a:spcPct val="0"/>
-              </a:spcBef>
-              <a:spcAft>
-                <a:spcPct val="0"/>
-              </a:spcAft>
-              <a:defRPr>
-                <a:solidFill>
-                  <a:schemeClr val="tx1"/>
-                </a:solidFill>
-                <a:latin typeface="Arial" charset="0"/>
-              </a:defRPr>
-            </a:lvl7pPr>
-            <a:lvl8pPr marL="3429000" indent="-228600" eaLnBrk="0" fontAlgn="base" hangingPunct="0">
-              <a:spcBef>
-                <a:spcPct val="0"/>
-              </a:spcBef>
-              <a:spcAft>
-                <a:spcPct val="0"/>
-              </a:spcAft>
-              <a:defRPr>
-                <a:solidFill>
-                  <a:schemeClr val="tx1"/>
-                </a:solidFill>
-                <a:latin typeface="Arial" charset="0"/>
-              </a:defRPr>
-            </a:lvl8pPr>
-            <a:lvl9pPr marL="3886200" indent="-228600" eaLnBrk="0" fontAlgn="base" hangingPunct="0">
-              <a:spcBef>
-                <a:spcPct val="0"/>
-              </a:spcBef>
-              <a:spcAft>
-                <a:spcPct val="0"/>
-              </a:spcAft>
-              <a:defRPr>
-                <a:solidFill>
-                  <a:schemeClr val="tx1"/>
-                </a:solidFill>
-                <a:latin typeface="Arial" charset="0"/>
-              </a:defRPr>
-            </a:lvl9pPr>
-          </a:lstStyle>
-          <a:p>
-            <a:pPr algn="r"/>
-            <a:r>
-              <a:rPr lang="en-US" sz="1400"/>
-              <a:t>Lots of WebGL security info:  </a:t>
-            </a:r>
-            <a:r>
-              <a:rPr lang="en-US" sz="1400">
-                <a:hlinkClick r:id="rId3"/>
-              </a:rPr>
-              <a:t>http://learningwebgl.com/blog/?p=3890</a:t>
-            </a:r>
-            <a:endParaRPr lang="en-US" sz="1400"/>
-          </a:p>
-        </p:txBody>
-      </p:sp>
-      <p:sp>
-        <p:nvSpPr>
-          <p:cNvPr id="2" name="Slide Number Placeholder 1"/>
-          <p:cNvSpPr>
-            <a:spLocks noGrp="1"/>
-          </p:cNvSpPr>
-          <p:nvPr>
-            <p:ph type="sldNum" sz="quarter" idx="11"/>
-          </p:nvPr>
-        </p:nvSpPr>
-        <p:spPr/>
-        <p:txBody>
-          <a:bodyPr/>
-          <a:lstStyle/>
-          <a:p>
-            <a:pPr>
-              <a:defRPr/>
-            </a:pPr>
-            <a:fld id="{91191E71-0304-44EC-9C02-17D54F455140}" type="slidenum">
-              <a:rPr lang="en-US" smtClean="0"/>
-              <a:pPr>
-                <a:defRPr/>
-              </a:pPr>
-              <a:t>45</a:t>
-            </a:fld>
-            <a:endParaRPr lang="en-US"/>
-          </a:p>
-        </p:txBody>
-      </p:sp>
-    </p:spTree>
-    <p:extLst>
-      <p:ext uri="{BB962C8B-B14F-4D97-AF65-F5344CB8AC3E}">
-        <p14:creationId xmlns:p14="http://schemas.microsoft.com/office/powerpoint/2010/main" val="2801908674"/>
       </p:ext>
     </p:extLst>
   </p:cSld>
@@ -32971,7 +32830,7 @@
       </p:grpSpPr>
       <p:sp>
         <p:nvSpPr>
-          <p:cNvPr id="82946" name="Title 1"/>
+          <p:cNvPr id="80898" name="Title 1"/>
           <p:cNvSpPr>
             <a:spLocks noGrp="1"/>
           </p:cNvSpPr>
@@ -32986,14 +32845,14 @@
           <a:p>
             <a:r>
               <a:rPr lang="en-US" smtClean="0"/>
-              <a:t>WebGL Libraries</a:t>
+              <a:t>Denial of Service Attacks</a:t>
             </a:r>
           </a:p>
         </p:txBody>
       </p:sp>
       <p:sp>
         <p:nvSpPr>
-          <p:cNvPr id="82947" name="Content Placeholder 2"/>
+          <p:cNvPr id="80899" name="Content Placeholder 2"/>
           <p:cNvSpPr>
             <a:spLocks noGrp="1"/>
           </p:cNvSpPr>
@@ -33007,48 +32866,211 @@
           <a:lstStyle/>
           <a:p>
             <a:r>
-              <a:rPr lang="en-US" dirty="0" smtClean="0"/>
-              <a:t>Three.js:  </a:t>
-            </a:r>
-            <a:r>
-              <a:rPr lang="en-US" sz="2400" dirty="0" smtClean="0">
-                <a:hlinkClick r:id="rId2"/>
-              </a:rPr>
-              <a:t>https://github.com/mrdoob/three.js/</a:t>
-            </a:r>
-            <a:endParaRPr lang="en-US" sz="2400" dirty="0" smtClean="0"/>
-          </a:p>
-          <a:p>
-            <a:r>
-              <a:rPr lang="en-US" dirty="0"/>
-              <a:t>Cesium:  </a:t>
-            </a:r>
-            <a:r>
-              <a:rPr lang="en-US" sz="2400" dirty="0">
+              <a:rPr lang="en-US" smtClean="0"/>
+              <a:t>Long draw calls</a:t>
+            </a:r>
+          </a:p>
+          <a:p>
+            <a:pPr lvl="1"/>
+            <a:r>
+              <a:rPr lang="en-US" smtClean="0"/>
+              <a:t>Complicated shaders</a:t>
+            </a:r>
+          </a:p>
+          <a:p>
+            <a:pPr lvl="1"/>
+            <a:r>
+              <a:rPr lang="en-US" smtClean="0"/>
+              <a:t>Big vertex buffers</a:t>
+            </a:r>
+          </a:p>
+          <a:p>
+            <a:r>
+              <a:rPr lang="en-US" smtClean="0"/>
+              <a:t>Solutions</a:t>
+            </a:r>
+          </a:p>
+          <a:p>
+            <a:pPr lvl="1"/>
+            <a:r>
+              <a:rPr lang="en-US" smtClean="0"/>
+              <a:t>Kill long draw calls</a:t>
+            </a:r>
+          </a:p>
+          <a:p>
+            <a:pPr lvl="1"/>
+            <a:r>
+              <a:rPr lang="en-US" smtClean="0"/>
+              <a:t>Forbid further rendering</a:t>
+            </a:r>
+          </a:p>
+        </p:txBody>
+      </p:sp>
+      <p:sp>
+        <p:nvSpPr>
+          <p:cNvPr id="80900" name="Text Box 6"/>
+          <p:cNvSpPr txBox="1">
+            <a:spLocks noChangeArrowheads="1"/>
+          </p:cNvSpPr>
+          <p:nvPr/>
+        </p:nvSpPr>
+        <p:spPr bwMode="auto">
+          <a:xfrm>
+            <a:off x="0" y="6553200"/>
+            <a:ext cx="9144000" cy="307975"/>
+          </a:xfrm>
+          <a:prstGeom prst="rect">
+            <a:avLst/>
+          </a:prstGeom>
+          <a:noFill/>
+          <a:ln>
+            <a:noFill/>
+          </a:ln>
+          <a:effectLst/>
+          <a:extLst>
+            <a:ext uri="{909E8E84-426E-40dd-AFC4-6F175D3DCCD1}">
+              <a14:hiddenFill xmlns:a14="http://schemas.microsoft.com/office/drawing/2010/main" xmlns="">
+                <a:solidFill>
+                  <a:schemeClr val="accent1"/>
+                </a:solidFill>
+              </a14:hiddenFill>
+            </a:ext>
+            <a:ext uri="{91240B29-F687-4f45-9708-019B960494DF}">
+              <a14:hiddenLine xmlns:a14="http://schemas.microsoft.com/office/drawing/2010/main" xmlns="" w="9525">
+                <a:solidFill>
+                  <a:schemeClr val="tx1"/>
+                </a:solidFill>
+                <a:miter lim="800000"/>
+                <a:headEnd/>
+                <a:tailEnd/>
+              </a14:hiddenLine>
+            </a:ext>
+            <a:ext uri="{AF507438-7753-43e0-B8FC-AC1667EBCBE1}">
+              <a14:hiddenEffects xmlns:a14="http://schemas.microsoft.com/office/drawing/2010/main" xmlns="">
+                <a:effectLst>
+                  <a:outerShdw dist="35921" dir="2700000" algn="ctr" rotWithShape="0">
+                    <a:schemeClr val="bg2"/>
+                  </a:outerShdw>
+                </a:effectLst>
+              </a14:hiddenEffects>
+            </a:ext>
+          </a:extLst>
+        </p:spPr>
+        <p:txBody>
+          <a:bodyPr>
+            <a:spAutoFit/>
+          </a:bodyPr>
+          <a:lstStyle>
+            <a:lvl1pPr>
+              <a:defRPr>
+                <a:solidFill>
+                  <a:schemeClr val="tx1"/>
+                </a:solidFill>
+                <a:latin typeface="Arial" charset="0"/>
+              </a:defRPr>
+            </a:lvl1pPr>
+            <a:lvl2pPr marL="742950" indent="-285750">
+              <a:defRPr>
+                <a:solidFill>
+                  <a:schemeClr val="tx1"/>
+                </a:solidFill>
+                <a:latin typeface="Arial" charset="0"/>
+              </a:defRPr>
+            </a:lvl2pPr>
+            <a:lvl3pPr marL="1143000" indent="-228600">
+              <a:defRPr>
+                <a:solidFill>
+                  <a:schemeClr val="tx1"/>
+                </a:solidFill>
+                <a:latin typeface="Arial" charset="0"/>
+              </a:defRPr>
+            </a:lvl3pPr>
+            <a:lvl4pPr marL="1600200" indent="-228600">
+              <a:defRPr>
+                <a:solidFill>
+                  <a:schemeClr val="tx1"/>
+                </a:solidFill>
+                <a:latin typeface="Arial" charset="0"/>
+              </a:defRPr>
+            </a:lvl4pPr>
+            <a:lvl5pPr marL="2057400" indent="-228600">
+              <a:defRPr>
+                <a:solidFill>
+                  <a:schemeClr val="tx1"/>
+                </a:solidFill>
+                <a:latin typeface="Arial" charset="0"/>
+              </a:defRPr>
+            </a:lvl5pPr>
+            <a:lvl6pPr marL="2514600" indent="-228600" eaLnBrk="0" fontAlgn="base" hangingPunct="0">
+              <a:spcBef>
+                <a:spcPct val="0"/>
+              </a:spcBef>
+              <a:spcAft>
+                <a:spcPct val="0"/>
+              </a:spcAft>
+              <a:defRPr>
+                <a:solidFill>
+                  <a:schemeClr val="tx1"/>
+                </a:solidFill>
+                <a:latin typeface="Arial" charset="0"/>
+              </a:defRPr>
+            </a:lvl6pPr>
+            <a:lvl7pPr marL="2971800" indent="-228600" eaLnBrk="0" fontAlgn="base" hangingPunct="0">
+              <a:spcBef>
+                <a:spcPct val="0"/>
+              </a:spcBef>
+              <a:spcAft>
+                <a:spcPct val="0"/>
+              </a:spcAft>
+              <a:defRPr>
+                <a:solidFill>
+                  <a:schemeClr val="tx1"/>
+                </a:solidFill>
+                <a:latin typeface="Arial" charset="0"/>
+              </a:defRPr>
+            </a:lvl7pPr>
+            <a:lvl8pPr marL="3429000" indent="-228600" eaLnBrk="0" fontAlgn="base" hangingPunct="0">
+              <a:spcBef>
+                <a:spcPct val="0"/>
+              </a:spcBef>
+              <a:spcAft>
+                <a:spcPct val="0"/>
+              </a:spcAft>
+              <a:defRPr>
+                <a:solidFill>
+                  <a:schemeClr val="tx1"/>
+                </a:solidFill>
+                <a:latin typeface="Arial" charset="0"/>
+              </a:defRPr>
+            </a:lvl8pPr>
+            <a:lvl9pPr marL="3886200" indent="-228600" eaLnBrk="0" fontAlgn="base" hangingPunct="0">
+              <a:spcBef>
+                <a:spcPct val="0"/>
+              </a:spcBef>
+              <a:spcAft>
+                <a:spcPct val="0"/>
+              </a:spcAft>
+              <a:defRPr>
+                <a:solidFill>
+                  <a:schemeClr val="tx1"/>
+                </a:solidFill>
+                <a:latin typeface="Arial" charset="0"/>
+              </a:defRPr>
+            </a:lvl9pPr>
+          </a:lstStyle>
+          <a:p>
+            <a:pPr algn="r"/>
+            <a:r>
+              <a:rPr lang="en-US" sz="1400"/>
+              <a:t>Lots of WebGL security info:  </a:t>
+            </a:r>
+            <a:r>
+              <a:rPr lang="en-US" sz="1400">
                 <a:hlinkClick r:id="rId3"/>
               </a:rPr>
-              <a:t>http://cesium.agi.com</a:t>
-            </a:r>
-            <a:r>
-              <a:rPr lang="en-US" sz="2400" dirty="0" smtClean="0">
-                <a:hlinkClick r:id="rId3"/>
-              </a:rPr>
-              <a:t>/</a:t>
-            </a:r>
-            <a:endParaRPr lang="en-US" sz="2400" dirty="0" smtClean="0"/>
-          </a:p>
-          <a:p>
-            <a:r>
-              <a:rPr lang="en-US" dirty="0" smtClean="0"/>
-              <a:t>Many more:  </a:t>
-            </a:r>
-            <a:r>
-              <a:rPr lang="en-US" sz="2400" dirty="0" smtClean="0">
-                <a:hlinkClick r:id="rId4"/>
-              </a:rPr>
-              <a:t>http://www.khronos.org/webgl/wiki/User_Contributions</a:t>
-            </a:r>
-            <a:endParaRPr lang="en-US" sz="2400" dirty="0" smtClean="0"/>
+              <a:t>http://learningwebgl.com/blog/?p=3890</a:t>
+            </a:r>
+            <a:endParaRPr lang="en-US" sz="1400"/>
           </a:p>
         </p:txBody>
       </p:sp>
@@ -33082,6 +33104,11 @@
         </p:txBody>
       </p:sp>
     </p:spTree>
+    <p:extLst>
+      <p:ext uri="{BB962C8B-B14F-4D97-AF65-F5344CB8AC3E}">
+        <p14:creationId xmlns:p14="http://schemas.microsoft.com/office/powerpoint/2010/main" val="2801908674"/>
+      </p:ext>
+    </p:extLst>
   </p:cSld>
   <p:clrMapOvr>
     <a:masterClrMapping/>
@@ -33090,6 +33117,143 @@
 </file>
 
 <file path=ppt/slides/slide47.xml><?xml version="1.0" encoding="utf-8"?>
+<p:sld xmlns:a="http://schemas.openxmlformats.org/drawingml/2006/main" xmlns:r="http://schemas.openxmlformats.org/officeDocument/2006/relationships" xmlns:p="http://schemas.openxmlformats.org/presentationml/2006/main">
+  <p:cSld>
+    <p:spTree>
+      <p:nvGrpSpPr>
+        <p:cNvPr id="1" name=""/>
+        <p:cNvGrpSpPr/>
+        <p:nvPr/>
+      </p:nvGrpSpPr>
+      <p:grpSpPr>
+        <a:xfrm>
+          <a:off x="0" y="0"/>
+          <a:ext cx="0" cy="0"/>
+          <a:chOff x="0" y="0"/>
+          <a:chExt cx="0" cy="0"/>
+        </a:xfrm>
+      </p:grpSpPr>
+      <p:sp>
+        <p:nvSpPr>
+          <p:cNvPr id="82946" name="Title 1"/>
+          <p:cNvSpPr>
+            <a:spLocks noGrp="1"/>
+          </p:cNvSpPr>
+          <p:nvPr>
+            <p:ph type="title"/>
+          </p:nvPr>
+        </p:nvSpPr>
+        <p:spPr/>
+        <p:txBody>
+          <a:bodyPr/>
+          <a:lstStyle/>
+          <a:p>
+            <a:r>
+              <a:rPr lang="en-US" smtClean="0"/>
+              <a:t>WebGL Libraries</a:t>
+            </a:r>
+          </a:p>
+        </p:txBody>
+      </p:sp>
+      <p:sp>
+        <p:nvSpPr>
+          <p:cNvPr id="82947" name="Content Placeholder 2"/>
+          <p:cNvSpPr>
+            <a:spLocks noGrp="1"/>
+          </p:cNvSpPr>
+          <p:nvPr>
+            <p:ph idx="1"/>
+          </p:nvPr>
+        </p:nvSpPr>
+        <p:spPr/>
+        <p:txBody>
+          <a:bodyPr/>
+          <a:lstStyle/>
+          <a:p>
+            <a:r>
+              <a:rPr lang="en-US" dirty="0" smtClean="0"/>
+              <a:t>Three.js:  </a:t>
+            </a:r>
+            <a:r>
+              <a:rPr lang="en-US" sz="2400" dirty="0" smtClean="0">
+                <a:hlinkClick r:id="rId2"/>
+              </a:rPr>
+              <a:t>https://github.com/mrdoob/three.js/</a:t>
+            </a:r>
+            <a:endParaRPr lang="en-US" sz="2400" dirty="0" smtClean="0"/>
+          </a:p>
+          <a:p>
+            <a:r>
+              <a:rPr lang="en-US" dirty="0"/>
+              <a:t>Cesium:  </a:t>
+            </a:r>
+            <a:r>
+              <a:rPr lang="en-US" sz="2400" dirty="0">
+                <a:hlinkClick r:id="rId3"/>
+              </a:rPr>
+              <a:t>http://cesium.agi.com</a:t>
+            </a:r>
+            <a:r>
+              <a:rPr lang="en-US" sz="2400" dirty="0" smtClean="0">
+                <a:hlinkClick r:id="rId3"/>
+              </a:rPr>
+              <a:t>/</a:t>
+            </a:r>
+            <a:endParaRPr lang="en-US" sz="2400" dirty="0" smtClean="0"/>
+          </a:p>
+          <a:p>
+            <a:r>
+              <a:rPr lang="en-US" dirty="0" smtClean="0"/>
+              <a:t>Many more:  </a:t>
+            </a:r>
+            <a:r>
+              <a:rPr lang="en-US" sz="2400" dirty="0" smtClean="0">
+                <a:hlinkClick r:id="rId4"/>
+              </a:rPr>
+              <a:t>http://www.khronos.org/webgl/wiki/User_Contributions</a:t>
+            </a:r>
+            <a:endParaRPr lang="en-US" sz="2400" dirty="0" smtClean="0"/>
+          </a:p>
+        </p:txBody>
+      </p:sp>
+      <p:sp>
+        <p:nvSpPr>
+          <p:cNvPr id="2" name="Slide Number Placeholder 1"/>
+          <p:cNvSpPr>
+            <a:spLocks noGrp="1"/>
+          </p:cNvSpPr>
+          <p:nvPr>
+            <p:ph type="sldNum" sz="quarter" idx="11"/>
+          </p:nvPr>
+        </p:nvSpPr>
+        <p:spPr/>
+        <p:txBody>
+          <a:bodyPr/>
+          <a:lstStyle/>
+          <a:p>
+            <a:pPr>
+              <a:defRPr/>
+            </a:pPr>
+            <a:fld id="{91191E71-0304-44EC-9C02-17D54F455140}" type="slidenum">
+              <a:rPr lang="en-US" smtClean="0"/>
+              <a:pPr>
+                <a:defRPr/>
+              </a:pPr>
+              <a:t>47</a:t>
+            </a:fld>
+            <a:endParaRPr lang="en-US"/>
+          </a:p>
+        </p:txBody>
+      </p:sp>
+    </p:spTree>
+  </p:cSld>
+  <p:clrMapOvr>
+    <a:masterClrMapping/>
+  </p:clrMapOvr>
+</p:sld>
+</file>
+
+<file path=ppt/slides/slide48.xml><?xml version="1.0" encoding="utf-8"?>
 <p:sld xmlns:a="http://schemas.openxmlformats.org/drawingml/2006/main" xmlns:r="http://schemas.openxmlformats.org/officeDocument/2006/relationships" xmlns:p="http://schemas.openxmlformats.org/presentationml/2006/main">
   <p:cSld>
     <p:spTree>
@@ -33367,7 +33531,7 @@
               <a:pPr>
                 <a:defRPr/>
               </a:pPr>
-              <a:t>47</a:t>
+              <a:t>48</a:t>
             </a:fld>
             <a:endParaRPr lang="en-US"/>
           </a:p>
@@ -33377,93 +33541,6 @@
     <p:extLst>
       <p:ext uri="{BB962C8B-B14F-4D97-AF65-F5344CB8AC3E}">
         <p14:creationId xmlns:p14="http://schemas.microsoft.com/office/powerpoint/2010/main" val="109827532"/>
-      </p:ext>
-    </p:extLst>
-  </p:cSld>
-  <p:clrMapOvr>
-    <a:masterClrMapping/>
-  </p:clrMapOvr>
-</p:sld>
-</file>
-
-<file path=ppt/slides/slide48.xml><?xml version="1.0" encoding="utf-8"?>
-<p:sld xmlns:a="http://schemas.openxmlformats.org/drawingml/2006/main" xmlns:r="http://schemas.openxmlformats.org/officeDocument/2006/relationships" xmlns:p="http://schemas.openxmlformats.org/presentationml/2006/main">
-  <p:cSld>
-    <p:spTree>
-      <p:nvGrpSpPr>
-        <p:cNvPr id="1" name=""/>
-        <p:cNvGrpSpPr/>
-        <p:nvPr/>
-      </p:nvGrpSpPr>
-      <p:grpSpPr>
-        <a:xfrm>
-          <a:off x="0" y="0"/>
-          <a:ext cx="0" cy="0"/>
-          <a:chOff x="0" y="0"/>
-          <a:chExt cx="0" cy="0"/>
-        </a:xfrm>
-      </p:grpSpPr>
-      <p:sp>
-        <p:nvSpPr>
-          <p:cNvPr id="45058" name="Title 1"/>
-          <p:cNvSpPr>
-            <a:spLocks noGrp="1"/>
-          </p:cNvSpPr>
-          <p:nvPr>
-            <p:ph type="title"/>
-          </p:nvPr>
-        </p:nvSpPr>
-        <p:spPr>
-          <a:xfrm>
-            <a:off x="457200" y="457200"/>
-            <a:ext cx="8229600" cy="6019800"/>
-          </a:xfrm>
-        </p:spPr>
-        <p:txBody>
-          <a:bodyPr/>
-          <a:lstStyle/>
-          <a:p>
-            <a:pPr algn="ctr"/>
-            <a:r>
-              <a:rPr lang="en-US" sz="6600" smtClean="0"/>
-              <a:t>JavaScript is weakly typed…</a:t>
-            </a:r>
-          </a:p>
-        </p:txBody>
-      </p:sp>
-      <p:sp>
-        <p:nvSpPr>
-          <p:cNvPr id="2" name="Slide Number Placeholder 1"/>
-          <p:cNvSpPr>
-            <a:spLocks noGrp="1"/>
-          </p:cNvSpPr>
-          <p:nvPr>
-            <p:ph type="sldNum" sz="quarter" idx="11"/>
-          </p:nvPr>
-        </p:nvSpPr>
-        <p:spPr/>
-        <p:txBody>
-          <a:bodyPr/>
-          <a:lstStyle/>
-          <a:p>
-            <a:pPr>
-              <a:defRPr/>
-            </a:pPr>
-            <a:fld id="{91191E71-0304-44EC-9C02-17D54F455140}" type="slidenum">
-              <a:rPr lang="en-US" smtClean="0"/>
-              <a:pPr>
-                <a:defRPr/>
-              </a:pPr>
-              <a:t>48</a:t>
-            </a:fld>
-            <a:endParaRPr lang="en-US"/>
-          </a:p>
-        </p:txBody>
-      </p:sp>
-    </p:spTree>
-    <p:extLst>
-      <p:ext uri="{BB962C8B-B14F-4D97-AF65-F5344CB8AC3E}">
-        <p14:creationId xmlns:p14="http://schemas.microsoft.com/office/powerpoint/2010/main" val="3323417340"/>
       </p:ext>
     </p:extLst>
   </p:cSld>
@@ -33492,7 +33569,7 @@
       </p:grpSpPr>
       <p:sp>
         <p:nvSpPr>
-          <p:cNvPr id="46082" name="Title 1"/>
+          <p:cNvPr id="45058" name="Title 1"/>
           <p:cNvSpPr>
             <a:spLocks noGrp="1"/>
           </p:cNvSpPr>
@@ -33500,199 +33577,20 @@
             <p:ph type="title"/>
           </p:nvPr>
         </p:nvSpPr>
-        <p:spPr/>
-        <p:txBody>
-          <a:bodyPr/>
-          <a:lstStyle/>
-          <a:p>
-            <a:r>
-              <a:rPr lang="en-US" smtClean="0"/>
-              <a:t>JavaScript Type System</a:t>
-            </a:r>
-          </a:p>
-        </p:txBody>
-      </p:sp>
-      <p:sp>
-        <p:nvSpPr>
-          <p:cNvPr id="3" name="Content Placeholder 2"/>
-          <p:cNvSpPr>
-            <a:spLocks noGrp="1"/>
-          </p:cNvSpPr>
-          <p:nvPr>
-            <p:ph idx="1"/>
-          </p:nvPr>
-        </p:nvSpPr>
         <p:spPr>
           <a:xfrm>
-            <a:off x="457200" y="1981200"/>
-            <a:ext cx="8229600" cy="4267200"/>
+            <a:off x="457200" y="457200"/>
+            <a:ext cx="8229600" cy="6019800"/>
           </a:xfrm>
         </p:spPr>
         <p:txBody>
           <a:bodyPr/>
           <a:lstStyle/>
           <a:p>
-            <a:pPr>
-              <a:defRPr/>
-            </a:pPr>
-            <a:r>
-              <a:rPr lang="en-US" dirty="0" smtClean="0">
-                <a:solidFill>
-                  <a:schemeClr val="bg2">
-                    <a:lumMod val="60000"/>
-                    <a:lumOff val="40000"/>
-                  </a:schemeClr>
-                </a:solidFill>
-                <a:latin typeface="Courier New" pitchFamily="49" charset="0"/>
-                <a:cs typeface="Courier New" pitchFamily="49" charset="0"/>
-              </a:rPr>
-              <a:t>short</a:t>
-            </a:r>
-            <a:r>
-              <a:rPr lang="en-US" dirty="0" smtClean="0"/>
-              <a:t>, </a:t>
-            </a:r>
-            <a:r>
-              <a:rPr lang="en-US" dirty="0" smtClean="0">
-                <a:solidFill>
-                  <a:schemeClr val="bg2">
-                    <a:lumMod val="60000"/>
-                    <a:lumOff val="40000"/>
-                  </a:schemeClr>
-                </a:solidFill>
-                <a:latin typeface="Courier New" pitchFamily="49" charset="0"/>
-                <a:cs typeface="Courier New" pitchFamily="49" charset="0"/>
-              </a:rPr>
-              <a:t>int</a:t>
-            </a:r>
-            <a:r>
-              <a:rPr lang="en-US" dirty="0" smtClean="0"/>
-              <a:t>, </a:t>
-            </a:r>
-            <a:r>
-              <a:rPr lang="en-US" dirty="0" smtClean="0">
-                <a:solidFill>
-                  <a:schemeClr val="bg2">
-                    <a:lumMod val="60000"/>
-                    <a:lumOff val="40000"/>
-                  </a:schemeClr>
-                </a:solidFill>
-                <a:latin typeface="Courier New" pitchFamily="49" charset="0"/>
-                <a:cs typeface="Courier New" pitchFamily="49" charset="0"/>
-              </a:rPr>
-              <a:t>float</a:t>
-            </a:r>
-            <a:r>
-              <a:rPr lang="en-US" dirty="0" smtClean="0"/>
-              <a:t>, </a:t>
-            </a:r>
-            <a:r>
-              <a:rPr lang="en-US" dirty="0" smtClean="0">
-                <a:solidFill>
-                  <a:schemeClr val="bg2">
-                    <a:lumMod val="60000"/>
-                    <a:lumOff val="40000"/>
-                  </a:schemeClr>
-                </a:solidFill>
-                <a:latin typeface="Courier New" pitchFamily="49" charset="0"/>
-                <a:cs typeface="Courier New" pitchFamily="49" charset="0"/>
-              </a:rPr>
-              <a:t>double</a:t>
-            </a:r>
-            <a:r>
-              <a:rPr lang="en-US" dirty="0" smtClean="0"/>
-              <a:t>.  Who needs them?</a:t>
-            </a:r>
-          </a:p>
-          <a:p>
-            <a:pPr>
-              <a:defRPr/>
-            </a:pPr>
-            <a:endParaRPr lang="en-US" dirty="0"/>
-          </a:p>
-          <a:p>
-            <a:pPr>
-              <a:defRPr/>
-            </a:pPr>
-            <a:endParaRPr lang="en-US" dirty="0" smtClean="0"/>
-          </a:p>
-          <a:p>
-            <a:pPr>
-              <a:defRPr/>
-            </a:pPr>
-            <a:endParaRPr lang="en-US" dirty="0"/>
-          </a:p>
-          <a:p>
-            <a:pPr>
-              <a:defRPr/>
-            </a:pPr>
-            <a:endParaRPr lang="en-US" dirty="0" smtClean="0"/>
-          </a:p>
-          <a:p>
-            <a:pPr marL="0" indent="0">
-              <a:buFont typeface="Wingdings" pitchFamily="2" charset="2"/>
-              <a:buNone/>
-              <a:defRPr/>
-            </a:pPr>
-            <a:endParaRPr lang="en-US" dirty="0" smtClean="0"/>
-          </a:p>
-        </p:txBody>
-      </p:sp>
-      <p:sp>
-        <p:nvSpPr>
-          <p:cNvPr id="5" name="Rectangle 3"/>
-          <p:cNvSpPr txBox="1">
-            <a:spLocks noChangeArrowheads="1"/>
-          </p:cNvSpPr>
-          <p:nvPr/>
-        </p:nvSpPr>
-        <p:spPr bwMode="auto">
-          <a:xfrm>
-            <a:off x="898525" y="3429000"/>
-            <a:ext cx="4816475" cy="2667000"/>
-          </a:xfrm>
-          <a:prstGeom prst="rect">
-            <a:avLst/>
-          </a:prstGeom>
-          <a:noFill/>
-          <a:ln w="9525">
-            <a:noFill/>
-            <a:miter lim="800000"/>
-            <a:headEnd/>
-            <a:tailEnd/>
-          </a:ln>
-        </p:spPr>
-        <p:txBody>
-          <a:bodyPr/>
-          <a:lstStyle/>
-          <a:p>
-            <a:pPr marL="517525" indent="-403225" eaLnBrk="1" hangingPunct="1">
-              <a:spcBef>
-                <a:spcPct val="20000"/>
-              </a:spcBef>
-              <a:buClr>
-                <a:schemeClr val="accent2"/>
-              </a:buClr>
-              <a:buSzPct val="80000"/>
-              <a:defRPr/>
-            </a:pPr>
-            <a:r>
-              <a:rPr lang="en-US" sz="2800" kern="0" dirty="0">
-                <a:solidFill>
-                  <a:schemeClr val="bg2">
-                    <a:lumMod val="60000"/>
-                    <a:lumOff val="40000"/>
-                  </a:schemeClr>
-                </a:solidFill>
-                <a:latin typeface="Courier New" charset="0"/>
-              </a:rPr>
-              <a:t>var</a:t>
-            </a:r>
-            <a:r>
-              <a:rPr lang="en-US" sz="2800" kern="0" dirty="0">
-                <a:latin typeface="Courier New" charset="0"/>
-              </a:rPr>
-              <a:t> n = 1;</a:t>
+            <a:pPr algn="ctr"/>
+            <a:r>
+              <a:rPr lang="en-US" sz="6600" smtClean="0"/>
+              <a:t>JavaScript is weakly typed…</a:t>
             </a:r>
           </a:p>
         </p:txBody>
@@ -33729,7 +33627,7 @@
     </p:spTree>
     <p:extLst>
       <p:ext uri="{BB962C8B-B14F-4D97-AF65-F5344CB8AC3E}">
-        <p14:creationId xmlns:p14="http://schemas.microsoft.com/office/powerpoint/2010/main" val="2120879029"/>
+        <p14:creationId xmlns:p14="http://schemas.microsoft.com/office/powerpoint/2010/main" val="3323417340"/>
       </p:ext>
     </p:extLst>
   </p:cSld>
@@ -34471,7 +34369,7 @@
       </p:grpSpPr>
       <p:sp>
         <p:nvSpPr>
-          <p:cNvPr id="47106" name="Title 1"/>
+          <p:cNvPr id="46082" name="Title 1"/>
           <p:cNvSpPr>
             <a:spLocks noGrp="1"/>
           </p:cNvSpPr>
@@ -34515,18 +34413,73 @@
               <a:defRPr/>
             </a:pPr>
             <a:r>
+              <a:rPr lang="en-US" dirty="0" smtClean="0">
+                <a:solidFill>
+                  <a:schemeClr val="bg2">
+                    <a:lumMod val="60000"/>
+                    <a:lumOff val="40000"/>
+                  </a:schemeClr>
+                </a:solidFill>
+                <a:latin typeface="Courier New" pitchFamily="49" charset="0"/>
+                <a:cs typeface="Courier New" pitchFamily="49" charset="0"/>
+              </a:rPr>
+              <a:t>short</a:t>
+            </a:r>
+            <a:r>
               <a:rPr lang="en-US" dirty="0" smtClean="0"/>
-              <a:t>JavaScript has numbers, strings, and </a:t>
-            </a:r>
-            <a:r>
-              <a:rPr lang="en-US" dirty="0" err="1" smtClean="0"/>
-              <a:t>booleans</a:t>
-            </a:r>
-            <a:r>
-              <a:rPr lang="en-US" dirty="0"/>
-              <a:t>:</a:t>
-            </a:r>
-            <a:endParaRPr lang="en-US" dirty="0" smtClean="0"/>
+              <a:t>, </a:t>
+            </a:r>
+            <a:r>
+              <a:rPr lang="en-US" dirty="0" smtClean="0">
+                <a:solidFill>
+                  <a:schemeClr val="bg2">
+                    <a:lumMod val="60000"/>
+                    <a:lumOff val="40000"/>
+                  </a:schemeClr>
+                </a:solidFill>
+                <a:latin typeface="Courier New" pitchFamily="49" charset="0"/>
+                <a:cs typeface="Courier New" pitchFamily="49" charset="0"/>
+              </a:rPr>
+              <a:t>int</a:t>
+            </a:r>
+            <a:r>
+              <a:rPr lang="en-US" dirty="0" smtClean="0"/>
+              <a:t>, </a:t>
+            </a:r>
+            <a:r>
+              <a:rPr lang="en-US" dirty="0" smtClean="0">
+                <a:solidFill>
+                  <a:schemeClr val="bg2">
+                    <a:lumMod val="60000"/>
+                    <a:lumOff val="40000"/>
+                  </a:schemeClr>
+                </a:solidFill>
+                <a:latin typeface="Courier New" pitchFamily="49" charset="0"/>
+                <a:cs typeface="Courier New" pitchFamily="49" charset="0"/>
+              </a:rPr>
+              <a:t>float</a:t>
+            </a:r>
+            <a:r>
+              <a:rPr lang="en-US" dirty="0" smtClean="0"/>
+              <a:t>, </a:t>
+            </a:r>
+            <a:r>
+              <a:rPr lang="en-US" dirty="0" smtClean="0">
+                <a:solidFill>
+                  <a:schemeClr val="bg2">
+                    <a:lumMod val="60000"/>
+                    <a:lumOff val="40000"/>
+                  </a:schemeClr>
+                </a:solidFill>
+                <a:latin typeface="Courier New" pitchFamily="49" charset="0"/>
+                <a:cs typeface="Courier New" pitchFamily="49" charset="0"/>
+              </a:rPr>
+              <a:t>double</a:t>
+            </a:r>
+            <a:r>
+              <a:rPr lang="en-US" dirty="0" smtClean="0"/>
+              <a:t>.  Who needs them?</a:t>
+            </a:r>
           </a:p>
           <a:p>
             <a:pPr>
@@ -34619,129 +34572,6 @@
               <a:t> n = 1;</a:t>
             </a:r>
           </a:p>
-          <a:p>
-            <a:pPr marL="517525" indent="-403225" eaLnBrk="1" hangingPunct="1">
-              <a:spcBef>
-                <a:spcPct val="20000"/>
-              </a:spcBef>
-              <a:buClr>
-                <a:schemeClr val="accent2"/>
-              </a:buClr>
-              <a:buSzPct val="80000"/>
-              <a:defRPr/>
-            </a:pPr>
-            <a:r>
-              <a:rPr lang="en-US" sz="2800" kern="0" dirty="0">
-                <a:solidFill>
-                  <a:schemeClr val="bg2">
-                    <a:lumMod val="60000"/>
-                    <a:lumOff val="40000"/>
-                  </a:schemeClr>
-                </a:solidFill>
-                <a:latin typeface="Courier New" charset="0"/>
-              </a:rPr>
-              <a:t>var</a:t>
-            </a:r>
-            <a:r>
-              <a:rPr lang="en-US" sz="2800" kern="0" dirty="0">
-                <a:latin typeface="Courier New" charset="0"/>
-              </a:rPr>
-              <a:t> s = </a:t>
-            </a:r>
-            <a:r>
-              <a:rPr lang="en-US" sz="2800" kern="0" dirty="0">
-                <a:solidFill>
-                  <a:srgbClr val="FF0000"/>
-                </a:solidFill>
-                <a:latin typeface="Courier New" charset="0"/>
-              </a:rPr>
-              <a:t>“WebGL”</a:t>
-            </a:r>
-            <a:r>
-              <a:rPr lang="en-US" sz="2800" kern="0" dirty="0">
-                <a:latin typeface="Courier New" charset="0"/>
-              </a:rPr>
-              <a:t>;</a:t>
-            </a:r>
-          </a:p>
-          <a:p>
-            <a:pPr marL="517525" indent="-403225" eaLnBrk="1" hangingPunct="1">
-              <a:spcBef>
-                <a:spcPct val="20000"/>
-              </a:spcBef>
-              <a:buClr>
-                <a:schemeClr val="accent2"/>
-              </a:buClr>
-              <a:buSzPct val="80000"/>
-              <a:defRPr/>
-            </a:pPr>
-            <a:r>
-              <a:rPr lang="en-US" sz="2800" kern="0" dirty="0">
-                <a:solidFill>
-                  <a:schemeClr val="bg2">
-                    <a:lumMod val="60000"/>
-                    <a:lumOff val="40000"/>
-                  </a:schemeClr>
-                </a:solidFill>
-                <a:latin typeface="Courier New" charset="0"/>
-              </a:rPr>
-              <a:t>var</a:t>
-            </a:r>
-            <a:r>
-              <a:rPr lang="en-US" sz="2800" kern="0" dirty="0">
-                <a:latin typeface="Courier New" charset="0"/>
-              </a:rPr>
-              <a:t> b = </a:t>
-            </a:r>
-            <a:r>
-              <a:rPr lang="en-US" sz="2800" kern="0" dirty="0">
-                <a:solidFill>
-                  <a:schemeClr val="bg2">
-                    <a:lumMod val="60000"/>
-                    <a:lumOff val="40000"/>
-                  </a:schemeClr>
-                </a:solidFill>
-                <a:latin typeface="Courier New" charset="0"/>
-              </a:rPr>
-              <a:t>true</a:t>
-            </a:r>
-            <a:r>
-              <a:rPr lang="en-US" sz="2800" kern="0" dirty="0">
-                <a:latin typeface="Courier New" charset="0"/>
-              </a:rPr>
-              <a:t>;</a:t>
-            </a:r>
-          </a:p>
-          <a:p>
-            <a:pPr marL="517525" indent="-403225" eaLnBrk="1" hangingPunct="1">
-              <a:spcBef>
-                <a:spcPct val="20000"/>
-              </a:spcBef>
-              <a:buClr>
-                <a:schemeClr val="accent2"/>
-              </a:buClr>
-              <a:buSzPct val="80000"/>
-              <a:defRPr/>
-            </a:pPr>
-            <a:endParaRPr lang="en-US" sz="2800" kern="0" dirty="0">
-              <a:latin typeface="Courier New" charset="0"/>
-            </a:endParaRPr>
-          </a:p>
-          <a:p>
-            <a:pPr marL="517525" indent="-403225" eaLnBrk="1" hangingPunct="1">
-              <a:spcBef>
-                <a:spcPct val="20000"/>
-              </a:spcBef>
-              <a:buClr>
-                <a:schemeClr val="accent2"/>
-              </a:buClr>
-              <a:buSzPct val="80000"/>
-              <a:defRPr/>
-            </a:pPr>
-            <a:endParaRPr lang="en-US" sz="2800" kern="0" dirty="0">
-              <a:latin typeface="Courier New" charset="0"/>
-            </a:endParaRPr>
-          </a:p>
         </p:txBody>
       </p:sp>
       <p:sp>
@@ -34776,7 +34606,7 @@
     </p:spTree>
     <p:extLst>
       <p:ext uri="{BB962C8B-B14F-4D97-AF65-F5344CB8AC3E}">
-        <p14:creationId xmlns:p14="http://schemas.microsoft.com/office/powerpoint/2010/main" val="881447661"/>
+        <p14:creationId xmlns:p14="http://schemas.microsoft.com/office/powerpoint/2010/main" val="2120879029"/>
       </p:ext>
     </p:extLst>
   </p:cSld>
@@ -34805,45 +34635,7 @@
       </p:grpSpPr>
       <p:sp>
         <p:nvSpPr>
-          <p:cNvPr id="48130" name="Rectangle 5"/>
-          <p:cNvSpPr>
-            <a:spLocks noChangeArrowheads="1"/>
-          </p:cNvSpPr>
-          <p:nvPr/>
-        </p:nvSpPr>
-        <p:spPr bwMode="auto">
-          <a:xfrm>
-            <a:off x="990600" y="5486400"/>
-            <a:ext cx="4495800" cy="457200"/>
-          </a:xfrm>
-          <a:prstGeom prst="rect">
-            <a:avLst/>
-          </a:prstGeom>
-          <a:solidFill>
-            <a:srgbClr val="FFFF99">
-              <a:alpha val="50195"/>
-            </a:srgbClr>
-          </a:solidFill>
-          <a:ln w="9525">
-            <a:solidFill>
-              <a:schemeClr val="tx1"/>
-            </a:solidFill>
-            <a:miter lim="800000"/>
-            <a:headEnd/>
-            <a:tailEnd/>
-          </a:ln>
-        </p:spPr>
-        <p:txBody>
-          <a:bodyPr wrap="none" anchor="ctr"/>
-          <a:lstStyle/>
-          <a:p>
-            <a:endParaRPr lang="en-US"/>
-          </a:p>
-        </p:txBody>
-      </p:sp>
-      <p:sp>
-        <p:nvSpPr>
-          <p:cNvPr id="48131" name="Title 1"/>
+          <p:cNvPr id="47106" name="Title 1"/>
           <p:cNvSpPr>
             <a:spLocks noGrp="1"/>
           </p:cNvSpPr>
@@ -34888,8 +34680,17 @@
             </a:pPr>
             <a:r>
               <a:rPr lang="en-US" dirty="0" smtClean="0"/>
-              <a:t>This compiles:</a:t>
-            </a:r>
+              <a:t>JavaScript has numbers, strings, and </a:t>
+            </a:r>
+            <a:r>
+              <a:rPr lang="en-US" dirty="0" err="1" smtClean="0"/>
+              <a:t>booleans</a:t>
+            </a:r>
+            <a:r>
+              <a:rPr lang="en-US" dirty="0"/>
+              <a:t>:</a:t>
+            </a:r>
+            <a:endParaRPr lang="en-US" dirty="0" smtClean="0"/>
           </a:p>
           <a:p>
             <a:pPr>
@@ -35101,69 +34902,6 @@
               <a:buSzPct val="80000"/>
               <a:defRPr/>
             </a:pPr>
-            <a:r>
-              <a:rPr lang="en-US" sz="2800" kern="0" dirty="0">
-                <a:solidFill>
-                  <a:schemeClr val="bg2">
-                    <a:lumMod val="60000"/>
-                    <a:lumOff val="40000"/>
-                  </a:schemeClr>
-                </a:solidFill>
-                <a:latin typeface="Courier New" charset="0"/>
-              </a:rPr>
-              <a:t>var</a:t>
-            </a:r>
-            <a:r>
-              <a:rPr lang="pt-BR" sz="2800" kern="0" dirty="0">
-                <a:latin typeface="Courier New" charset="0"/>
-              </a:rPr>
-              <a:t> sum = n + s + b;</a:t>
-            </a:r>
-            <a:endParaRPr lang="en-US" sz="2800" kern="0" dirty="0">
-              <a:latin typeface="Courier New" charset="0"/>
-            </a:endParaRPr>
-          </a:p>
-          <a:p>
-            <a:pPr marL="517525" indent="-403225" eaLnBrk="1" hangingPunct="1">
-              <a:spcBef>
-                <a:spcPct val="20000"/>
-              </a:spcBef>
-              <a:buClr>
-                <a:schemeClr val="accent2"/>
-              </a:buClr>
-              <a:buSzPct val="80000"/>
-              <a:defRPr/>
-            </a:pPr>
-            <a:endParaRPr lang="en-US" sz="2800" kern="0" dirty="0">
-              <a:latin typeface="Courier New" charset="0"/>
-            </a:endParaRPr>
-          </a:p>
-          <a:p>
-            <a:pPr marL="517525" indent="-403225" eaLnBrk="1" hangingPunct="1">
-              <a:spcBef>
-                <a:spcPct val="20000"/>
-              </a:spcBef>
-              <a:buClr>
-                <a:schemeClr val="accent2"/>
-              </a:buClr>
-              <a:buSzPct val="80000"/>
-              <a:defRPr/>
-            </a:pPr>
-            <a:endParaRPr lang="en-US" sz="2800" kern="0" dirty="0">
-              <a:latin typeface="Courier New" charset="0"/>
-            </a:endParaRPr>
-          </a:p>
-          <a:p>
-            <a:pPr marL="517525" indent="-403225" eaLnBrk="1" hangingPunct="1">
-              <a:spcBef>
-                <a:spcPct val="20000"/>
-              </a:spcBef>
-              <a:buClr>
-                <a:schemeClr val="accent2"/>
-              </a:buClr>
-              <a:buSzPct val="80000"/>
-              <a:defRPr/>
-            </a:pPr>
             <a:endParaRPr lang="en-US" sz="2800" kern="0" dirty="0">
               <a:latin typeface="Courier New" charset="0"/>
             </a:endParaRPr>
@@ -35202,7 +34940,7 @@
     </p:spTree>
     <p:extLst>
       <p:ext uri="{BB962C8B-B14F-4D97-AF65-F5344CB8AC3E}">
-        <p14:creationId xmlns:p14="http://schemas.microsoft.com/office/powerpoint/2010/main" val="4037837674"/>
+        <p14:creationId xmlns:p14="http://schemas.microsoft.com/office/powerpoint/2010/main" val="881447661"/>
       </p:ext>
     </p:extLst>
   </p:cSld>
@@ -35231,7 +34969,45 @@
       </p:grpSpPr>
       <p:sp>
         <p:nvSpPr>
-          <p:cNvPr id="49154" name="Title 1"/>
+          <p:cNvPr id="48130" name="Rectangle 5"/>
+          <p:cNvSpPr>
+            <a:spLocks noChangeArrowheads="1"/>
+          </p:cNvSpPr>
+          <p:nvPr/>
+        </p:nvSpPr>
+        <p:spPr bwMode="auto">
+          <a:xfrm>
+            <a:off x="990600" y="5486400"/>
+            <a:ext cx="4495800" cy="457200"/>
+          </a:xfrm>
+          <a:prstGeom prst="rect">
+            <a:avLst/>
+          </a:prstGeom>
+          <a:solidFill>
+            <a:srgbClr val="FFFF99">
+              <a:alpha val="50195"/>
+            </a:srgbClr>
+          </a:solidFill>
+          <a:ln w="9525">
+            <a:solidFill>
+              <a:schemeClr val="tx1"/>
+            </a:solidFill>
+            <a:miter lim="800000"/>
+            <a:headEnd/>
+            <a:tailEnd/>
+          </a:ln>
+        </p:spPr>
+        <p:txBody>
+          <a:bodyPr wrap="none" anchor="ctr"/>
+          <a:lstStyle/>
+          <a:p>
+            <a:endParaRPr lang="en-US"/>
+          </a:p>
+        </p:txBody>
+      </p:sp>
+      <p:sp>
+        <p:nvSpPr>
+          <p:cNvPr id="48131" name="Title 1"/>
           <p:cNvSpPr>
             <a:spLocks noGrp="1"/>
           </p:cNvSpPr>
@@ -35239,21 +35015,322 @@
             <p:ph type="title"/>
           </p:nvPr>
         </p:nvSpPr>
+        <p:spPr/>
+        <p:txBody>
+          <a:bodyPr/>
+          <a:lstStyle/>
+          <a:p>
+            <a:r>
+              <a:rPr lang="en-US" smtClean="0"/>
+              <a:t>JavaScript Type System</a:t>
+            </a:r>
+          </a:p>
+        </p:txBody>
+      </p:sp>
+      <p:sp>
+        <p:nvSpPr>
+          <p:cNvPr id="3" name="Content Placeholder 2"/>
+          <p:cNvSpPr>
+            <a:spLocks noGrp="1"/>
+          </p:cNvSpPr>
+          <p:nvPr>
+            <p:ph idx="1"/>
+          </p:nvPr>
+        </p:nvSpPr>
         <p:spPr>
           <a:xfrm>
-            <a:off x="342900" y="457200"/>
-            <a:ext cx="8458200" cy="6019800"/>
+            <a:off x="457200" y="1981200"/>
+            <a:ext cx="8229600" cy="4267200"/>
           </a:xfrm>
         </p:spPr>
         <p:txBody>
           <a:bodyPr/>
           <a:lstStyle/>
           <a:p>
-            <a:pPr algn="ctr"/>
-            <a:r>
-              <a:rPr lang="en-US" sz="6600" smtClean="0"/>
-              <a:t>JavaScript is a functional language…</a:t>
-            </a:r>
+            <a:pPr>
+              <a:defRPr/>
+            </a:pPr>
+            <a:r>
+              <a:rPr lang="en-US" dirty="0" smtClean="0"/>
+              <a:t>This compiles:</a:t>
+            </a:r>
+          </a:p>
+          <a:p>
+            <a:pPr>
+              <a:defRPr/>
+            </a:pPr>
+            <a:endParaRPr lang="en-US" dirty="0"/>
+          </a:p>
+          <a:p>
+            <a:pPr>
+              <a:defRPr/>
+            </a:pPr>
+            <a:endParaRPr lang="en-US" dirty="0" smtClean="0"/>
+          </a:p>
+          <a:p>
+            <a:pPr>
+              <a:defRPr/>
+            </a:pPr>
+            <a:endParaRPr lang="en-US" dirty="0"/>
+          </a:p>
+          <a:p>
+            <a:pPr>
+              <a:defRPr/>
+            </a:pPr>
+            <a:endParaRPr lang="en-US" dirty="0" smtClean="0"/>
+          </a:p>
+          <a:p>
+            <a:pPr marL="0" indent="0">
+              <a:buFont typeface="Wingdings" pitchFamily="2" charset="2"/>
+              <a:buNone/>
+              <a:defRPr/>
+            </a:pPr>
+            <a:endParaRPr lang="en-US" dirty="0" smtClean="0"/>
+          </a:p>
+        </p:txBody>
+      </p:sp>
+      <p:sp>
+        <p:nvSpPr>
+          <p:cNvPr id="5" name="Rectangle 3"/>
+          <p:cNvSpPr txBox="1">
+            <a:spLocks noChangeArrowheads="1"/>
+          </p:cNvSpPr>
+          <p:nvPr/>
+        </p:nvSpPr>
+        <p:spPr bwMode="auto">
+          <a:xfrm>
+            <a:off x="898525" y="3429000"/>
+            <a:ext cx="4816475" cy="2667000"/>
+          </a:xfrm>
+          <a:prstGeom prst="rect">
+            <a:avLst/>
+          </a:prstGeom>
+          <a:noFill/>
+          <a:ln w="9525">
+            <a:noFill/>
+            <a:miter lim="800000"/>
+            <a:headEnd/>
+            <a:tailEnd/>
+          </a:ln>
+        </p:spPr>
+        <p:txBody>
+          <a:bodyPr/>
+          <a:lstStyle/>
+          <a:p>
+            <a:pPr marL="517525" indent="-403225" eaLnBrk="1" hangingPunct="1">
+              <a:spcBef>
+                <a:spcPct val="20000"/>
+              </a:spcBef>
+              <a:buClr>
+                <a:schemeClr val="accent2"/>
+              </a:buClr>
+              <a:buSzPct val="80000"/>
+              <a:defRPr/>
+            </a:pPr>
+            <a:r>
+              <a:rPr lang="en-US" sz="2800" kern="0" dirty="0">
+                <a:solidFill>
+                  <a:schemeClr val="bg2">
+                    <a:lumMod val="60000"/>
+                    <a:lumOff val="40000"/>
+                  </a:schemeClr>
+                </a:solidFill>
+                <a:latin typeface="Courier New" charset="0"/>
+              </a:rPr>
+              <a:t>var</a:t>
+            </a:r>
+            <a:r>
+              <a:rPr lang="en-US" sz="2800" kern="0" dirty="0">
+                <a:latin typeface="Courier New" charset="0"/>
+              </a:rPr>
+              <a:t> n = 1;</a:t>
+            </a:r>
+          </a:p>
+          <a:p>
+            <a:pPr marL="517525" indent="-403225" eaLnBrk="1" hangingPunct="1">
+              <a:spcBef>
+                <a:spcPct val="20000"/>
+              </a:spcBef>
+              <a:buClr>
+                <a:schemeClr val="accent2"/>
+              </a:buClr>
+              <a:buSzPct val="80000"/>
+              <a:defRPr/>
+            </a:pPr>
+            <a:r>
+              <a:rPr lang="en-US" sz="2800" kern="0" dirty="0">
+                <a:solidFill>
+                  <a:schemeClr val="bg2">
+                    <a:lumMod val="60000"/>
+                    <a:lumOff val="40000"/>
+                  </a:schemeClr>
+                </a:solidFill>
+                <a:latin typeface="Courier New" charset="0"/>
+              </a:rPr>
+              <a:t>var</a:t>
+            </a:r>
+            <a:r>
+              <a:rPr lang="en-US" sz="2800" kern="0" dirty="0">
+                <a:latin typeface="Courier New" charset="0"/>
+              </a:rPr>
+              <a:t> s = </a:t>
+            </a:r>
+            <a:r>
+              <a:rPr lang="en-US" sz="2800" kern="0" dirty="0">
+                <a:solidFill>
+                  <a:srgbClr val="FF0000"/>
+                </a:solidFill>
+                <a:latin typeface="Courier New" charset="0"/>
+              </a:rPr>
+              <a:t>“WebGL”</a:t>
+            </a:r>
+            <a:r>
+              <a:rPr lang="en-US" sz="2800" kern="0" dirty="0">
+                <a:latin typeface="Courier New" charset="0"/>
+              </a:rPr>
+              <a:t>;</a:t>
+            </a:r>
+          </a:p>
+          <a:p>
+            <a:pPr marL="517525" indent="-403225" eaLnBrk="1" hangingPunct="1">
+              <a:spcBef>
+                <a:spcPct val="20000"/>
+              </a:spcBef>
+              <a:buClr>
+                <a:schemeClr val="accent2"/>
+              </a:buClr>
+              <a:buSzPct val="80000"/>
+              <a:defRPr/>
+            </a:pPr>
+            <a:r>
+              <a:rPr lang="en-US" sz="2800" kern="0" dirty="0">
+                <a:solidFill>
+                  <a:schemeClr val="bg2">
+                    <a:lumMod val="60000"/>
+                    <a:lumOff val="40000"/>
+                  </a:schemeClr>
+                </a:solidFill>
+                <a:latin typeface="Courier New" charset="0"/>
+              </a:rPr>
+              <a:t>var</a:t>
+            </a:r>
+            <a:r>
+              <a:rPr lang="en-US" sz="2800" kern="0" dirty="0">
+                <a:latin typeface="Courier New" charset="0"/>
+              </a:rPr>
+              <a:t> b = </a:t>
+            </a:r>
+            <a:r>
+              <a:rPr lang="en-US" sz="2800" kern="0" dirty="0">
+                <a:solidFill>
+                  <a:schemeClr val="bg2">
+                    <a:lumMod val="60000"/>
+                    <a:lumOff val="40000"/>
+                  </a:schemeClr>
+                </a:solidFill>
+                <a:latin typeface="Courier New" charset="0"/>
+              </a:rPr>
+              <a:t>true</a:t>
+            </a:r>
+            <a:r>
+              <a:rPr lang="en-US" sz="2800" kern="0" dirty="0">
+                <a:latin typeface="Courier New" charset="0"/>
+              </a:rPr>
+              <a:t>;</a:t>
+            </a:r>
+          </a:p>
+          <a:p>
+            <a:pPr marL="517525" indent="-403225" eaLnBrk="1" hangingPunct="1">
+              <a:spcBef>
+                <a:spcPct val="20000"/>
+              </a:spcBef>
+              <a:buClr>
+                <a:schemeClr val="accent2"/>
+              </a:buClr>
+              <a:buSzPct val="80000"/>
+              <a:defRPr/>
+            </a:pPr>
+            <a:endParaRPr lang="en-US" sz="2800" kern="0" dirty="0">
+              <a:latin typeface="Courier New" charset="0"/>
+            </a:endParaRPr>
+          </a:p>
+          <a:p>
+            <a:pPr marL="517525" indent="-403225" eaLnBrk="1" hangingPunct="1">
+              <a:spcBef>
+                <a:spcPct val="20000"/>
+              </a:spcBef>
+              <a:buClr>
+                <a:schemeClr val="accent2"/>
+              </a:buClr>
+              <a:buSzPct val="80000"/>
+              <a:defRPr/>
+            </a:pPr>
+            <a:r>
+              <a:rPr lang="en-US" sz="2800" kern="0" dirty="0">
+                <a:solidFill>
+                  <a:schemeClr val="bg2">
+                    <a:lumMod val="60000"/>
+                    <a:lumOff val="40000"/>
+                  </a:schemeClr>
+                </a:solidFill>
+                <a:latin typeface="Courier New" charset="0"/>
+              </a:rPr>
+              <a:t>var</a:t>
+            </a:r>
+            <a:r>
+              <a:rPr lang="pt-BR" sz="2800" kern="0" dirty="0">
+                <a:latin typeface="Courier New" charset="0"/>
+              </a:rPr>
+              <a:t> sum = n + s + b;</a:t>
+            </a:r>
+            <a:endParaRPr lang="en-US" sz="2800" kern="0" dirty="0">
+              <a:latin typeface="Courier New" charset="0"/>
+            </a:endParaRPr>
+          </a:p>
+          <a:p>
+            <a:pPr marL="517525" indent="-403225" eaLnBrk="1" hangingPunct="1">
+              <a:spcBef>
+                <a:spcPct val="20000"/>
+              </a:spcBef>
+              <a:buClr>
+                <a:schemeClr val="accent2"/>
+              </a:buClr>
+              <a:buSzPct val="80000"/>
+              <a:defRPr/>
+            </a:pPr>
+            <a:endParaRPr lang="en-US" sz="2800" kern="0" dirty="0">
+              <a:latin typeface="Courier New" charset="0"/>
+            </a:endParaRPr>
+          </a:p>
+          <a:p>
+            <a:pPr marL="517525" indent="-403225" eaLnBrk="1" hangingPunct="1">
+              <a:spcBef>
+                <a:spcPct val="20000"/>
+              </a:spcBef>
+              <a:buClr>
+                <a:schemeClr val="accent2"/>
+              </a:buClr>
+              <a:buSzPct val="80000"/>
+              <a:defRPr/>
+            </a:pPr>
+            <a:endParaRPr lang="en-US" sz="2800" kern="0" dirty="0">
+              <a:latin typeface="Courier New" charset="0"/>
+            </a:endParaRPr>
+          </a:p>
+          <a:p>
+            <a:pPr marL="517525" indent="-403225" eaLnBrk="1" hangingPunct="1">
+              <a:spcBef>
+                <a:spcPct val="20000"/>
+              </a:spcBef>
+              <a:buClr>
+                <a:schemeClr val="accent2"/>
+              </a:buClr>
+              <a:buSzPct val="80000"/>
+              <a:defRPr/>
+            </a:pPr>
+            <a:endParaRPr lang="en-US" sz="2800" kern="0" dirty="0">
+              <a:latin typeface="Courier New" charset="0"/>
+            </a:endParaRPr>
           </a:p>
         </p:txBody>
       </p:sp>
@@ -35289,7 +35366,7 @@
     </p:spTree>
     <p:extLst>
       <p:ext uri="{BB962C8B-B14F-4D97-AF65-F5344CB8AC3E}">
-        <p14:creationId xmlns:p14="http://schemas.microsoft.com/office/powerpoint/2010/main" val="3423044124"/>
+        <p14:creationId xmlns:p14="http://schemas.microsoft.com/office/powerpoint/2010/main" val="4037837674"/>
       </p:ext>
     </p:extLst>
   </p:cSld>
@@ -35318,7 +35395,7 @@
       </p:grpSpPr>
       <p:sp>
         <p:nvSpPr>
-          <p:cNvPr id="50178" name="Title 1"/>
+          <p:cNvPr id="49154" name="Title 1"/>
           <p:cNvSpPr>
             <a:spLocks noGrp="1"/>
           </p:cNvSpPr>
@@ -35326,220 +35403,20 @@
             <p:ph type="title"/>
           </p:nvPr>
         </p:nvSpPr>
-        <p:spPr/>
-        <p:txBody>
-          <a:bodyPr/>
-          <a:lstStyle/>
-          <a:p>
-            <a:r>
-              <a:rPr lang="en-US" smtClean="0"/>
-              <a:t>JavaScript Functions</a:t>
-            </a:r>
-          </a:p>
-        </p:txBody>
-      </p:sp>
-      <p:sp>
-        <p:nvSpPr>
-          <p:cNvPr id="50179" name="Content Placeholder 2"/>
-          <p:cNvSpPr>
-            <a:spLocks noGrp="1"/>
-          </p:cNvSpPr>
-          <p:nvPr>
-            <p:ph idx="1"/>
-          </p:nvPr>
-        </p:nvSpPr>
         <p:spPr>
           <a:xfrm>
-            <a:off x="457200" y="1981200"/>
-            <a:ext cx="8229600" cy="4267200"/>
+            <a:off x="342900" y="457200"/>
+            <a:ext cx="8458200" cy="6019800"/>
           </a:xfrm>
         </p:spPr>
         <p:txBody>
           <a:bodyPr/>
           <a:lstStyle/>
           <a:p>
-            <a:r>
-              <a:rPr lang="en-US" smtClean="0"/>
-              <a:t>Looks familiar:</a:t>
-            </a:r>
-          </a:p>
-          <a:p>
-            <a:endParaRPr lang="en-US" smtClean="0"/>
-          </a:p>
-          <a:p>
-            <a:endParaRPr lang="en-US" smtClean="0"/>
-          </a:p>
-          <a:p>
-            <a:endParaRPr lang="en-US" smtClean="0"/>
-          </a:p>
-          <a:p>
-            <a:endParaRPr lang="en-US" smtClean="0"/>
-          </a:p>
-          <a:p>
-            <a:endParaRPr lang="en-US" smtClean="0"/>
-          </a:p>
-          <a:p>
-            <a:r>
-              <a:rPr lang="en-US" smtClean="0"/>
-              <a:t>Functions are first-class objects, so…</a:t>
-            </a:r>
-          </a:p>
-        </p:txBody>
-      </p:sp>
-      <p:sp>
-        <p:nvSpPr>
-          <p:cNvPr id="5" name="Rectangle 3"/>
-          <p:cNvSpPr txBox="1">
-            <a:spLocks noChangeArrowheads="1"/>
-          </p:cNvSpPr>
-          <p:nvPr/>
-        </p:nvSpPr>
-        <p:spPr bwMode="auto">
-          <a:xfrm>
-            <a:off x="898525" y="2819400"/>
-            <a:ext cx="4816475" cy="2667000"/>
-          </a:xfrm>
-          <a:prstGeom prst="rect">
-            <a:avLst/>
-          </a:prstGeom>
-          <a:noFill/>
-          <a:ln w="9525">
-            <a:noFill/>
-            <a:miter lim="800000"/>
-            <a:headEnd/>
-            <a:tailEnd/>
-          </a:ln>
-        </p:spPr>
-        <p:txBody>
-          <a:bodyPr/>
-          <a:lstStyle/>
-          <a:p>
-            <a:pPr marL="517525" indent="-403225" eaLnBrk="1" hangingPunct="1">
-              <a:spcBef>
-                <a:spcPct val="20000"/>
-              </a:spcBef>
-              <a:buClr>
-                <a:schemeClr val="accent2"/>
-              </a:buClr>
-              <a:buSzPct val="80000"/>
-              <a:defRPr/>
-            </a:pPr>
-            <a:r>
-              <a:rPr lang="en-US" sz="2800" kern="0" dirty="0">
-                <a:solidFill>
-                  <a:schemeClr val="bg2">
-                    <a:lumMod val="60000"/>
-                    <a:lumOff val="40000"/>
-                  </a:schemeClr>
-                </a:solidFill>
-                <a:latin typeface="Courier New" charset="0"/>
-              </a:rPr>
-              <a:t>function</a:t>
-            </a:r>
-            <a:r>
-              <a:rPr lang="en-US" sz="2800" kern="0" dirty="0">
-                <a:latin typeface="Courier New" charset="0"/>
-              </a:rPr>
-              <a:t> add(x, y) {</a:t>
-            </a:r>
-          </a:p>
-          <a:p>
-            <a:pPr marL="517525" indent="-403225" eaLnBrk="1" hangingPunct="1">
-              <a:spcBef>
-                <a:spcPct val="20000"/>
-              </a:spcBef>
-              <a:buClr>
-                <a:schemeClr val="accent2"/>
-              </a:buClr>
-              <a:buSzPct val="80000"/>
-              <a:defRPr/>
-            </a:pPr>
-            <a:r>
-              <a:rPr lang="en-US" sz="2800" kern="0" dirty="0">
-                <a:latin typeface="Courier New" charset="0"/>
-              </a:rPr>
-              <a:t>  </a:t>
-            </a:r>
-            <a:r>
-              <a:rPr lang="en-US" sz="2800" kern="0" dirty="0">
-                <a:solidFill>
-                  <a:schemeClr val="bg2">
-                    <a:lumMod val="60000"/>
-                    <a:lumOff val="40000"/>
-                  </a:schemeClr>
-                </a:solidFill>
-                <a:latin typeface="Courier New" charset="0"/>
-              </a:rPr>
-              <a:t>return</a:t>
-            </a:r>
-            <a:r>
-              <a:rPr lang="en-US" sz="2800" kern="0" dirty="0">
-                <a:latin typeface="Courier New" charset="0"/>
-              </a:rPr>
-              <a:t> x + y;</a:t>
-            </a:r>
-          </a:p>
-          <a:p>
-            <a:pPr marL="517525" indent="-403225" eaLnBrk="1" hangingPunct="1">
-              <a:spcBef>
-                <a:spcPct val="20000"/>
-              </a:spcBef>
-              <a:buClr>
-                <a:schemeClr val="accent2"/>
-              </a:buClr>
-              <a:buSzPct val="80000"/>
-              <a:defRPr/>
-            </a:pPr>
-            <a:r>
-              <a:rPr lang="en-US" sz="2800" kern="0" dirty="0">
-                <a:latin typeface="Courier New" charset="0"/>
-              </a:rPr>
-              <a:t>}</a:t>
-            </a:r>
-          </a:p>
-          <a:p>
-            <a:pPr marL="517525" indent="-403225" eaLnBrk="1" hangingPunct="1">
-              <a:spcBef>
-                <a:spcPct val="20000"/>
-              </a:spcBef>
-              <a:buClr>
-                <a:schemeClr val="accent2"/>
-              </a:buClr>
-              <a:buSzPct val="80000"/>
-              <a:defRPr/>
-            </a:pPr>
-            <a:endParaRPr lang="en-US" sz="2800" kern="0" dirty="0">
-              <a:latin typeface="Courier New" charset="0"/>
-            </a:endParaRPr>
-          </a:p>
-          <a:p>
-            <a:pPr marL="517525" indent="-403225" eaLnBrk="1" hangingPunct="1">
-              <a:spcBef>
-                <a:spcPct val="20000"/>
-              </a:spcBef>
-              <a:buClr>
-                <a:schemeClr val="accent2"/>
-              </a:buClr>
-              <a:buSzPct val="80000"/>
-              <a:defRPr/>
-            </a:pPr>
-            <a:r>
-              <a:rPr lang="en-US" sz="2800" kern="0" dirty="0">
-                <a:solidFill>
-                  <a:schemeClr val="bg2">
-                    <a:lumMod val="60000"/>
-                    <a:lumOff val="40000"/>
-                  </a:schemeClr>
-                </a:solidFill>
-                <a:latin typeface="Courier New" charset="0"/>
-              </a:rPr>
-              <a:t>var</a:t>
-            </a:r>
-            <a:r>
-              <a:rPr lang="en-US" sz="2800" kern="0" dirty="0">
-                <a:latin typeface="Courier New" charset="0"/>
-              </a:rPr>
-              <a:t> sum = add(1, 2);</a:t>
+            <a:pPr algn="ctr"/>
+            <a:r>
+              <a:rPr lang="en-US" sz="6600" smtClean="0"/>
+              <a:t>JavaScript is a functional language…</a:t>
             </a:r>
           </a:p>
         </p:txBody>
@@ -35576,7 +35453,7 @@
     </p:spTree>
     <p:extLst>
       <p:ext uri="{BB962C8B-B14F-4D97-AF65-F5344CB8AC3E}">
-        <p14:creationId xmlns:p14="http://schemas.microsoft.com/office/powerpoint/2010/main" val="1847841167"/>
+        <p14:creationId xmlns:p14="http://schemas.microsoft.com/office/powerpoint/2010/main" val="3423044124"/>
       </p:ext>
     </p:extLst>
   </p:cSld>
@@ -35605,45 +35482,7 @@
       </p:grpSpPr>
       <p:sp>
         <p:nvSpPr>
-          <p:cNvPr id="51202" name="Rectangle 5"/>
-          <p:cNvSpPr>
-            <a:spLocks noChangeArrowheads="1"/>
-          </p:cNvSpPr>
-          <p:nvPr/>
-        </p:nvSpPr>
-        <p:spPr bwMode="auto">
-          <a:xfrm>
-            <a:off x="1295400" y="4038600"/>
-            <a:ext cx="304800" cy="457200"/>
-          </a:xfrm>
-          <a:prstGeom prst="rect">
-            <a:avLst/>
-          </a:prstGeom>
-          <a:solidFill>
-            <a:srgbClr val="FFFF99">
-              <a:alpha val="50195"/>
-            </a:srgbClr>
-          </a:solidFill>
-          <a:ln w="9525">
-            <a:solidFill>
-              <a:schemeClr val="tx1"/>
-            </a:solidFill>
-            <a:miter lim="800000"/>
-            <a:headEnd/>
-            <a:tailEnd/>
-          </a:ln>
-        </p:spPr>
-        <p:txBody>
-          <a:bodyPr wrap="none" anchor="ctr"/>
-          <a:lstStyle/>
-          <a:p>
-            <a:endParaRPr lang="en-US"/>
-          </a:p>
-        </p:txBody>
-      </p:sp>
-      <p:sp>
-        <p:nvSpPr>
-          <p:cNvPr id="51203" name="Title 1"/>
+          <p:cNvPr id="50178" name="Title 1"/>
           <p:cNvSpPr>
             <a:spLocks noGrp="1"/>
           </p:cNvSpPr>
@@ -35665,7 +35504,7 @@
       </p:sp>
       <p:sp>
         <p:nvSpPr>
-          <p:cNvPr id="3" name="Content Placeholder 2"/>
+          <p:cNvPr id="50179" name="Content Placeholder 2"/>
           <p:cNvSpPr>
             <a:spLocks noGrp="1"/>
           </p:cNvSpPr>
@@ -35683,21 +35522,31 @@
           <a:bodyPr/>
           <a:lstStyle/>
           <a:p>
-            <a:pPr>
-              <a:defRPr/>
-            </a:pPr>
-            <a:r>
-              <a:rPr lang="en-US" dirty="0" smtClean="0"/>
-              <a:t>Functions are objects:</a:t>
-            </a:r>
-          </a:p>
-          <a:p>
-            <a:pPr marL="0" indent="0">
-              <a:buFont typeface="Wingdings" pitchFamily="2" charset="2"/>
-              <a:buNone/>
-              <a:defRPr/>
-            </a:pPr>
-            <a:endParaRPr lang="en-US" dirty="0"/>
+            <a:r>
+              <a:rPr lang="en-US" smtClean="0"/>
+              <a:t>Looks familiar:</a:t>
+            </a:r>
+          </a:p>
+          <a:p>
+            <a:endParaRPr lang="en-US" smtClean="0"/>
+          </a:p>
+          <a:p>
+            <a:endParaRPr lang="en-US" smtClean="0"/>
+          </a:p>
+          <a:p>
+            <a:endParaRPr lang="en-US" smtClean="0"/>
+          </a:p>
+          <a:p>
+            <a:endParaRPr lang="en-US" smtClean="0"/>
+          </a:p>
+          <a:p>
+            <a:endParaRPr lang="en-US" smtClean="0"/>
+          </a:p>
+          <a:p>
+            <a:r>
+              <a:rPr lang="en-US" smtClean="0"/>
+              <a:t>Functions are first-class objects, so…</a:t>
+            </a:r>
           </a:p>
         </p:txBody>
       </p:sp>
@@ -35711,8 +35560,8 @@
         </p:nvSpPr>
         <p:spPr bwMode="auto">
           <a:xfrm>
-            <a:off x="898525" y="2971800"/>
-            <a:ext cx="5883275" cy="1752600"/>
+            <a:off x="898525" y="2819400"/>
+            <a:ext cx="4816475" cy="2667000"/>
           </a:xfrm>
           <a:prstGeom prst="rect">
             <a:avLst/>
@@ -35749,31 +35598,13 @@
                 </a:solidFill>
                 <a:latin typeface="Courier New" charset="0"/>
               </a:rPr>
-              <a:t>var</a:t>
+              <a:t>function</a:t>
             </a:r>
             <a:r>
               <a:rPr lang="en-US" sz="2800" kern="0" dirty="0">
                 <a:latin typeface="Courier New" charset="0"/>
               </a:rPr>
-              <a:t> add = </a:t>
-            </a:r>
-            <a:r>
-              <a:rPr lang="en-US" sz="2800" kern="0" dirty="0">
-                <a:solidFill>
-                  <a:schemeClr val="bg2">
-                    <a:lumMod val="60000"/>
-                    <a:lumOff val="40000"/>
-                  </a:schemeClr>
-                </a:solidFill>
-                <a:latin typeface="Courier New" charset="0"/>
-              </a:rPr>
-              <a:t>function</a:t>
-            </a:r>
-            <a:r>
-              <a:rPr lang="en-US" sz="2800" kern="0" dirty="0">
-                <a:latin typeface="Courier New" charset="0"/>
-              </a:rPr>
-              <a:t>(x, y) {</a:t>
+              <a:t> add(x, y) {</a:t>
             </a:r>
           </a:p>
           <a:p>
@@ -35791,7 +35622,7 @@
               <a:rPr lang="en-US" sz="2800" kern="0" dirty="0">
                 <a:latin typeface="Courier New" charset="0"/>
               </a:rPr>
-              <a:t> </a:t>
+              <a:t>  </a:t>
             </a:r>
             <a:r>
               <a:rPr lang="en-US" sz="2800" kern="0" dirty="0">
@@ -35827,7 +35658,7 @@
               <a:rPr lang="en-US" sz="2800" kern="0" dirty="0">
                 <a:latin typeface="Courier New" charset="0"/>
               </a:rPr>
-              <a:t>};</a:t>
+              <a:t>}</a:t>
             </a:r>
           </a:p>
           <a:p>
@@ -35874,21 +35705,6 @@
               </a:rPr>
               <a:t> sum = add(1, 2);</a:t>
             </a:r>
-          </a:p>
-          <a:p>
-            <a:pPr marL="517525" indent="-403225" eaLnBrk="1" hangingPunct="1">
-              <a:spcBef>
-                <a:spcPct val="20000"/>
-              </a:spcBef>
-              <a:buClr>
-                <a:schemeClr val="accent2"/>
-              </a:buClr>
-              <a:buSzPct val="80000"/>
-              <a:defRPr/>
-            </a:pPr>
-            <a:endParaRPr lang="en-US" sz="2800" kern="0" dirty="0">
-              <a:latin typeface="Courier New" charset="0"/>
-            </a:endParaRPr>
           </a:p>
         </p:txBody>
       </p:sp>
@@ -35924,7 +35740,7 @@
     </p:spTree>
     <p:extLst>
       <p:ext uri="{BB962C8B-B14F-4D97-AF65-F5344CB8AC3E}">
-        <p14:creationId xmlns:p14="http://schemas.microsoft.com/office/powerpoint/2010/main" val="3424592714"/>
+        <p14:creationId xmlns:p14="http://schemas.microsoft.com/office/powerpoint/2010/main" val="1847841167"/>
       </p:ext>
     </p:extLst>
   </p:cSld>
@@ -35953,7 +35769,45 @@
       </p:grpSpPr>
       <p:sp>
         <p:nvSpPr>
-          <p:cNvPr id="52226" name="Title 1"/>
+          <p:cNvPr id="51202" name="Rectangle 5"/>
+          <p:cNvSpPr>
+            <a:spLocks noChangeArrowheads="1"/>
+          </p:cNvSpPr>
+          <p:nvPr/>
+        </p:nvSpPr>
+        <p:spPr bwMode="auto">
+          <a:xfrm>
+            <a:off x="1295400" y="4038600"/>
+            <a:ext cx="304800" cy="457200"/>
+          </a:xfrm>
+          <a:prstGeom prst="rect">
+            <a:avLst/>
+          </a:prstGeom>
+          <a:solidFill>
+            <a:srgbClr val="FFFF99">
+              <a:alpha val="50195"/>
+            </a:srgbClr>
+          </a:solidFill>
+          <a:ln w="9525">
+            <a:solidFill>
+              <a:schemeClr val="tx1"/>
+            </a:solidFill>
+            <a:miter lim="800000"/>
+            <a:headEnd/>
+            <a:tailEnd/>
+          </a:ln>
+        </p:spPr>
+        <p:txBody>
+          <a:bodyPr wrap="none" anchor="ctr"/>
+          <a:lstStyle/>
+          <a:p>
+            <a:endParaRPr lang="en-US"/>
+          </a:p>
+        </p:txBody>
+      </p:sp>
+      <p:sp>
+        <p:nvSpPr>
+          <p:cNvPr id="51203" name="Title 1"/>
           <p:cNvSpPr>
             <a:spLocks noGrp="1"/>
           </p:cNvSpPr>
@@ -35998,7 +35852,7 @@
             </a:pPr>
             <a:r>
               <a:rPr lang="en-US" dirty="0" smtClean="0"/>
-              <a:t>Pass functions to functions:</a:t>
+              <a:t>Functions are objects:</a:t>
             </a:r>
           </a:p>
           <a:p>
@@ -36022,7 +35876,7 @@
         <p:spPr bwMode="auto">
           <a:xfrm>
             <a:off x="898525" y="2971800"/>
-            <a:ext cx="7788275" cy="3733800"/>
+            <a:ext cx="5883275" cy="1752600"/>
           </a:xfrm>
           <a:prstGeom prst="rect">
             <a:avLst/>
@@ -36083,16 +35937,7 @@
               <a:rPr lang="en-US" sz="2800" kern="0" dirty="0">
                 <a:latin typeface="Courier New" charset="0"/>
               </a:rPr>
-              <a:t> </a:t>
-            </a:r>
-            <a:r>
-              <a:rPr lang="en-US" sz="2800" kern="0" dirty="0">
-                <a:solidFill>
-                  <a:srgbClr val="008000"/>
-                </a:solidFill>
-                <a:latin typeface="Courier New" charset="0"/>
-              </a:rPr>
-              <a:t>// ...</a:t>
+              <a:t>(x, y) {</a:t>
             </a:r>
           </a:p>
           <a:p>
@@ -36106,9 +35951,30 @@
               <a:buSzPct val="80000"/>
               <a:defRPr/>
             </a:pPr>
-            <a:endParaRPr lang="en-US" sz="2800" kern="0" dirty="0">
-              <a:latin typeface="Courier New" charset="0"/>
-            </a:endParaRPr>
+            <a:r>
+              <a:rPr lang="en-US" sz="2800" kern="0" dirty="0">
+                <a:latin typeface="Courier New" charset="0"/>
+              </a:rPr>
+              <a:t> </a:t>
+            </a:r>
+            <a:r>
+              <a:rPr lang="en-US" sz="2800" kern="0" dirty="0">
+                <a:solidFill>
+                  <a:schemeClr val="bg2">
+                    <a:lumMod val="60000"/>
+                    <a:lumOff val="40000"/>
+                  </a:schemeClr>
+                </a:solidFill>
+                <a:latin typeface="Courier New" charset="0"/>
+              </a:rPr>
+              <a:t>return</a:t>
+            </a:r>
+            <a:r>
+              <a:rPr lang="en-US" sz="2800" kern="0" dirty="0">
+                <a:latin typeface="Courier New" charset="0"/>
+              </a:rPr>
+              <a:t> x + y;</a:t>
+            </a:r>
           </a:p>
           <a:p>
             <a:pPr marL="517525" indent="-403225" eaLnBrk="1" hangingPunct="1">
@@ -36123,21 +35989,9 @@
             </a:pPr>
             <a:r>
               <a:rPr lang="en-US" sz="2800" kern="0" dirty="0">
-                <a:solidFill>
-                  <a:schemeClr val="bg2">
-                    <a:lumMod val="60000"/>
-                    <a:lumOff val="40000"/>
-                  </a:schemeClr>
-                </a:solidFill>
                 <a:latin typeface="Courier New" charset="0"/>
               </a:rPr>
-              <a:t>function</a:t>
-            </a:r>
-            <a:r>
-              <a:rPr lang="en-US" sz="2800" kern="0" dirty="0">
-                <a:latin typeface="Courier New" charset="0"/>
-              </a:rPr>
-              <a:t> execute(op, x, y) {</a:t>
+              <a:t>};</a:t>
             </a:r>
           </a:p>
           <a:p>
@@ -36151,24 +36005,9 @@
               <a:buSzPct val="80000"/>
               <a:defRPr/>
             </a:pPr>
-            <a:r>
-              <a:rPr lang="en-US" sz="2800" kern="0" dirty="0">
-                <a:solidFill>
-                  <a:schemeClr val="bg2">
-                    <a:lumMod val="60000"/>
-                    <a:lumOff val="40000"/>
-                  </a:schemeClr>
-                </a:solidFill>
-                <a:latin typeface="Courier New" charset="0"/>
-              </a:rPr>
-              <a:t>  return</a:t>
-            </a:r>
-            <a:r>
-              <a:rPr lang="en-US" sz="2800" kern="0" dirty="0">
-                <a:latin typeface="Courier New" charset="0"/>
-              </a:rPr>
-              <a:t> op(x, y);</a:t>
-            </a:r>
+            <a:endParaRPr lang="en-US" sz="2800" kern="0" dirty="0">
+              <a:latin typeface="Courier New" charset="0"/>
+            </a:endParaRPr>
           </a:p>
           <a:p>
             <a:pPr marL="517525" indent="-403225" eaLnBrk="1" hangingPunct="1">
@@ -36183,45 +36022,6 @@
             </a:pPr>
             <a:r>
               <a:rPr lang="en-US" sz="2800" kern="0" dirty="0">
-                <a:latin typeface="Courier New" charset="0"/>
-              </a:rPr>
-              <a:t>}</a:t>
-            </a:r>
-          </a:p>
-          <a:p>
-            <a:pPr marL="517525" indent="-403225" eaLnBrk="1" hangingPunct="1">
-              <a:spcBef>
-                <a:spcPct val="20000"/>
-              </a:spcBef>
-              <a:buClr>
-                <a:schemeClr val="accent2"/>
-              </a:buClr>
-              <a:buSzPct val="80000"/>
-              <a:defRPr/>
-            </a:pPr>
-            <a:endParaRPr lang="en-US" sz="2800" kern="0" dirty="0">
-              <a:solidFill>
-                <a:schemeClr val="bg2">
-                  <a:lumMod val="60000"/>
-                  <a:lumOff val="40000"/>
-                </a:schemeClr>
-              </a:solidFill>
-              <a:latin typeface="Courier New" charset="0"/>
-            </a:endParaRPr>
-          </a:p>
-          <a:p>
-            <a:pPr marL="517525" indent="-403225" eaLnBrk="1" hangingPunct="1">
-              <a:spcBef>
-                <a:spcPct val="20000"/>
-              </a:spcBef>
-              <a:buClr>
-                <a:schemeClr val="accent2"/>
-              </a:buClr>
-              <a:buSzPct val="80000"/>
-              <a:defRPr/>
-            </a:pPr>
-            <a:r>
-              <a:rPr lang="en-US" sz="2800" kern="0" dirty="0">
                 <a:solidFill>
                   <a:schemeClr val="bg2">
                     <a:lumMod val="60000"/>
@@ -36236,7 +36036,7 @@
               <a:rPr lang="en-US" sz="2800" kern="0" dirty="0">
                 <a:latin typeface="Courier New" charset="0"/>
               </a:rPr>
-              <a:t> sum = execute(add, 1, 2);</a:t>
+              <a:t> sum = add(1, 2);</a:t>
             </a:r>
           </a:p>
           <a:p>
@@ -36288,7 +36088,7 @@
     </p:spTree>
     <p:extLst>
       <p:ext uri="{BB962C8B-B14F-4D97-AF65-F5344CB8AC3E}">
-        <p14:creationId xmlns:p14="http://schemas.microsoft.com/office/powerpoint/2010/main" val="4109309804"/>
+        <p14:creationId xmlns:p14="http://schemas.microsoft.com/office/powerpoint/2010/main" val="3424592714"/>
       </p:ext>
     </p:extLst>
   </p:cSld>
@@ -36317,7 +36117,7 @@
       </p:grpSpPr>
       <p:sp>
         <p:nvSpPr>
-          <p:cNvPr id="53250" name="Title 1"/>
+          <p:cNvPr id="52226" name="Title 1"/>
           <p:cNvSpPr>
             <a:spLocks noGrp="1"/>
           </p:cNvSpPr>
@@ -36325,19 +36125,14 @@
             <p:ph type="title"/>
           </p:nvPr>
         </p:nvSpPr>
-        <p:spPr>
-          <a:xfrm>
-            <a:off x="457200" y="457200"/>
-            <a:ext cx="8763000" cy="1371600"/>
-          </a:xfrm>
-        </p:spPr>
+        <p:spPr/>
         <p:txBody>
           <a:bodyPr/>
           <a:lstStyle/>
           <a:p>
             <a:r>
               <a:rPr lang="en-US" smtClean="0"/>
-              <a:t>JavaScript Anonymous  Functions</a:t>
+              <a:t>JavaScript Functions</a:t>
             </a:r>
           </a:p>
         </p:txBody>
@@ -36367,7 +36162,7 @@
             </a:pPr>
             <a:r>
               <a:rPr lang="en-US" dirty="0" smtClean="0"/>
-              <a:t>Why name functions?</a:t>
+              <a:t>Pass functions to functions:</a:t>
             </a:r>
           </a:p>
           <a:p>
@@ -36428,26 +36223,134 @@
                 </a:solidFill>
                 <a:latin typeface="Courier New" charset="0"/>
               </a:rPr>
-              <a:t>function</a:t>
+              <a:t>var</a:t>
             </a:r>
             <a:r>
               <a:rPr lang="en-US" sz="2800" kern="0" dirty="0">
                 <a:latin typeface="Courier New" charset="0"/>
               </a:rPr>
-              <a:t> execute(op, x, y) </a:t>
+              <a:t> add = </a:t>
             </a:r>
             <a:r>
               <a:rPr lang="en-US" sz="2800" kern="0" dirty="0">
                 <a:solidFill>
+                  <a:schemeClr val="bg2">
+                    <a:lumMod val="60000"/>
+                    <a:lumOff val="40000"/>
+                  </a:schemeClr>
+                </a:solidFill>
+                <a:latin typeface="Courier New" charset="0"/>
+              </a:rPr>
+              <a:t>function</a:t>
+            </a:r>
+            <a:r>
+              <a:rPr lang="en-US" sz="2800" kern="0" dirty="0">
+                <a:latin typeface="Courier New" charset="0"/>
+              </a:rPr>
+              <a:t> </a:t>
+            </a:r>
+            <a:r>
+              <a:rPr lang="en-US" sz="2800" kern="0" dirty="0">
+                <a:solidFill>
                   <a:srgbClr val="008000"/>
                 </a:solidFill>
                 <a:latin typeface="Courier New" charset="0"/>
               </a:rPr>
               <a:t>// ...</a:t>
             </a:r>
+          </a:p>
+          <a:p>
+            <a:pPr marL="517525" indent="-403225" eaLnBrk="1" hangingPunct="1">
+              <a:spcBef>
+                <a:spcPct val="20000"/>
+              </a:spcBef>
+              <a:buClr>
+                <a:schemeClr val="accent2"/>
+              </a:buClr>
+              <a:buSzPct val="80000"/>
+              <a:defRPr/>
+            </a:pPr>
             <a:endParaRPr lang="en-US" sz="2800" kern="0" dirty="0">
               <a:latin typeface="Courier New" charset="0"/>
             </a:endParaRPr>
+          </a:p>
+          <a:p>
+            <a:pPr marL="517525" indent="-403225" eaLnBrk="1" hangingPunct="1">
+              <a:spcBef>
+                <a:spcPct val="20000"/>
+              </a:spcBef>
+              <a:buClr>
+                <a:schemeClr val="accent2"/>
+              </a:buClr>
+              <a:buSzPct val="80000"/>
+              <a:defRPr/>
+            </a:pPr>
+            <a:r>
+              <a:rPr lang="en-US" sz="2800" kern="0" dirty="0">
+                <a:solidFill>
+                  <a:schemeClr val="bg2">
+                    <a:lumMod val="60000"/>
+                    <a:lumOff val="40000"/>
+                  </a:schemeClr>
+                </a:solidFill>
+                <a:latin typeface="Courier New" charset="0"/>
+              </a:rPr>
+              <a:t>function</a:t>
+            </a:r>
+            <a:r>
+              <a:rPr lang="en-US" sz="2800" kern="0" dirty="0">
+                <a:latin typeface="Courier New" charset="0"/>
+              </a:rPr>
+              <a:t> execute(op, x, y) {</a:t>
+            </a:r>
+          </a:p>
+          <a:p>
+            <a:pPr marL="517525" indent="-403225" eaLnBrk="1" hangingPunct="1">
+              <a:spcBef>
+                <a:spcPct val="20000"/>
+              </a:spcBef>
+              <a:buClr>
+                <a:schemeClr val="accent2"/>
+              </a:buClr>
+              <a:buSzPct val="80000"/>
+              <a:defRPr/>
+            </a:pPr>
+            <a:r>
+              <a:rPr lang="en-US" sz="2800" kern="0" dirty="0">
+                <a:solidFill>
+                  <a:schemeClr val="bg2">
+                    <a:lumMod val="60000"/>
+                    <a:lumOff val="40000"/>
+                  </a:schemeClr>
+                </a:solidFill>
+                <a:latin typeface="Courier New" charset="0"/>
+              </a:rPr>
+              <a:t>  return</a:t>
+            </a:r>
+            <a:r>
+              <a:rPr lang="en-US" sz="2800" kern="0" dirty="0">
+                <a:latin typeface="Courier New" charset="0"/>
+              </a:rPr>
+              <a:t> op(x, y);</a:t>
+            </a:r>
+          </a:p>
+          <a:p>
+            <a:pPr marL="517525" indent="-403225" eaLnBrk="1" hangingPunct="1">
+              <a:spcBef>
+                <a:spcPct val="20000"/>
+              </a:spcBef>
+              <a:buClr>
+                <a:schemeClr val="accent2"/>
+              </a:buClr>
+              <a:buSzPct val="80000"/>
+              <a:defRPr/>
+            </a:pPr>
+            <a:r>
+              <a:rPr lang="en-US" sz="2800" kern="0" dirty="0">
+                <a:latin typeface="Courier New" charset="0"/>
+              </a:rPr>
+              <a:t>}</a:t>
+            </a:r>
           </a:p>
           <a:p>
             <a:pPr marL="517525" indent="-403225" eaLnBrk="1" hangingPunct="1">
@@ -36497,79 +36400,7 @@
               <a:rPr lang="en-US" sz="2800" kern="0" dirty="0">
                 <a:latin typeface="Courier New" charset="0"/>
               </a:rPr>
-              <a:t> sum = execute(</a:t>
-            </a:r>
-            <a:r>
-              <a:rPr lang="en-US" sz="2800" kern="0" dirty="0">
-                <a:solidFill>
-                  <a:schemeClr val="bg2">
-                    <a:lumMod val="60000"/>
-                    <a:lumOff val="40000"/>
-                  </a:schemeClr>
-                </a:solidFill>
-                <a:latin typeface="Courier New" charset="0"/>
-              </a:rPr>
-              <a:t>function</a:t>
-            </a:r>
-            <a:r>
-              <a:rPr lang="en-US" sz="2800" kern="0" dirty="0">
-                <a:latin typeface="Courier New" charset="0"/>
-              </a:rPr>
-              <a:t>(x, y) {</a:t>
-            </a:r>
-          </a:p>
-          <a:p>
-            <a:pPr marL="517525" indent="-403225" eaLnBrk="1" hangingPunct="1">
-              <a:spcBef>
-                <a:spcPct val="20000"/>
-              </a:spcBef>
-              <a:buClr>
-                <a:schemeClr val="accent2"/>
-              </a:buClr>
-              <a:buSzPct val="80000"/>
-              <a:defRPr/>
-            </a:pPr>
-            <a:r>
-              <a:rPr lang="en-US" sz="2800" kern="0" dirty="0">
-                <a:latin typeface="Courier New" charset="0"/>
-              </a:rPr>
-              <a:t> </a:t>
-            </a:r>
-            <a:r>
-              <a:rPr lang="en-US" sz="2800" kern="0" dirty="0">
-                <a:solidFill>
-                  <a:schemeClr val="bg2">
-                    <a:lumMod val="60000"/>
-                    <a:lumOff val="40000"/>
-                  </a:schemeClr>
-                </a:solidFill>
-                <a:latin typeface="Courier New" charset="0"/>
-              </a:rPr>
-              <a:t>return</a:t>
-            </a:r>
-            <a:r>
-              <a:rPr lang="en-US" sz="2800" kern="0" dirty="0">
-                <a:latin typeface="Courier New" charset="0"/>
-              </a:rPr>
-              <a:t> x + y;</a:t>
-            </a:r>
-          </a:p>
-          <a:p>
-            <a:pPr marL="517525" indent="-403225" eaLnBrk="1" hangingPunct="1">
-              <a:spcBef>
-                <a:spcPct val="20000"/>
-              </a:spcBef>
-              <a:buClr>
-                <a:schemeClr val="accent2"/>
-              </a:buClr>
-              <a:buSzPct val="80000"/>
-              <a:defRPr/>
-            </a:pPr>
-            <a:r>
-              <a:rPr lang="en-US" sz="2800" kern="0" dirty="0">
-                <a:latin typeface="Courier New" charset="0"/>
-              </a:rPr>
-              <a:t>}, 1, 2);</a:t>
+              <a:t> sum = execute(add, 1, 2);</a:t>
             </a:r>
           </a:p>
           <a:p>
@@ -36621,7 +36452,7 @@
     </p:spTree>
     <p:extLst>
       <p:ext uri="{BB962C8B-B14F-4D97-AF65-F5344CB8AC3E}">
-        <p14:creationId xmlns:p14="http://schemas.microsoft.com/office/powerpoint/2010/main" val="863935661"/>
+        <p14:creationId xmlns:p14="http://schemas.microsoft.com/office/powerpoint/2010/main" val="4109309804"/>
       </p:ext>
     </p:extLst>
   </p:cSld>
@@ -36650,45 +36481,7 @@
       </p:grpSpPr>
       <p:sp>
         <p:nvSpPr>
-          <p:cNvPr id="54274" name="Rectangle 5"/>
-          <p:cNvSpPr>
-            <a:spLocks noChangeArrowheads="1"/>
-          </p:cNvSpPr>
-          <p:nvPr/>
-        </p:nvSpPr>
-        <p:spPr bwMode="auto">
-          <a:xfrm>
-            <a:off x="4038600" y="4572000"/>
-            <a:ext cx="914400" cy="457200"/>
-          </a:xfrm>
-          <a:prstGeom prst="rect">
-            <a:avLst/>
-          </a:prstGeom>
-          <a:solidFill>
-            <a:srgbClr val="FFFF99">
-              <a:alpha val="50195"/>
-            </a:srgbClr>
-          </a:solidFill>
-          <a:ln w="9525">
-            <a:solidFill>
-              <a:schemeClr val="tx1"/>
-            </a:solidFill>
-            <a:miter lim="800000"/>
-            <a:headEnd/>
-            <a:tailEnd/>
-          </a:ln>
-        </p:spPr>
-        <p:txBody>
-          <a:bodyPr wrap="none" anchor="ctr"/>
-          <a:lstStyle/>
-          <a:p>
-            <a:endParaRPr lang="en-US"/>
-          </a:p>
-        </p:txBody>
-      </p:sp>
-      <p:sp>
-        <p:nvSpPr>
-          <p:cNvPr id="54275" name="Title 1"/>
+          <p:cNvPr id="53250" name="Title 1"/>
           <p:cNvSpPr>
             <a:spLocks noGrp="1"/>
           </p:cNvSpPr>
@@ -36708,7 +36501,7 @@
           <a:p>
             <a:r>
               <a:rPr lang="en-US" smtClean="0"/>
-              <a:t>JavaScript Closures</a:t>
+              <a:t>JavaScript Anonymous  Functions</a:t>
             </a:r>
           </a:p>
         </p:txBody>
@@ -36738,7 +36531,7 @@
             </a:pPr>
             <a:r>
               <a:rPr lang="en-US" dirty="0" smtClean="0"/>
-              <a:t>Why limit scope?</a:t>
+              <a:t>Why name functions?</a:t>
             </a:r>
           </a:p>
           <a:p>
@@ -36799,14 +36592,26 @@
                 </a:solidFill>
                 <a:latin typeface="Courier New" charset="0"/>
               </a:rPr>
-              <a:t>var</a:t>
+              <a:t>function</a:t>
             </a:r>
             <a:r>
               <a:rPr lang="en-US" sz="2800" kern="0" dirty="0">
                 <a:latin typeface="Courier New" charset="0"/>
               </a:rPr>
-              <a:t> z = 3;</a:t>
-            </a:r>
+              <a:t> execute(op, x, y) </a:t>
+            </a:r>
+            <a:r>
+              <a:rPr lang="en-US" sz="2800" kern="0" dirty="0">
+                <a:solidFill>
+                  <a:srgbClr val="008000"/>
+                </a:solidFill>
+                <a:latin typeface="Courier New" charset="0"/>
+              </a:rPr>
+              <a:t>// ...</a:t>
+            </a:r>
+            <a:endParaRPr lang="en-US" sz="2800" kern="0" dirty="0">
+              <a:latin typeface="Courier New" charset="0"/>
+            </a:endParaRPr>
           </a:p>
           <a:p>
             <a:pPr marL="517525" indent="-403225" eaLnBrk="1" hangingPunct="1">
@@ -36910,7 +36715,7 @@
               <a:rPr lang="en-US" sz="2800" kern="0" dirty="0">
                 <a:latin typeface="Courier New" charset="0"/>
               </a:rPr>
-              <a:t> x + y + z;</a:t>
+              <a:t> x + y;</a:t>
             </a:r>
           </a:p>
           <a:p>
@@ -36980,7 +36785,7 @@
     </p:spTree>
     <p:extLst>
       <p:ext uri="{BB962C8B-B14F-4D97-AF65-F5344CB8AC3E}">
-        <p14:creationId xmlns:p14="http://schemas.microsoft.com/office/powerpoint/2010/main" val="3959369909"/>
+        <p14:creationId xmlns:p14="http://schemas.microsoft.com/office/powerpoint/2010/main" val="863935661"/>
       </p:ext>
     </p:extLst>
   </p:cSld>
@@ -37009,7 +36814,45 @@
       </p:grpSpPr>
       <p:sp>
         <p:nvSpPr>
-          <p:cNvPr id="55298" name="Title 1"/>
+          <p:cNvPr id="54274" name="Rectangle 5"/>
+          <p:cNvSpPr>
+            <a:spLocks noChangeArrowheads="1"/>
+          </p:cNvSpPr>
+          <p:nvPr/>
+        </p:nvSpPr>
+        <p:spPr bwMode="auto">
+          <a:xfrm>
+            <a:off x="4038600" y="4572000"/>
+            <a:ext cx="914400" cy="457200"/>
+          </a:xfrm>
+          <a:prstGeom prst="rect">
+            <a:avLst/>
+          </a:prstGeom>
+          <a:solidFill>
+            <a:srgbClr val="FFFF99">
+              <a:alpha val="50195"/>
+            </a:srgbClr>
+          </a:solidFill>
+          <a:ln w="9525">
+            <a:solidFill>
+              <a:schemeClr val="tx1"/>
+            </a:solidFill>
+            <a:miter lim="800000"/>
+            <a:headEnd/>
+            <a:tailEnd/>
+          </a:ln>
+        </p:spPr>
+        <p:txBody>
+          <a:bodyPr wrap="none" anchor="ctr"/>
+          <a:lstStyle/>
+          <a:p>
+            <a:endParaRPr lang="en-US"/>
+          </a:p>
+        </p:txBody>
+      </p:sp>
+      <p:sp>
+        <p:nvSpPr>
+          <p:cNvPr id="54275" name="Title 1"/>
           <p:cNvSpPr>
             <a:spLocks noGrp="1"/>
           </p:cNvSpPr>
@@ -37020,18 +36863,252 @@
         <p:spPr>
           <a:xfrm>
             <a:off x="457200" y="457200"/>
-            <a:ext cx="8229600" cy="6019800"/>
+            <a:ext cx="8763000" cy="1371600"/>
           </a:xfrm>
         </p:spPr>
         <p:txBody>
           <a:bodyPr/>
           <a:lstStyle/>
           <a:p>
-            <a:pPr algn="ctr"/>
-            <a:r>
-              <a:rPr lang="en-US" sz="6600" smtClean="0"/>
-              <a:t>JavaScript is a dynamic language…</a:t>
-            </a:r>
+            <a:r>
+              <a:rPr lang="en-US" smtClean="0"/>
+              <a:t>JavaScript Closures</a:t>
+            </a:r>
+          </a:p>
+        </p:txBody>
+      </p:sp>
+      <p:sp>
+        <p:nvSpPr>
+          <p:cNvPr id="3" name="Content Placeholder 2"/>
+          <p:cNvSpPr>
+            <a:spLocks noGrp="1"/>
+          </p:cNvSpPr>
+          <p:nvPr>
+            <p:ph idx="1"/>
+          </p:nvPr>
+        </p:nvSpPr>
+        <p:spPr>
+          <a:xfrm>
+            <a:off x="457200" y="1981200"/>
+            <a:ext cx="8229600" cy="4267200"/>
+          </a:xfrm>
+        </p:spPr>
+        <p:txBody>
+          <a:bodyPr/>
+          <a:lstStyle/>
+          <a:p>
+            <a:pPr>
+              <a:defRPr/>
+            </a:pPr>
+            <a:r>
+              <a:rPr lang="en-US" dirty="0" smtClean="0"/>
+              <a:t>Why limit scope?</a:t>
+            </a:r>
+          </a:p>
+          <a:p>
+            <a:pPr marL="0" indent="0">
+              <a:buFont typeface="Wingdings" pitchFamily="2" charset="2"/>
+              <a:buNone/>
+              <a:defRPr/>
+            </a:pPr>
+            <a:endParaRPr lang="en-US" dirty="0"/>
+          </a:p>
+        </p:txBody>
+      </p:sp>
+      <p:sp>
+        <p:nvSpPr>
+          <p:cNvPr id="5" name="Rectangle 3"/>
+          <p:cNvSpPr txBox="1">
+            <a:spLocks noChangeArrowheads="1"/>
+          </p:cNvSpPr>
+          <p:nvPr/>
+        </p:nvSpPr>
+        <p:spPr bwMode="auto">
+          <a:xfrm>
+            <a:off x="898525" y="2971800"/>
+            <a:ext cx="7788275" cy="3733800"/>
+          </a:xfrm>
+          <a:prstGeom prst="rect">
+            <a:avLst/>
+          </a:prstGeom>
+          <a:noFill/>
+          <a:ln w="9525">
+            <a:noFill/>
+            <a:miter lim="800000"/>
+            <a:headEnd/>
+            <a:tailEnd/>
+          </a:ln>
+        </p:spPr>
+        <p:txBody>
+          <a:bodyPr/>
+          <a:lstStyle/>
+          <a:p>
+            <a:pPr marL="517525" indent="-403225" eaLnBrk="1" hangingPunct="1">
+              <a:spcBef>
+                <a:spcPct val="20000"/>
+              </a:spcBef>
+              <a:buClr>
+                <a:schemeClr val="accent2"/>
+              </a:buClr>
+              <a:buSzPct val="80000"/>
+              <a:defRPr/>
+            </a:pPr>
+            <a:r>
+              <a:rPr lang="en-US" sz="2800" kern="0" dirty="0">
+                <a:solidFill>
+                  <a:schemeClr val="bg2">
+                    <a:lumMod val="60000"/>
+                    <a:lumOff val="40000"/>
+                  </a:schemeClr>
+                </a:solidFill>
+                <a:latin typeface="Courier New" charset="0"/>
+              </a:rPr>
+              <a:t>var</a:t>
+            </a:r>
+            <a:r>
+              <a:rPr lang="en-US" sz="2800" kern="0" dirty="0">
+                <a:latin typeface="Courier New" charset="0"/>
+              </a:rPr>
+              <a:t> z = 3;</a:t>
+            </a:r>
+          </a:p>
+          <a:p>
+            <a:pPr marL="517525" indent="-403225" eaLnBrk="1" hangingPunct="1">
+              <a:spcBef>
+                <a:spcPct val="20000"/>
+              </a:spcBef>
+              <a:buClr>
+                <a:schemeClr val="accent2"/>
+              </a:buClr>
+              <a:buSzPct val="80000"/>
+              <a:defRPr/>
+            </a:pPr>
+            <a:endParaRPr lang="en-US" sz="2800" kern="0" dirty="0">
+              <a:solidFill>
+                <a:schemeClr val="bg2">
+                  <a:lumMod val="60000"/>
+                  <a:lumOff val="40000"/>
+                </a:schemeClr>
+              </a:solidFill>
+              <a:latin typeface="Courier New" charset="0"/>
+            </a:endParaRPr>
+          </a:p>
+          <a:p>
+            <a:pPr marL="517525" indent="-403225" eaLnBrk="1" hangingPunct="1">
+              <a:spcBef>
+                <a:spcPct val="20000"/>
+              </a:spcBef>
+              <a:buClr>
+                <a:schemeClr val="accent2"/>
+              </a:buClr>
+              <a:buSzPct val="80000"/>
+              <a:defRPr/>
+            </a:pPr>
+            <a:r>
+              <a:rPr lang="en-US" sz="2800" kern="0" dirty="0">
+                <a:solidFill>
+                  <a:schemeClr val="bg2">
+                    <a:lumMod val="60000"/>
+                    <a:lumOff val="40000"/>
+                  </a:schemeClr>
+                </a:solidFill>
+                <a:latin typeface="Courier New" charset="0"/>
+              </a:rPr>
+              <a:t>var</a:t>
+            </a:r>
+            <a:r>
+              <a:rPr lang="en-US" sz="2800" kern="0" dirty="0">
+                <a:latin typeface="Courier New" charset="0"/>
+              </a:rPr>
+              <a:t> sum = execute(</a:t>
+            </a:r>
+            <a:r>
+              <a:rPr lang="en-US" sz="2800" kern="0" dirty="0">
+                <a:solidFill>
+                  <a:schemeClr val="bg2">
+                    <a:lumMod val="60000"/>
+                    <a:lumOff val="40000"/>
+                  </a:schemeClr>
+                </a:solidFill>
+                <a:latin typeface="Courier New" charset="0"/>
+              </a:rPr>
+              <a:t>function</a:t>
+            </a:r>
+            <a:r>
+              <a:rPr lang="en-US" sz="2800" kern="0" dirty="0">
+                <a:latin typeface="Courier New" charset="0"/>
+              </a:rPr>
+              <a:t>(x, y) {</a:t>
+            </a:r>
+          </a:p>
+          <a:p>
+            <a:pPr marL="517525" indent="-403225" eaLnBrk="1" hangingPunct="1">
+              <a:spcBef>
+                <a:spcPct val="20000"/>
+              </a:spcBef>
+              <a:buClr>
+                <a:schemeClr val="accent2"/>
+              </a:buClr>
+              <a:buSzPct val="80000"/>
+              <a:defRPr/>
+            </a:pPr>
+            <a:r>
+              <a:rPr lang="en-US" sz="2800" kern="0" dirty="0">
+                <a:latin typeface="Courier New" charset="0"/>
+              </a:rPr>
+              <a:t> </a:t>
+            </a:r>
+            <a:r>
+              <a:rPr lang="en-US" sz="2800" kern="0" dirty="0">
+                <a:solidFill>
+                  <a:schemeClr val="bg2">
+                    <a:lumMod val="60000"/>
+                    <a:lumOff val="40000"/>
+                  </a:schemeClr>
+                </a:solidFill>
+                <a:latin typeface="Courier New" charset="0"/>
+              </a:rPr>
+              <a:t>return</a:t>
+            </a:r>
+            <a:r>
+              <a:rPr lang="en-US" sz="2800" kern="0" dirty="0">
+                <a:latin typeface="Courier New" charset="0"/>
+              </a:rPr>
+              <a:t> x + y + z;</a:t>
+            </a:r>
+          </a:p>
+          <a:p>
+            <a:pPr marL="517525" indent="-403225" eaLnBrk="1" hangingPunct="1">
+              <a:spcBef>
+                <a:spcPct val="20000"/>
+              </a:spcBef>
+              <a:buClr>
+                <a:schemeClr val="accent2"/>
+              </a:buClr>
+              <a:buSzPct val="80000"/>
+              <a:defRPr/>
+            </a:pPr>
+            <a:r>
+              <a:rPr lang="en-US" sz="2800" kern="0" dirty="0">
+                <a:latin typeface="Courier New" charset="0"/>
+              </a:rPr>
+              <a:t>}, 1, 2);</a:t>
+            </a:r>
+          </a:p>
+          <a:p>
+            <a:pPr marL="517525" indent="-403225" eaLnBrk="1" hangingPunct="1">
+              <a:spcBef>
+                <a:spcPct val="20000"/>
+              </a:spcBef>
+              <a:buClr>
+                <a:schemeClr val="accent2"/>
+              </a:buClr>
+              <a:buSzPct val="80000"/>
+              <a:defRPr/>
+            </a:pPr>
+            <a:endParaRPr lang="en-US" sz="2800" kern="0" dirty="0">
+              <a:latin typeface="Courier New" charset="0"/>
+            </a:endParaRPr>
           </a:p>
         </p:txBody>
       </p:sp>
@@ -37067,7 +37144,7 @@
     </p:spTree>
     <p:extLst>
       <p:ext uri="{BB962C8B-B14F-4D97-AF65-F5344CB8AC3E}">
-        <p14:creationId xmlns:p14="http://schemas.microsoft.com/office/powerpoint/2010/main" val="2798531907"/>
+        <p14:creationId xmlns:p14="http://schemas.microsoft.com/office/powerpoint/2010/main" val="3959369909"/>
       </p:ext>
     </p:extLst>
   </p:cSld>
@@ -37096,7 +37173,7 @@
       </p:grpSpPr>
       <p:sp>
         <p:nvSpPr>
-          <p:cNvPr id="56322" name="Title 1"/>
+          <p:cNvPr id="55298" name="Title 1"/>
           <p:cNvSpPr>
             <a:spLocks noGrp="1"/>
           </p:cNvSpPr>
@@ -37104,174 +37181,20 @@
             <p:ph type="title"/>
           </p:nvPr>
         </p:nvSpPr>
-        <p:spPr/>
-        <p:txBody>
-          <a:bodyPr/>
-          <a:lstStyle/>
-          <a:p>
-            <a:r>
-              <a:rPr lang="en-US" smtClean="0"/>
-              <a:t>JavaScript Object Literals</a:t>
-            </a:r>
-          </a:p>
-        </p:txBody>
-      </p:sp>
-      <p:sp>
-        <p:nvSpPr>
-          <p:cNvPr id="3" name="Content Placeholder 2"/>
-          <p:cNvSpPr>
-            <a:spLocks noGrp="1"/>
-          </p:cNvSpPr>
-          <p:nvPr>
-            <p:ph idx="1"/>
-          </p:nvPr>
-        </p:nvSpPr>
         <p:spPr>
           <a:xfrm>
-            <a:off x="457200" y="1981200"/>
-            <a:ext cx="8229600" cy="1143000"/>
+            <a:off x="457200" y="457200"/>
+            <a:ext cx="8229600" cy="6019800"/>
           </a:xfrm>
         </p:spPr>
         <p:txBody>
           <a:bodyPr/>
           <a:lstStyle/>
           <a:p>
-            <a:pPr>
-              <a:defRPr/>
-            </a:pPr>
-            <a:r>
-              <a:rPr lang="en-US" dirty="0" smtClean="0"/>
-              <a:t>Who needs </a:t>
-            </a:r>
-            <a:r>
-              <a:rPr lang="en-US" dirty="0" smtClean="0">
-                <a:solidFill>
-                  <a:schemeClr val="accent1">
-                    <a:lumMod val="50000"/>
-                  </a:schemeClr>
-                </a:solidFill>
-                <a:latin typeface="Courier New" pitchFamily="49" charset="0"/>
-                <a:cs typeface="Courier New" pitchFamily="49" charset="0"/>
-              </a:rPr>
-              <a:t>struct</a:t>
-            </a:r>
-            <a:r>
-              <a:rPr lang="en-US" dirty="0" smtClean="0"/>
-              <a:t>?  Create objects on the fly:</a:t>
-            </a:r>
-            <a:endParaRPr lang="en-US" dirty="0"/>
-          </a:p>
-        </p:txBody>
-      </p:sp>
-      <p:sp>
-        <p:nvSpPr>
-          <p:cNvPr id="4" name="Rectangle 3"/>
-          <p:cNvSpPr txBox="1">
-            <a:spLocks noChangeArrowheads="1"/>
-          </p:cNvSpPr>
-          <p:nvPr/>
-        </p:nvSpPr>
-        <p:spPr bwMode="auto">
-          <a:xfrm>
-            <a:off x="914400" y="3505200"/>
-            <a:ext cx="7620000" cy="2362200"/>
-          </a:xfrm>
-          <a:prstGeom prst="rect">
-            <a:avLst/>
-          </a:prstGeom>
-          <a:noFill/>
-          <a:ln w="9525">
-            <a:noFill/>
-            <a:miter lim="800000"/>
-            <a:headEnd/>
-            <a:tailEnd/>
-          </a:ln>
-        </p:spPr>
-        <p:txBody>
-          <a:bodyPr/>
-          <a:lstStyle/>
-          <a:p>
-            <a:pPr marL="517525" indent="-403225" eaLnBrk="1" hangingPunct="1">
-              <a:spcBef>
-                <a:spcPct val="20000"/>
-              </a:spcBef>
-              <a:buClr>
-                <a:schemeClr val="accent2"/>
-              </a:buClr>
-              <a:buSzPct val="80000"/>
-              <a:defRPr/>
-            </a:pPr>
-            <a:r>
-              <a:rPr lang="en-US" sz="2800" kern="0" dirty="0">
-                <a:solidFill>
-                  <a:schemeClr val="bg2">
-                    <a:lumMod val="60000"/>
-                    <a:lumOff val="40000"/>
-                  </a:schemeClr>
-                </a:solidFill>
-                <a:latin typeface="Courier New" charset="0"/>
-              </a:rPr>
-              <a:t>var </a:t>
-            </a:r>
-            <a:r>
-              <a:rPr lang="en-US" sz="2800" kern="0" dirty="0">
-                <a:latin typeface="Courier New" charset="0"/>
-              </a:rPr>
-              <a:t>position = {</a:t>
-            </a:r>
-          </a:p>
-          <a:p>
-            <a:pPr marL="517525" indent="-403225" eaLnBrk="1" hangingPunct="1">
-              <a:spcBef>
-                <a:spcPct val="20000"/>
-              </a:spcBef>
-              <a:buClr>
-                <a:schemeClr val="accent2"/>
-              </a:buClr>
-              <a:buSzPct val="80000"/>
-              <a:defRPr/>
-            </a:pPr>
-            <a:r>
-              <a:rPr lang="en-US" sz="2800" kern="0" dirty="0">
-                <a:latin typeface="Courier New" charset="0"/>
-              </a:rPr>
-              <a:t>  x : 1.0,</a:t>
-            </a:r>
-          </a:p>
-          <a:p>
-            <a:pPr marL="517525" indent="-403225" eaLnBrk="1" hangingPunct="1">
-              <a:spcBef>
-                <a:spcPct val="20000"/>
-              </a:spcBef>
-              <a:buClr>
-                <a:schemeClr val="accent2"/>
-              </a:buClr>
-              <a:buSzPct val="80000"/>
-              <a:defRPr/>
-            </a:pPr>
-            <a:r>
-              <a:rPr lang="en-US" sz="2800" kern="0" dirty="0">
-                <a:latin typeface="Courier New" charset="0"/>
-              </a:rPr>
-              <a:t>  y : 2.0</a:t>
-            </a:r>
-          </a:p>
-          <a:p>
-            <a:pPr marL="517525" indent="-403225" eaLnBrk="1" hangingPunct="1">
-              <a:spcBef>
-                <a:spcPct val="20000"/>
-              </a:spcBef>
-              <a:buClr>
-                <a:schemeClr val="accent2"/>
-              </a:buClr>
-              <a:buSzPct val="80000"/>
-              <a:defRPr/>
-            </a:pPr>
-            <a:r>
-              <a:rPr lang="en-US" sz="2800" kern="0" dirty="0">
-                <a:latin typeface="Courier New" charset="0"/>
-              </a:rPr>
-              <a:t>};</a:t>
+            <a:pPr algn="ctr"/>
+            <a:r>
+              <a:rPr lang="en-US" sz="6600" smtClean="0"/>
+              <a:t>JavaScript is a dynamic language…</a:t>
             </a:r>
           </a:p>
         </p:txBody>
@@ -37308,7 +37231,7 @@
     </p:spTree>
     <p:extLst>
       <p:ext uri="{BB962C8B-B14F-4D97-AF65-F5344CB8AC3E}">
-        <p14:creationId xmlns:p14="http://schemas.microsoft.com/office/powerpoint/2010/main" val="3731175968"/>
+        <p14:creationId xmlns:p14="http://schemas.microsoft.com/office/powerpoint/2010/main" val="2798531907"/>
       </p:ext>
     </p:extLst>
   </p:cSld>
@@ -37464,45 +37387,7 @@
       </p:grpSpPr>
       <p:sp>
         <p:nvSpPr>
-          <p:cNvPr id="57346" name="Rectangle 5"/>
-          <p:cNvSpPr>
-            <a:spLocks noChangeArrowheads="1"/>
-          </p:cNvSpPr>
-          <p:nvPr/>
-        </p:nvSpPr>
-        <p:spPr bwMode="auto">
-          <a:xfrm>
-            <a:off x="1066800" y="5562600"/>
-            <a:ext cx="3657600" cy="457200"/>
-          </a:xfrm>
-          <a:prstGeom prst="rect">
-            <a:avLst/>
-          </a:prstGeom>
-          <a:solidFill>
-            <a:srgbClr val="FFFF99">
-              <a:alpha val="50195"/>
-            </a:srgbClr>
-          </a:solidFill>
-          <a:ln w="9525">
-            <a:solidFill>
-              <a:schemeClr val="tx1"/>
-            </a:solidFill>
-            <a:miter lim="800000"/>
-            <a:headEnd/>
-            <a:tailEnd/>
-          </a:ln>
-        </p:spPr>
-        <p:txBody>
-          <a:bodyPr wrap="none" anchor="ctr"/>
-          <a:lstStyle/>
-          <a:p>
-            <a:endParaRPr lang="en-US"/>
-          </a:p>
-        </p:txBody>
-      </p:sp>
-      <p:sp>
-        <p:nvSpPr>
-          <p:cNvPr id="57347" name="Title 1"/>
+          <p:cNvPr id="56322" name="Title 1"/>
           <p:cNvSpPr>
             <a:spLocks noGrp="1"/>
           </p:cNvSpPr>
@@ -37524,7 +37409,7 @@
       </p:sp>
       <p:sp>
         <p:nvSpPr>
-          <p:cNvPr id="57348" name="Content Placeholder 2"/>
+          <p:cNvPr id="3" name="Content Placeholder 2"/>
           <p:cNvSpPr>
             <a:spLocks noGrp="1"/>
           </p:cNvSpPr>
@@ -37542,10 +37427,30 @@
           <a:bodyPr/>
           <a:lstStyle/>
           <a:p>
-            <a:r>
-              <a:rPr lang="en-US" smtClean="0"/>
-              <a:t>Why not add fields on the fly too?</a:t>
-            </a:r>
+            <a:pPr>
+              <a:defRPr/>
+            </a:pPr>
+            <a:r>
+              <a:rPr lang="en-US" dirty="0" smtClean="0"/>
+              <a:t>Who needs </a:t>
+            </a:r>
+            <a:r>
+              <a:rPr lang="en-US" dirty="0" smtClean="0">
+                <a:solidFill>
+                  <a:schemeClr val="accent1">
+                    <a:lumMod val="50000"/>
+                  </a:schemeClr>
+                </a:solidFill>
+                <a:latin typeface="Courier New" pitchFamily="49" charset="0"/>
+                <a:cs typeface="Courier New" pitchFamily="49" charset="0"/>
+              </a:rPr>
+              <a:t>struct</a:t>
+            </a:r>
+            <a:r>
+              <a:rPr lang="en-US" dirty="0" smtClean="0"/>
+              <a:t>?  Create objects on the fly:</a:t>
+            </a:r>
+            <a:endParaRPr lang="en-US" dirty="0"/>
           </a:p>
         </p:txBody>
       </p:sp>
@@ -37560,7 +37465,7 @@
         <p:spPr bwMode="auto">
           <a:xfrm>
             <a:off x="914400" y="3505200"/>
-            <a:ext cx="7620000" cy="2667000"/>
+            <a:ext cx="7620000" cy="2362200"/>
           </a:xfrm>
           <a:prstGeom prst="rect">
             <a:avLst/>
@@ -37660,24 +37565,6 @@
               <a:t>};</a:t>
             </a:r>
           </a:p>
-          <a:p>
-            <a:pPr marL="517525" indent="-403225" eaLnBrk="1" hangingPunct="1">
-              <a:spcBef>
-                <a:spcPct val="20000"/>
-              </a:spcBef>
-              <a:buClr>
-                <a:schemeClr val="accent2"/>
-              </a:buClr>
-              <a:buSzPct val="80000"/>
-              <a:defRPr/>
-            </a:pPr>
-            <a:r>
-              <a:rPr lang="en-US" sz="2800" kern="0" dirty="0">
-                <a:latin typeface="Courier New" charset="0"/>
-              </a:rPr>
-              <a:t>position.z = 3.0;</a:t>
-            </a:r>
-          </a:p>
         </p:txBody>
       </p:sp>
       <p:sp>
@@ -37712,7 +37599,7 @@
     </p:spTree>
     <p:extLst>
       <p:ext uri="{BB962C8B-B14F-4D97-AF65-F5344CB8AC3E}">
-        <p14:creationId xmlns:p14="http://schemas.microsoft.com/office/powerpoint/2010/main" val="334318519"/>
+        <p14:creationId xmlns:p14="http://schemas.microsoft.com/office/powerpoint/2010/main" val="3731175968"/>
       </p:ext>
     </p:extLst>
   </p:cSld>
@@ -37741,7 +37628,45 @@
       </p:grpSpPr>
       <p:sp>
         <p:nvSpPr>
-          <p:cNvPr id="58370" name="Title 1"/>
+          <p:cNvPr id="57346" name="Rectangle 5"/>
+          <p:cNvSpPr>
+            <a:spLocks noChangeArrowheads="1"/>
+          </p:cNvSpPr>
+          <p:nvPr/>
+        </p:nvSpPr>
+        <p:spPr bwMode="auto">
+          <a:xfrm>
+            <a:off x="1066800" y="5562600"/>
+            <a:ext cx="3657600" cy="457200"/>
+          </a:xfrm>
+          <a:prstGeom prst="rect">
+            <a:avLst/>
+          </a:prstGeom>
+          <a:solidFill>
+            <a:srgbClr val="FFFF99">
+              <a:alpha val="50195"/>
+            </a:srgbClr>
+          </a:solidFill>
+          <a:ln w="9525">
+            <a:solidFill>
+              <a:schemeClr val="tx1"/>
+            </a:solidFill>
+            <a:miter lim="800000"/>
+            <a:headEnd/>
+            <a:tailEnd/>
+          </a:ln>
+        </p:spPr>
+        <p:txBody>
+          <a:bodyPr wrap="none" anchor="ctr"/>
+          <a:lstStyle/>
+          <a:p>
+            <a:endParaRPr lang="en-US"/>
+          </a:p>
+        </p:txBody>
+      </p:sp>
+      <p:sp>
+        <p:nvSpPr>
+          <p:cNvPr id="57347" name="Title 1"/>
           <p:cNvSpPr>
             <a:spLocks noGrp="1"/>
           </p:cNvSpPr>
@@ -37763,7 +37688,7 @@
       </p:sp>
       <p:sp>
         <p:nvSpPr>
-          <p:cNvPr id="3" name="Content Placeholder 2"/>
+          <p:cNvPr id="57348" name="Content Placeholder 2"/>
           <p:cNvSpPr>
             <a:spLocks noGrp="1"/>
           </p:cNvSpPr>
@@ -37774,37 +37699,148 @@
         <p:spPr>
           <a:xfrm>
             <a:off x="457200" y="1981200"/>
-            <a:ext cx="8229600" cy="685800"/>
+            <a:ext cx="8229600" cy="1143000"/>
           </a:xfrm>
         </p:spPr>
         <p:txBody>
           <a:bodyPr/>
           <a:lstStyle/>
           <a:p>
-            <a:pPr>
+            <a:r>
+              <a:rPr lang="en-US" smtClean="0"/>
+              <a:t>Why not add fields on the fly too?</a:t>
+            </a:r>
+          </a:p>
+        </p:txBody>
+      </p:sp>
+      <p:sp>
+        <p:nvSpPr>
+          <p:cNvPr id="4" name="Rectangle 3"/>
+          <p:cNvSpPr txBox="1">
+            <a:spLocks noChangeArrowheads="1"/>
+          </p:cNvSpPr>
+          <p:nvPr/>
+        </p:nvSpPr>
+        <p:spPr bwMode="auto">
+          <a:xfrm>
+            <a:off x="914400" y="3505200"/>
+            <a:ext cx="7620000" cy="2667000"/>
+          </a:xfrm>
+          <a:prstGeom prst="rect">
+            <a:avLst/>
+          </a:prstGeom>
+          <a:noFill/>
+          <a:ln w="9525">
+            <a:noFill/>
+            <a:miter lim="800000"/>
+            <a:headEnd/>
+            <a:tailEnd/>
+          </a:ln>
+        </p:spPr>
+        <p:txBody>
+          <a:bodyPr/>
+          <a:lstStyle/>
+          <a:p>
+            <a:pPr marL="517525" indent="-403225" eaLnBrk="1" hangingPunct="1">
+              <a:spcBef>
+                <a:spcPct val="20000"/>
+              </a:spcBef>
+              <a:buClr>
+                <a:schemeClr val="accent2"/>
+              </a:buClr>
+              <a:buSzPct val="80000"/>
               <a:defRPr/>
             </a:pPr>
             <a:r>
-              <a:rPr lang="en-US" dirty="0" smtClean="0"/>
-              <a:t>Who needs </a:t>
-            </a:r>
-            <a:r>
-              <a:rPr lang="en-US" dirty="0" smtClean="0">
-                <a:solidFill>
-                  <a:schemeClr val="accent1">
-                    <a:lumMod val="50000"/>
+              <a:rPr lang="en-US" sz="2800" kern="0" dirty="0">
+                <a:solidFill>
+                  <a:schemeClr val="bg2">
+                    <a:lumMod val="60000"/>
+                    <a:lumOff val="40000"/>
                   </a:schemeClr>
                 </a:solidFill>
-                <a:latin typeface="Courier New" pitchFamily="49" charset="0"/>
-                <a:cs typeface="Courier New" pitchFamily="49" charset="0"/>
-              </a:rPr>
-              <a:t>class</a:t>
-            </a:r>
-            <a:r>
-              <a:rPr lang="en-US" dirty="0" smtClean="0"/>
-              <a:t>?</a:t>
-            </a:r>
-            <a:endParaRPr lang="en-US" dirty="0"/>
+                <a:latin typeface="Courier New" charset="0"/>
+              </a:rPr>
+              <a:t>var </a:t>
+            </a:r>
+            <a:r>
+              <a:rPr lang="en-US" sz="2800" kern="0" dirty="0">
+                <a:latin typeface="Courier New" charset="0"/>
+              </a:rPr>
+              <a:t>position = {</a:t>
+            </a:r>
+          </a:p>
+          <a:p>
+            <a:pPr marL="517525" indent="-403225" eaLnBrk="1" hangingPunct="1">
+              <a:spcBef>
+                <a:spcPct val="20000"/>
+              </a:spcBef>
+              <a:buClr>
+                <a:schemeClr val="accent2"/>
+              </a:buClr>
+              <a:buSzPct val="80000"/>
+              <a:defRPr/>
+            </a:pPr>
+            <a:r>
+              <a:rPr lang="en-US" sz="2800" kern="0" dirty="0">
+                <a:latin typeface="Courier New" charset="0"/>
+              </a:rPr>
+              <a:t>  x : 1.0,</a:t>
+            </a:r>
+          </a:p>
+          <a:p>
+            <a:pPr marL="517525" indent="-403225" eaLnBrk="1" hangingPunct="1">
+              <a:spcBef>
+                <a:spcPct val="20000"/>
+              </a:spcBef>
+              <a:buClr>
+                <a:schemeClr val="accent2"/>
+              </a:buClr>
+              <a:buSzPct val="80000"/>
+              <a:defRPr/>
+            </a:pPr>
+            <a:r>
+              <a:rPr lang="en-US" sz="2800" kern="0" dirty="0">
+                <a:latin typeface="Courier New" charset="0"/>
+              </a:rPr>
+              <a:t>  y : 2.0</a:t>
+            </a:r>
+          </a:p>
+          <a:p>
+            <a:pPr marL="517525" indent="-403225" eaLnBrk="1" hangingPunct="1">
+              <a:spcBef>
+                <a:spcPct val="20000"/>
+              </a:spcBef>
+              <a:buClr>
+                <a:schemeClr val="accent2"/>
+              </a:buClr>
+              <a:buSzPct val="80000"/>
+              <a:defRPr/>
+            </a:pPr>
+            <a:r>
+              <a:rPr lang="en-US" sz="2800" kern="0" dirty="0">
+                <a:latin typeface="Courier New" charset="0"/>
+              </a:rPr>
+              <a:t>};</a:t>
+            </a:r>
+          </a:p>
+          <a:p>
+            <a:pPr marL="517525" indent="-403225" eaLnBrk="1" hangingPunct="1">
+              <a:spcBef>
+                <a:spcPct val="20000"/>
+              </a:spcBef>
+              <a:buClr>
+                <a:schemeClr val="accent2"/>
+              </a:buClr>
+              <a:buSzPct val="80000"/>
+              <a:defRPr/>
+            </a:pPr>
+            <a:r>
+              <a:rPr lang="en-US" sz="2800" kern="0" dirty="0">
+                <a:latin typeface="Courier New" charset="0"/>
+              </a:rPr>
+              <a:t>position.z = 3.0;</a:t>
+            </a:r>
           </a:p>
         </p:txBody>
       </p:sp>
@@ -37840,7 +37876,7 @@
     </p:spTree>
     <p:extLst>
       <p:ext uri="{BB962C8B-B14F-4D97-AF65-F5344CB8AC3E}">
-        <p14:creationId xmlns:p14="http://schemas.microsoft.com/office/powerpoint/2010/main" val="3621651467"/>
+        <p14:creationId xmlns:p14="http://schemas.microsoft.com/office/powerpoint/2010/main" val="334318519"/>
       </p:ext>
     </p:extLst>
   </p:cSld>
@@ -37869,7 +37905,7 @@
       </p:grpSpPr>
       <p:sp>
         <p:nvSpPr>
-          <p:cNvPr id="59394" name="Title 1"/>
+          <p:cNvPr id="58370" name="Title 1"/>
           <p:cNvSpPr>
             <a:spLocks noGrp="1"/>
           </p:cNvSpPr>
@@ -37930,284 +37966,9 @@
             </a:r>
             <a:r>
               <a:rPr lang="en-US" dirty="0" smtClean="0"/>
-              <a:t>?  Create functions too:</a:t>
+              <a:t>?</a:t>
             </a:r>
             <a:endParaRPr lang="en-US" dirty="0"/>
-          </a:p>
-        </p:txBody>
-      </p:sp>
-      <p:sp>
-        <p:nvSpPr>
-          <p:cNvPr id="4" name="Rectangle 3"/>
-          <p:cNvSpPr txBox="1">
-            <a:spLocks noChangeArrowheads="1"/>
-          </p:cNvSpPr>
-          <p:nvPr/>
-        </p:nvSpPr>
-        <p:spPr bwMode="auto">
-          <a:xfrm>
-            <a:off x="898525" y="2667000"/>
-            <a:ext cx="8245475" cy="4038600"/>
-          </a:xfrm>
-          <a:prstGeom prst="rect">
-            <a:avLst/>
-          </a:prstGeom>
-          <a:noFill/>
-          <a:ln w="9525">
-            <a:noFill/>
-            <a:miter lim="800000"/>
-            <a:headEnd/>
-            <a:tailEnd/>
-          </a:ln>
-        </p:spPr>
-        <p:txBody>
-          <a:bodyPr/>
-          <a:lstStyle/>
-          <a:p>
-            <a:pPr marL="517525" indent="-403225" eaLnBrk="1" hangingPunct="1">
-              <a:spcBef>
-                <a:spcPct val="20000"/>
-              </a:spcBef>
-              <a:buClr>
-                <a:schemeClr val="accent2"/>
-              </a:buClr>
-              <a:buSzPct val="80000"/>
-              <a:defRPr/>
-            </a:pPr>
-            <a:r>
-              <a:rPr lang="en-US" sz="2800" kern="0" dirty="0">
-                <a:solidFill>
-                  <a:schemeClr val="bg2">
-                    <a:lumMod val="60000"/>
-                    <a:lumOff val="40000"/>
-                  </a:schemeClr>
-                </a:solidFill>
-                <a:latin typeface="Courier New" charset="0"/>
-              </a:rPr>
-              <a:t>var </a:t>
-            </a:r>
-            <a:r>
-              <a:rPr lang="en-US" sz="2800" kern="0" dirty="0">
-                <a:latin typeface="Courier New" charset="0"/>
-              </a:rPr>
-              <a:t>position = {</a:t>
-            </a:r>
-          </a:p>
-          <a:p>
-            <a:pPr marL="517525" indent="-403225" eaLnBrk="1" hangingPunct="1">
-              <a:spcBef>
-                <a:spcPct val="20000"/>
-              </a:spcBef>
-              <a:buClr>
-                <a:schemeClr val="accent2"/>
-              </a:buClr>
-              <a:buSzPct val="80000"/>
-              <a:defRPr/>
-            </a:pPr>
-            <a:r>
-              <a:rPr lang="en-US" sz="2800" kern="0" dirty="0">
-                <a:latin typeface="Courier New" charset="0"/>
-              </a:rPr>
-              <a:t>  x : 1.0,</a:t>
-            </a:r>
-          </a:p>
-          <a:p>
-            <a:pPr marL="517525" indent="-403225" eaLnBrk="1" hangingPunct="1">
-              <a:spcBef>
-                <a:spcPct val="20000"/>
-              </a:spcBef>
-              <a:buClr>
-                <a:schemeClr val="accent2"/>
-              </a:buClr>
-              <a:buSzPct val="80000"/>
-              <a:defRPr/>
-            </a:pPr>
-            <a:r>
-              <a:rPr lang="en-US" sz="2800" kern="0" dirty="0">
-                <a:latin typeface="Courier New" charset="0"/>
-              </a:rPr>
-              <a:t>  y : 2.0,</a:t>
-            </a:r>
-          </a:p>
-          <a:p>
-            <a:pPr marL="517525" indent="-403225" eaLnBrk="1" hangingPunct="1">
-              <a:spcBef>
-                <a:spcPct val="20000"/>
-              </a:spcBef>
-              <a:buClr>
-                <a:schemeClr val="accent2"/>
-              </a:buClr>
-              <a:buSzPct val="80000"/>
-              <a:defRPr/>
-            </a:pPr>
-            <a:r>
-              <a:rPr lang="en-US" sz="2800" kern="0" dirty="0">
-                <a:latin typeface="Courier New" charset="0"/>
-              </a:rPr>
-              <a:t>  min : </a:t>
-            </a:r>
-            <a:r>
-              <a:rPr lang="en-US" sz="2800" kern="0" dirty="0">
-                <a:solidFill>
-                  <a:schemeClr val="bg2">
-                    <a:lumMod val="60000"/>
-                    <a:lumOff val="40000"/>
-                  </a:schemeClr>
-                </a:solidFill>
-                <a:latin typeface="Courier New" charset="0"/>
-              </a:rPr>
-              <a:t>function</a:t>
-            </a:r>
-            <a:r>
-              <a:rPr lang="en-US" sz="2800" kern="0" dirty="0">
-                <a:latin typeface="Courier New" charset="0"/>
-              </a:rPr>
-              <a:t>() {</a:t>
-            </a:r>
-          </a:p>
-          <a:p>
-            <a:pPr marL="517525" indent="-403225" eaLnBrk="1" hangingPunct="1">
-              <a:spcBef>
-                <a:spcPct val="20000"/>
-              </a:spcBef>
-              <a:buClr>
-                <a:schemeClr val="accent2"/>
-              </a:buClr>
-              <a:buSzPct val="80000"/>
-              <a:defRPr/>
-            </a:pPr>
-            <a:r>
-              <a:rPr lang="en-US" sz="2800" kern="0" dirty="0">
-                <a:latin typeface="Courier New" charset="0"/>
-              </a:rPr>
-              <a:t>    </a:t>
-            </a:r>
-            <a:r>
-              <a:rPr lang="en-US" sz="2800" kern="0" dirty="0">
-                <a:solidFill>
-                  <a:schemeClr val="bg2">
-                    <a:lumMod val="60000"/>
-                    <a:lumOff val="40000"/>
-                  </a:schemeClr>
-                </a:solidFill>
-                <a:latin typeface="Courier New" charset="0"/>
-              </a:rPr>
-              <a:t>return</a:t>
-            </a:r>
-            <a:r>
-              <a:rPr lang="en-US" sz="2800" kern="0" dirty="0">
-                <a:latin typeface="Courier New" charset="0"/>
-              </a:rPr>
-              <a:t> </a:t>
-            </a:r>
-            <a:r>
-              <a:rPr lang="en-US" sz="2800" kern="0" dirty="0">
-                <a:solidFill>
-                  <a:srgbClr val="D60093"/>
-                </a:solidFill>
-                <a:latin typeface="Courier New" charset="0"/>
-              </a:rPr>
-              <a:t>Math</a:t>
-            </a:r>
-            <a:r>
-              <a:rPr lang="en-US" sz="2800" kern="0" dirty="0">
-                <a:latin typeface="Courier New" charset="0"/>
-              </a:rPr>
-              <a:t>.</a:t>
-            </a:r>
-            <a:r>
-              <a:rPr lang="en-US" sz="2800" kern="0" dirty="0">
-                <a:solidFill>
-                  <a:srgbClr val="D60093"/>
-                </a:solidFill>
-                <a:latin typeface="Courier New" charset="0"/>
-              </a:rPr>
-              <a:t>min</a:t>
-            </a:r>
-            <a:r>
-              <a:rPr lang="en-US" sz="2800" kern="0" dirty="0">
-                <a:latin typeface="Courier New" charset="0"/>
-              </a:rPr>
-              <a:t>(</a:t>
-            </a:r>
-            <a:r>
-              <a:rPr lang="en-US" sz="2800" kern="0" dirty="0" err="1">
-                <a:solidFill>
-                  <a:schemeClr val="bg2">
-                    <a:lumMod val="60000"/>
-                    <a:lumOff val="40000"/>
-                  </a:schemeClr>
-                </a:solidFill>
-                <a:latin typeface="Courier New" charset="0"/>
-              </a:rPr>
-              <a:t>this</a:t>
-            </a:r>
-            <a:r>
-              <a:rPr lang="en-US" sz="2800" kern="0" dirty="0" err="1">
-                <a:latin typeface="Courier New" charset="0"/>
-              </a:rPr>
-              <a:t>.x</a:t>
-            </a:r>
-            <a:r>
-              <a:rPr lang="en-US" sz="2800" kern="0" dirty="0">
-                <a:latin typeface="Courier New" charset="0"/>
-              </a:rPr>
-              <a:t>, </a:t>
-            </a:r>
-            <a:r>
-              <a:rPr lang="en-US" sz="2800" kern="0" dirty="0">
-                <a:solidFill>
-                  <a:schemeClr val="bg2">
-                    <a:lumMod val="60000"/>
-                    <a:lumOff val="40000"/>
-                  </a:schemeClr>
-                </a:solidFill>
-                <a:latin typeface="Courier New" charset="0"/>
-              </a:rPr>
-              <a:t>this</a:t>
-            </a:r>
-            <a:r>
-              <a:rPr lang="en-US" sz="2800" kern="0" dirty="0">
-                <a:latin typeface="Courier New" charset="0"/>
-              </a:rPr>
-              <a:t>.y);</a:t>
-            </a:r>
-          </a:p>
-          <a:p>
-            <a:pPr marL="517525" indent="-403225" eaLnBrk="1" hangingPunct="1">
-              <a:spcBef>
-                <a:spcPct val="20000"/>
-              </a:spcBef>
-              <a:buClr>
-                <a:schemeClr val="accent2"/>
-              </a:buClr>
-              <a:buSzPct val="80000"/>
-              <a:defRPr/>
-            </a:pPr>
-            <a:r>
-              <a:rPr lang="en-US" sz="2800" kern="0" dirty="0">
-                <a:latin typeface="Courier New" charset="0"/>
-              </a:rPr>
-              <a:t>  }</a:t>
-            </a:r>
-          </a:p>
-          <a:p>
-            <a:pPr marL="517525" indent="-403225" eaLnBrk="1" hangingPunct="1">
-              <a:spcBef>
-                <a:spcPct val="20000"/>
-              </a:spcBef>
-              <a:buClr>
-                <a:schemeClr val="accent2"/>
-              </a:buClr>
-              <a:buSzPct val="80000"/>
-              <a:defRPr/>
-            </a:pPr>
-            <a:r>
-              <a:rPr lang="en-US" sz="2800" kern="0" dirty="0">
-                <a:latin typeface="Courier New" charset="0"/>
-              </a:rPr>
-              <a:t>};</a:t>
-            </a:r>
           </a:p>
         </p:txBody>
       </p:sp>
@@ -38243,7 +38004,7 @@
     </p:spTree>
     <p:extLst>
       <p:ext uri="{BB962C8B-B14F-4D97-AF65-F5344CB8AC3E}">
-        <p14:creationId xmlns:p14="http://schemas.microsoft.com/office/powerpoint/2010/main" val="298637659"/>
+        <p14:creationId xmlns:p14="http://schemas.microsoft.com/office/powerpoint/2010/main" val="3621651467"/>
       </p:ext>
     </p:extLst>
   </p:cSld>
@@ -38272,7 +38033,7 @@
       </p:grpSpPr>
       <p:sp>
         <p:nvSpPr>
-          <p:cNvPr id="60418" name="Title 1"/>
+          <p:cNvPr id="59394" name="Title 1"/>
           <p:cNvSpPr>
             <a:spLocks noGrp="1"/>
           </p:cNvSpPr>
@@ -38294,7 +38055,7 @@
       </p:sp>
       <p:sp>
         <p:nvSpPr>
-          <p:cNvPr id="60419" name="Content Placeholder 2"/>
+          <p:cNvPr id="3" name="Content Placeholder 2"/>
           <p:cNvSpPr>
             <a:spLocks noGrp="1"/>
           </p:cNvSpPr>
@@ -38312,21 +38073,30 @@
           <a:bodyPr/>
           <a:lstStyle/>
           <a:p>
-            <a:r>
-              <a:rPr lang="en-US" smtClean="0"/>
-              <a:t>Why not change </a:t>
-            </a:r>
-            <a:r>
-              <a:rPr lang="en-US" smtClean="0">
-                <a:latin typeface="Courier New" charset="0"/>
-                <a:cs typeface="Courier New" charset="0"/>
-              </a:rPr>
-              <a:t>min()</a:t>
-            </a:r>
-            <a:r>
-              <a:rPr lang="en-US" smtClean="0"/>
-              <a:t>?</a:t>
-            </a:r>
+            <a:pPr>
+              <a:defRPr/>
+            </a:pPr>
+            <a:r>
+              <a:rPr lang="en-US" dirty="0" smtClean="0"/>
+              <a:t>Who needs </a:t>
+            </a:r>
+            <a:r>
+              <a:rPr lang="en-US" dirty="0" smtClean="0">
+                <a:solidFill>
+                  <a:schemeClr val="accent1">
+                    <a:lumMod val="50000"/>
+                  </a:schemeClr>
+                </a:solidFill>
+                <a:latin typeface="Courier New" pitchFamily="49" charset="0"/>
+                <a:cs typeface="Courier New" pitchFamily="49" charset="0"/>
+              </a:rPr>
+              <a:t>class</a:t>
+            </a:r>
+            <a:r>
+              <a:rPr lang="en-US" dirty="0" smtClean="0"/>
+              <a:t>?  Create functions too:</a:t>
+            </a:r>
+            <a:endParaRPr lang="en-US" dirty="0"/>
           </a:p>
         </p:txBody>
       </p:sp>
@@ -38340,8 +38110,8 @@
         </p:nvSpPr>
         <p:spPr bwMode="auto">
           <a:xfrm>
-            <a:off x="898525" y="3505200"/>
-            <a:ext cx="8245475" cy="2514600"/>
+            <a:off x="898525" y="2667000"/>
+            <a:ext cx="8245475" cy="4038600"/>
           </a:xfrm>
           <a:prstGeom prst="rect">
             <a:avLst/>
@@ -38370,9 +38140,21 @@
             </a:pPr>
             <a:r>
               <a:rPr lang="en-US" sz="2800" kern="0" dirty="0">
+                <a:solidFill>
+                  <a:schemeClr val="bg2">
+                    <a:lumMod val="60000"/>
+                    <a:lumOff val="40000"/>
+                  </a:schemeClr>
+                </a:solidFill>
                 <a:latin typeface="Courier New" charset="0"/>
               </a:rPr>
-              <a:t>position.z = 3.0;</a:t>
+              <a:t>var </a:t>
+            </a:r>
+            <a:r>
+              <a:rPr lang="en-US" sz="2800" kern="0" dirty="0">
+                <a:latin typeface="Courier New" charset="0"/>
+              </a:rPr>
+              <a:t>position = {</a:t>
             </a:r>
           </a:p>
           <a:p>
@@ -38390,25 +38172,7 @@
               <a:rPr lang="en-US" sz="2800" kern="0" dirty="0">
                 <a:latin typeface="Courier New" charset="0"/>
               </a:rPr>
-              <a:t>position.min = </a:t>
-            </a:r>
-            <a:r>
-              <a:rPr lang="en-US" sz="2800" kern="0" dirty="0">
-                <a:solidFill>
-                  <a:schemeClr val="bg2">
-                    <a:lumMod val="60000"/>
-                    <a:lumOff val="40000"/>
-                  </a:schemeClr>
-                </a:solidFill>
-                <a:latin typeface="Courier New" charset="0"/>
-              </a:rPr>
-              <a:t>function</a:t>
-            </a:r>
-            <a:r>
-              <a:rPr lang="en-US" sz="2800" kern="0" dirty="0">
-                <a:latin typeface="Courier New" charset="0"/>
-              </a:rPr>
-              <a:t>() {</a:t>
+              <a:t>  x : 1.0,</a:t>
             </a:r>
           </a:p>
           <a:p>
@@ -38426,91 +38190,7 @@
               <a:rPr lang="en-US" sz="2800" kern="0" dirty="0">
                 <a:latin typeface="Courier New" charset="0"/>
               </a:rPr>
-              <a:t> </a:t>
-            </a:r>
-            <a:r>
-              <a:rPr lang="en-US" sz="2800" kern="0" dirty="0">
-                <a:solidFill>
-                  <a:schemeClr val="bg2">
-                    <a:lumMod val="60000"/>
-                    <a:lumOff val="40000"/>
-                  </a:schemeClr>
-                </a:solidFill>
-                <a:latin typeface="Courier New" charset="0"/>
-              </a:rPr>
-              <a:t> return</a:t>
-            </a:r>
-            <a:r>
-              <a:rPr lang="en-US" sz="2800" kern="0" dirty="0">
-                <a:latin typeface="Courier New" charset="0"/>
-              </a:rPr>
-              <a:t> </a:t>
-            </a:r>
-            <a:r>
-              <a:rPr lang="en-US" sz="2800" kern="0" dirty="0">
-                <a:solidFill>
-                  <a:srgbClr val="D60093"/>
-                </a:solidFill>
-                <a:latin typeface="Courier New" charset="0"/>
-              </a:rPr>
-              <a:t>Math</a:t>
-            </a:r>
-            <a:r>
-              <a:rPr lang="en-US" sz="2800" kern="0" dirty="0">
-                <a:latin typeface="Courier New" charset="0"/>
-              </a:rPr>
-              <a:t>.</a:t>
-            </a:r>
-            <a:r>
-              <a:rPr lang="en-US" sz="2800" kern="0" dirty="0">
-                <a:solidFill>
-                  <a:srgbClr val="D60093"/>
-                </a:solidFill>
-                <a:latin typeface="Courier New" charset="0"/>
-              </a:rPr>
-              <a:t>min</a:t>
-            </a:r>
-            <a:r>
-              <a:rPr lang="en-US" sz="2800" kern="0" dirty="0">
-                <a:latin typeface="Courier New" charset="0"/>
-              </a:rPr>
-              <a:t>(</a:t>
-            </a:r>
-            <a:r>
-              <a:rPr lang="en-US" sz="2800" kern="0" dirty="0">
-                <a:solidFill>
-                  <a:schemeClr val="bg2">
-                    <a:lumMod val="60000"/>
-                    <a:lumOff val="40000"/>
-                  </a:schemeClr>
-                </a:solidFill>
-                <a:latin typeface="Courier New" charset="0"/>
-              </a:rPr>
-              <a:t>this</a:t>
-            </a:r>
-            <a:r>
-              <a:rPr lang="en-US" sz="2800" kern="0" dirty="0">
-                <a:latin typeface="Courier New" charset="0"/>
-              </a:rPr>
-              <a:t>.x, </a:t>
-            </a:r>
-            <a:r>
-              <a:rPr lang="en-US" sz="2800" kern="0" dirty="0">
-                <a:solidFill>
-                  <a:schemeClr val="bg2">
-                    <a:lumMod val="60000"/>
-                    <a:lumOff val="40000"/>
-                  </a:schemeClr>
-                </a:solidFill>
-                <a:latin typeface="Courier New" charset="0"/>
-              </a:rPr>
-              <a:t>this</a:t>
-            </a:r>
-            <a:r>
-              <a:rPr lang="en-US" sz="2800" kern="0" dirty="0">
-                <a:latin typeface="Courier New" charset="0"/>
-              </a:rPr>
-              <a:t>.y,</a:t>
+              <a:t>  y : 2.0,</a:t>
             </a:r>
           </a:p>
           <a:p>
@@ -38526,6 +38206,12 @@
             </a:pPr>
             <a:r>
               <a:rPr lang="en-US" sz="2800" kern="0" dirty="0">
+                <a:latin typeface="Courier New" charset="0"/>
+              </a:rPr>
+              <a:t>  min : </a:t>
+            </a:r>
+            <a:r>
+              <a:rPr lang="en-US" sz="2800" kern="0" dirty="0">
                 <a:solidFill>
                   <a:schemeClr val="bg2">
                     <a:lumMod val="60000"/>
@@ -38534,13 +38220,139 @@
                 </a:solidFill>
                 <a:latin typeface="Courier New" charset="0"/>
               </a:rPr>
-              <a:t>    this</a:t>
+              <a:t>function</a:t>
             </a:r>
             <a:r>
               <a:rPr lang="en-US" sz="2800" kern="0" dirty="0">
                 <a:latin typeface="Courier New" charset="0"/>
               </a:rPr>
-              <a:t>.z);</a:t>
+              <a:t>() {</a:t>
+            </a:r>
+          </a:p>
+          <a:p>
+            <a:pPr marL="517525" indent="-403225" eaLnBrk="1" hangingPunct="1">
+              <a:spcBef>
+                <a:spcPct val="20000"/>
+              </a:spcBef>
+              <a:buClr>
+                <a:schemeClr val="accent2"/>
+              </a:buClr>
+              <a:buSzPct val="80000"/>
+              <a:defRPr/>
+            </a:pPr>
+            <a:r>
+              <a:rPr lang="en-US" sz="2800" kern="0" dirty="0">
+                <a:latin typeface="Courier New" charset="0"/>
+              </a:rPr>
+              <a:t>    </a:t>
+            </a:r>
+            <a:r>
+              <a:rPr lang="en-US" sz="2800" kern="0" dirty="0">
+                <a:solidFill>
+                  <a:schemeClr val="bg2">
+                    <a:lumMod val="60000"/>
+                    <a:lumOff val="40000"/>
+                  </a:schemeClr>
+                </a:solidFill>
+                <a:latin typeface="Courier New" charset="0"/>
+              </a:rPr>
+              <a:t>return</a:t>
+            </a:r>
+            <a:r>
+              <a:rPr lang="en-US" sz="2800" kern="0" dirty="0">
+                <a:latin typeface="Courier New" charset="0"/>
+              </a:rPr>
+              <a:t> </a:t>
+            </a:r>
+            <a:r>
+              <a:rPr lang="en-US" sz="2800" kern="0" dirty="0">
+                <a:solidFill>
+                  <a:srgbClr val="D60093"/>
+                </a:solidFill>
+                <a:latin typeface="Courier New" charset="0"/>
+              </a:rPr>
+              <a:t>Math</a:t>
+            </a:r>
+            <a:r>
+              <a:rPr lang="en-US" sz="2800" kern="0" dirty="0">
+                <a:latin typeface="Courier New" charset="0"/>
+              </a:rPr>
+              <a:t>.</a:t>
+            </a:r>
+            <a:r>
+              <a:rPr lang="en-US" sz="2800" kern="0" dirty="0">
+                <a:solidFill>
+                  <a:srgbClr val="D60093"/>
+                </a:solidFill>
+                <a:latin typeface="Courier New" charset="0"/>
+              </a:rPr>
+              <a:t>min</a:t>
+            </a:r>
+            <a:r>
+              <a:rPr lang="en-US" sz="2800" kern="0" dirty="0">
+                <a:latin typeface="Courier New" charset="0"/>
+              </a:rPr>
+              <a:t>(</a:t>
+            </a:r>
+            <a:r>
+              <a:rPr lang="en-US" sz="2800" kern="0" dirty="0" err="1">
+                <a:solidFill>
+                  <a:schemeClr val="bg2">
+                    <a:lumMod val="60000"/>
+                    <a:lumOff val="40000"/>
+                  </a:schemeClr>
+                </a:solidFill>
+                <a:latin typeface="Courier New" charset="0"/>
+              </a:rPr>
+              <a:t>this</a:t>
+            </a:r>
+            <a:r>
+              <a:rPr lang="en-US" sz="2800" kern="0" dirty="0" err="1">
+                <a:latin typeface="Courier New" charset="0"/>
+              </a:rPr>
+              <a:t>.x</a:t>
+            </a:r>
+            <a:r>
+              <a:rPr lang="en-US" sz="2800" kern="0" dirty="0">
+                <a:latin typeface="Courier New" charset="0"/>
+              </a:rPr>
+              <a:t>, </a:t>
+            </a:r>
+            <a:r>
+              <a:rPr lang="en-US" sz="2800" kern="0" dirty="0">
+                <a:solidFill>
+                  <a:schemeClr val="bg2">
+                    <a:lumMod val="60000"/>
+                    <a:lumOff val="40000"/>
+                  </a:schemeClr>
+                </a:solidFill>
+                <a:latin typeface="Courier New" charset="0"/>
+              </a:rPr>
+              <a:t>this</a:t>
+            </a:r>
+            <a:r>
+              <a:rPr lang="en-US" sz="2800" kern="0" dirty="0">
+                <a:latin typeface="Courier New" charset="0"/>
+              </a:rPr>
+              <a:t>.y);</a:t>
+            </a:r>
+          </a:p>
+          <a:p>
+            <a:pPr marL="517525" indent="-403225" eaLnBrk="1" hangingPunct="1">
+              <a:spcBef>
+                <a:spcPct val="20000"/>
+              </a:spcBef>
+              <a:buClr>
+                <a:schemeClr val="accent2"/>
+              </a:buClr>
+              <a:buSzPct val="80000"/>
+              <a:defRPr/>
+            </a:pPr>
+            <a:r>
+              <a:rPr lang="en-US" sz="2800" kern="0" dirty="0">
+                <a:latin typeface="Courier New" charset="0"/>
+              </a:rPr>
+              <a:t>  }</a:t>
             </a:r>
           </a:p>
           <a:p>
@@ -38595,7 +38407,7 @@
     </p:spTree>
     <p:extLst>
       <p:ext uri="{BB962C8B-B14F-4D97-AF65-F5344CB8AC3E}">
-        <p14:creationId xmlns:p14="http://schemas.microsoft.com/office/powerpoint/2010/main" val="2060952881"/>
+        <p14:creationId xmlns:p14="http://schemas.microsoft.com/office/powerpoint/2010/main" val="298637659"/>
       </p:ext>
     </p:extLst>
   </p:cSld>
@@ -38624,7 +38436,7 @@
       </p:grpSpPr>
       <p:sp>
         <p:nvSpPr>
-          <p:cNvPr id="61442" name="Title 1"/>
+          <p:cNvPr id="60418" name="Title 1"/>
           <p:cNvSpPr>
             <a:spLocks noGrp="1"/>
           </p:cNvSpPr>
@@ -38646,7 +38458,7 @@
       </p:sp>
       <p:sp>
         <p:nvSpPr>
-          <p:cNvPr id="61443" name="Content Placeholder 2"/>
+          <p:cNvPr id="60419" name="Content Placeholder 2"/>
           <p:cNvSpPr>
             <a:spLocks noGrp="1"/>
           </p:cNvSpPr>
@@ -38657,7 +38469,7 @@
         <p:spPr>
           <a:xfrm>
             <a:off x="457200" y="1981200"/>
-            <a:ext cx="8229600" cy="1143000"/>
+            <a:ext cx="8229600" cy="685800"/>
           </a:xfrm>
         </p:spPr>
         <p:txBody>
@@ -38666,7 +38478,251 @@
           <a:p>
             <a:r>
               <a:rPr lang="en-US" smtClean="0"/>
-              <a:t>Useful for passing to functions.  Why?</a:t>
+              <a:t>Why not change </a:t>
+            </a:r>
+            <a:r>
+              <a:rPr lang="en-US" smtClean="0">
+                <a:latin typeface="Courier New" charset="0"/>
+                <a:cs typeface="Courier New" charset="0"/>
+              </a:rPr>
+              <a:t>min()</a:t>
+            </a:r>
+            <a:r>
+              <a:rPr lang="en-US" smtClean="0"/>
+              <a:t>?</a:t>
+            </a:r>
+          </a:p>
+        </p:txBody>
+      </p:sp>
+      <p:sp>
+        <p:nvSpPr>
+          <p:cNvPr id="4" name="Rectangle 3"/>
+          <p:cNvSpPr txBox="1">
+            <a:spLocks noChangeArrowheads="1"/>
+          </p:cNvSpPr>
+          <p:nvPr/>
+        </p:nvSpPr>
+        <p:spPr bwMode="auto">
+          <a:xfrm>
+            <a:off x="898525" y="3505200"/>
+            <a:ext cx="8245475" cy="2514600"/>
+          </a:xfrm>
+          <a:prstGeom prst="rect">
+            <a:avLst/>
+          </a:prstGeom>
+          <a:noFill/>
+          <a:ln w="9525">
+            <a:noFill/>
+            <a:miter lim="800000"/>
+            <a:headEnd/>
+            <a:tailEnd/>
+          </a:ln>
+        </p:spPr>
+        <p:txBody>
+          <a:bodyPr/>
+          <a:lstStyle/>
+          <a:p>
+            <a:pPr marL="517525" indent="-403225" eaLnBrk="1" hangingPunct="1">
+              <a:spcBef>
+                <a:spcPct val="20000"/>
+              </a:spcBef>
+              <a:buClr>
+                <a:schemeClr val="accent2"/>
+              </a:buClr>
+              <a:buSzPct val="80000"/>
+              <a:defRPr/>
+            </a:pPr>
+            <a:r>
+              <a:rPr lang="en-US" sz="2800" kern="0" dirty="0">
+                <a:latin typeface="Courier New" charset="0"/>
+              </a:rPr>
+              <a:t>position.z = 3.0;</a:t>
+            </a:r>
+          </a:p>
+          <a:p>
+            <a:pPr marL="517525" indent="-403225" eaLnBrk="1" hangingPunct="1">
+              <a:spcBef>
+                <a:spcPct val="20000"/>
+              </a:spcBef>
+              <a:buClr>
+                <a:schemeClr val="accent2"/>
+              </a:buClr>
+              <a:buSzPct val="80000"/>
+              <a:defRPr/>
+            </a:pPr>
+            <a:r>
+              <a:rPr lang="en-US" sz="2800" kern="0" dirty="0">
+                <a:latin typeface="Courier New" charset="0"/>
+              </a:rPr>
+              <a:t>position.min = </a:t>
+            </a:r>
+            <a:r>
+              <a:rPr lang="en-US" sz="2800" kern="0" dirty="0">
+                <a:solidFill>
+                  <a:schemeClr val="bg2">
+                    <a:lumMod val="60000"/>
+                    <a:lumOff val="40000"/>
+                  </a:schemeClr>
+                </a:solidFill>
+                <a:latin typeface="Courier New" charset="0"/>
+              </a:rPr>
+              <a:t>function</a:t>
+            </a:r>
+            <a:r>
+              <a:rPr lang="en-US" sz="2800" kern="0" dirty="0">
+                <a:latin typeface="Courier New" charset="0"/>
+              </a:rPr>
+              <a:t>() {</a:t>
+            </a:r>
+          </a:p>
+          <a:p>
+            <a:pPr marL="517525" indent="-403225" eaLnBrk="1" hangingPunct="1">
+              <a:spcBef>
+                <a:spcPct val="20000"/>
+              </a:spcBef>
+              <a:buClr>
+                <a:schemeClr val="accent2"/>
+              </a:buClr>
+              <a:buSzPct val="80000"/>
+              <a:defRPr/>
+            </a:pPr>
+            <a:r>
+              <a:rPr lang="en-US" sz="2800" kern="0" dirty="0">
+                <a:latin typeface="Courier New" charset="0"/>
+              </a:rPr>
+              <a:t> </a:t>
+            </a:r>
+            <a:r>
+              <a:rPr lang="en-US" sz="2800" kern="0" dirty="0">
+                <a:solidFill>
+                  <a:schemeClr val="bg2">
+                    <a:lumMod val="60000"/>
+                    <a:lumOff val="40000"/>
+                  </a:schemeClr>
+                </a:solidFill>
+                <a:latin typeface="Courier New" charset="0"/>
+              </a:rPr>
+              <a:t> return</a:t>
+            </a:r>
+            <a:r>
+              <a:rPr lang="en-US" sz="2800" kern="0" dirty="0">
+                <a:latin typeface="Courier New" charset="0"/>
+              </a:rPr>
+              <a:t> </a:t>
+            </a:r>
+            <a:r>
+              <a:rPr lang="en-US" sz="2800" kern="0" dirty="0">
+                <a:solidFill>
+                  <a:srgbClr val="D60093"/>
+                </a:solidFill>
+                <a:latin typeface="Courier New" charset="0"/>
+              </a:rPr>
+              <a:t>Math</a:t>
+            </a:r>
+            <a:r>
+              <a:rPr lang="en-US" sz="2800" kern="0" dirty="0">
+                <a:latin typeface="Courier New" charset="0"/>
+              </a:rPr>
+              <a:t>.</a:t>
+            </a:r>
+            <a:r>
+              <a:rPr lang="en-US" sz="2800" kern="0" dirty="0">
+                <a:solidFill>
+                  <a:srgbClr val="D60093"/>
+                </a:solidFill>
+                <a:latin typeface="Courier New" charset="0"/>
+              </a:rPr>
+              <a:t>min</a:t>
+            </a:r>
+            <a:r>
+              <a:rPr lang="en-US" sz="2800" kern="0" dirty="0">
+                <a:latin typeface="Courier New" charset="0"/>
+              </a:rPr>
+              <a:t>(</a:t>
+            </a:r>
+            <a:r>
+              <a:rPr lang="en-US" sz="2800" kern="0" dirty="0">
+                <a:solidFill>
+                  <a:schemeClr val="bg2">
+                    <a:lumMod val="60000"/>
+                    <a:lumOff val="40000"/>
+                  </a:schemeClr>
+                </a:solidFill>
+                <a:latin typeface="Courier New" charset="0"/>
+              </a:rPr>
+              <a:t>this</a:t>
+            </a:r>
+            <a:r>
+              <a:rPr lang="en-US" sz="2800" kern="0" dirty="0">
+                <a:latin typeface="Courier New" charset="0"/>
+              </a:rPr>
+              <a:t>.x, </a:t>
+            </a:r>
+            <a:r>
+              <a:rPr lang="en-US" sz="2800" kern="0" dirty="0">
+                <a:solidFill>
+                  <a:schemeClr val="bg2">
+                    <a:lumMod val="60000"/>
+                    <a:lumOff val="40000"/>
+                  </a:schemeClr>
+                </a:solidFill>
+                <a:latin typeface="Courier New" charset="0"/>
+              </a:rPr>
+              <a:t>this</a:t>
+            </a:r>
+            <a:r>
+              <a:rPr lang="en-US" sz="2800" kern="0" dirty="0">
+                <a:latin typeface="Courier New" charset="0"/>
+              </a:rPr>
+              <a:t>.y,</a:t>
+            </a:r>
+          </a:p>
+          <a:p>
+            <a:pPr marL="517525" indent="-403225" eaLnBrk="1" hangingPunct="1">
+              <a:spcBef>
+                <a:spcPct val="20000"/>
+              </a:spcBef>
+              <a:buClr>
+                <a:schemeClr val="accent2"/>
+              </a:buClr>
+              <a:buSzPct val="80000"/>
+              <a:defRPr/>
+            </a:pPr>
+            <a:r>
+              <a:rPr lang="en-US" sz="2800" kern="0" dirty="0">
+                <a:solidFill>
+                  <a:schemeClr val="bg2">
+                    <a:lumMod val="60000"/>
+                    <a:lumOff val="40000"/>
+                  </a:schemeClr>
+                </a:solidFill>
+                <a:latin typeface="Courier New" charset="0"/>
+              </a:rPr>
+              <a:t>    this</a:t>
+            </a:r>
+            <a:r>
+              <a:rPr lang="en-US" sz="2800" kern="0" dirty="0">
+                <a:latin typeface="Courier New" charset="0"/>
+              </a:rPr>
+              <a:t>.z);</a:t>
+            </a:r>
+          </a:p>
+          <a:p>
+            <a:pPr marL="517525" indent="-403225" eaLnBrk="1" hangingPunct="1">
+              <a:spcBef>
+                <a:spcPct val="20000"/>
+              </a:spcBef>
+              <a:buClr>
+                <a:schemeClr val="accent2"/>
+              </a:buClr>
+              <a:buSzPct val="80000"/>
+              <a:defRPr/>
+            </a:pPr>
+            <a:r>
+              <a:rPr lang="en-US" sz="2800" kern="0" dirty="0">
+                <a:latin typeface="Courier New" charset="0"/>
+              </a:rPr>
+              <a:t>};</a:t>
             </a:r>
           </a:p>
         </p:txBody>
@@ -38703,7 +38759,7 @@
     </p:spTree>
     <p:extLst>
       <p:ext uri="{BB962C8B-B14F-4D97-AF65-F5344CB8AC3E}">
-        <p14:creationId xmlns:p14="http://schemas.microsoft.com/office/powerpoint/2010/main" val="2031710021"/>
+        <p14:creationId xmlns:p14="http://schemas.microsoft.com/office/powerpoint/2010/main" val="2060952881"/>
       </p:ext>
     </p:extLst>
   </p:cSld>
@@ -38732,7 +38788,7 @@
       </p:grpSpPr>
       <p:sp>
         <p:nvSpPr>
-          <p:cNvPr id="62466" name="Title 1"/>
+          <p:cNvPr id="61442" name="Title 1"/>
           <p:cNvSpPr>
             <a:spLocks noGrp="1"/>
           </p:cNvSpPr>
@@ -38754,7 +38810,7 @@
       </p:sp>
       <p:sp>
         <p:nvSpPr>
-          <p:cNvPr id="62467" name="Content Placeholder 2"/>
+          <p:cNvPr id="61443" name="Content Placeholder 2"/>
           <p:cNvSpPr>
             <a:spLocks noGrp="1"/>
           </p:cNvSpPr>
@@ -38777,59 +38833,6 @@
               <a:t>Useful for passing to functions.  Why?</a:t>
             </a:r>
           </a:p>
-          <a:p>
-            <a:r>
-              <a:rPr lang="en-US" smtClean="0"/>
-              <a:t>What do these arguments mean?</a:t>
-            </a:r>
-          </a:p>
-        </p:txBody>
-      </p:sp>
-      <p:sp>
-        <p:nvSpPr>
-          <p:cNvPr id="4" name="Rectangle 3"/>
-          <p:cNvSpPr txBox="1">
-            <a:spLocks noChangeArrowheads="1"/>
-          </p:cNvSpPr>
-          <p:nvPr/>
-        </p:nvSpPr>
-        <p:spPr bwMode="auto">
-          <a:xfrm>
-            <a:off x="898525" y="3505200"/>
-            <a:ext cx="4587875" cy="685800"/>
-          </a:xfrm>
-          <a:prstGeom prst="rect">
-            <a:avLst/>
-          </a:prstGeom>
-          <a:noFill/>
-          <a:ln w="9525">
-            <a:noFill/>
-            <a:miter lim="800000"/>
-            <a:headEnd/>
-            <a:tailEnd/>
-          </a:ln>
-        </p:spPr>
-        <p:txBody>
-          <a:bodyPr/>
-          <a:lstStyle/>
-          <a:p>
-            <a:pPr marL="517525" indent="-403225" eaLnBrk="1" hangingPunct="1">
-              <a:spcBef>
-                <a:spcPct val="20000"/>
-              </a:spcBef>
-              <a:buClr>
-                <a:schemeClr val="accent2"/>
-              </a:buClr>
-              <a:buSzPct val="80000"/>
-              <a:defRPr/>
-            </a:pPr>
-            <a:r>
-              <a:rPr lang="en-US" sz="2800" kern="0" dirty="0">
-                <a:latin typeface="Courier New" charset="0"/>
-              </a:rPr>
-              <a:t>pick(322, 40, 5, 4);</a:t>
-            </a:r>
-          </a:p>
         </p:txBody>
       </p:sp>
       <p:sp>
@@ -38864,7 +38867,7 @@
     </p:spTree>
     <p:extLst>
       <p:ext uri="{BB962C8B-B14F-4D97-AF65-F5344CB8AC3E}">
-        <p14:creationId xmlns:p14="http://schemas.microsoft.com/office/powerpoint/2010/main" val="1637016017"/>
+        <p14:creationId xmlns:p14="http://schemas.microsoft.com/office/powerpoint/2010/main" val="2031710021"/>
       </p:ext>
     </p:extLst>
   </p:cSld>
@@ -38893,7 +38896,7 @@
       </p:grpSpPr>
       <p:sp>
         <p:nvSpPr>
-          <p:cNvPr id="63490" name="Title 1"/>
+          <p:cNvPr id="62466" name="Title 1"/>
           <p:cNvSpPr>
             <a:spLocks noGrp="1"/>
           </p:cNvSpPr>
@@ -38915,7 +38918,7 @@
       </p:sp>
       <p:sp>
         <p:nvSpPr>
-          <p:cNvPr id="63491" name="Content Placeholder 2"/>
+          <p:cNvPr id="62467" name="Content Placeholder 2"/>
           <p:cNvSpPr>
             <a:spLocks noGrp="1"/>
           </p:cNvSpPr>
@@ -38957,7 +38960,7 @@
         <p:spPr bwMode="auto">
           <a:xfrm>
             <a:off x="898525" y="3505200"/>
-            <a:ext cx="4587875" cy="3200400"/>
+            <a:ext cx="4587875" cy="685800"/>
           </a:xfrm>
           <a:prstGeom prst="rect">
             <a:avLst/>
@@ -38988,97 +38991,7 @@
               <a:rPr lang="en-US" sz="2800" kern="0" dirty="0">
                 <a:latin typeface="Courier New" charset="0"/>
               </a:rPr>
-              <a:t>pick({</a:t>
-            </a:r>
-          </a:p>
-          <a:p>
-            <a:pPr marL="517525" indent="-403225" eaLnBrk="1" hangingPunct="1">
-              <a:spcBef>
-                <a:spcPct val="20000"/>
-              </a:spcBef>
-              <a:buClr>
-                <a:schemeClr val="accent2"/>
-              </a:buClr>
-              <a:buSzPct val="80000"/>
-              <a:defRPr/>
-            </a:pPr>
-            <a:r>
-              <a:rPr lang="en-US" sz="2800" kern="0" dirty="0">
-                <a:latin typeface="Courier New" charset="0"/>
-              </a:rPr>
-              <a:t>  x : 322, </a:t>
-            </a:r>
-          </a:p>
-          <a:p>
-            <a:pPr marL="517525" indent="-403225" eaLnBrk="1" hangingPunct="1">
-              <a:spcBef>
-                <a:spcPct val="20000"/>
-              </a:spcBef>
-              <a:buClr>
-                <a:schemeClr val="accent2"/>
-              </a:buClr>
-              <a:buSzPct val="80000"/>
-              <a:defRPr/>
-            </a:pPr>
-            <a:r>
-              <a:rPr lang="en-US" sz="2800" kern="0" dirty="0">
-                <a:latin typeface="Courier New" charset="0"/>
-              </a:rPr>
-              <a:t>  y : 40, </a:t>
-            </a:r>
-          </a:p>
-          <a:p>
-            <a:pPr marL="517525" indent="-403225" eaLnBrk="1" hangingPunct="1">
-              <a:spcBef>
-                <a:spcPct val="20000"/>
-              </a:spcBef>
-              <a:buClr>
-                <a:schemeClr val="accent2"/>
-              </a:buClr>
-              <a:buSzPct val="80000"/>
-              <a:defRPr/>
-            </a:pPr>
-            <a:r>
-              <a:rPr lang="en-US" sz="2800" kern="0" dirty="0">
-                <a:latin typeface="Courier New" charset="0"/>
-              </a:rPr>
-              <a:t>  width : 5, </a:t>
-            </a:r>
-          </a:p>
-          <a:p>
-            <a:pPr marL="517525" indent="-403225" eaLnBrk="1" hangingPunct="1">
-              <a:spcBef>
-                <a:spcPct val="20000"/>
-              </a:spcBef>
-              <a:buClr>
-                <a:schemeClr val="accent2"/>
-              </a:buClr>
-              <a:buSzPct val="80000"/>
-              <a:defRPr/>
-            </a:pPr>
-            <a:r>
-              <a:rPr lang="en-US" sz="2800" kern="0" dirty="0">
-                <a:latin typeface="Courier New" charset="0"/>
-              </a:rPr>
-              <a:t>  height : 4</a:t>
-            </a:r>
-          </a:p>
-          <a:p>
-            <a:pPr marL="517525" indent="-403225" eaLnBrk="1" hangingPunct="1">
-              <a:spcBef>
-                <a:spcPct val="20000"/>
-              </a:spcBef>
-              <a:buClr>
-                <a:schemeClr val="accent2"/>
-              </a:buClr>
-              <a:buSzPct val="80000"/>
-              <a:defRPr/>
-            </a:pPr>
-            <a:r>
-              <a:rPr lang="en-US" sz="2800" kern="0" dirty="0">
-                <a:latin typeface="Courier New" charset="0"/>
-              </a:rPr>
-              <a:t>});</a:t>
+              <a:t>pick(322, 40, 5, 4);</a:t>
             </a:r>
           </a:p>
         </p:txBody>
@@ -39115,7 +39028,7 @@
     </p:spTree>
     <p:extLst>
       <p:ext uri="{BB962C8B-B14F-4D97-AF65-F5344CB8AC3E}">
-        <p14:creationId xmlns:p14="http://schemas.microsoft.com/office/powerpoint/2010/main" val="2518565745"/>
+        <p14:creationId xmlns:p14="http://schemas.microsoft.com/office/powerpoint/2010/main" val="1637016017"/>
       </p:ext>
     </p:extLst>
   </p:cSld>
@@ -39144,7 +39057,7 @@
       </p:grpSpPr>
       <p:sp>
         <p:nvSpPr>
-          <p:cNvPr id="65538" name="Title 1"/>
+          <p:cNvPr id="63490" name="Title 1"/>
           <p:cNvSpPr>
             <a:spLocks noGrp="1"/>
           </p:cNvSpPr>
@@ -39152,20 +39065,184 @@
             <p:ph type="title"/>
           </p:nvPr>
         </p:nvSpPr>
+        <p:spPr/>
+        <p:txBody>
+          <a:bodyPr/>
+          <a:lstStyle/>
+          <a:p>
+            <a:r>
+              <a:rPr lang="en-US" smtClean="0"/>
+              <a:t>JavaScript Object Literals</a:t>
+            </a:r>
+          </a:p>
+        </p:txBody>
+      </p:sp>
+      <p:sp>
+        <p:nvSpPr>
+          <p:cNvPr id="63491" name="Content Placeholder 2"/>
+          <p:cNvSpPr>
+            <a:spLocks noGrp="1"/>
+          </p:cNvSpPr>
+          <p:nvPr>
+            <p:ph idx="1"/>
+          </p:nvPr>
+        </p:nvSpPr>
         <p:spPr>
           <a:xfrm>
-            <a:off x="457200" y="457200"/>
-            <a:ext cx="8229600" cy="6019800"/>
+            <a:off x="457200" y="1981200"/>
+            <a:ext cx="8229600" cy="1143000"/>
           </a:xfrm>
         </p:spPr>
         <p:txBody>
           <a:bodyPr/>
           <a:lstStyle/>
           <a:p>
-            <a:pPr algn="ctr"/>
-            <a:r>
-              <a:rPr lang="en-US" sz="6600" smtClean="0"/>
-              <a:t>JavaScript does object-oriented…</a:t>
+            <a:r>
+              <a:rPr lang="en-US" smtClean="0"/>
+              <a:t>Useful for passing to functions.  Why?</a:t>
+            </a:r>
+          </a:p>
+          <a:p>
+            <a:r>
+              <a:rPr lang="en-US" smtClean="0"/>
+              <a:t>What do these arguments mean?</a:t>
+            </a:r>
+          </a:p>
+        </p:txBody>
+      </p:sp>
+      <p:sp>
+        <p:nvSpPr>
+          <p:cNvPr id="4" name="Rectangle 3"/>
+          <p:cNvSpPr txBox="1">
+            <a:spLocks noChangeArrowheads="1"/>
+          </p:cNvSpPr>
+          <p:nvPr/>
+        </p:nvSpPr>
+        <p:spPr bwMode="auto">
+          <a:xfrm>
+            <a:off x="898525" y="3505200"/>
+            <a:ext cx="4587875" cy="3200400"/>
+          </a:xfrm>
+          <a:prstGeom prst="rect">
+            <a:avLst/>
+          </a:prstGeom>
+          <a:noFill/>
+          <a:ln w="9525">
+            <a:noFill/>
+            <a:miter lim="800000"/>
+            <a:headEnd/>
+            <a:tailEnd/>
+          </a:ln>
+        </p:spPr>
+        <p:txBody>
+          <a:bodyPr/>
+          <a:lstStyle/>
+          <a:p>
+            <a:pPr marL="517525" indent="-403225" eaLnBrk="1" hangingPunct="1">
+              <a:spcBef>
+                <a:spcPct val="20000"/>
+              </a:spcBef>
+              <a:buClr>
+                <a:schemeClr val="accent2"/>
+              </a:buClr>
+              <a:buSzPct val="80000"/>
+              <a:defRPr/>
+            </a:pPr>
+            <a:r>
+              <a:rPr lang="en-US" sz="2800" kern="0" dirty="0">
+                <a:latin typeface="Courier New" charset="0"/>
+              </a:rPr>
+              <a:t>pick({</a:t>
+            </a:r>
+          </a:p>
+          <a:p>
+            <a:pPr marL="517525" indent="-403225" eaLnBrk="1" hangingPunct="1">
+              <a:spcBef>
+                <a:spcPct val="20000"/>
+              </a:spcBef>
+              <a:buClr>
+                <a:schemeClr val="accent2"/>
+              </a:buClr>
+              <a:buSzPct val="80000"/>
+              <a:defRPr/>
+            </a:pPr>
+            <a:r>
+              <a:rPr lang="en-US" sz="2800" kern="0" dirty="0">
+                <a:latin typeface="Courier New" charset="0"/>
+              </a:rPr>
+              <a:t>  x : 322, </a:t>
+            </a:r>
+          </a:p>
+          <a:p>
+            <a:pPr marL="517525" indent="-403225" eaLnBrk="1" hangingPunct="1">
+              <a:spcBef>
+                <a:spcPct val="20000"/>
+              </a:spcBef>
+              <a:buClr>
+                <a:schemeClr val="accent2"/>
+              </a:buClr>
+              <a:buSzPct val="80000"/>
+              <a:defRPr/>
+            </a:pPr>
+            <a:r>
+              <a:rPr lang="en-US" sz="2800" kern="0" dirty="0">
+                <a:latin typeface="Courier New" charset="0"/>
+              </a:rPr>
+              <a:t>  y : 40, </a:t>
+            </a:r>
+          </a:p>
+          <a:p>
+            <a:pPr marL="517525" indent="-403225" eaLnBrk="1" hangingPunct="1">
+              <a:spcBef>
+                <a:spcPct val="20000"/>
+              </a:spcBef>
+              <a:buClr>
+                <a:schemeClr val="accent2"/>
+              </a:buClr>
+              <a:buSzPct val="80000"/>
+              <a:defRPr/>
+            </a:pPr>
+            <a:r>
+              <a:rPr lang="en-US" sz="2800" kern="0" dirty="0">
+                <a:latin typeface="Courier New" charset="0"/>
+              </a:rPr>
+              <a:t>  width : 5, </a:t>
+            </a:r>
+          </a:p>
+          <a:p>
+            <a:pPr marL="517525" indent="-403225" eaLnBrk="1" hangingPunct="1">
+              <a:spcBef>
+                <a:spcPct val="20000"/>
+              </a:spcBef>
+              <a:buClr>
+                <a:schemeClr val="accent2"/>
+              </a:buClr>
+              <a:buSzPct val="80000"/>
+              <a:defRPr/>
+            </a:pPr>
+            <a:r>
+              <a:rPr lang="en-US" sz="2800" kern="0" dirty="0">
+                <a:latin typeface="Courier New" charset="0"/>
+              </a:rPr>
+              <a:t>  height : 4</a:t>
+            </a:r>
+          </a:p>
+          <a:p>
+            <a:pPr marL="517525" indent="-403225" eaLnBrk="1" hangingPunct="1">
+              <a:spcBef>
+                <a:spcPct val="20000"/>
+              </a:spcBef>
+              <a:buClr>
+                <a:schemeClr val="accent2"/>
+              </a:buClr>
+              <a:buSzPct val="80000"/>
+              <a:defRPr/>
+            </a:pPr>
+            <a:r>
+              <a:rPr lang="en-US" sz="2800" kern="0" dirty="0">
+                <a:latin typeface="Courier New" charset="0"/>
+              </a:rPr>
+              <a:t>});</a:t>
             </a:r>
           </a:p>
         </p:txBody>
@@ -39202,7 +39279,7 @@
     </p:spTree>
     <p:extLst>
       <p:ext uri="{BB962C8B-B14F-4D97-AF65-F5344CB8AC3E}">
-        <p14:creationId xmlns:p14="http://schemas.microsoft.com/office/powerpoint/2010/main" val="227600872"/>
+        <p14:creationId xmlns:p14="http://schemas.microsoft.com/office/powerpoint/2010/main" val="2518565745"/>
       </p:ext>
     </p:extLst>
   </p:cSld>
@@ -39231,83 +39308,7 @@
       </p:grpSpPr>
       <p:sp>
         <p:nvSpPr>
-          <p:cNvPr id="66562" name="Rectangle 6"/>
-          <p:cNvSpPr>
-            <a:spLocks noChangeArrowheads="1"/>
-          </p:cNvSpPr>
-          <p:nvPr/>
-        </p:nvSpPr>
-        <p:spPr bwMode="auto">
-          <a:xfrm>
-            <a:off x="2743200" y="5029200"/>
-            <a:ext cx="762000" cy="457200"/>
-          </a:xfrm>
-          <a:prstGeom prst="rect">
-            <a:avLst/>
-          </a:prstGeom>
-          <a:solidFill>
-            <a:srgbClr val="FFFF99">
-              <a:alpha val="50195"/>
-            </a:srgbClr>
-          </a:solidFill>
-          <a:ln w="9525">
-            <a:solidFill>
-              <a:schemeClr val="tx1"/>
-            </a:solidFill>
-            <a:miter lim="800000"/>
-            <a:headEnd/>
-            <a:tailEnd/>
-          </a:ln>
-        </p:spPr>
-        <p:txBody>
-          <a:bodyPr wrap="none" anchor="ctr"/>
-          <a:lstStyle/>
-          <a:p>
-            <a:endParaRPr lang="en-US"/>
-          </a:p>
-        </p:txBody>
-      </p:sp>
-      <p:sp>
-        <p:nvSpPr>
-          <p:cNvPr id="66563" name="Rectangle 5"/>
-          <p:cNvSpPr>
-            <a:spLocks noChangeArrowheads="1"/>
-          </p:cNvSpPr>
-          <p:nvPr/>
-        </p:nvSpPr>
-        <p:spPr bwMode="auto">
-          <a:xfrm>
-            <a:off x="2971800" y="2438400"/>
-            <a:ext cx="304800" cy="457200"/>
-          </a:xfrm>
-          <a:prstGeom prst="rect">
-            <a:avLst/>
-          </a:prstGeom>
-          <a:solidFill>
-            <a:srgbClr val="FFFF99">
-              <a:alpha val="50195"/>
-            </a:srgbClr>
-          </a:solidFill>
-          <a:ln w="9525">
-            <a:solidFill>
-              <a:schemeClr val="tx1"/>
-            </a:solidFill>
-            <a:miter lim="800000"/>
-            <a:headEnd/>
-            <a:tailEnd/>
-          </a:ln>
-        </p:spPr>
-        <p:txBody>
-          <a:bodyPr wrap="none" anchor="ctr"/>
-          <a:lstStyle/>
-          <a:p>
-            <a:endParaRPr lang="en-US"/>
-          </a:p>
-        </p:txBody>
-      </p:sp>
-      <p:sp>
-        <p:nvSpPr>
-          <p:cNvPr id="66564" name="Title 1"/>
+          <p:cNvPr id="65538" name="Title 1"/>
           <p:cNvSpPr>
             <a:spLocks noGrp="1"/>
           </p:cNvSpPr>
@@ -39318,228 +39319,17 @@
         <p:spPr>
           <a:xfrm>
             <a:off x="457200" y="457200"/>
-            <a:ext cx="8534400" cy="1371600"/>
+            <a:ext cx="8229600" cy="6019800"/>
           </a:xfrm>
         </p:spPr>
         <p:txBody>
           <a:bodyPr/>
           <a:lstStyle/>
           <a:p>
-            <a:r>
-              <a:rPr lang="en-US" smtClean="0"/>
-              <a:t>JavaScript Constructor Functions</a:t>
-            </a:r>
-          </a:p>
-        </p:txBody>
-      </p:sp>
-      <p:sp>
-        <p:nvSpPr>
-          <p:cNvPr id="4" name="Rectangle 3"/>
-          <p:cNvSpPr txBox="1">
-            <a:spLocks noChangeArrowheads="1"/>
-          </p:cNvSpPr>
-          <p:nvPr/>
-        </p:nvSpPr>
-        <p:spPr bwMode="auto">
-          <a:xfrm>
-            <a:off x="898525" y="2438400"/>
-            <a:ext cx="6416675" cy="2514600"/>
-          </a:xfrm>
-          <a:prstGeom prst="rect">
-            <a:avLst/>
-          </a:prstGeom>
-          <a:noFill/>
-          <a:ln w="9525">
-            <a:noFill/>
-            <a:miter lim="800000"/>
-            <a:headEnd/>
-            <a:tailEnd/>
-          </a:ln>
-        </p:spPr>
-        <p:txBody>
-          <a:bodyPr/>
-          <a:lstStyle/>
-          <a:p>
-            <a:pPr marL="517525" indent="-403225" eaLnBrk="1" hangingPunct="1">
-              <a:spcBef>
-                <a:spcPct val="20000"/>
-              </a:spcBef>
-              <a:buClr>
-                <a:schemeClr val="accent2"/>
-              </a:buClr>
-              <a:buSzPct val="80000"/>
-              <a:defRPr/>
-            </a:pPr>
-            <a:r>
-              <a:rPr lang="en-US" sz="2800" kern="0" dirty="0">
-                <a:solidFill>
-                  <a:schemeClr val="bg2">
-                    <a:lumMod val="60000"/>
-                    <a:lumOff val="40000"/>
-                  </a:schemeClr>
-                </a:solidFill>
-                <a:latin typeface="Courier New" charset="0"/>
-              </a:rPr>
-              <a:t>function</a:t>
-            </a:r>
-            <a:r>
-              <a:rPr lang="en-US" sz="2800" kern="0" dirty="0">
-                <a:latin typeface="Courier New" charset="0"/>
-              </a:rPr>
-              <a:t> Vector(x, y) {</a:t>
-            </a:r>
-          </a:p>
-          <a:p>
-            <a:pPr marL="517525" indent="-403225" eaLnBrk="1" hangingPunct="1">
-              <a:spcBef>
-                <a:spcPct val="20000"/>
-              </a:spcBef>
-              <a:buClr>
-                <a:schemeClr val="accent2"/>
-              </a:buClr>
-              <a:buSzPct val="80000"/>
-              <a:defRPr/>
-            </a:pPr>
-            <a:r>
-              <a:rPr lang="en-US" sz="2800" kern="0" dirty="0">
-                <a:latin typeface="Courier New" charset="0"/>
-              </a:rPr>
-              <a:t>  </a:t>
-            </a:r>
-            <a:r>
-              <a:rPr lang="en-US" sz="2800" kern="0" dirty="0">
-                <a:solidFill>
-                  <a:schemeClr val="bg2">
-                    <a:lumMod val="60000"/>
-                    <a:lumOff val="40000"/>
-                  </a:schemeClr>
-                </a:solidFill>
-                <a:latin typeface="Courier New" charset="0"/>
-              </a:rPr>
-              <a:t>this</a:t>
-            </a:r>
-            <a:r>
-              <a:rPr lang="en-US" sz="2800" kern="0" dirty="0">
-                <a:latin typeface="Courier New" charset="0"/>
-              </a:rPr>
-              <a:t>.x = x;</a:t>
-            </a:r>
-          </a:p>
-          <a:p>
-            <a:pPr marL="517525" indent="-403225" eaLnBrk="1" hangingPunct="1">
-              <a:spcBef>
-                <a:spcPct val="20000"/>
-              </a:spcBef>
-              <a:buClr>
-                <a:schemeClr val="accent2"/>
-              </a:buClr>
-              <a:buSzPct val="80000"/>
-              <a:defRPr/>
-            </a:pPr>
-            <a:r>
-              <a:rPr lang="en-US" sz="2800" kern="0" dirty="0">
-                <a:latin typeface="Courier New" charset="0"/>
-              </a:rPr>
-              <a:t>  </a:t>
-            </a:r>
-            <a:r>
-              <a:rPr lang="en-US" sz="2800" kern="0" dirty="0">
-                <a:solidFill>
-                  <a:schemeClr val="bg2">
-                    <a:lumMod val="60000"/>
-                    <a:lumOff val="40000"/>
-                  </a:schemeClr>
-                </a:solidFill>
-                <a:latin typeface="Courier New" charset="0"/>
-              </a:rPr>
-              <a:t>this</a:t>
-            </a:r>
-            <a:r>
-              <a:rPr lang="en-US" sz="2800" kern="0" dirty="0">
-                <a:latin typeface="Courier New" charset="0"/>
-              </a:rPr>
-              <a:t>.y = y;</a:t>
-            </a:r>
-          </a:p>
-          <a:p>
-            <a:pPr marL="517525" indent="-403225" eaLnBrk="1" hangingPunct="1">
-              <a:spcBef>
-                <a:spcPct val="20000"/>
-              </a:spcBef>
-              <a:buClr>
-                <a:schemeClr val="accent2"/>
-              </a:buClr>
-              <a:buSzPct val="80000"/>
-              <a:defRPr/>
-            </a:pPr>
-            <a:r>
-              <a:rPr lang="en-US" sz="2800" kern="0" dirty="0">
-                <a:latin typeface="Courier New" charset="0"/>
-              </a:rPr>
-              <a:t>}</a:t>
-            </a:r>
-          </a:p>
-          <a:p>
-            <a:pPr marL="517525" indent="-403225" eaLnBrk="1" hangingPunct="1">
-              <a:spcBef>
-                <a:spcPct val="20000"/>
-              </a:spcBef>
-              <a:buClr>
-                <a:schemeClr val="accent2"/>
-              </a:buClr>
-              <a:buSzPct val="80000"/>
-              <a:defRPr/>
-            </a:pPr>
-            <a:endParaRPr lang="en-US" sz="2800" kern="0" dirty="0">
-              <a:latin typeface="Courier New" charset="0"/>
-            </a:endParaRPr>
-          </a:p>
-          <a:p>
-            <a:pPr marL="517525" indent="-403225" eaLnBrk="1" hangingPunct="1">
-              <a:spcBef>
-                <a:spcPct val="20000"/>
-              </a:spcBef>
-              <a:buClr>
-                <a:schemeClr val="accent2"/>
-              </a:buClr>
-              <a:buSzPct val="80000"/>
-              <a:defRPr/>
-            </a:pPr>
-            <a:r>
-              <a:rPr lang="en-US" sz="2800" kern="0" dirty="0">
-                <a:solidFill>
-                  <a:schemeClr val="bg2">
-                    <a:lumMod val="60000"/>
-                    <a:lumOff val="40000"/>
-                  </a:schemeClr>
-                </a:solidFill>
-                <a:latin typeface="Courier New" charset="0"/>
-              </a:rPr>
-              <a:t>var</a:t>
-            </a:r>
-            <a:r>
-              <a:rPr lang="en-US" sz="2800" kern="0" dirty="0">
-                <a:latin typeface="Courier New" charset="0"/>
-              </a:rPr>
-              <a:t> v = </a:t>
-            </a:r>
-            <a:r>
-              <a:rPr lang="en-US" sz="2800" kern="0" dirty="0">
-                <a:solidFill>
-                  <a:schemeClr val="bg2">
-                    <a:lumMod val="60000"/>
-                    <a:lumOff val="40000"/>
-                  </a:schemeClr>
-                </a:solidFill>
-                <a:latin typeface="Courier New" charset="0"/>
-              </a:rPr>
-              <a:t>new</a:t>
-            </a:r>
-            <a:r>
-              <a:rPr lang="en-US" sz="2800" kern="0" dirty="0">
-                <a:latin typeface="Courier New" charset="0"/>
-              </a:rPr>
-              <a:t> Vector(1, 2);</a:t>
+            <a:pPr algn="ctr"/>
+            <a:r>
+              <a:rPr lang="en-US" sz="6600" smtClean="0"/>
+              <a:t>JavaScript does object-oriented…</a:t>
             </a:r>
           </a:p>
         </p:txBody>
@@ -39576,7 +39366,7 @@
     </p:spTree>
     <p:extLst>
       <p:ext uri="{BB962C8B-B14F-4D97-AF65-F5344CB8AC3E}">
-        <p14:creationId xmlns:p14="http://schemas.microsoft.com/office/powerpoint/2010/main" val="978726605"/>
+        <p14:creationId xmlns:p14="http://schemas.microsoft.com/office/powerpoint/2010/main" val="227600872"/>
       </p:ext>
     </p:extLst>
   </p:cSld>
@@ -39605,7 +39395,83 @@
       </p:grpSpPr>
       <p:sp>
         <p:nvSpPr>
-          <p:cNvPr id="67586" name="Title 1"/>
+          <p:cNvPr id="66562" name="Rectangle 6"/>
+          <p:cNvSpPr>
+            <a:spLocks noChangeArrowheads="1"/>
+          </p:cNvSpPr>
+          <p:nvPr/>
+        </p:nvSpPr>
+        <p:spPr bwMode="auto">
+          <a:xfrm>
+            <a:off x="2743200" y="5029200"/>
+            <a:ext cx="762000" cy="457200"/>
+          </a:xfrm>
+          <a:prstGeom prst="rect">
+            <a:avLst/>
+          </a:prstGeom>
+          <a:solidFill>
+            <a:srgbClr val="FFFF99">
+              <a:alpha val="50195"/>
+            </a:srgbClr>
+          </a:solidFill>
+          <a:ln w="9525">
+            <a:solidFill>
+              <a:schemeClr val="tx1"/>
+            </a:solidFill>
+            <a:miter lim="800000"/>
+            <a:headEnd/>
+            <a:tailEnd/>
+          </a:ln>
+        </p:spPr>
+        <p:txBody>
+          <a:bodyPr wrap="none" anchor="ctr"/>
+          <a:lstStyle/>
+          <a:p>
+            <a:endParaRPr lang="en-US"/>
+          </a:p>
+        </p:txBody>
+      </p:sp>
+      <p:sp>
+        <p:nvSpPr>
+          <p:cNvPr id="66563" name="Rectangle 5"/>
+          <p:cNvSpPr>
+            <a:spLocks noChangeArrowheads="1"/>
+          </p:cNvSpPr>
+          <p:nvPr/>
+        </p:nvSpPr>
+        <p:spPr bwMode="auto">
+          <a:xfrm>
+            <a:off x="2971800" y="2438400"/>
+            <a:ext cx="304800" cy="457200"/>
+          </a:xfrm>
+          <a:prstGeom prst="rect">
+            <a:avLst/>
+          </a:prstGeom>
+          <a:solidFill>
+            <a:srgbClr val="FFFF99">
+              <a:alpha val="50195"/>
+            </a:srgbClr>
+          </a:solidFill>
+          <a:ln w="9525">
+            <a:solidFill>
+              <a:schemeClr val="tx1"/>
+            </a:solidFill>
+            <a:miter lim="800000"/>
+            <a:headEnd/>
+            <a:tailEnd/>
+          </a:ln>
+        </p:spPr>
+        <p:txBody>
+          <a:bodyPr wrap="none" anchor="ctr"/>
+          <a:lstStyle/>
+          <a:p>
+            <a:endParaRPr lang="en-US"/>
+          </a:p>
+        </p:txBody>
+      </p:sp>
+      <p:sp>
+        <p:nvSpPr>
+          <p:cNvPr id="66564" name="Title 1"/>
           <p:cNvSpPr>
             <a:spLocks noGrp="1"/>
           </p:cNvSpPr>
@@ -39640,8 +39506,8 @@
         </p:nvSpPr>
         <p:spPr bwMode="auto">
           <a:xfrm>
-            <a:off x="898525" y="2743200"/>
-            <a:ext cx="8016875" cy="2514600"/>
+            <a:off x="898525" y="2438400"/>
+            <a:ext cx="6416675" cy="2514600"/>
           </a:xfrm>
           <a:prstGeom prst="rect">
             <a:avLst/>
@@ -39774,49 +39640,7 @@
               <a:rPr lang="en-US" sz="2800" kern="0" dirty="0">
                 <a:latin typeface="Courier New" charset="0"/>
               </a:rPr>
-              <a:t>  </a:t>
-            </a:r>
-            <a:r>
-              <a:rPr lang="en-US" sz="2800" kern="0" dirty="0" err="1">
-                <a:solidFill>
-                  <a:schemeClr val="bg2">
-                    <a:lumMod val="60000"/>
-                    <a:lumOff val="40000"/>
-                  </a:schemeClr>
-                </a:solidFill>
-                <a:latin typeface="Courier New" charset="0"/>
-              </a:rPr>
-              <a:t>this</a:t>
-            </a:r>
-            <a:r>
-              <a:rPr lang="en-US" sz="2800" kern="0" dirty="0" err="1">
-                <a:latin typeface="Courier New" charset="0"/>
-              </a:rPr>
-              <a:t>.min</a:t>
-            </a:r>
-            <a:r>
-              <a:rPr lang="en-US" sz="2800" kern="0" dirty="0">
-                <a:latin typeface="Courier New" charset="0"/>
-              </a:rPr>
-              <a:t> = </a:t>
-            </a:r>
-            <a:r>
-              <a:rPr lang="en-US" sz="2800" kern="0" dirty="0">
-                <a:solidFill>
-                  <a:schemeClr val="bg2">
-                    <a:lumMod val="60000"/>
-                    <a:lumOff val="40000"/>
-                  </a:schemeClr>
-                </a:solidFill>
-                <a:latin typeface="Courier New" charset="0"/>
-              </a:rPr>
-              <a:t>function</a:t>
-            </a:r>
-            <a:r>
-              <a:rPr lang="en-US" sz="2800" kern="0" dirty="0">
-                <a:latin typeface="Courier New" charset="0"/>
-              </a:rPr>
-              <a:t>() {</a:t>
+              <a:t>}</a:t>
             </a:r>
           </a:p>
           <a:p>
@@ -39830,96 +39654,9 @@
               <a:buSzPct val="80000"/>
               <a:defRPr/>
             </a:pPr>
-            <a:r>
-              <a:rPr lang="en-US" sz="2800" kern="0" dirty="0">
-                <a:latin typeface="Courier New" charset="0"/>
-              </a:rPr>
-              <a:t>    </a:t>
-            </a:r>
-            <a:r>
-              <a:rPr lang="en-US" sz="2800" kern="0" dirty="0">
-                <a:solidFill>
-                  <a:schemeClr val="bg2">
-                    <a:lumMod val="60000"/>
-                    <a:lumOff val="40000"/>
-                  </a:schemeClr>
-                </a:solidFill>
-                <a:latin typeface="Courier New" charset="0"/>
-              </a:rPr>
-              <a:t>return</a:t>
-            </a:r>
-            <a:r>
-              <a:rPr lang="en-US" sz="2800" kern="0" dirty="0">
-                <a:latin typeface="Courier New" charset="0"/>
-              </a:rPr>
-              <a:t> </a:t>
-            </a:r>
-            <a:r>
-              <a:rPr lang="en-US" sz="2800" kern="0" dirty="0">
-                <a:solidFill>
-                  <a:srgbClr val="D60093"/>
-                </a:solidFill>
-                <a:latin typeface="Courier New" charset="0"/>
-              </a:rPr>
-              <a:t>Math</a:t>
-            </a:r>
-            <a:r>
-              <a:rPr lang="en-US" sz="2800" kern="0" dirty="0">
-                <a:latin typeface="Courier New" charset="0"/>
-              </a:rPr>
-              <a:t>.</a:t>
-            </a:r>
-            <a:r>
-              <a:rPr lang="en-US" sz="2800" kern="0" dirty="0">
-                <a:solidFill>
-                  <a:srgbClr val="D60093"/>
-                </a:solidFill>
-                <a:latin typeface="Courier New" charset="0"/>
-              </a:rPr>
-              <a:t>min</a:t>
-            </a:r>
-            <a:r>
-              <a:rPr lang="en-US" sz="2800" kern="0" dirty="0">
-                <a:latin typeface="Courier New" charset="0"/>
-              </a:rPr>
-              <a:t>(</a:t>
-            </a:r>
-            <a:r>
-              <a:rPr lang="en-US" sz="2800" kern="0" dirty="0">
-                <a:solidFill>
-                  <a:schemeClr val="bg2">
-                    <a:lumMod val="60000"/>
-                    <a:lumOff val="40000"/>
-                  </a:schemeClr>
-                </a:solidFill>
-                <a:latin typeface="Courier New" charset="0"/>
-              </a:rPr>
-              <a:t>this</a:t>
-            </a:r>
-            <a:r>
-              <a:rPr lang="en-US" sz="2800" kern="0" dirty="0">
-                <a:latin typeface="Courier New" charset="0"/>
-              </a:rPr>
-              <a:t>.x, </a:t>
-            </a:r>
-            <a:r>
-              <a:rPr lang="en-US" sz="2800" kern="0" dirty="0">
-                <a:solidFill>
-                  <a:schemeClr val="bg2">
-                    <a:lumMod val="60000"/>
-                    <a:lumOff val="40000"/>
-                  </a:schemeClr>
-                </a:solidFill>
-                <a:latin typeface="Courier New" charset="0"/>
-              </a:rPr>
-              <a:t>this</a:t>
-            </a:r>
-            <a:r>
-              <a:rPr lang="en-US" sz="2800" kern="0" dirty="0">
-                <a:latin typeface="Courier New" charset="0"/>
-              </a:rPr>
-              <a:t>.y);</a:t>
-            </a:r>
+            <a:endParaRPr lang="en-US" sz="2800" kern="0" dirty="0">
+              <a:latin typeface="Courier New" charset="0"/>
+            </a:endParaRPr>
           </a:p>
           <a:p>
             <a:pPr marL="517525" indent="-403225" eaLnBrk="1" hangingPunct="1">
@@ -39934,54 +39671,39 @@
             </a:pPr>
             <a:r>
               <a:rPr lang="en-US" sz="2800" kern="0" dirty="0">
+                <a:solidFill>
+                  <a:schemeClr val="bg2">
+                    <a:lumMod val="60000"/>
+                    <a:lumOff val="40000"/>
+                  </a:schemeClr>
+                </a:solidFill>
                 <a:latin typeface="Courier New" charset="0"/>
               </a:rPr>
-              <a:t>  };</a:t>
-            </a:r>
-          </a:p>
-          <a:p>
-            <a:pPr marL="517525" indent="-403225" eaLnBrk="1" hangingPunct="1">
-              <a:spcBef>
-                <a:spcPct val="20000"/>
-              </a:spcBef>
-              <a:buClr>
-                <a:schemeClr val="accent2"/>
-              </a:buClr>
-              <a:buSzPct val="80000"/>
-              <a:defRPr/>
-            </a:pPr>
+              <a:t>var</a:t>
+            </a:r>
             <a:r>
               <a:rPr lang="en-US" sz="2800" kern="0" dirty="0">
                 <a:latin typeface="Courier New" charset="0"/>
               </a:rPr>
-              <a:t>}</a:t>
-            </a:r>
-          </a:p>
-        </p:txBody>
-      </p:sp>
-      <p:sp>
-        <p:nvSpPr>
-          <p:cNvPr id="67588" name="Content Placeholder 2"/>
-          <p:cNvSpPr>
-            <a:spLocks noGrp="1"/>
-          </p:cNvSpPr>
-          <p:nvPr>
-            <p:ph idx="1"/>
-          </p:nvPr>
-        </p:nvSpPr>
-        <p:spPr>
-          <a:xfrm>
-            <a:off x="457200" y="1981200"/>
-            <a:ext cx="8229600" cy="1143000"/>
-          </a:xfrm>
-        </p:spPr>
-        <p:txBody>
-          <a:bodyPr/>
-          <a:lstStyle/>
-          <a:p>
-            <a:r>
-              <a:rPr lang="en-US" smtClean="0"/>
-              <a:t>Objects can have functions:</a:t>
+              <a:t> v = </a:t>
+            </a:r>
+            <a:r>
+              <a:rPr lang="en-US" sz="2800" kern="0" dirty="0">
+                <a:solidFill>
+                  <a:schemeClr val="bg2">
+                    <a:lumMod val="60000"/>
+                    <a:lumOff val="40000"/>
+                  </a:schemeClr>
+                </a:solidFill>
+                <a:latin typeface="Courier New" charset="0"/>
+              </a:rPr>
+              <a:t>new</a:t>
+            </a:r>
+            <a:r>
+              <a:rPr lang="en-US" sz="2800" kern="0" dirty="0">
+                <a:latin typeface="Courier New" charset="0"/>
+              </a:rPr>
+              <a:t> Vector(1, 2);</a:t>
             </a:r>
           </a:p>
         </p:txBody>
@@ -40018,7 +39740,7 @@
     </p:spTree>
     <p:extLst>
       <p:ext uri="{BB962C8B-B14F-4D97-AF65-F5344CB8AC3E}">
-        <p14:creationId xmlns:p14="http://schemas.microsoft.com/office/powerpoint/2010/main" val="2783788455"/>
+        <p14:creationId xmlns:p14="http://schemas.microsoft.com/office/powerpoint/2010/main" val="978726605"/>
       </p:ext>
     </p:extLst>
   </p:cSld>
@@ -40568,7 +40290,7 @@
       </p:grpSpPr>
       <p:sp>
         <p:nvSpPr>
-          <p:cNvPr id="68610" name="Title 1"/>
+          <p:cNvPr id="67586" name="Title 1"/>
           <p:cNvSpPr>
             <a:spLocks noGrp="1"/>
           </p:cNvSpPr>
@@ -40737,7 +40459,49 @@
               <a:rPr lang="en-US" sz="2800" kern="0" dirty="0">
                 <a:latin typeface="Courier New" charset="0"/>
               </a:rPr>
-              <a:t>}</a:t>
+              <a:t>  </a:t>
+            </a:r>
+            <a:r>
+              <a:rPr lang="en-US" sz="2800" kern="0" dirty="0" err="1">
+                <a:solidFill>
+                  <a:schemeClr val="bg2">
+                    <a:lumMod val="60000"/>
+                    <a:lumOff val="40000"/>
+                  </a:schemeClr>
+                </a:solidFill>
+                <a:latin typeface="Courier New" charset="0"/>
+              </a:rPr>
+              <a:t>this</a:t>
+            </a:r>
+            <a:r>
+              <a:rPr lang="en-US" sz="2800" kern="0" dirty="0" err="1">
+                <a:latin typeface="Courier New" charset="0"/>
+              </a:rPr>
+              <a:t>.min</a:t>
+            </a:r>
+            <a:r>
+              <a:rPr lang="en-US" sz="2800" kern="0" dirty="0">
+                <a:latin typeface="Courier New" charset="0"/>
+              </a:rPr>
+              <a:t> = </a:t>
+            </a:r>
+            <a:r>
+              <a:rPr lang="en-US" sz="2800" kern="0" dirty="0">
+                <a:solidFill>
+                  <a:schemeClr val="bg2">
+                    <a:lumMod val="60000"/>
+                    <a:lumOff val="40000"/>
+                  </a:schemeClr>
+                </a:solidFill>
+                <a:latin typeface="Courier New" charset="0"/>
+              </a:rPr>
+              <a:t>function</a:t>
+            </a:r>
+            <a:r>
+              <a:rPr lang="en-US" sz="2800" kern="0" dirty="0">
+                <a:latin typeface="Courier New" charset="0"/>
+              </a:rPr>
+              <a:t>() {</a:t>
             </a:r>
           </a:p>
           <a:p>
@@ -40751,9 +40515,96 @@
               <a:buSzPct val="80000"/>
               <a:defRPr/>
             </a:pPr>
-            <a:endParaRPr lang="en-US" sz="2800" kern="0" dirty="0">
-              <a:latin typeface="Courier New" charset="0"/>
-            </a:endParaRPr>
+            <a:r>
+              <a:rPr lang="en-US" sz="2800" kern="0" dirty="0">
+                <a:latin typeface="Courier New" charset="0"/>
+              </a:rPr>
+              <a:t>    </a:t>
+            </a:r>
+            <a:r>
+              <a:rPr lang="en-US" sz="2800" kern="0" dirty="0">
+                <a:solidFill>
+                  <a:schemeClr val="bg2">
+                    <a:lumMod val="60000"/>
+                    <a:lumOff val="40000"/>
+                  </a:schemeClr>
+                </a:solidFill>
+                <a:latin typeface="Courier New" charset="0"/>
+              </a:rPr>
+              <a:t>return</a:t>
+            </a:r>
+            <a:r>
+              <a:rPr lang="en-US" sz="2800" kern="0" dirty="0">
+                <a:latin typeface="Courier New" charset="0"/>
+              </a:rPr>
+              <a:t> </a:t>
+            </a:r>
+            <a:r>
+              <a:rPr lang="en-US" sz="2800" kern="0" dirty="0">
+                <a:solidFill>
+                  <a:srgbClr val="D60093"/>
+                </a:solidFill>
+                <a:latin typeface="Courier New" charset="0"/>
+              </a:rPr>
+              <a:t>Math</a:t>
+            </a:r>
+            <a:r>
+              <a:rPr lang="en-US" sz="2800" kern="0" dirty="0">
+                <a:latin typeface="Courier New" charset="0"/>
+              </a:rPr>
+              <a:t>.</a:t>
+            </a:r>
+            <a:r>
+              <a:rPr lang="en-US" sz="2800" kern="0" dirty="0">
+                <a:solidFill>
+                  <a:srgbClr val="D60093"/>
+                </a:solidFill>
+                <a:latin typeface="Courier New" charset="0"/>
+              </a:rPr>
+              <a:t>min</a:t>
+            </a:r>
+            <a:r>
+              <a:rPr lang="en-US" sz="2800" kern="0" dirty="0">
+                <a:latin typeface="Courier New" charset="0"/>
+              </a:rPr>
+              <a:t>(</a:t>
+            </a:r>
+            <a:r>
+              <a:rPr lang="en-US" sz="2800" kern="0" dirty="0">
+                <a:solidFill>
+                  <a:schemeClr val="bg2">
+                    <a:lumMod val="60000"/>
+                    <a:lumOff val="40000"/>
+                  </a:schemeClr>
+                </a:solidFill>
+                <a:latin typeface="Courier New" charset="0"/>
+              </a:rPr>
+              <a:t>this</a:t>
+            </a:r>
+            <a:r>
+              <a:rPr lang="en-US" sz="2800" kern="0" dirty="0">
+                <a:latin typeface="Courier New" charset="0"/>
+              </a:rPr>
+              <a:t>.x, </a:t>
+            </a:r>
+            <a:r>
+              <a:rPr lang="en-US" sz="2800" kern="0" dirty="0">
+                <a:solidFill>
+                  <a:schemeClr val="bg2">
+                    <a:lumMod val="60000"/>
+                    <a:lumOff val="40000"/>
+                  </a:schemeClr>
+                </a:solidFill>
+                <a:latin typeface="Courier New" charset="0"/>
+              </a:rPr>
+              <a:t>this</a:t>
+            </a:r>
+            <a:r>
+              <a:rPr lang="en-US" sz="2800" kern="0" dirty="0">
+                <a:latin typeface="Courier New" charset="0"/>
+              </a:rPr>
+              <a:t>.y);</a:t>
+            </a:r>
           </a:p>
           <a:p>
             <a:pPr marL="517525" indent="-403225" eaLnBrk="1" hangingPunct="1">
@@ -40767,34 +40618,10 @@
               <a:defRPr/>
             </a:pPr>
             <a:r>
-              <a:rPr lang="en-US" sz="2800" kern="0" dirty="0" err="1">
-                <a:latin typeface="Courier New" charset="0"/>
-              </a:rPr>
-              <a:t>Vector.prototype.min</a:t>
-            </a:r>
-            <a:r>
               <a:rPr lang="en-US" sz="2800" kern="0" dirty="0">
                 <a:latin typeface="Courier New" charset="0"/>
               </a:rPr>
-              <a:t> = </a:t>
-            </a:r>
-            <a:r>
-              <a:rPr lang="en-US" sz="2800" kern="0" dirty="0">
-                <a:solidFill>
-                  <a:schemeClr val="bg2">
-                    <a:lumMod val="60000"/>
-                    <a:lumOff val="40000"/>
-                  </a:schemeClr>
-                </a:solidFill>
-                <a:latin typeface="Courier New" charset="0"/>
-              </a:rPr>
-              <a:t>function</a:t>
-            </a:r>
-            <a:r>
-              <a:rPr lang="en-US" sz="2800" kern="0" dirty="0">
-                <a:latin typeface="Courier New" charset="0"/>
-              </a:rPr>
-              <a:t>() {</a:t>
+              <a:t>  };</a:t>
             </a:r>
           </a:p>
           <a:p>
@@ -40812,86 +40639,14 @@
               <a:rPr lang="en-US" sz="2800" kern="0" dirty="0">
                 <a:latin typeface="Courier New" charset="0"/>
               </a:rPr>
-              <a:t>  </a:t>
-            </a:r>
-            <a:r>
-              <a:rPr lang="en-US" sz="2800" kern="0" dirty="0">
-                <a:solidFill>
-                  <a:schemeClr val="bg2">
-                    <a:lumMod val="60000"/>
-                    <a:lumOff val="40000"/>
-                  </a:schemeClr>
-                </a:solidFill>
-                <a:latin typeface="Courier New" charset="0"/>
-              </a:rPr>
-              <a:t>return</a:t>
-            </a:r>
-            <a:r>
-              <a:rPr lang="en-US" sz="2800" kern="0" dirty="0">
-                <a:latin typeface="Courier New" charset="0"/>
-              </a:rPr>
-              <a:t> Math.min(</a:t>
-            </a:r>
-            <a:r>
-              <a:rPr lang="en-US" sz="2800" kern="0" dirty="0">
-                <a:solidFill>
-                  <a:schemeClr val="bg2">
-                    <a:lumMod val="60000"/>
-                    <a:lumOff val="40000"/>
-                  </a:schemeClr>
-                </a:solidFill>
-                <a:latin typeface="Courier New" charset="0"/>
-              </a:rPr>
-              <a:t>this</a:t>
-            </a:r>
-            <a:r>
-              <a:rPr lang="en-US" sz="2800" kern="0" dirty="0">
-                <a:latin typeface="Courier New" charset="0"/>
-              </a:rPr>
-              <a:t>.x, </a:t>
-            </a:r>
-            <a:r>
-              <a:rPr lang="en-US" sz="2800" kern="0" dirty="0">
-                <a:solidFill>
-                  <a:schemeClr val="bg2">
-                    <a:lumMod val="60000"/>
-                    <a:lumOff val="40000"/>
-                  </a:schemeClr>
-                </a:solidFill>
-                <a:latin typeface="Courier New" charset="0"/>
-              </a:rPr>
-              <a:t>this</a:t>
-            </a:r>
-            <a:r>
-              <a:rPr lang="en-US" sz="2800" kern="0" dirty="0">
-                <a:latin typeface="Courier New" charset="0"/>
-              </a:rPr>
-              <a:t>.y);</a:t>
-            </a:r>
-          </a:p>
-          <a:p>
-            <a:pPr marL="517525" indent="-403225" eaLnBrk="1" hangingPunct="1">
-              <a:spcBef>
-                <a:spcPct val="20000"/>
-              </a:spcBef>
-              <a:buClr>
-                <a:schemeClr val="accent2"/>
-              </a:buClr>
-              <a:buSzPct val="80000"/>
-              <a:defRPr/>
-            </a:pPr>
-            <a:r>
-              <a:rPr lang="en-US" sz="2800" kern="0" dirty="0">
-                <a:latin typeface="Courier New" charset="0"/>
-              </a:rPr>
-              <a:t>};</a:t>
+              <a:t>}</a:t>
             </a:r>
           </a:p>
         </p:txBody>
       </p:sp>
       <p:sp>
         <p:nvSpPr>
-          <p:cNvPr id="68612" name="Content Placeholder 2"/>
+          <p:cNvPr id="67588" name="Content Placeholder 2"/>
           <p:cNvSpPr>
             <a:spLocks noGrp="1"/>
           </p:cNvSpPr>
@@ -40902,7 +40657,7 @@
         <p:spPr>
           <a:xfrm>
             <a:off x="457200" y="1981200"/>
-            <a:ext cx="8229600" cy="685800"/>
+            <a:ext cx="8229600" cy="1143000"/>
           </a:xfrm>
         </p:spPr>
         <p:txBody>
@@ -40911,7 +40666,7 @@
           <a:p>
             <a:r>
               <a:rPr lang="en-US" smtClean="0"/>
-              <a:t>Objects have prototypes:</a:t>
+              <a:t>Objects can have functions:</a:t>
             </a:r>
           </a:p>
         </p:txBody>
@@ -40948,7 +40703,7 @@
     </p:spTree>
     <p:extLst>
       <p:ext uri="{BB962C8B-B14F-4D97-AF65-F5344CB8AC3E}">
-        <p14:creationId xmlns:p14="http://schemas.microsoft.com/office/powerpoint/2010/main" val="1719271757"/>
+        <p14:creationId xmlns:p14="http://schemas.microsoft.com/office/powerpoint/2010/main" val="2783788455"/>
       </p:ext>
     </p:extLst>
   </p:cSld>
@@ -40977,7 +40732,7 @@
       </p:grpSpPr>
       <p:sp>
         <p:nvSpPr>
-          <p:cNvPr id="69634" name="Title 1"/>
+          <p:cNvPr id="68610" name="Title 1"/>
           <p:cNvSpPr>
             <a:spLocks noGrp="1"/>
           </p:cNvSpPr>
@@ -40988,7 +40743,7 @@
         <p:spPr>
           <a:xfrm>
             <a:off x="457200" y="457200"/>
-            <a:ext cx="8763000" cy="1371600"/>
+            <a:ext cx="8534400" cy="1371600"/>
           </a:xfrm>
         </p:spPr>
         <p:txBody>
@@ -40997,52 +40752,14 @@
           <a:p>
             <a:r>
               <a:rPr lang="en-US" smtClean="0"/>
-              <a:t>JavaScript Polymorphism</a:t>
+              <a:t>JavaScript Constructor Functions</a:t>
             </a:r>
           </a:p>
         </p:txBody>
       </p:sp>
       <p:sp>
         <p:nvSpPr>
-          <p:cNvPr id="3" name="Content Placeholder 2"/>
-          <p:cNvSpPr>
-            <a:spLocks noGrp="1"/>
-          </p:cNvSpPr>
-          <p:nvPr>
-            <p:ph idx="1"/>
-          </p:nvPr>
-        </p:nvSpPr>
-        <p:spPr>
-          <a:xfrm>
-            <a:off x="457200" y="1981200"/>
-            <a:ext cx="8229600" cy="4267200"/>
-          </a:xfrm>
-        </p:spPr>
-        <p:txBody>
-          <a:bodyPr/>
-          <a:lstStyle/>
-          <a:p>
-            <a:pPr>
-              <a:defRPr/>
-            </a:pPr>
-            <a:r>
-              <a:rPr lang="en-US" dirty="0" smtClean="0"/>
-              <a:t>No need for virtual functions</a:t>
-            </a:r>
-          </a:p>
-          <a:p>
-            <a:pPr marL="0" indent="0">
-              <a:buFont typeface="Wingdings" pitchFamily="2" charset="2"/>
-              <a:buNone/>
-              <a:defRPr/>
-            </a:pPr>
-            <a:endParaRPr lang="en-US" dirty="0"/>
-          </a:p>
-        </p:txBody>
-      </p:sp>
-      <p:sp>
-        <p:nvSpPr>
-          <p:cNvPr id="5" name="Rectangle 3"/>
+          <p:cNvPr id="4" name="Rectangle 3"/>
           <p:cNvSpPr txBox="1">
             <a:spLocks noChangeArrowheads="1"/>
           </p:cNvSpPr>
@@ -41050,8 +40767,8 @@
         </p:nvSpPr>
         <p:spPr bwMode="auto">
           <a:xfrm>
-            <a:off x="898525" y="2971800"/>
-            <a:ext cx="7788275" cy="3733800"/>
+            <a:off x="898525" y="2743200"/>
+            <a:ext cx="8016875" cy="2514600"/>
           </a:xfrm>
           <a:prstGeom prst="rect">
             <a:avLst/>
@@ -41094,7 +40811,7 @@
               <a:rPr lang="en-US" sz="2800" kern="0" dirty="0">
                 <a:latin typeface="Courier New" charset="0"/>
               </a:rPr>
-              <a:t> draw(model) {</a:t>
+              <a:t> Vector(x, y) {</a:t>
             </a:r>
           </a:p>
           <a:p>
@@ -41115,16 +40832,22 @@
               <a:t>  </a:t>
             </a:r>
             <a:r>
-              <a:rPr lang="en-US" sz="2800" kern="0" dirty="0" err="1">
+              <a:rPr lang="en-US" sz="2800" kern="0" dirty="0">
+                <a:solidFill>
+                  <a:schemeClr val="bg2">
+                    <a:lumMod val="60000"/>
+                    <a:lumOff val="40000"/>
+                  </a:schemeClr>
+                </a:solidFill>
                 <a:latin typeface="Courier New" charset="0"/>
               </a:rPr>
-              <a:t>model.setRenderState</a:t>
+              <a:t>this</a:t>
             </a:r>
             <a:r>
               <a:rPr lang="en-US" sz="2800" kern="0" dirty="0">
                 <a:latin typeface="Courier New" charset="0"/>
               </a:rPr>
-              <a:t>();</a:t>
+              <a:t>.x = x;</a:t>
             </a:r>
           </a:p>
           <a:p>
@@ -41145,16 +40868,22 @@
               <a:t>  </a:t>
             </a:r>
             <a:r>
-              <a:rPr lang="en-US" sz="2800" kern="0" dirty="0" err="1">
+              <a:rPr lang="en-US" sz="2800" kern="0" dirty="0">
+                <a:solidFill>
+                  <a:schemeClr val="bg2">
+                    <a:lumMod val="60000"/>
+                    <a:lumOff val="40000"/>
+                  </a:schemeClr>
+                </a:solidFill>
                 <a:latin typeface="Courier New" charset="0"/>
               </a:rPr>
-              <a:t>model.render</a:t>
+              <a:t>this</a:t>
             </a:r>
             <a:r>
               <a:rPr lang="en-US" sz="2800" kern="0" dirty="0">
                 <a:latin typeface="Courier New" charset="0"/>
               </a:rPr>
-              <a:t>();</a:t>
+              <a:t>.y = y;</a:t>
             </a:r>
           </a:p>
           <a:p>
@@ -41189,6 +40918,165 @@
             <a:endParaRPr lang="en-US" sz="2800" kern="0" dirty="0">
               <a:latin typeface="Courier New" charset="0"/>
             </a:endParaRPr>
+          </a:p>
+          <a:p>
+            <a:pPr marL="517525" indent="-403225" eaLnBrk="1" hangingPunct="1">
+              <a:spcBef>
+                <a:spcPct val="20000"/>
+              </a:spcBef>
+              <a:buClr>
+                <a:schemeClr val="accent2"/>
+              </a:buClr>
+              <a:buSzPct val="80000"/>
+              <a:defRPr/>
+            </a:pPr>
+            <a:r>
+              <a:rPr lang="en-US" sz="2800" kern="0" dirty="0" err="1">
+                <a:latin typeface="Courier New" charset="0"/>
+              </a:rPr>
+              <a:t>Vector.prototype.min</a:t>
+            </a:r>
+            <a:r>
+              <a:rPr lang="en-US" sz="2800" kern="0" dirty="0">
+                <a:latin typeface="Courier New" charset="0"/>
+              </a:rPr>
+              <a:t> = </a:t>
+            </a:r>
+            <a:r>
+              <a:rPr lang="en-US" sz="2800" kern="0" dirty="0">
+                <a:solidFill>
+                  <a:schemeClr val="bg2">
+                    <a:lumMod val="60000"/>
+                    <a:lumOff val="40000"/>
+                  </a:schemeClr>
+                </a:solidFill>
+                <a:latin typeface="Courier New" charset="0"/>
+              </a:rPr>
+              <a:t>function</a:t>
+            </a:r>
+            <a:r>
+              <a:rPr lang="en-US" sz="2800" kern="0" dirty="0">
+                <a:latin typeface="Courier New" charset="0"/>
+              </a:rPr>
+              <a:t>() {</a:t>
+            </a:r>
+          </a:p>
+          <a:p>
+            <a:pPr marL="517525" indent="-403225" eaLnBrk="1" hangingPunct="1">
+              <a:spcBef>
+                <a:spcPct val="20000"/>
+              </a:spcBef>
+              <a:buClr>
+                <a:schemeClr val="accent2"/>
+              </a:buClr>
+              <a:buSzPct val="80000"/>
+              <a:defRPr/>
+            </a:pPr>
+            <a:r>
+              <a:rPr lang="en-US" sz="2800" kern="0" dirty="0">
+                <a:latin typeface="Courier New" charset="0"/>
+              </a:rPr>
+              <a:t>  </a:t>
+            </a:r>
+            <a:r>
+              <a:rPr lang="en-US" sz="2800" kern="0" dirty="0">
+                <a:solidFill>
+                  <a:schemeClr val="bg2">
+                    <a:lumMod val="60000"/>
+                    <a:lumOff val="40000"/>
+                  </a:schemeClr>
+                </a:solidFill>
+                <a:latin typeface="Courier New" charset="0"/>
+              </a:rPr>
+              <a:t>return</a:t>
+            </a:r>
+            <a:r>
+              <a:rPr lang="en-US" sz="2800" kern="0" dirty="0">
+                <a:latin typeface="Courier New" charset="0"/>
+              </a:rPr>
+              <a:t> Math.min(</a:t>
+            </a:r>
+            <a:r>
+              <a:rPr lang="en-US" sz="2800" kern="0" dirty="0">
+                <a:solidFill>
+                  <a:schemeClr val="bg2">
+                    <a:lumMod val="60000"/>
+                    <a:lumOff val="40000"/>
+                  </a:schemeClr>
+                </a:solidFill>
+                <a:latin typeface="Courier New" charset="0"/>
+              </a:rPr>
+              <a:t>this</a:t>
+            </a:r>
+            <a:r>
+              <a:rPr lang="en-US" sz="2800" kern="0" dirty="0">
+                <a:latin typeface="Courier New" charset="0"/>
+              </a:rPr>
+              <a:t>.x, </a:t>
+            </a:r>
+            <a:r>
+              <a:rPr lang="en-US" sz="2800" kern="0" dirty="0">
+                <a:solidFill>
+                  <a:schemeClr val="bg2">
+                    <a:lumMod val="60000"/>
+                    <a:lumOff val="40000"/>
+                  </a:schemeClr>
+                </a:solidFill>
+                <a:latin typeface="Courier New" charset="0"/>
+              </a:rPr>
+              <a:t>this</a:t>
+            </a:r>
+            <a:r>
+              <a:rPr lang="en-US" sz="2800" kern="0" dirty="0">
+                <a:latin typeface="Courier New" charset="0"/>
+              </a:rPr>
+              <a:t>.y);</a:t>
+            </a:r>
+          </a:p>
+          <a:p>
+            <a:pPr marL="517525" indent="-403225" eaLnBrk="1" hangingPunct="1">
+              <a:spcBef>
+                <a:spcPct val="20000"/>
+              </a:spcBef>
+              <a:buClr>
+                <a:schemeClr val="accent2"/>
+              </a:buClr>
+              <a:buSzPct val="80000"/>
+              <a:defRPr/>
+            </a:pPr>
+            <a:r>
+              <a:rPr lang="en-US" sz="2800" kern="0" dirty="0">
+                <a:latin typeface="Courier New" charset="0"/>
+              </a:rPr>
+              <a:t>};</a:t>
+            </a:r>
+          </a:p>
+        </p:txBody>
+      </p:sp>
+      <p:sp>
+        <p:nvSpPr>
+          <p:cNvPr id="68612" name="Content Placeholder 2"/>
+          <p:cNvSpPr>
+            <a:spLocks noGrp="1"/>
+          </p:cNvSpPr>
+          <p:nvPr>
+            <p:ph idx="1"/>
+          </p:nvPr>
+        </p:nvSpPr>
+        <p:spPr>
+          <a:xfrm>
+            <a:off x="457200" y="1981200"/>
+            <a:ext cx="8229600" cy="685800"/>
+          </a:xfrm>
+        </p:spPr>
+        <p:txBody>
+          <a:bodyPr/>
+          <a:lstStyle/>
+          <a:p>
+            <a:r>
+              <a:rPr lang="en-US" smtClean="0"/>
+              <a:t>Objects have prototypes:</a:t>
+            </a:r>
           </a:p>
         </p:txBody>
       </p:sp>
@@ -41224,7 +41112,7 @@
     </p:spTree>
     <p:extLst>
       <p:ext uri="{BB962C8B-B14F-4D97-AF65-F5344CB8AC3E}">
-        <p14:creationId xmlns:p14="http://schemas.microsoft.com/office/powerpoint/2010/main" val="2735628237"/>
+        <p14:creationId xmlns:p14="http://schemas.microsoft.com/office/powerpoint/2010/main" val="1719271757"/>
       </p:ext>
     </p:extLst>
   </p:cSld>
@@ -41253,6 +41141,282 @@
       </p:grpSpPr>
       <p:sp>
         <p:nvSpPr>
+          <p:cNvPr id="69634" name="Title 1"/>
+          <p:cNvSpPr>
+            <a:spLocks noGrp="1"/>
+          </p:cNvSpPr>
+          <p:nvPr>
+            <p:ph type="title"/>
+          </p:nvPr>
+        </p:nvSpPr>
+        <p:spPr>
+          <a:xfrm>
+            <a:off x="457200" y="457200"/>
+            <a:ext cx="8763000" cy="1371600"/>
+          </a:xfrm>
+        </p:spPr>
+        <p:txBody>
+          <a:bodyPr/>
+          <a:lstStyle/>
+          <a:p>
+            <a:r>
+              <a:rPr lang="en-US" smtClean="0"/>
+              <a:t>JavaScript Polymorphism</a:t>
+            </a:r>
+          </a:p>
+        </p:txBody>
+      </p:sp>
+      <p:sp>
+        <p:nvSpPr>
+          <p:cNvPr id="3" name="Content Placeholder 2"/>
+          <p:cNvSpPr>
+            <a:spLocks noGrp="1"/>
+          </p:cNvSpPr>
+          <p:nvPr>
+            <p:ph idx="1"/>
+          </p:nvPr>
+        </p:nvSpPr>
+        <p:spPr>
+          <a:xfrm>
+            <a:off x="457200" y="1981200"/>
+            <a:ext cx="8229600" cy="4267200"/>
+          </a:xfrm>
+        </p:spPr>
+        <p:txBody>
+          <a:bodyPr/>
+          <a:lstStyle/>
+          <a:p>
+            <a:pPr>
+              <a:defRPr/>
+            </a:pPr>
+            <a:r>
+              <a:rPr lang="en-US" dirty="0" smtClean="0"/>
+              <a:t>No need for virtual functions</a:t>
+            </a:r>
+          </a:p>
+          <a:p>
+            <a:pPr marL="0" indent="0">
+              <a:buFont typeface="Wingdings" pitchFamily="2" charset="2"/>
+              <a:buNone/>
+              <a:defRPr/>
+            </a:pPr>
+            <a:endParaRPr lang="en-US" dirty="0"/>
+          </a:p>
+        </p:txBody>
+      </p:sp>
+      <p:sp>
+        <p:nvSpPr>
+          <p:cNvPr id="5" name="Rectangle 3"/>
+          <p:cNvSpPr txBox="1">
+            <a:spLocks noChangeArrowheads="1"/>
+          </p:cNvSpPr>
+          <p:nvPr/>
+        </p:nvSpPr>
+        <p:spPr bwMode="auto">
+          <a:xfrm>
+            <a:off x="898525" y="2971800"/>
+            <a:ext cx="7788275" cy="3733800"/>
+          </a:xfrm>
+          <a:prstGeom prst="rect">
+            <a:avLst/>
+          </a:prstGeom>
+          <a:noFill/>
+          <a:ln w="9525">
+            <a:noFill/>
+            <a:miter lim="800000"/>
+            <a:headEnd/>
+            <a:tailEnd/>
+          </a:ln>
+        </p:spPr>
+        <p:txBody>
+          <a:bodyPr/>
+          <a:lstStyle/>
+          <a:p>
+            <a:pPr marL="517525" indent="-403225" eaLnBrk="1" hangingPunct="1">
+              <a:spcBef>
+                <a:spcPct val="20000"/>
+              </a:spcBef>
+              <a:buClr>
+                <a:schemeClr val="accent2"/>
+              </a:buClr>
+              <a:buSzPct val="80000"/>
+              <a:defRPr/>
+            </a:pPr>
+            <a:r>
+              <a:rPr lang="en-US" sz="2800" kern="0" dirty="0">
+                <a:solidFill>
+                  <a:schemeClr val="bg2">
+                    <a:lumMod val="60000"/>
+                    <a:lumOff val="40000"/>
+                  </a:schemeClr>
+                </a:solidFill>
+                <a:latin typeface="Courier New" charset="0"/>
+              </a:rPr>
+              <a:t>function</a:t>
+            </a:r>
+            <a:r>
+              <a:rPr lang="en-US" sz="2800" kern="0" dirty="0">
+                <a:latin typeface="Courier New" charset="0"/>
+              </a:rPr>
+              <a:t> draw(model) {</a:t>
+            </a:r>
+          </a:p>
+          <a:p>
+            <a:pPr marL="517525" indent="-403225" eaLnBrk="1" hangingPunct="1">
+              <a:spcBef>
+                <a:spcPct val="20000"/>
+              </a:spcBef>
+              <a:buClr>
+                <a:schemeClr val="accent2"/>
+              </a:buClr>
+              <a:buSzPct val="80000"/>
+              <a:defRPr/>
+            </a:pPr>
+            <a:r>
+              <a:rPr lang="en-US" sz="2800" kern="0" dirty="0">
+                <a:latin typeface="Courier New" charset="0"/>
+              </a:rPr>
+              <a:t>  </a:t>
+            </a:r>
+            <a:r>
+              <a:rPr lang="en-US" sz="2800" kern="0" dirty="0" err="1">
+                <a:latin typeface="Courier New" charset="0"/>
+              </a:rPr>
+              <a:t>model.setRenderState</a:t>
+            </a:r>
+            <a:r>
+              <a:rPr lang="en-US" sz="2800" kern="0" dirty="0">
+                <a:latin typeface="Courier New" charset="0"/>
+              </a:rPr>
+              <a:t>();</a:t>
+            </a:r>
+          </a:p>
+          <a:p>
+            <a:pPr marL="517525" indent="-403225" eaLnBrk="1" hangingPunct="1">
+              <a:spcBef>
+                <a:spcPct val="20000"/>
+              </a:spcBef>
+              <a:buClr>
+                <a:schemeClr val="accent2"/>
+              </a:buClr>
+              <a:buSzPct val="80000"/>
+              <a:defRPr/>
+            </a:pPr>
+            <a:r>
+              <a:rPr lang="en-US" sz="2800" kern="0" dirty="0">
+                <a:latin typeface="Courier New" charset="0"/>
+              </a:rPr>
+              <a:t>  </a:t>
+            </a:r>
+            <a:r>
+              <a:rPr lang="en-US" sz="2800" kern="0" dirty="0" err="1">
+                <a:latin typeface="Courier New" charset="0"/>
+              </a:rPr>
+              <a:t>model.render</a:t>
+            </a:r>
+            <a:r>
+              <a:rPr lang="en-US" sz="2800" kern="0" dirty="0">
+                <a:latin typeface="Courier New" charset="0"/>
+              </a:rPr>
+              <a:t>();</a:t>
+            </a:r>
+          </a:p>
+          <a:p>
+            <a:pPr marL="517525" indent="-403225" eaLnBrk="1" hangingPunct="1">
+              <a:spcBef>
+                <a:spcPct val="20000"/>
+              </a:spcBef>
+              <a:buClr>
+                <a:schemeClr val="accent2"/>
+              </a:buClr>
+              <a:buSzPct val="80000"/>
+              <a:defRPr/>
+            </a:pPr>
+            <a:r>
+              <a:rPr lang="en-US" sz="2800" kern="0" dirty="0">
+                <a:latin typeface="Courier New" charset="0"/>
+              </a:rPr>
+              <a:t>}</a:t>
+            </a:r>
+          </a:p>
+          <a:p>
+            <a:pPr marL="517525" indent="-403225" eaLnBrk="1" hangingPunct="1">
+              <a:spcBef>
+                <a:spcPct val="20000"/>
+              </a:spcBef>
+              <a:buClr>
+                <a:schemeClr val="accent2"/>
+              </a:buClr>
+              <a:buSzPct val="80000"/>
+              <a:defRPr/>
+            </a:pPr>
+            <a:endParaRPr lang="en-US" sz="2800" kern="0" dirty="0">
+              <a:latin typeface="Courier New" charset="0"/>
+            </a:endParaRPr>
+          </a:p>
+        </p:txBody>
+      </p:sp>
+      <p:sp>
+        <p:nvSpPr>
+          <p:cNvPr id="2" name="Slide Number Placeholder 1"/>
+          <p:cNvSpPr>
+            <a:spLocks noGrp="1"/>
+          </p:cNvSpPr>
+          <p:nvPr>
+            <p:ph type="sldNum" sz="quarter" idx="11"/>
+          </p:nvPr>
+        </p:nvSpPr>
+        <p:spPr/>
+        <p:txBody>
+          <a:bodyPr/>
+          <a:lstStyle/>
+          <a:p>
+            <a:pPr>
+              <a:defRPr/>
+            </a:pPr>
+            <a:fld id="{91191E71-0304-44EC-9C02-17D54F455140}" type="slidenum">
+              <a:rPr lang="en-US" smtClean="0"/>
+              <a:pPr>
+                <a:defRPr/>
+              </a:pPr>
+              <a:t>72</a:t>
+            </a:fld>
+            <a:endParaRPr lang="en-US"/>
+          </a:p>
+        </p:txBody>
+      </p:sp>
+    </p:spTree>
+    <p:extLst>
+      <p:ext uri="{BB962C8B-B14F-4D97-AF65-F5344CB8AC3E}">
+        <p14:creationId xmlns:p14="http://schemas.microsoft.com/office/powerpoint/2010/main" val="2735628237"/>
+      </p:ext>
+    </p:extLst>
+  </p:cSld>
+  <p:clrMapOvr>
+    <a:masterClrMapping/>
+  </p:clrMapOvr>
+</p:sld>
+</file>
+
+<file path=ppt/slides/slide73.xml><?xml version="1.0" encoding="utf-8"?>
+<p:sld xmlns:a="http://schemas.openxmlformats.org/drawingml/2006/main" xmlns:r="http://schemas.openxmlformats.org/officeDocument/2006/relationships" xmlns:p="http://schemas.openxmlformats.org/presentationml/2006/main">
+  <p:cSld>
+    <p:spTree>
+      <p:nvGrpSpPr>
+        <p:cNvPr id="1" name=""/>
+        <p:cNvGrpSpPr/>
+        <p:nvPr/>
+      </p:nvGrpSpPr>
+      <p:grpSpPr>
+        <a:xfrm>
+          <a:off x="0" y="0"/>
+          <a:ext cx="0" cy="0"/>
+          <a:chOff x="0" y="0"/>
+          <a:chExt cx="0" cy="0"/>
+        </a:xfrm>
+      </p:grpSpPr>
+      <p:sp>
+        <p:nvSpPr>
           <p:cNvPr id="70658" name="Title 1"/>
           <p:cNvSpPr>
             <a:spLocks noGrp="1"/>
@@ -41569,7 +41733,7 @@
               <a:pPr>
                 <a:defRPr/>
               </a:pPr>
-              <a:t>72</a:t>
+              <a:t>73</a:t>
             </a:fld>
             <a:endParaRPr lang="en-US"/>
           </a:p>
@@ -41588,7 +41752,7 @@
 </p:sld>
 </file>
 
-<file path=ppt/slides/slide73.xml><?xml version="1.0" encoding="utf-8"?>
+<file path=ppt/slides/slide74.xml><?xml version="1.0" encoding="utf-8"?>
 <p:sld xmlns:a="http://schemas.openxmlformats.org/drawingml/2006/main" xmlns:r="http://schemas.openxmlformats.org/officeDocument/2006/relationships" xmlns:p="http://schemas.openxmlformats.org/presentationml/2006/main">
   <p:cSld>
     <p:spTree>
@@ -42939,7 +43103,7 @@
               <a:pPr>
                 <a:defRPr/>
               </a:pPr>
-              <a:t>73</a:t>
+              <a:t>74</a:t>
             </a:fld>
             <a:endParaRPr lang="en-US"/>
           </a:p>
@@ -42958,7 +43122,7 @@
 </p:sld>
 </file>
 
-<file path=ppt/slides/slide74.xml><?xml version="1.0" encoding="utf-8"?>
+<file path=ppt/slides/slide75.xml><?xml version="1.0" encoding="utf-8"?>
 <p:sld xmlns:a="http://schemas.openxmlformats.org/drawingml/2006/main" xmlns:r="http://schemas.openxmlformats.org/officeDocument/2006/relationships" xmlns:p="http://schemas.openxmlformats.org/presentationml/2006/main">
   <p:cSld>
     <p:spTree>
@@ -43072,7 +43236,7 @@
               <a:pPr>
                 <a:defRPr/>
               </a:pPr>
-              <a:t>74</a:t>
+              <a:t>75</a:t>
             </a:fld>
             <a:endParaRPr lang="en-US"/>
           </a:p>
